--- a/ppt/Chapter 11.pptx
+++ b/ppt/Chapter 11.pptx
@@ -11,9 +11,9 @@
     <p:handoutMasterId r:id="rId129"/>
   </p:handoutMasterIdLst>
   <p:sldIdLst>
-    <p:sldId id="411" r:id="rId2"/>
+    <p:sldId id="429" r:id="rId2"/>
     <p:sldId id="298" r:id="rId3"/>
-    <p:sldId id="299" r:id="rId4"/>
+    <p:sldId id="430" r:id="rId4"/>
     <p:sldId id="302" r:id="rId5"/>
     <p:sldId id="303" r:id="rId6"/>
     <p:sldId id="304" r:id="rId7"/>
@@ -45,7 +45,7 @@
     <p:sldId id="330" r:id="rId33"/>
     <p:sldId id="331" r:id="rId34"/>
     <p:sldId id="332" r:id="rId35"/>
-    <p:sldId id="414" r:id="rId36"/>
+    <p:sldId id="431" r:id="rId36"/>
     <p:sldId id="333" r:id="rId37"/>
     <p:sldId id="334" r:id="rId38"/>
     <p:sldId id="335" r:id="rId39"/>
@@ -66,7 +66,7 @@
     <p:sldId id="350" r:id="rId54"/>
     <p:sldId id="351" r:id="rId55"/>
     <p:sldId id="352" r:id="rId56"/>
-    <p:sldId id="413" r:id="rId57"/>
+    <p:sldId id="432" r:id="rId57"/>
     <p:sldId id="373" r:id="rId58"/>
     <p:sldId id="374" r:id="rId59"/>
     <p:sldId id="375" r:id="rId60"/>
@@ -789,7 +789,7 @@
         <p:nvSpPr>
           <p:cNvPr id="61444" name="Rectangle 4"/>
           <p:cNvSpPr>
-            <a:spLocks noChangeArrowheads="1" noTextEdit="1"/>
+            <a:spLocks noGrp="1" noRot="1" noChangeAspect="1" noChangeArrowheads="1" noTextEdit="1"/>
           </p:cNvSpPr>
           <p:nvPr>
             <p:ph type="sldImg" idx="2"/>
@@ -4489,273 +4489,94 @@
       </p:grpSpPr>
       <p:sp>
         <p:nvSpPr>
-          <p:cNvPr id="5" name="Rectangle 29"/>
+          <p:cNvPr id="5122" name="Rectangle 2" descr="Pink tissue paper"/>
           <p:cNvSpPr>
             <a:spLocks noGrp="1" noChangeArrowheads="1"/>
           </p:cNvSpPr>
           <p:nvPr>
-            <p:ph type="ftr" sz="quarter" idx="3"/>
+            <p:ph type="title"/>
           </p:nvPr>
         </p:nvSpPr>
-        <p:spPr/>
+        <p:spPr>
+          <a:xfrm>
+            <a:off x="623888" y="685800"/>
+            <a:ext cx="7886700" cy="2852737"/>
+          </a:xfrm>
+        </p:spPr>
         <p:txBody>
           <a:bodyPr/>
           <a:lstStyle/>
           <a:p>
             <a:r>
-              <a:rPr lang="en-US" altLang="zh-CN"/>
-              <a:t>Copyright © 2008 </a:t>
-            </a:r>
-            <a:r>
-              <a:rPr lang="en-US" altLang="zh-TW">
-                <a:ea typeface="新細明體" charset="-120"/>
-              </a:rPr>
-              <a:t>PEARSON EDUCATION </a:t>
-            </a:r>
-            <a:r>
-              <a:rPr lang="en-US" altLang="zh-CN">
-                <a:ea typeface="宋体" panose="02010600030101010101" pitchFamily="2" charset="-122"/>
-              </a:rPr>
-              <a:t>ASIA </a:t>
-            </a:r>
-            <a:r>
-              <a:rPr lang="en-US" altLang="zh-TW">
-                <a:ea typeface="新細明體" charset="-120"/>
-              </a:rPr>
-              <a:t>LIMITED and Tsinghua University Press</a:t>
-            </a:r>
-            <a:r>
-              <a:rPr lang="en-US" altLang="zh-CN">
-                <a:ea typeface="宋体" panose="02010600030101010101" pitchFamily="2" charset="-122"/>
-              </a:rPr>
+              <a:rPr lang="en-US" altLang="zh-CN" dirty="0" smtClean="0"/>
+              <a:t>Chapter     11</a:t>
+            </a:r>
+            <a:endParaRPr lang="en-US" altLang="zh-CN" dirty="0" smtClean="0"/>
+          </a:p>
+        </p:txBody>
+      </p:sp>
+      <p:sp>
+        <p:nvSpPr>
+          <p:cNvPr id="5123" name="Rectangle 3" descr="Pink tissue paper"/>
+          <p:cNvSpPr>
+            <a:spLocks noGrp="1" noChangeArrowheads="1"/>
+          </p:cNvSpPr>
+          <p:nvPr>
+            <p:ph type="body" idx="1"/>
+          </p:nvPr>
+        </p:nvSpPr>
+        <p:spPr>
+          <a:xfrm>
+            <a:off x="637458" y="4419600"/>
+            <a:ext cx="7886700" cy="1500187"/>
+          </a:xfrm>
+        </p:spPr>
+        <p:txBody>
+          <a:bodyPr/>
+          <a:lstStyle/>
+          <a:p>
+            <a:r>
+              <a:rPr lang="en-US" altLang="zh-CN" dirty="0"/>
+              <a:t>Friends, Overloaded Operators,</a:t>
+            </a:r>
+          </a:p>
+          <a:p>
+            <a:r>
+              <a:rPr lang="en-US" altLang="zh-CN" dirty="0"/>
+              <a:t>and Arrays in </a:t>
+            </a:r>
+            <a:r>
+              <a:rPr lang="en-US" altLang="zh-CN" dirty="0" smtClean="0"/>
+              <a:t>Classes</a:t>
+            </a:r>
+            <a:r>
+              <a:rPr lang="en-US" altLang="zh-CN" dirty="0" smtClean="0"/>
+              <a:t>                      </a:t>
+            </a:r>
+          </a:p>
+          <a:p>
+            <a:r>
+              <a:rPr lang="en-US" altLang="zh-CN" dirty="0" smtClean="0"/>
+              <a:t>                                                                          Dai </a:t>
+            </a:r>
+            <a:r>
+              <a:rPr lang="en-US" altLang="zh-CN" dirty="0" err="1" smtClean="0"/>
+              <a:t>Liyun</a:t>
+            </a:r>
+            <a:r>
+              <a:rPr lang="en-US" altLang="zh-CN" dirty="0" smtClean="0"/>
               <a:t> </a:t>
             </a:r>
-            <a:endParaRPr lang="en-US" altLang="zh-CN"/>
-          </a:p>
-          <a:p>
-            <a:endParaRPr lang="en-US" altLang="zh-CN"/>
-          </a:p>
-        </p:txBody>
-      </p:sp>
-      <p:sp>
-        <p:nvSpPr>
-          <p:cNvPr id="627714" name="Rectangle 2"/>
-          <p:cNvSpPr>
-            <a:spLocks noChangeArrowheads="1"/>
-          </p:cNvSpPr>
-          <p:nvPr/>
-        </p:nvSpPr>
-        <p:spPr bwMode="auto">
-          <a:xfrm>
-            <a:off x="152400" y="3352800"/>
-            <a:ext cx="8763000" cy="1143000"/>
-          </a:xfrm>
-          <a:prstGeom prst="rect">
-            <a:avLst/>
-          </a:prstGeom>
-          <a:noFill/>
-          <a:ln>
-            <a:noFill/>
-          </a:ln>
-          <a:effectLst/>
-          <a:extLst>
-            <a:ext uri="{909E8E84-426E-40DD-AFC4-6F175D3DCCD1}">
-              <a14:hiddenFill xmlns:a14="http://schemas.microsoft.com/office/drawing/2010/main">
-                <a:solidFill>
-                  <a:schemeClr val="accent1"/>
-                </a:solidFill>
-              </a14:hiddenFill>
-            </a:ext>
-            <a:ext uri="{91240B29-F687-4F45-9708-019B960494DF}">
-              <a14:hiddenLine xmlns:a14="http://schemas.microsoft.com/office/drawing/2010/main" w="9525">
-                <a:solidFill>
-                  <a:schemeClr val="tx1"/>
-                </a:solidFill>
-                <a:miter lim="800000"/>
-                <a:headEnd/>
-                <a:tailEnd/>
-              </a14:hiddenLine>
-            </a:ext>
-            <a:ext uri="{AF507438-7753-43E0-B8FC-AC1667EBCBE1}">
-              <a14:hiddenEffects xmlns:a14="http://schemas.microsoft.com/office/drawing/2010/main">
-                <a:effectLst>
-                  <a:outerShdw dist="35921" dir="2700000" algn="ctr" rotWithShape="0">
-                    <a:schemeClr val="bg2"/>
-                  </a:outerShdw>
-                </a:effectLst>
-              </a14:hiddenEffects>
-            </a:ext>
-          </a:extLst>
-        </p:spPr>
-        <p:txBody>
-          <a:bodyPr/>
-          <a:lstStyle>
-            <a:lvl1pPr>
-              <a:defRPr sz="2400">
-                <a:solidFill>
-                  <a:schemeClr val="tx1"/>
-                </a:solidFill>
-                <a:latin typeface="Arial" panose="020B0604020202020204" pitchFamily="34" charset="0"/>
-              </a:defRPr>
-            </a:lvl1pPr>
-            <a:lvl2pPr>
-              <a:defRPr sz="2400">
-                <a:solidFill>
-                  <a:schemeClr val="tx1"/>
-                </a:solidFill>
-                <a:latin typeface="Arial" panose="020B0604020202020204" pitchFamily="34" charset="0"/>
-              </a:defRPr>
-            </a:lvl2pPr>
-            <a:lvl3pPr>
-              <a:defRPr sz="2400">
-                <a:solidFill>
-                  <a:schemeClr val="tx1"/>
-                </a:solidFill>
-                <a:latin typeface="Arial" panose="020B0604020202020204" pitchFamily="34" charset="0"/>
-              </a:defRPr>
-            </a:lvl3pPr>
-            <a:lvl4pPr>
-              <a:defRPr sz="2400">
-                <a:solidFill>
-                  <a:schemeClr val="tx1"/>
-                </a:solidFill>
-                <a:latin typeface="Arial" panose="020B0604020202020204" pitchFamily="34" charset="0"/>
-              </a:defRPr>
-            </a:lvl4pPr>
-            <a:lvl5pPr>
-              <a:defRPr sz="2400">
-                <a:solidFill>
-                  <a:schemeClr val="tx1"/>
-                </a:solidFill>
-                <a:latin typeface="Arial" panose="020B0604020202020204" pitchFamily="34" charset="0"/>
-              </a:defRPr>
-            </a:lvl5pPr>
-            <a:lvl6pPr marL="457200" fontAlgn="base">
-              <a:spcBef>
-                <a:spcPct val="0"/>
-              </a:spcBef>
-              <a:spcAft>
-                <a:spcPct val="0"/>
-              </a:spcAft>
-              <a:defRPr sz="2400">
-                <a:solidFill>
-                  <a:schemeClr val="tx1"/>
-                </a:solidFill>
-                <a:latin typeface="Arial" panose="020B0604020202020204" pitchFamily="34" charset="0"/>
-              </a:defRPr>
-            </a:lvl6pPr>
-            <a:lvl7pPr marL="914400" fontAlgn="base">
-              <a:spcBef>
-                <a:spcPct val="0"/>
-              </a:spcBef>
-              <a:spcAft>
-                <a:spcPct val="0"/>
-              </a:spcAft>
-              <a:defRPr sz="2400">
-                <a:solidFill>
-                  <a:schemeClr val="tx1"/>
-                </a:solidFill>
-                <a:latin typeface="Arial" panose="020B0604020202020204" pitchFamily="34" charset="0"/>
-              </a:defRPr>
-            </a:lvl7pPr>
-            <a:lvl8pPr marL="1371600" fontAlgn="base">
-              <a:spcBef>
-                <a:spcPct val="0"/>
-              </a:spcBef>
-              <a:spcAft>
-                <a:spcPct val="0"/>
-              </a:spcAft>
-              <a:defRPr sz="2400">
-                <a:solidFill>
-                  <a:schemeClr val="tx1"/>
-                </a:solidFill>
-                <a:latin typeface="Arial" panose="020B0604020202020204" pitchFamily="34" charset="0"/>
-              </a:defRPr>
-            </a:lvl8pPr>
-            <a:lvl9pPr marL="1828800" fontAlgn="base">
-              <a:spcBef>
-                <a:spcPct val="0"/>
-              </a:spcBef>
-              <a:spcAft>
-                <a:spcPct val="0"/>
-              </a:spcAft>
-              <a:defRPr sz="2400">
-                <a:solidFill>
-                  <a:schemeClr val="tx1"/>
-                </a:solidFill>
-                <a:latin typeface="Arial" panose="020B0604020202020204" pitchFamily="34" charset="0"/>
-              </a:defRPr>
-            </a:lvl9pPr>
-          </a:lstStyle>
-          <a:p>
-            <a:pPr algn="ctr"/>
-            <a:endParaRPr lang="en-US" altLang="zh-CN" sz="6000">
-              <a:solidFill>
-                <a:schemeClr val="tx2"/>
-              </a:solidFill>
-              <a:cs typeface="Times New Roman" panose="02020603050405020304" pitchFamily="18" charset="0"/>
-            </a:endParaRPr>
-          </a:p>
-        </p:txBody>
-      </p:sp>
-      <p:sp>
-        <p:nvSpPr>
-          <p:cNvPr id="627715" name="Rectangle 3" descr="Pink tissue paper"/>
-          <p:cNvSpPr>
-            <a:spLocks noGrp="1" noChangeArrowheads="1"/>
-          </p:cNvSpPr>
-          <p:nvPr>
-            <p:ph type="ctrTitle"/>
-          </p:nvPr>
-        </p:nvSpPr>
-        <p:spPr/>
-        <p:txBody>
-          <a:bodyPr/>
-          <a:lstStyle/>
-          <a:p>
-            <a:r>
-              <a:rPr lang="en-US" altLang="zh-CN"/>
-              <a:t>Chapter </a:t>
-            </a:r>
-            <a:r>
-              <a:rPr lang="en-US" altLang="zh-CN">
-                <a:ea typeface="宋体" panose="02010600030101010101" pitchFamily="2" charset="-122"/>
-              </a:rPr>
-              <a:t>8</a:t>
-            </a:r>
-            <a:endParaRPr lang="en-US" altLang="zh-CN"/>
-          </a:p>
-        </p:txBody>
-      </p:sp>
-      <p:sp>
-        <p:nvSpPr>
-          <p:cNvPr id="627716" name="Rectangle 4" descr="Pink tissue paper"/>
-          <p:cNvSpPr>
-            <a:spLocks noGrp="1" noChangeArrowheads="1"/>
-          </p:cNvSpPr>
-          <p:nvPr>
-            <p:ph type="subTitle" idx="1"/>
-          </p:nvPr>
-        </p:nvSpPr>
-        <p:spPr/>
-        <p:txBody>
-          <a:bodyPr/>
-          <a:lstStyle/>
-          <a:p>
-            <a:r>
-              <a:rPr lang="en-US" altLang="zh-CN"/>
-              <a:t>Friends, Overloaded Operators,</a:t>
-            </a:r>
-          </a:p>
-          <a:p>
-            <a:r>
-              <a:rPr lang="en-US" altLang="zh-CN"/>
-              <a:t>and Arrays in Classes</a:t>
-            </a:r>
+            <a:endParaRPr lang="en-US" altLang="zh-CN" dirty="0" smtClean="0"/>
           </a:p>
         </p:txBody>
       </p:sp>
     </p:spTree>
+    <p:extLst>
+      <p:ext uri="{BB962C8B-B14F-4D97-AF65-F5344CB8AC3E}">
+        <p14:creationId xmlns:p14="http://schemas.microsoft.com/office/powerpoint/2010/main" val="1868669004"/>
+      </p:ext>
+    </p:extLst>
   </p:cSld>
   <p:clrMapOvr>
     <a:masterClrMapping/>
@@ -5562,7 +5383,7 @@
           <p:nvPr/>
         </p:nvPicPr>
         <p:blipFill>
-          <a:blip r:embed="rId4">
+          <a:blip r:embed="rId4" cstate="print">
             <a:extLst>
               <a:ext uri="{28A0092B-C50C-407E-A947-70E740481C1C}">
                 <a14:useLocalDpi xmlns:a14="http://schemas.microsoft.com/office/drawing/2010/main" val="0"/>
@@ -5912,7 +5733,7 @@
           <p:nvPr/>
         </p:nvPicPr>
         <p:blipFill>
-          <a:blip r:embed="rId4">
+          <a:blip r:embed="rId4" cstate="print">
             <a:extLst>
               <a:ext uri="{28A0092B-C50C-407E-A947-70E740481C1C}">
                 <a14:useLocalDpi xmlns:a14="http://schemas.microsoft.com/office/drawing/2010/main" val="0"/>
@@ -7703,7 +7524,7 @@
           <p:nvPr/>
         </p:nvPicPr>
         <p:blipFill>
-          <a:blip r:embed="rId4">
+          <a:blip r:embed="rId4" cstate="print">
             <a:extLst>
               <a:ext uri="{28A0092B-C50C-407E-A947-70E740481C1C}">
                 <a14:useLocalDpi xmlns:a14="http://schemas.microsoft.com/office/drawing/2010/main" val="0"/>
@@ -8094,7 +7915,7 @@
           <p:nvPr/>
         </p:nvPicPr>
         <p:blipFill>
-          <a:blip r:embed="rId4">
+          <a:blip r:embed="rId4" cstate="print">
             <a:extLst>
               <a:ext uri="{28A0092B-C50C-407E-A947-70E740481C1C}">
                 <a14:useLocalDpi xmlns:a14="http://schemas.microsoft.com/office/drawing/2010/main" val="0"/>
@@ -8444,7 +8265,7 @@
           <p:nvPr/>
         </p:nvPicPr>
         <p:blipFill>
-          <a:blip r:embed="rId4">
+          <a:blip r:embed="rId4" cstate="print">
             <a:extLst>
               <a:ext uri="{28A0092B-C50C-407E-A947-70E740481C1C}">
                 <a14:useLocalDpi xmlns:a14="http://schemas.microsoft.com/office/drawing/2010/main" val="0"/>
@@ -9648,7 +9469,7 @@
           <p:nvPr/>
         </p:nvPicPr>
         <p:blipFill>
-          <a:blip r:embed="rId4">
+          <a:blip r:embed="rId4" cstate="print">
             <a:extLst>
               <a:ext uri="{28A0092B-C50C-407E-A947-70E740481C1C}">
                 <a14:useLocalDpi xmlns:a14="http://schemas.microsoft.com/office/drawing/2010/main" val="0"/>
@@ -10039,7 +9860,7 @@
           <p:nvPr/>
         </p:nvPicPr>
         <p:blipFill>
-          <a:blip r:embed="rId4">
+          <a:blip r:embed="rId4" cstate="print">
             <a:extLst>
               <a:ext uri="{28A0092B-C50C-407E-A947-70E740481C1C}">
                 <a14:useLocalDpi xmlns:a14="http://schemas.microsoft.com/office/drawing/2010/main" val="0"/>
@@ -10430,7 +10251,7 @@
           <p:nvPr/>
         </p:nvPicPr>
         <p:blipFill>
-          <a:blip r:embed="rId4">
+          <a:blip r:embed="rId4" cstate="print">
             <a:extLst>
               <a:ext uri="{28A0092B-C50C-407E-A947-70E740481C1C}">
                 <a14:useLocalDpi xmlns:a14="http://schemas.microsoft.com/office/drawing/2010/main" val="0"/>
@@ -10821,7 +10642,7 @@
           <p:nvPr/>
         </p:nvPicPr>
         <p:blipFill>
-          <a:blip r:embed="rId4">
+          <a:blip r:embed="rId4" cstate="print">
             <a:extLst>
               <a:ext uri="{28A0092B-C50C-407E-A947-70E740481C1C}">
                 <a14:useLocalDpi xmlns:a14="http://schemas.microsoft.com/office/drawing/2010/main" val="0"/>
@@ -11212,7 +11033,7 @@
           <p:nvPr/>
         </p:nvPicPr>
         <p:blipFill>
-          <a:blip r:embed="rId4">
+          <a:blip r:embed="rId4" cstate="print">
             <a:extLst>
               <a:ext uri="{28A0092B-C50C-407E-A947-70E740481C1C}">
                 <a14:useLocalDpi xmlns:a14="http://schemas.microsoft.com/office/drawing/2010/main" val="0"/>
@@ -11939,7 +11760,7 @@
           <p:nvPr/>
         </p:nvPicPr>
         <p:blipFill>
-          <a:blip r:embed="rId4">
+          <a:blip r:embed="rId4" cstate="print">
             <a:extLst>
               <a:ext uri="{28A0092B-C50C-407E-A947-70E740481C1C}">
                 <a14:useLocalDpi xmlns:a14="http://schemas.microsoft.com/office/drawing/2010/main" val="0"/>
@@ -13196,7 +13017,7 @@
           <p:nvPr/>
         </p:nvPicPr>
         <p:blipFill>
-          <a:blip r:embed="rId4">
+          <a:blip r:embed="rId4" cstate="print">
             <a:extLst>
               <a:ext uri="{28A0092B-C50C-407E-A947-70E740481C1C}">
                 <a14:useLocalDpi xmlns:a14="http://schemas.microsoft.com/office/drawing/2010/main" val="0"/>
@@ -13532,7 +13353,7 @@
           <p:nvPr/>
         </p:nvPicPr>
         <p:blipFill>
-          <a:blip r:embed="rId4">
+          <a:blip r:embed="rId4" cstate="print">
             <a:extLst>
               <a:ext uri="{28A0092B-C50C-407E-A947-70E740481C1C}">
                 <a14:useLocalDpi xmlns:a14="http://schemas.microsoft.com/office/drawing/2010/main" val="0"/>
@@ -13923,7 +13744,7 @@
           <p:nvPr/>
         </p:nvPicPr>
         <p:blipFill>
-          <a:blip r:embed="rId4">
+          <a:blip r:embed="rId4" cstate="print">
             <a:extLst>
               <a:ext uri="{28A0092B-C50C-407E-A947-70E740481C1C}">
                 <a14:useLocalDpi xmlns:a14="http://schemas.microsoft.com/office/drawing/2010/main" val="0"/>
@@ -14650,7 +14471,7 @@
           <p:nvPr/>
         </p:nvPicPr>
         <p:blipFill>
-          <a:blip r:embed="rId4">
+          <a:blip r:embed="rId4" cstate="print">
             <a:extLst>
               <a:ext uri="{28A0092B-C50C-407E-A947-70E740481C1C}">
                 <a14:useLocalDpi xmlns:a14="http://schemas.microsoft.com/office/drawing/2010/main" val="0"/>
@@ -15139,8 +14960,8 @@
         </p:nvSpPr>
         <p:spPr bwMode="auto">
           <a:xfrm>
-            <a:off x="5959475" y="5246688"/>
-            <a:ext cx="1955800" cy="528637"/>
+            <a:off x="5868525" y="5246688"/>
+            <a:ext cx="2137701" cy="523220"/>
           </a:xfrm>
           <a:prstGeom prst="rect">
             <a:avLst/>
@@ -15186,7 +15007,7 @@
               <a:buNone/>
             </a:pPr>
             <a:r>
-              <a:rPr lang="en-US" altLang="zh-CN" sz="2800">
+              <a:rPr lang="en-US" altLang="zh-CN" sz="2800" dirty="0">
                 <a:solidFill>
                   <a:schemeClr val="tx2"/>
                 </a:solidFill>
@@ -15194,22 +15015,27 @@
               <a:t>Display </a:t>
             </a:r>
             <a:r>
-              <a:rPr lang="en-US" altLang="zh-CN" sz="2800">
+              <a:rPr lang="en-US" altLang="zh-CN" sz="2800" dirty="0" smtClean="0">
                 <a:solidFill>
                   <a:schemeClr val="tx2"/>
                 </a:solidFill>
                 <a:ea typeface="宋体" panose="02010600030101010101" pitchFamily="2" charset="-122"/>
               </a:rPr>
-              <a:t>8</a:t>
-            </a:r>
-            <a:r>
-              <a:rPr lang="en-US" altLang="zh-CN" sz="2800">
+              <a:t>11</a:t>
+            </a:r>
+            <a:r>
+              <a:rPr lang="en-US" altLang="zh-CN" sz="2800" dirty="0" smtClean="0">
                 <a:solidFill>
                   <a:schemeClr val="tx2"/>
                 </a:solidFill>
               </a:rPr>
               <a:t>.2</a:t>
             </a:r>
+            <a:endParaRPr lang="en-US" altLang="zh-CN" sz="2800" dirty="0">
+              <a:solidFill>
+                <a:schemeClr val="tx2"/>
+              </a:solidFill>
+            </a:endParaRPr>
           </a:p>
         </p:txBody>
       </p:sp>
@@ -16030,8 +15856,8 @@
         </p:nvSpPr>
         <p:spPr bwMode="auto">
           <a:xfrm>
-            <a:off x="5588000" y="5864225"/>
-            <a:ext cx="3084513" cy="528638"/>
+            <a:off x="5491538" y="5864225"/>
+            <a:ext cx="3277437" cy="523220"/>
           </a:xfrm>
           <a:prstGeom prst="rect">
             <a:avLst/>
@@ -16077,7 +15903,7 @@
               <a:buNone/>
             </a:pPr>
             <a:r>
-              <a:rPr lang="en-US" altLang="zh-CN" sz="2800">
+              <a:rPr lang="en-US" altLang="zh-CN" sz="2800" dirty="0">
                 <a:solidFill>
                   <a:schemeClr val="tx2"/>
                 </a:solidFill>
@@ -16085,21 +15911,29 @@
               <a:t>Display </a:t>
             </a:r>
             <a:r>
-              <a:rPr lang="en-US" altLang="zh-CN" sz="2800">
+              <a:rPr lang="en-US" altLang="zh-CN" sz="2800" dirty="0" smtClean="0">
                 <a:solidFill>
                   <a:schemeClr val="tx2"/>
                 </a:solidFill>
                 <a:ea typeface="宋体" panose="02010600030101010101" pitchFamily="2" charset="-122"/>
               </a:rPr>
-              <a:t>8</a:t>
-            </a:r>
-            <a:r>
-              <a:rPr lang="en-US" altLang="zh-CN" sz="2800">
+              <a:t>11</a:t>
+            </a:r>
+            <a:r>
+              <a:rPr lang="en-US" altLang="zh-CN" sz="2800" dirty="0" smtClean="0">
                 <a:solidFill>
                   <a:schemeClr val="tx2"/>
                 </a:solidFill>
               </a:rPr>
-              <a:t>.3 (1 – 5)</a:t>
+              <a:t>.3 </a:t>
+            </a:r>
+            <a:r>
+              <a:rPr lang="en-US" altLang="zh-CN" sz="2800" dirty="0">
+                <a:solidFill>
+                  <a:schemeClr val="tx2"/>
+                </a:solidFill>
+              </a:rPr>
+              <a:t>(1 – 5)</a:t>
             </a:r>
           </a:p>
         </p:txBody>
@@ -16843,21 +16677,29 @@
               <a:buNone/>
             </a:pPr>
             <a:r>
-              <a:rPr lang="en-US" altLang="zh-CN" sz="3200">
+              <a:rPr lang="en-US" altLang="zh-CN" sz="3200" dirty="0" smtClean="0">
                 <a:solidFill>
                   <a:srgbClr val="A50021"/>
                 </a:solidFill>
                 <a:ea typeface="宋体" panose="02010600030101010101" pitchFamily="2" charset="-122"/>
               </a:rPr>
-              <a:t>8</a:t>
-            </a:r>
-            <a:r>
-              <a:rPr lang="en-US" altLang="zh-CN" sz="3200">
+              <a:t>11</a:t>
+            </a:r>
+            <a:r>
+              <a:rPr lang="en-US" altLang="zh-CN" sz="3200" dirty="0" smtClean="0">
                 <a:solidFill>
                   <a:srgbClr val="A50021"/>
                 </a:solidFill>
               </a:rPr>
-              <a:t>.1   Friend Functions </a:t>
+              <a:t>.1   </a:t>
+            </a:r>
+            <a:r>
+              <a:rPr lang="en-US" altLang="zh-CN" sz="3200" dirty="0">
+                <a:solidFill>
+                  <a:srgbClr val="A50021"/>
+                </a:solidFill>
+              </a:rPr>
+              <a:t>Friend Functions </a:t>
             </a:r>
           </a:p>
           <a:p>
@@ -16869,21 +16711,29 @@
               <a:buNone/>
             </a:pPr>
             <a:r>
-              <a:rPr lang="en-US" altLang="zh-CN" sz="3200">
+              <a:rPr lang="en-US" altLang="zh-CN" sz="3200" dirty="0" smtClean="0">
                 <a:solidFill>
                   <a:srgbClr val="A50021"/>
                 </a:solidFill>
                 <a:ea typeface="宋体" panose="02010600030101010101" pitchFamily="2" charset="-122"/>
               </a:rPr>
-              <a:t>8</a:t>
-            </a:r>
-            <a:r>
-              <a:rPr lang="en-US" altLang="zh-CN" sz="3200">
+              <a:t>11</a:t>
+            </a:r>
+            <a:r>
+              <a:rPr lang="en-US" altLang="zh-CN" sz="3200" dirty="0" smtClean="0">
                 <a:solidFill>
                   <a:srgbClr val="A50021"/>
                 </a:solidFill>
               </a:rPr>
-              <a:t>.2   Overloading Operators</a:t>
+              <a:t>.2   </a:t>
+            </a:r>
+            <a:r>
+              <a:rPr lang="en-US" altLang="zh-CN" sz="3200" dirty="0">
+                <a:solidFill>
+                  <a:srgbClr val="A50021"/>
+                </a:solidFill>
+              </a:rPr>
+              <a:t>Overloading Operators</a:t>
             </a:r>
           </a:p>
           <a:p>
@@ -16895,21 +16745,29 @@
               <a:buNone/>
             </a:pPr>
             <a:r>
-              <a:rPr lang="en-US" altLang="zh-CN" sz="3200">
+              <a:rPr lang="en-US" altLang="zh-CN" sz="3200" dirty="0" smtClean="0">
                 <a:solidFill>
                   <a:srgbClr val="A50021"/>
                 </a:solidFill>
                 <a:ea typeface="宋体" panose="02010600030101010101" pitchFamily="2" charset="-122"/>
               </a:rPr>
-              <a:t>8</a:t>
-            </a:r>
-            <a:r>
-              <a:rPr lang="en-US" altLang="zh-CN" sz="3200">
+              <a:t>11</a:t>
+            </a:r>
+            <a:r>
+              <a:rPr lang="en-US" altLang="zh-CN" sz="3200" dirty="0" smtClean="0">
                 <a:solidFill>
                   <a:srgbClr val="A50021"/>
                 </a:solidFill>
               </a:rPr>
-              <a:t>.3   Arrays and Classes</a:t>
+              <a:t>.3   </a:t>
+            </a:r>
+            <a:r>
+              <a:rPr lang="en-US" altLang="zh-CN" sz="3200" dirty="0">
+                <a:solidFill>
+                  <a:srgbClr val="A50021"/>
+                </a:solidFill>
+              </a:rPr>
+              <a:t>Arrays and Classes</a:t>
             </a:r>
           </a:p>
           <a:p>
@@ -16921,21 +16779,29 @@
               <a:buNone/>
             </a:pPr>
             <a:r>
-              <a:rPr lang="en-US" altLang="zh-CN" sz="3200">
+              <a:rPr lang="en-US" altLang="zh-CN" sz="3200" dirty="0" smtClean="0">
                 <a:solidFill>
                   <a:srgbClr val="A50021"/>
                 </a:solidFill>
                 <a:ea typeface="宋体" panose="02010600030101010101" pitchFamily="2" charset="-122"/>
               </a:rPr>
-              <a:t>8</a:t>
-            </a:r>
-            <a:r>
-              <a:rPr lang="en-US" altLang="zh-CN" sz="3200">
+              <a:t>11</a:t>
+            </a:r>
+            <a:r>
+              <a:rPr lang="en-US" altLang="zh-CN" sz="3200" dirty="0" smtClean="0">
                 <a:solidFill>
                   <a:srgbClr val="A50021"/>
                 </a:solidFill>
               </a:rPr>
-              <a:t>.4   Classes and Dynamic Arrays</a:t>
+              <a:t>.4   </a:t>
+            </a:r>
+            <a:r>
+              <a:rPr lang="en-US" altLang="zh-CN" sz="3200" dirty="0">
+                <a:solidFill>
+                  <a:srgbClr val="A50021"/>
+                </a:solidFill>
+              </a:rPr>
+              <a:t>Classes and Dynamic Arrays</a:t>
             </a:r>
           </a:p>
         </p:txBody>
@@ -17861,84 +17727,120 @@
           <a:lstStyle/>
           <a:p>
             <a:r>
-              <a:rPr lang="en-US" altLang="zh-CN" sz="2400"/>
+              <a:rPr lang="en-US" altLang="zh-CN" sz="2400" dirty="0"/>
               <a:t>Example (from the Money class of Display </a:t>
             </a:r>
             <a:r>
-              <a:rPr lang="en-US" altLang="zh-CN" sz="2400">
+              <a:rPr lang="en-US" altLang="zh-CN" sz="2400" dirty="0" smtClean="0">
                 <a:ea typeface="宋体" panose="02010600030101010101" pitchFamily="2" charset="-122"/>
               </a:rPr>
-              <a:t>8</a:t>
-            </a:r>
-            <a:r>
-              <a:rPr lang="en-US" altLang="zh-CN" sz="2400"/>
-              <a:t>.3):</a:t>
+              <a:t>11</a:t>
+            </a:r>
+            <a:r>
+              <a:rPr lang="en-US" altLang="zh-CN" sz="2400" dirty="0" smtClean="0"/>
+              <a:t>.3</a:t>
+            </a:r>
+            <a:r>
+              <a:rPr lang="en-US" altLang="zh-CN" sz="2400" dirty="0"/>
+              <a:t>):</a:t>
             </a:r>
           </a:p>
           <a:p>
             <a:pPr lvl="1"/>
             <a:r>
-              <a:rPr lang="en-US" altLang="zh-CN" sz="2400"/>
+              <a:rPr lang="en-US" altLang="zh-CN" sz="2400" dirty="0"/>
               <a:t> A function declaration with constant parameters</a:t>
             </a:r>
           </a:p>
           <a:p>
             <a:pPr lvl="2"/>
             <a:r>
-              <a:rPr lang="en-US" altLang="zh-CN" sz="2000"/>
-              <a:t>friend Money add(const Money&amp; amount1, </a:t>
-            </a:r>
-            <a:br>
-              <a:rPr lang="en-US" altLang="zh-CN" sz="2000"/>
-            </a:br>
-            <a:r>
-              <a:rPr lang="en-US" altLang="zh-CN" sz="2000"/>
-              <a:t>		           const Money&amp; amount2); </a:t>
-            </a:r>
-            <a:br>
-              <a:rPr lang="en-US" altLang="zh-CN" sz="2000"/>
-            </a:br>
-            <a:endParaRPr lang="en-US" altLang="zh-CN" sz="2000"/>
+              <a:rPr lang="en-US" altLang="zh-CN" sz="2000" dirty="0"/>
+              <a:t>friend Money add(</a:t>
+            </a:r>
+            <a:r>
+              <a:rPr lang="en-US" altLang="zh-CN" sz="2000" dirty="0" err="1"/>
+              <a:t>const</a:t>
+            </a:r>
+            <a:r>
+              <a:rPr lang="en-US" altLang="zh-CN" sz="2000" dirty="0"/>
+              <a:t> Money&amp; amount1, </a:t>
+            </a:r>
+            <a:br>
+              <a:rPr lang="en-US" altLang="zh-CN" sz="2000" dirty="0"/>
+            </a:br>
+            <a:r>
+              <a:rPr lang="en-US" altLang="zh-CN" sz="2000" dirty="0"/>
+              <a:t>		           </a:t>
+            </a:r>
+            <a:r>
+              <a:rPr lang="en-US" altLang="zh-CN" sz="2000" dirty="0" err="1"/>
+              <a:t>const</a:t>
+            </a:r>
+            <a:r>
+              <a:rPr lang="en-US" altLang="zh-CN" sz="2000" dirty="0"/>
+              <a:t> Money&amp; amount2); </a:t>
+            </a:r>
+            <a:br>
+              <a:rPr lang="en-US" altLang="zh-CN" sz="2000" dirty="0"/>
+            </a:br>
+            <a:endParaRPr lang="en-US" altLang="zh-CN" sz="2000" dirty="0"/>
           </a:p>
           <a:p>
             <a:pPr lvl="1"/>
             <a:r>
-              <a:rPr lang="en-US" altLang="zh-CN" sz="2400"/>
+              <a:rPr lang="en-US" altLang="zh-CN" sz="2400" dirty="0"/>
               <a:t>A function definition with constant parameters</a:t>
             </a:r>
           </a:p>
           <a:p>
             <a:pPr lvl="2"/>
             <a:r>
-              <a:rPr lang="en-US" altLang="zh-CN" sz="2000"/>
-              <a:t>Money add(const Money&amp; amount1, </a:t>
-            </a:r>
-            <a:br>
-              <a:rPr lang="en-US" altLang="zh-CN" sz="2000"/>
-            </a:br>
-            <a:r>
-              <a:rPr lang="en-US" altLang="zh-CN" sz="2000"/>
-              <a:t>		const Money&amp; amount2)</a:t>
-            </a:r>
-            <a:br>
-              <a:rPr lang="en-US" altLang="zh-CN" sz="2000"/>
-            </a:br>
-            <a:r>
-              <a:rPr lang="en-US" altLang="zh-CN" sz="2000"/>
+              <a:rPr lang="en-US" altLang="zh-CN" sz="2000" dirty="0"/>
+              <a:t>Money add(</a:t>
+            </a:r>
+            <a:r>
+              <a:rPr lang="en-US" altLang="zh-CN" sz="2000" dirty="0" err="1"/>
+              <a:t>const</a:t>
+            </a:r>
+            <a:r>
+              <a:rPr lang="en-US" altLang="zh-CN" sz="2000" dirty="0"/>
+              <a:t> Money&amp; amount1, </a:t>
+            </a:r>
+            <a:br>
+              <a:rPr lang="en-US" altLang="zh-CN" sz="2000" dirty="0"/>
+            </a:br>
+            <a:r>
+              <a:rPr lang="en-US" altLang="zh-CN" sz="2000" dirty="0"/>
+              <a:t>		</a:t>
+            </a:r>
+            <a:r>
+              <a:rPr lang="en-US" altLang="zh-CN" sz="2000" dirty="0" err="1"/>
+              <a:t>const</a:t>
+            </a:r>
+            <a:r>
+              <a:rPr lang="en-US" altLang="zh-CN" sz="2000" dirty="0"/>
+              <a:t> Money&amp; amount2)</a:t>
+            </a:r>
+            <a:br>
+              <a:rPr lang="en-US" altLang="zh-CN" sz="2000" dirty="0"/>
+            </a:br>
+            <a:r>
+              <a:rPr lang="en-US" altLang="zh-CN" sz="2000" dirty="0"/>
               <a:t>{</a:t>
             </a:r>
             <a:br>
-              <a:rPr lang="en-US" altLang="zh-CN" sz="2000"/>
-            </a:br>
-            <a:r>
-              <a:rPr lang="en-US" altLang="zh-CN" sz="2000"/>
+              <a:rPr lang="en-US" altLang="zh-CN" sz="2000" dirty="0"/>
+            </a:br>
+            <a:r>
+              <a:rPr lang="en-US" altLang="zh-CN" sz="2000" dirty="0"/>
               <a:t>    …</a:t>
             </a:r>
             <a:br>
-              <a:rPr lang="en-US" altLang="zh-CN" sz="2000"/>
-            </a:br>
-            <a:r>
-              <a:rPr lang="en-US" altLang="zh-CN" sz="2000"/>
+              <a:rPr lang="en-US" altLang="zh-CN" sz="2000" dirty="0"/>
+            </a:br>
+            <a:r>
+              <a:rPr lang="en-US" altLang="zh-CN" sz="2000" dirty="0"/>
               <a:t>}</a:t>
             </a:r>
           </a:p>
@@ -18757,12 +18659,12 @@
       </p:grpSpPr>
       <p:sp>
         <p:nvSpPr>
-          <p:cNvPr id="4" name="Rectangle 29"/>
+          <p:cNvPr id="516098" name="Rectangle 2"/>
           <p:cNvSpPr>
             <a:spLocks noGrp="1" noChangeArrowheads="1"/>
           </p:cNvSpPr>
           <p:nvPr>
-            <p:ph type="ftr" sz="quarter" idx="3"/>
+            <p:ph type="title"/>
           </p:nvPr>
         </p:nvSpPr>
         <p:spPr/>
@@ -18771,48 +18673,25 @@
           <a:lstStyle/>
           <a:p>
             <a:r>
-              <a:rPr lang="en-US" altLang="zh-CN"/>
-              <a:t>Copyright © 2008 </a:t>
-            </a:r>
-            <a:r>
-              <a:rPr lang="en-US" altLang="zh-TW">
-                <a:ea typeface="新細明體" charset="-120"/>
-              </a:rPr>
-              <a:t>PEARSON EDUCATION </a:t>
-            </a:r>
-            <a:r>
-              <a:rPr lang="en-US" altLang="zh-CN">
-                <a:ea typeface="宋体" panose="02010600030101010101" pitchFamily="2" charset="-122"/>
-              </a:rPr>
-              <a:t>ASIA </a:t>
-            </a:r>
-            <a:r>
-              <a:rPr lang="en-US" altLang="zh-TW">
-                <a:ea typeface="新細明體" charset="-120"/>
-              </a:rPr>
-              <a:t>LIMITED and Tsinghua University Press</a:t>
-            </a:r>
-            <a:r>
-              <a:rPr lang="en-US" altLang="zh-CN">
-                <a:ea typeface="宋体" panose="02010600030101010101" pitchFamily="2" charset="-122"/>
-              </a:rPr>
-              <a:t> </a:t>
-            </a:r>
-            <a:endParaRPr lang="en-US" altLang="zh-CN"/>
-          </a:p>
-          <a:p>
-            <a:endParaRPr lang="en-US" altLang="zh-CN"/>
-          </a:p>
-        </p:txBody>
-      </p:sp>
-      <p:sp>
-        <p:nvSpPr>
-          <p:cNvPr id="513026" name="Rectangle 2" descr="Pink tissue paper"/>
-          <p:cNvSpPr>
-            <a:spLocks noGrp="1" noChangeArrowheads="1"/>
+              <a:rPr lang="en-US" altLang="zh-CN" dirty="0" smtClean="0"/>
+              <a:t>11.1 </a:t>
+            </a:r>
+            <a:r>
+              <a:rPr lang="en-US" altLang="zh-CN" dirty="0"/>
+              <a:t>Friend Functions </a:t>
+            </a:r>
+            <a:endParaRPr lang="en-US" altLang="zh-CN" dirty="0"/>
+          </a:p>
+        </p:txBody>
+      </p:sp>
+      <p:sp>
+        <p:nvSpPr>
+          <p:cNvPr id="3" name="内容占位符 2"/>
+          <p:cNvSpPr>
+            <a:spLocks noGrp="1"/>
           </p:cNvSpPr>
           <p:nvPr>
-            <p:ph type="ctrTitle"/>
+            <p:ph idx="1"/>
           </p:nvPr>
         </p:nvSpPr>
         <p:spPr/>
@@ -18820,47 +18699,23 @@
           <a:bodyPr/>
           <a:lstStyle/>
           <a:p>
-            <a:r>
-              <a:rPr lang="en-US" altLang="zh-CN">
-                <a:ea typeface="宋体" panose="02010600030101010101" pitchFamily="2" charset="-122"/>
-              </a:rPr>
-              <a:t>8</a:t>
-            </a:r>
-            <a:r>
-              <a:rPr lang="en-US" altLang="zh-CN"/>
-              <a:t>.1</a:t>
-            </a:r>
-          </a:p>
-        </p:txBody>
-      </p:sp>
-      <p:sp>
-        <p:nvSpPr>
-          <p:cNvPr id="513027" name="Rectangle 3" descr="Pink tissue paper"/>
-          <p:cNvSpPr>
-            <a:spLocks noGrp="1" noChangeArrowheads="1"/>
-          </p:cNvSpPr>
-          <p:nvPr>
-            <p:ph type="subTitle" idx="1"/>
-          </p:nvPr>
-        </p:nvSpPr>
-        <p:spPr/>
-        <p:txBody>
-          <a:bodyPr/>
-          <a:lstStyle/>
-          <a:p>
-            <a:r>
-              <a:rPr lang="en-US" altLang="zh-CN"/>
-              <a:t>Friend Functions</a:t>
-            </a:r>
+            <a:endParaRPr lang="zh-CN" altLang="en-US"/>
           </a:p>
         </p:txBody>
       </p:sp>
     </p:spTree>
+    <p:extLst>
+      <p:ext uri="{BB962C8B-B14F-4D97-AF65-F5344CB8AC3E}">
+        <p14:creationId xmlns:p14="http://schemas.microsoft.com/office/powerpoint/2010/main" val="2029187669"/>
+      </p:ext>
+    </p:extLst>
   </p:cSld>
   <p:clrMapOvr>
     <a:masterClrMapping/>
   </p:clrMapOvr>
-  <p:transition spd="med"/>
+  <p:transition spd="med">
+    <p:wipe dir="r"/>
+  </p:transition>
   <p:timing>
     <p:tnLst>
       <p:par>
@@ -19297,8 +19152,8 @@
         </p:nvSpPr>
         <p:spPr bwMode="auto">
           <a:xfrm>
-            <a:off x="5643563" y="5341938"/>
-            <a:ext cx="2054225" cy="528637"/>
+            <a:off x="5548702" y="5341938"/>
+            <a:ext cx="2243948" cy="523220"/>
           </a:xfrm>
           <a:prstGeom prst="rect">
             <a:avLst/>
@@ -19344,7 +19199,7 @@
               <a:buNone/>
             </a:pPr>
             <a:r>
-              <a:rPr lang="en-US" altLang="zh-CN" sz="2800" b="1">
+              <a:rPr lang="en-US" altLang="zh-CN" sz="2800" b="1" dirty="0">
                 <a:solidFill>
                   <a:schemeClr val="tx2"/>
                 </a:solidFill>
@@ -19352,22 +19207,27 @@
               <a:t>Display </a:t>
             </a:r>
             <a:r>
-              <a:rPr lang="en-US" altLang="zh-CN" sz="2800" b="1">
+              <a:rPr lang="en-US" altLang="zh-CN" sz="2800" b="1" dirty="0" smtClean="0">
                 <a:solidFill>
                   <a:schemeClr val="tx2"/>
                 </a:solidFill>
                 <a:ea typeface="宋体" panose="02010600030101010101" pitchFamily="2" charset="-122"/>
               </a:rPr>
-              <a:t>8</a:t>
-            </a:r>
-            <a:r>
-              <a:rPr lang="en-US" altLang="zh-CN" sz="2800" b="1">
+              <a:t>11</a:t>
+            </a:r>
+            <a:r>
+              <a:rPr lang="en-US" altLang="zh-CN" sz="2800" b="1" dirty="0" smtClean="0">
                 <a:solidFill>
                   <a:schemeClr val="tx2"/>
                 </a:solidFill>
               </a:rPr>
               <a:t>.4</a:t>
             </a:r>
+            <a:endParaRPr lang="en-US" altLang="zh-CN" sz="2800" b="1" dirty="0">
+              <a:solidFill>
+                <a:schemeClr val="tx2"/>
+              </a:solidFill>
+            </a:endParaRPr>
           </a:p>
         </p:txBody>
       </p:sp>
@@ -19846,18 +19706,22 @@
           <a:lstStyle/>
           <a:p>
             <a:r>
-              <a:rPr lang="en-US" altLang="zh-CN"/>
+              <a:rPr lang="en-US" altLang="zh-CN" dirty="0"/>
               <a:t>Section </a:t>
             </a:r>
             <a:r>
-              <a:rPr lang="en-US" altLang="zh-CN">
+              <a:rPr lang="en-US" altLang="zh-CN" dirty="0" smtClean="0">
                 <a:ea typeface="宋体" panose="02010600030101010101" pitchFamily="2" charset="-122"/>
               </a:rPr>
-              <a:t>8</a:t>
-            </a:r>
-            <a:r>
-              <a:rPr lang="en-US" altLang="zh-CN"/>
-              <a:t>.1 Conclusion</a:t>
+              <a:t>11</a:t>
+            </a:r>
+            <a:r>
+              <a:rPr lang="en-US" altLang="zh-CN" dirty="0" smtClean="0"/>
+              <a:t>.1 </a:t>
+            </a:r>
+            <a:r>
+              <a:rPr lang="en-US" altLang="zh-CN" dirty="0"/>
+              <a:t>Conclusion</a:t>
             </a:r>
           </a:p>
         </p:txBody>
@@ -19991,12 +19855,12 @@
       </p:grpSpPr>
       <p:sp>
         <p:nvSpPr>
-          <p:cNvPr id="4" name="Rectangle 29"/>
+          <p:cNvPr id="516098" name="Rectangle 2"/>
           <p:cNvSpPr>
             <a:spLocks noGrp="1" noChangeArrowheads="1"/>
           </p:cNvSpPr>
           <p:nvPr>
-            <p:ph type="ftr" sz="quarter" idx="3"/>
+            <p:ph type="title"/>
           </p:nvPr>
         </p:nvSpPr>
         <p:spPr/>
@@ -20005,48 +19869,21 @@
           <a:lstStyle/>
           <a:p>
             <a:r>
-              <a:rPr lang="en-US" altLang="zh-CN"/>
-              <a:t>Copyright © 2008 </a:t>
-            </a:r>
-            <a:r>
-              <a:rPr lang="en-US" altLang="zh-TW">
-                <a:ea typeface="新細明體" charset="-120"/>
-              </a:rPr>
-              <a:t>PEARSON EDUCATION </a:t>
-            </a:r>
-            <a:r>
-              <a:rPr lang="en-US" altLang="zh-CN">
-                <a:ea typeface="宋体" panose="02010600030101010101" pitchFamily="2" charset="-122"/>
-              </a:rPr>
-              <a:t>ASIA </a:t>
-            </a:r>
-            <a:r>
-              <a:rPr lang="en-US" altLang="zh-TW">
-                <a:ea typeface="新細明體" charset="-120"/>
-              </a:rPr>
-              <a:t>LIMITED and Tsinghua University Press</a:t>
-            </a:r>
-            <a:r>
-              <a:rPr lang="en-US" altLang="zh-CN">
-                <a:ea typeface="宋体" panose="02010600030101010101" pitchFamily="2" charset="-122"/>
-              </a:rPr>
-              <a:t> </a:t>
-            </a:r>
-            <a:endParaRPr lang="en-US" altLang="zh-CN"/>
-          </a:p>
-          <a:p>
-            <a:endParaRPr lang="en-US" altLang="zh-CN"/>
-          </a:p>
-        </p:txBody>
-      </p:sp>
-      <p:sp>
-        <p:nvSpPr>
-          <p:cNvPr id="630786" name="Rectangle 2" descr="Pink tissue paper"/>
-          <p:cNvSpPr>
-            <a:spLocks noGrp="1" noChangeArrowheads="1"/>
+              <a:rPr lang="en-US" altLang="zh-CN" dirty="0"/>
+              <a:t>11.2 Overloading Operators</a:t>
+            </a:r>
+            <a:endParaRPr lang="en-US" altLang="zh-CN" dirty="0"/>
+          </a:p>
+        </p:txBody>
+      </p:sp>
+      <p:sp>
+        <p:nvSpPr>
+          <p:cNvPr id="3" name="内容占位符 2"/>
+          <p:cNvSpPr>
+            <a:spLocks noGrp="1"/>
           </p:cNvSpPr>
           <p:nvPr>
-            <p:ph type="ctrTitle"/>
+            <p:ph idx="1"/>
           </p:nvPr>
         </p:nvSpPr>
         <p:spPr/>
@@ -20054,47 +19891,23 @@
           <a:bodyPr/>
           <a:lstStyle/>
           <a:p>
-            <a:r>
-              <a:rPr lang="en-US" altLang="zh-CN">
-                <a:ea typeface="宋体" panose="02010600030101010101" pitchFamily="2" charset="-122"/>
-              </a:rPr>
-              <a:t>8</a:t>
-            </a:r>
-            <a:r>
-              <a:rPr lang="en-US" altLang="zh-CN"/>
-              <a:t>.2</a:t>
-            </a:r>
-          </a:p>
-        </p:txBody>
-      </p:sp>
-      <p:sp>
-        <p:nvSpPr>
-          <p:cNvPr id="630787" name="Rectangle 3" descr="Pink tissue paper"/>
-          <p:cNvSpPr>
-            <a:spLocks noGrp="1" noChangeArrowheads="1"/>
-          </p:cNvSpPr>
-          <p:nvPr>
-            <p:ph type="subTitle" idx="1"/>
-          </p:nvPr>
-        </p:nvSpPr>
-        <p:spPr/>
-        <p:txBody>
-          <a:bodyPr/>
-          <a:lstStyle/>
-          <a:p>
-            <a:r>
-              <a:rPr lang="en-US" altLang="zh-CN"/>
-              <a:t>Overloading Operators</a:t>
-            </a:r>
+            <a:endParaRPr lang="zh-CN" altLang="en-US"/>
           </a:p>
         </p:txBody>
       </p:sp>
     </p:spTree>
+    <p:extLst>
+      <p:ext uri="{BB962C8B-B14F-4D97-AF65-F5344CB8AC3E}">
+        <p14:creationId xmlns:p14="http://schemas.microsoft.com/office/powerpoint/2010/main" val="2860923153"/>
+      </p:ext>
+    </p:extLst>
   </p:cSld>
   <p:clrMapOvr>
     <a:masterClrMapping/>
   </p:clrMapOvr>
-  <p:transition spd="med"/>
+  <p:transition spd="med">
+    <p:wipe dir="r"/>
+  </p:transition>
   <p:timing>
     <p:tnLst>
       <p:par>
@@ -20948,6 +20761,41 @@
       </p:grpSpPr>
       <p:sp>
         <p:nvSpPr>
+          <p:cNvPr id="551941" name="Rectangle 5"/>
+          <p:cNvSpPr>
+            <a:spLocks noGrp="1" noChangeArrowheads="1"/>
+          </p:cNvSpPr>
+          <p:nvPr>
+            <p:ph type="body" idx="1"/>
+          </p:nvPr>
+        </p:nvSpPr>
+        <p:spPr/>
+        <p:txBody>
+          <a:bodyPr/>
+          <a:lstStyle/>
+          <a:p>
+            <a:endParaRPr lang="en-US" altLang="zh-CN" dirty="0"/>
+          </a:p>
+          <a:p>
+            <a:endParaRPr lang="en-US" altLang="zh-CN" dirty="0"/>
+          </a:p>
+          <a:p>
+            <a:r>
+              <a:rPr lang="en-US" altLang="zh-CN" dirty="0"/>
+              <a:t> The Money class with overloaded operators</a:t>
+            </a:r>
+            <a:br>
+              <a:rPr lang="en-US" altLang="zh-CN" dirty="0"/>
+            </a:br>
+            <a:r>
+              <a:rPr lang="en-US" altLang="zh-CN" dirty="0"/>
+              <a:t>+  and = =  is demonstrated in                         </a:t>
+            </a:r>
+          </a:p>
+        </p:txBody>
+      </p:sp>
+      <p:sp>
+        <p:nvSpPr>
           <p:cNvPr id="6" name="灯片编号占位符 3"/>
           <p:cNvSpPr>
             <a:spLocks noGrp="1"/>
@@ -20998,8 +20846,8 @@
         </p:nvSpPr>
         <p:spPr bwMode="auto">
           <a:xfrm>
-            <a:off x="6115050" y="4622800"/>
-            <a:ext cx="2490788" cy="528638"/>
+            <a:off x="6021487" y="4622800"/>
+            <a:ext cx="2677914" cy="523220"/>
           </a:xfrm>
           <a:prstGeom prst="rect">
             <a:avLst/>
@@ -21045,7 +20893,7 @@
               <a:buNone/>
             </a:pPr>
             <a:r>
-              <a:rPr lang="en-US" altLang="zh-CN" sz="2800">
+              <a:rPr lang="en-US" altLang="zh-CN" sz="2800" dirty="0">
                 <a:solidFill>
                   <a:schemeClr val="tx2"/>
                 </a:solidFill>
@@ -21053,21 +20901,29 @@
               <a:t>Display </a:t>
             </a:r>
             <a:r>
-              <a:rPr lang="en-US" altLang="zh-CN" sz="2800">
+              <a:rPr lang="en-US" altLang="zh-CN" sz="2800" dirty="0" smtClean="0">
                 <a:solidFill>
                   <a:schemeClr val="tx2"/>
                 </a:solidFill>
                 <a:ea typeface="宋体" panose="02010600030101010101" pitchFamily="2" charset="-122"/>
               </a:rPr>
-              <a:t>8</a:t>
-            </a:r>
-            <a:r>
-              <a:rPr lang="en-US" altLang="zh-CN" sz="2800">
+              <a:t>11</a:t>
+            </a:r>
+            <a:r>
+              <a:rPr lang="en-US" altLang="zh-CN" sz="2800" dirty="0" smtClean="0">
                 <a:solidFill>
                   <a:schemeClr val="tx2"/>
                 </a:solidFill>
               </a:rPr>
-              <a:t>.5 (1)</a:t>
+              <a:t>.5 </a:t>
+            </a:r>
+            <a:r>
+              <a:rPr lang="en-US" altLang="zh-CN" sz="2800" dirty="0">
+                <a:solidFill>
+                  <a:schemeClr val="tx2"/>
+                </a:solidFill>
+              </a:rPr>
+              <a:t>(1)</a:t>
             </a:r>
           </a:p>
         </p:txBody>
@@ -21084,8 +20940,8 @@
         </p:nvSpPr>
         <p:spPr bwMode="auto">
           <a:xfrm>
-            <a:off x="6115050" y="5186363"/>
-            <a:ext cx="2490788" cy="528637"/>
+            <a:off x="6021487" y="5186363"/>
+            <a:ext cx="2677914" cy="523220"/>
           </a:xfrm>
           <a:prstGeom prst="rect">
             <a:avLst/>
@@ -21131,7 +20987,7 @@
               <a:buNone/>
             </a:pPr>
             <a:r>
-              <a:rPr lang="en-US" altLang="zh-CN" sz="2800">
+              <a:rPr lang="en-US" altLang="zh-CN" sz="2800" dirty="0">
                 <a:solidFill>
                   <a:schemeClr val="tx2"/>
                 </a:solidFill>
@@ -21139,21 +20995,29 @@
               <a:t>Display </a:t>
             </a:r>
             <a:r>
-              <a:rPr lang="en-US" altLang="zh-CN" sz="2800">
+              <a:rPr lang="en-US" altLang="zh-CN" sz="2800" dirty="0" smtClean="0">
                 <a:solidFill>
                   <a:schemeClr val="tx2"/>
                 </a:solidFill>
                 <a:ea typeface="宋体" panose="02010600030101010101" pitchFamily="2" charset="-122"/>
               </a:rPr>
-              <a:t>8</a:t>
-            </a:r>
-            <a:r>
-              <a:rPr lang="en-US" altLang="zh-CN" sz="2800">
+              <a:t>11</a:t>
+            </a:r>
+            <a:r>
+              <a:rPr lang="en-US" altLang="zh-CN" sz="2800" dirty="0" smtClean="0">
                 <a:solidFill>
                   <a:schemeClr val="tx2"/>
                 </a:solidFill>
               </a:rPr>
-              <a:t>.5 (2)</a:t>
+              <a:t>.5 </a:t>
+            </a:r>
+            <a:r>
+              <a:rPr lang="en-US" altLang="zh-CN" sz="2800" dirty="0">
+                <a:solidFill>
+                  <a:schemeClr val="tx2"/>
+                </a:solidFill>
+              </a:rPr>
+              <a:t>(2)</a:t>
             </a:r>
           </a:p>
         </p:txBody>
@@ -21183,41 +21047,6 @@
             <a:r>
               <a:rPr lang="en-US" altLang="zh-CN"/>
               <a:t>Overloading Operators</a:t>
-            </a:r>
-          </a:p>
-        </p:txBody>
-      </p:sp>
-      <p:sp>
-        <p:nvSpPr>
-          <p:cNvPr id="551941" name="Rectangle 5"/>
-          <p:cNvSpPr>
-            <a:spLocks noGrp="1" noChangeArrowheads="1"/>
-          </p:cNvSpPr>
-          <p:nvPr>
-            <p:ph type="body" idx="1"/>
-          </p:nvPr>
-        </p:nvSpPr>
-        <p:spPr/>
-        <p:txBody>
-          <a:bodyPr/>
-          <a:lstStyle/>
-          <a:p>
-            <a:endParaRPr lang="en-US" altLang="zh-CN"/>
-          </a:p>
-          <a:p>
-            <a:endParaRPr lang="en-US" altLang="zh-CN"/>
-          </a:p>
-          <a:p>
-            <a:r>
-              <a:rPr lang="en-US" altLang="zh-CN"/>
-              <a:t> The Money class with overloaded operators</a:t>
-            </a:r>
-            <a:br>
-              <a:rPr lang="en-US" altLang="zh-CN"/>
-            </a:br>
-            <a:r>
-              <a:rPr lang="en-US" altLang="zh-CN"/>
-              <a:t>+  and = =  is demonstrated in                         </a:t>
             </a:r>
           </a:p>
         </p:txBody>
@@ -22566,8 +22395,8 @@
         </p:nvSpPr>
         <p:spPr bwMode="auto">
           <a:xfrm>
-            <a:off x="6499225" y="5265738"/>
-            <a:ext cx="2054225" cy="528637"/>
+            <a:off x="6404364" y="5265738"/>
+            <a:ext cx="2243948" cy="523220"/>
           </a:xfrm>
           <a:prstGeom prst="rect">
             <a:avLst/>
@@ -22613,7 +22442,7 @@
               <a:buNone/>
             </a:pPr>
             <a:r>
-              <a:rPr lang="en-US" altLang="zh-CN" sz="2800" b="1">
+              <a:rPr lang="en-US" altLang="zh-CN" sz="2800" b="1" dirty="0">
                 <a:solidFill>
                   <a:schemeClr val="tx2"/>
                 </a:solidFill>
@@ -22621,22 +22450,27 @@
               <a:t>Display </a:t>
             </a:r>
             <a:r>
-              <a:rPr lang="en-US" altLang="zh-CN" sz="2800" b="1">
+              <a:rPr lang="en-US" altLang="zh-CN" sz="2800" b="1" dirty="0" smtClean="0">
                 <a:solidFill>
                   <a:schemeClr val="tx2"/>
                 </a:solidFill>
                 <a:ea typeface="宋体" panose="02010600030101010101" pitchFamily="2" charset="-122"/>
               </a:rPr>
-              <a:t>8</a:t>
-            </a:r>
-            <a:r>
-              <a:rPr lang="en-US" altLang="zh-CN" sz="2800" b="1">
+              <a:t>11</a:t>
+            </a:r>
+            <a:r>
+              <a:rPr lang="en-US" altLang="zh-CN" sz="2800" b="1" dirty="0" smtClean="0">
                 <a:solidFill>
                   <a:schemeClr val="tx2"/>
                 </a:solidFill>
               </a:rPr>
               <a:t>.6</a:t>
             </a:r>
+            <a:endParaRPr lang="en-US" altLang="zh-CN" sz="2800" b="1" dirty="0">
+              <a:solidFill>
+                <a:schemeClr val="tx2"/>
+              </a:solidFill>
+            </a:endParaRPr>
           </a:p>
         </p:txBody>
       </p:sp>
@@ -25267,18 +25101,22 @@
           <a:lstStyle/>
           <a:p>
             <a:r>
-              <a:rPr lang="en-US" altLang="zh-CN"/>
+              <a:rPr lang="en-US" altLang="zh-CN" dirty="0"/>
               <a:t>Section </a:t>
             </a:r>
             <a:r>
-              <a:rPr lang="en-US" altLang="zh-CN">
+              <a:rPr lang="en-US" altLang="zh-CN" dirty="0" smtClean="0">
                 <a:ea typeface="宋体" panose="02010600030101010101" pitchFamily="2" charset="-122"/>
               </a:rPr>
-              <a:t>8</a:t>
-            </a:r>
-            <a:r>
-              <a:rPr lang="en-US" altLang="zh-CN"/>
-              <a:t>.2 Conclusion</a:t>
+              <a:t>11</a:t>
+            </a:r>
+            <a:r>
+              <a:rPr lang="en-US" altLang="zh-CN" dirty="0" smtClean="0"/>
+              <a:t>.2 </a:t>
+            </a:r>
+            <a:r>
+              <a:rPr lang="en-US" altLang="zh-CN" dirty="0"/>
+              <a:t>Conclusion</a:t>
             </a:r>
           </a:p>
         </p:txBody>
@@ -25399,12 +25237,12 @@
       </p:grpSpPr>
       <p:sp>
         <p:nvSpPr>
-          <p:cNvPr id="4" name="Rectangle 29"/>
+          <p:cNvPr id="516098" name="Rectangle 2"/>
           <p:cNvSpPr>
             <a:spLocks noGrp="1" noChangeArrowheads="1"/>
           </p:cNvSpPr>
           <p:nvPr>
-            <p:ph type="ftr" sz="quarter" idx="3"/>
+            <p:ph type="title"/>
           </p:nvPr>
         </p:nvSpPr>
         <p:spPr/>
@@ -25413,48 +25251,29 @@
           <a:lstStyle/>
           <a:p>
             <a:r>
-              <a:rPr lang="en-US" altLang="zh-CN"/>
-              <a:t>Copyright © 2008 </a:t>
-            </a:r>
-            <a:r>
-              <a:rPr lang="en-US" altLang="zh-TW">
-                <a:ea typeface="新細明體" charset="-120"/>
-              </a:rPr>
-              <a:t>PEARSON EDUCATION </a:t>
-            </a:r>
-            <a:r>
-              <a:rPr lang="en-US" altLang="zh-CN">
-                <a:ea typeface="宋体" panose="02010600030101010101" pitchFamily="2" charset="-122"/>
-              </a:rPr>
-              <a:t>ASIA </a:t>
-            </a:r>
-            <a:r>
-              <a:rPr lang="en-US" altLang="zh-TW">
-                <a:ea typeface="新細明體" charset="-120"/>
-              </a:rPr>
-              <a:t>LIMITED and Tsinghua University Press</a:t>
-            </a:r>
-            <a:r>
-              <a:rPr lang="en-US" altLang="zh-CN">
-                <a:ea typeface="宋体" panose="02010600030101010101" pitchFamily="2" charset="-122"/>
-              </a:rPr>
-              <a:t> </a:t>
-            </a:r>
-            <a:endParaRPr lang="en-US" altLang="zh-CN"/>
-          </a:p>
-          <a:p>
-            <a:endParaRPr lang="en-US" altLang="zh-CN"/>
-          </a:p>
-        </p:txBody>
-      </p:sp>
-      <p:sp>
-        <p:nvSpPr>
-          <p:cNvPr id="629762" name="Rectangle 2" descr="Pink tissue paper"/>
-          <p:cNvSpPr>
-            <a:spLocks noGrp="1" noChangeArrowheads="1"/>
+              <a:rPr lang="en-US" altLang="zh-CN" dirty="0" smtClean="0"/>
+              <a:t>11.3 </a:t>
+            </a:r>
+            <a:r>
+              <a:rPr lang="en-US" altLang="zh-CN" dirty="0"/>
+              <a:t>Arrays and </a:t>
+            </a:r>
+            <a:r>
+              <a:rPr lang="en-US" altLang="zh-CN" dirty="0" smtClean="0"/>
+              <a:t>Classes</a:t>
+            </a:r>
+            <a:endParaRPr lang="en-US" altLang="zh-CN" dirty="0"/>
+          </a:p>
+        </p:txBody>
+      </p:sp>
+      <p:sp>
+        <p:nvSpPr>
+          <p:cNvPr id="3" name="内容占位符 2"/>
+          <p:cNvSpPr>
+            <a:spLocks noGrp="1"/>
           </p:cNvSpPr>
           <p:nvPr>
-            <p:ph type="ctrTitle"/>
+            <p:ph idx="1"/>
           </p:nvPr>
         </p:nvSpPr>
         <p:spPr/>
@@ -25462,47 +25281,23 @@
           <a:bodyPr/>
           <a:lstStyle/>
           <a:p>
-            <a:r>
-              <a:rPr lang="en-US" altLang="zh-CN">
-                <a:ea typeface="宋体" panose="02010600030101010101" pitchFamily="2" charset="-122"/>
-              </a:rPr>
-              <a:t>8</a:t>
-            </a:r>
-            <a:r>
-              <a:rPr lang="en-US" altLang="zh-CN"/>
-              <a:t>.3</a:t>
-            </a:r>
-          </a:p>
-        </p:txBody>
-      </p:sp>
-      <p:sp>
-        <p:nvSpPr>
-          <p:cNvPr id="629763" name="Rectangle 3" descr="Pink tissue paper"/>
-          <p:cNvSpPr>
-            <a:spLocks noGrp="1" noChangeArrowheads="1"/>
-          </p:cNvSpPr>
-          <p:nvPr>
-            <p:ph type="subTitle" idx="1"/>
-          </p:nvPr>
-        </p:nvSpPr>
-        <p:spPr/>
-        <p:txBody>
-          <a:bodyPr/>
-          <a:lstStyle/>
-          <a:p>
-            <a:r>
-              <a:rPr lang="en-US" altLang="zh-CN"/>
-              <a:t>Arrays and Classes</a:t>
-            </a:r>
+            <a:endParaRPr lang="zh-CN" altLang="en-US"/>
           </a:p>
         </p:txBody>
       </p:sp>
     </p:spTree>
+    <p:extLst>
+      <p:ext uri="{BB962C8B-B14F-4D97-AF65-F5344CB8AC3E}">
+        <p14:creationId xmlns:p14="http://schemas.microsoft.com/office/powerpoint/2010/main" val="3638089830"/>
+      </p:ext>
+    </p:extLst>
   </p:cSld>
   <p:clrMapOvr>
     <a:masterClrMapping/>
   </p:clrMapOvr>
-  <p:transition spd="med"/>
+  <p:transition spd="med">
+    <p:wipe dir="r"/>
+  </p:transition>
   <p:timing>
     <p:tnLst>
       <p:par>
@@ -31669,6 +31464,85 @@
       </p:grpSpPr>
       <p:sp>
         <p:nvSpPr>
+          <p:cNvPr id="520198" name="Rectangle 6"/>
+          <p:cNvSpPr>
+            <a:spLocks noGrp="1" noChangeArrowheads="1"/>
+          </p:cNvSpPr>
+          <p:nvPr>
+            <p:ph type="body" idx="1"/>
+          </p:nvPr>
+        </p:nvSpPr>
+        <p:spPr/>
+        <p:txBody>
+          <a:bodyPr/>
+          <a:lstStyle/>
+          <a:p>
+            <a:r>
+              <a:rPr lang="en-US" altLang="zh-CN" sz="2400" dirty="0"/>
+              <a:t>The equal function can be used to compare dates</a:t>
+            </a:r>
+            <a:br>
+              <a:rPr lang="en-US" altLang="zh-CN" sz="2400" dirty="0"/>
+            </a:br>
+            <a:r>
+              <a:rPr lang="en-US" altLang="zh-CN" sz="2400" dirty="0"/>
+              <a:t>in this manner</a:t>
+            </a:r>
+            <a:br>
+              <a:rPr lang="en-US" altLang="zh-CN" sz="2400" dirty="0"/>
+            </a:br>
+            <a:r>
+              <a:rPr lang="en-US" altLang="zh-CN" sz="2400" dirty="0"/>
+              <a:t/>
+            </a:r>
+            <a:br>
+              <a:rPr lang="en-US" altLang="zh-CN" sz="2400" dirty="0"/>
+            </a:br>
+            <a:r>
+              <a:rPr lang="en-US" altLang="zh-CN" sz="2400" dirty="0"/>
+              <a:t> 		if ( equal( today,  </a:t>
+            </a:r>
+            <a:r>
+              <a:rPr lang="en-US" altLang="zh-CN" sz="2400" dirty="0" err="1"/>
+              <a:t>bach_birthday</a:t>
+            </a:r>
+            <a:r>
+              <a:rPr lang="en-US" altLang="zh-CN" sz="2400" dirty="0"/>
+              <a:t>) )</a:t>
+            </a:r>
+            <a:br>
+              <a:rPr lang="en-US" altLang="zh-CN" sz="2400" dirty="0"/>
+            </a:br>
+            <a:r>
+              <a:rPr lang="en-US" altLang="zh-CN" sz="2400" dirty="0"/>
+              <a:t>      		     </a:t>
+            </a:r>
+            <a:r>
+              <a:rPr lang="en-US" altLang="zh-CN" sz="2400" dirty="0" err="1"/>
+              <a:t>cout</a:t>
+            </a:r>
+            <a:r>
+              <a:rPr lang="en-US" altLang="zh-CN" sz="2400" dirty="0"/>
+              <a:t> &lt;&lt; "It's Bach's birthday!";</a:t>
+            </a:r>
+          </a:p>
+          <a:p>
+            <a:r>
+              <a:rPr lang="en-US" altLang="zh-CN" sz="2400" dirty="0"/>
+              <a:t>A complete program using function equal is </a:t>
+            </a:r>
+            <a:br>
+              <a:rPr lang="en-US" altLang="zh-CN" sz="2400" dirty="0"/>
+            </a:br>
+            <a:r>
+              <a:rPr lang="en-US" altLang="zh-CN" sz="2400" dirty="0"/>
+              <a:t>found in </a:t>
+            </a:r>
+          </a:p>
+        </p:txBody>
+      </p:sp>
+      <p:sp>
+        <p:nvSpPr>
           <p:cNvPr id="7" name="灯片编号占位符 3"/>
           <p:cNvSpPr>
             <a:spLocks noGrp="1"/>
@@ -31719,8 +31593,8 @@
         </p:nvSpPr>
         <p:spPr bwMode="auto">
           <a:xfrm>
-            <a:off x="3244850" y="4598988"/>
-            <a:ext cx="2589213" cy="528637"/>
+            <a:off x="3147376" y="4598988"/>
+            <a:ext cx="2784160" cy="523220"/>
           </a:xfrm>
           <a:prstGeom prst="rect">
             <a:avLst/>
@@ -31766,7 +31640,7 @@
               <a:buNone/>
             </a:pPr>
             <a:r>
-              <a:rPr lang="en-US" altLang="zh-CN" sz="2800" b="1">
+              <a:rPr lang="en-US" altLang="zh-CN" sz="2800" b="1" dirty="0">
                 <a:solidFill>
                   <a:schemeClr val="tx2"/>
                 </a:solidFill>
@@ -31774,21 +31648,29 @@
               <a:t>Display </a:t>
             </a:r>
             <a:r>
-              <a:rPr lang="en-US" altLang="zh-CN" sz="2800" b="1">
+              <a:rPr lang="en-US" altLang="zh-CN" sz="2800" b="1" dirty="0" smtClean="0">
                 <a:solidFill>
                   <a:schemeClr val="tx2"/>
                 </a:solidFill>
                 <a:ea typeface="宋体" panose="02010600030101010101" pitchFamily="2" charset="-122"/>
               </a:rPr>
-              <a:t>8</a:t>
-            </a:r>
-            <a:r>
-              <a:rPr lang="en-US" altLang="zh-CN" sz="2800" b="1">
+              <a:t>11</a:t>
+            </a:r>
+            <a:r>
+              <a:rPr lang="en-US" altLang="zh-CN" sz="2800" b="1" dirty="0" smtClean="0">
                 <a:solidFill>
                   <a:schemeClr val="tx2"/>
                 </a:solidFill>
               </a:rPr>
-              <a:t>.1 (1)</a:t>
+              <a:t>.1 </a:t>
+            </a:r>
+            <a:r>
+              <a:rPr lang="en-US" altLang="zh-CN" sz="2800" b="1" dirty="0">
+                <a:solidFill>
+                  <a:schemeClr val="tx2"/>
+                </a:solidFill>
+              </a:rPr>
+              <a:t>(1)</a:t>
             </a:r>
           </a:p>
         </p:txBody>
@@ -31805,8 +31687,8 @@
         </p:nvSpPr>
         <p:spPr bwMode="auto">
           <a:xfrm>
-            <a:off x="3244850" y="5132388"/>
-            <a:ext cx="2589213" cy="528637"/>
+            <a:off x="3147376" y="5132388"/>
+            <a:ext cx="2784160" cy="523220"/>
           </a:xfrm>
           <a:prstGeom prst="rect">
             <a:avLst/>
@@ -31852,7 +31734,7 @@
               <a:buNone/>
             </a:pPr>
             <a:r>
-              <a:rPr lang="en-US" altLang="zh-CN" sz="2800" b="1">
+              <a:rPr lang="en-US" altLang="zh-CN" sz="2800" b="1" dirty="0">
                 <a:solidFill>
                   <a:schemeClr val="tx2"/>
                 </a:solidFill>
@@ -31860,21 +31742,29 @@
               <a:t>Display </a:t>
             </a:r>
             <a:r>
-              <a:rPr lang="en-US" altLang="zh-CN" sz="2800" b="1">
+              <a:rPr lang="en-US" altLang="zh-CN" sz="2800" b="1" dirty="0" smtClean="0">
                 <a:solidFill>
                   <a:schemeClr val="tx2"/>
                 </a:solidFill>
                 <a:ea typeface="宋体" panose="02010600030101010101" pitchFamily="2" charset="-122"/>
               </a:rPr>
-              <a:t>8</a:t>
-            </a:r>
-            <a:r>
-              <a:rPr lang="en-US" altLang="zh-CN" sz="2800" b="1">
+              <a:t>11</a:t>
+            </a:r>
+            <a:r>
+              <a:rPr lang="en-US" altLang="zh-CN" sz="2800" b="1" dirty="0" smtClean="0">
                 <a:solidFill>
                   <a:schemeClr val="tx2"/>
                 </a:solidFill>
               </a:rPr>
-              <a:t>.1 (2)</a:t>
+              <a:t>.1 </a:t>
+            </a:r>
+            <a:r>
+              <a:rPr lang="en-US" altLang="zh-CN" sz="2800" b="1" dirty="0">
+                <a:solidFill>
+                  <a:schemeClr val="tx2"/>
+                </a:solidFill>
+              </a:rPr>
+              <a:t>(2)</a:t>
             </a:r>
           </a:p>
         </p:txBody>
@@ -31891,8 +31781,8 @@
         </p:nvSpPr>
         <p:spPr bwMode="auto">
           <a:xfrm>
-            <a:off x="3244850" y="5662613"/>
-            <a:ext cx="2589213" cy="528637"/>
+            <a:off x="3147376" y="5662613"/>
+            <a:ext cx="2784160" cy="523220"/>
           </a:xfrm>
           <a:prstGeom prst="rect">
             <a:avLst/>
@@ -31938,7 +31828,7 @@
               <a:buNone/>
             </a:pPr>
             <a:r>
-              <a:rPr lang="en-US" altLang="zh-CN" sz="2800" b="1">
+              <a:rPr lang="en-US" altLang="zh-CN" sz="2800" b="1" dirty="0">
                 <a:solidFill>
                   <a:schemeClr val="tx2"/>
                 </a:solidFill>
@@ -31946,21 +31836,29 @@
               <a:t>Display </a:t>
             </a:r>
             <a:r>
-              <a:rPr lang="en-US" altLang="zh-CN" sz="2800" b="1">
+              <a:rPr lang="en-US" altLang="zh-CN" sz="2800" b="1" dirty="0" smtClean="0">
                 <a:solidFill>
                   <a:schemeClr val="tx2"/>
                 </a:solidFill>
                 <a:ea typeface="宋体" panose="02010600030101010101" pitchFamily="2" charset="-122"/>
               </a:rPr>
-              <a:t>8</a:t>
-            </a:r>
-            <a:r>
-              <a:rPr lang="en-US" altLang="zh-CN" sz="2800" b="1">
+              <a:t>11</a:t>
+            </a:r>
+            <a:r>
+              <a:rPr lang="en-US" altLang="zh-CN" sz="2800" b="1" dirty="0" smtClean="0">
                 <a:solidFill>
                   <a:schemeClr val="tx2"/>
                 </a:solidFill>
               </a:rPr>
-              <a:t>.1 (3)</a:t>
+              <a:t>.1 </a:t>
+            </a:r>
+            <a:r>
+              <a:rPr lang="en-US" altLang="zh-CN" sz="2800" b="1" dirty="0">
+                <a:solidFill>
+                  <a:schemeClr val="tx2"/>
+                </a:solidFill>
+              </a:rPr>
+              <a:t>(3)</a:t>
             </a:r>
           </a:p>
         </p:txBody>
@@ -31983,69 +31881,6 @@
             <a:r>
               <a:rPr lang="en-US" altLang="zh-CN"/>
               <a:t>Using The Function equal</a:t>
-            </a:r>
-          </a:p>
-        </p:txBody>
-      </p:sp>
-      <p:sp>
-        <p:nvSpPr>
-          <p:cNvPr id="520198" name="Rectangle 6"/>
-          <p:cNvSpPr>
-            <a:spLocks noGrp="1" noChangeArrowheads="1"/>
-          </p:cNvSpPr>
-          <p:nvPr>
-            <p:ph type="body" idx="1"/>
-          </p:nvPr>
-        </p:nvSpPr>
-        <p:spPr/>
-        <p:txBody>
-          <a:bodyPr/>
-          <a:lstStyle/>
-          <a:p>
-            <a:r>
-              <a:rPr lang="en-US" altLang="zh-CN" sz="2400"/>
-              <a:t>The equal function can be used to compare dates</a:t>
-            </a:r>
-            <a:br>
-              <a:rPr lang="en-US" altLang="zh-CN" sz="2400"/>
-            </a:br>
-            <a:r>
-              <a:rPr lang="en-US" altLang="zh-CN" sz="2400"/>
-              <a:t>in this manner</a:t>
-            </a:r>
-            <a:br>
-              <a:rPr lang="en-US" altLang="zh-CN" sz="2400"/>
-            </a:br>
-            <a:r>
-              <a:rPr lang="en-US" altLang="zh-CN" sz="2400"/>
-              <a:t/>
-            </a:r>
-            <a:br>
-              <a:rPr lang="en-US" altLang="zh-CN" sz="2400"/>
-            </a:br>
-            <a:r>
-              <a:rPr lang="en-US" altLang="zh-CN" sz="2400"/>
-              <a:t> 		if ( equal( today,  bach_birthday) )</a:t>
-            </a:r>
-            <a:br>
-              <a:rPr lang="en-US" altLang="zh-CN" sz="2400"/>
-            </a:br>
-            <a:r>
-              <a:rPr lang="en-US" altLang="zh-CN" sz="2400"/>
-              <a:t>      		     cout &lt;&lt; "It's Bach's birthday!";</a:t>
-            </a:r>
-          </a:p>
-          <a:p>
-            <a:r>
-              <a:rPr lang="en-US" altLang="zh-CN" sz="2400"/>
-              <a:t>A complete program using function equal is </a:t>
-            </a:r>
-            <a:br>
-              <a:rPr lang="en-US" altLang="zh-CN" sz="2400"/>
-            </a:br>
-            <a:r>
-              <a:rPr lang="en-US" altLang="zh-CN" sz="2400"/>
-              <a:t>found in </a:t>
             </a:r>
           </a:p>
         </p:txBody>

--- a/ppt/Chapter 11.pptx
+++ b/ppt/Chapter 11.pptx
@@ -4511,7 +4511,6 @@
               <a:rPr lang="en-US" altLang="zh-CN" dirty="0" smtClean="0"/>
               <a:t>Chapter     11</a:t>
             </a:r>
-            <a:endParaRPr lang="en-US" altLang="zh-CN" dirty="0" smtClean="0"/>
           </a:p>
         </p:txBody>
       </p:sp>
@@ -4547,11 +4546,7 @@
             </a:r>
             <a:r>
               <a:rPr lang="en-US" altLang="zh-CN" dirty="0" smtClean="0"/>
-              <a:t>Classes</a:t>
-            </a:r>
-            <a:r>
-              <a:rPr lang="en-US" altLang="zh-CN" dirty="0" smtClean="0"/>
-              <a:t>                      </a:t>
+              <a:t>Classes                      </a:t>
             </a:r>
           </a:p>
           <a:p>
@@ -4567,7 +4562,6 @@
               <a:rPr lang="en-US" altLang="zh-CN" dirty="0" smtClean="0"/>
               <a:t> </a:t>
             </a:r>
-            <a:endParaRPr lang="en-US" altLang="zh-CN" dirty="0" smtClean="0"/>
           </a:p>
         </p:txBody>
       </p:sp>
@@ -4687,70 +4681,165 @@
           <a:lstStyle/>
           <a:p>
             <a:r>
-              <a:rPr lang="en-US" altLang="zh-CN" sz="2400"/>
+              <a:rPr lang="en-US" altLang="zh-CN" sz="2400" dirty="0"/>
               <a:t>As defined here, equal is more efficient,</a:t>
             </a:r>
             <a:br>
-              <a:rPr lang="en-US" altLang="zh-CN" sz="2400"/>
-            </a:br>
-            <a:r>
-              <a:rPr lang="en-US" altLang="zh-CN" sz="2400"/>
+              <a:rPr lang="en-US" altLang="zh-CN" sz="2400" dirty="0"/>
+            </a:br>
+            <a:r>
+              <a:rPr lang="en-US" altLang="zh-CN" sz="2400" dirty="0"/>
               <a:t>but not legal </a:t>
             </a:r>
             <a:br>
-              <a:rPr lang="en-US" altLang="zh-CN" sz="2400"/>
-            </a:br>
-            <a:r>
-              <a:rPr lang="en-US" altLang="zh-CN" sz="2400"/>
-              <a:t>	bool equal(DayOfYear date1, DayOfYear date2)</a:t>
-            </a:r>
-            <a:br>
-              <a:rPr lang="en-US" altLang="zh-CN" sz="2400"/>
-            </a:br>
-            <a:r>
-              <a:rPr lang="en-US" altLang="zh-CN" sz="2400"/>
+              <a:rPr lang="en-US" altLang="zh-CN" sz="2400" dirty="0"/>
+            </a:br>
+            <a:r>
+              <a:rPr lang="en-US" altLang="zh-CN" sz="2400" dirty="0"/>
+              <a:t>	</a:t>
+            </a:r>
+            <a:r>
+              <a:rPr lang="en-US" altLang="zh-CN" sz="2400" dirty="0">
+                <a:solidFill>
+                  <a:srgbClr val="0000FF"/>
+                </a:solidFill>
+                <a:ea typeface="宋体" panose="02010600030101010101" pitchFamily="2" charset="-122"/>
+              </a:rPr>
+              <a:t>bool equal(</a:t>
+            </a:r>
+            <a:r>
+              <a:rPr lang="en-US" altLang="zh-CN" sz="2400" dirty="0" err="1">
+                <a:solidFill>
+                  <a:srgbClr val="0000FF"/>
+                </a:solidFill>
+                <a:ea typeface="宋体" panose="02010600030101010101" pitchFamily="2" charset="-122"/>
+              </a:rPr>
+              <a:t>DayOfYear</a:t>
+            </a:r>
+            <a:r>
+              <a:rPr lang="en-US" altLang="zh-CN" sz="2400" dirty="0">
+                <a:solidFill>
+                  <a:srgbClr val="0000FF"/>
+                </a:solidFill>
+                <a:ea typeface="宋体" panose="02010600030101010101" pitchFamily="2" charset="-122"/>
+              </a:rPr>
+              <a:t> date1, </a:t>
+            </a:r>
+            <a:r>
+              <a:rPr lang="en-US" altLang="zh-CN" sz="2400" dirty="0" err="1">
+                <a:solidFill>
+                  <a:srgbClr val="0000FF"/>
+                </a:solidFill>
+                <a:ea typeface="宋体" panose="02010600030101010101" pitchFamily="2" charset="-122"/>
+              </a:rPr>
+              <a:t>DayOfYear</a:t>
+            </a:r>
+            <a:r>
+              <a:rPr lang="en-US" altLang="zh-CN" sz="2400" dirty="0">
+                <a:solidFill>
+                  <a:srgbClr val="0000FF"/>
+                </a:solidFill>
+                <a:ea typeface="宋体" panose="02010600030101010101" pitchFamily="2" charset="-122"/>
+              </a:rPr>
+              <a:t> date2)</a:t>
+            </a:r>
+            <a:br>
+              <a:rPr lang="en-US" altLang="zh-CN" sz="2400" dirty="0">
+                <a:solidFill>
+                  <a:srgbClr val="0000FF"/>
+                </a:solidFill>
+                <a:ea typeface="宋体" panose="02010600030101010101" pitchFamily="2" charset="-122"/>
+              </a:rPr>
+            </a:br>
+            <a:r>
+              <a:rPr lang="en-US" altLang="zh-CN" sz="2400" dirty="0">
+                <a:solidFill>
+                  <a:srgbClr val="0000FF"/>
+                </a:solidFill>
+                <a:ea typeface="宋体" panose="02010600030101010101" pitchFamily="2" charset="-122"/>
+              </a:rPr>
               <a:t>	{</a:t>
             </a:r>
             <a:br>
-              <a:rPr lang="en-US" altLang="zh-CN" sz="2400"/>
-            </a:br>
-            <a:r>
-              <a:rPr lang="en-US" altLang="zh-CN" sz="2400"/>
+              <a:rPr lang="en-US" altLang="zh-CN" sz="2400" dirty="0">
+                <a:solidFill>
+                  <a:srgbClr val="0000FF"/>
+                </a:solidFill>
+                <a:ea typeface="宋体" panose="02010600030101010101" pitchFamily="2" charset="-122"/>
+              </a:rPr>
+            </a:br>
+            <a:r>
+              <a:rPr lang="en-US" altLang="zh-CN" sz="2400" dirty="0">
+                <a:solidFill>
+                  <a:srgbClr val="0000FF"/>
+                </a:solidFill>
+                <a:ea typeface="宋体" panose="02010600030101010101" pitchFamily="2" charset="-122"/>
+              </a:rPr>
               <a:t>      		return (date1.month = = date2.month</a:t>
             </a:r>
             <a:br>
-              <a:rPr lang="en-US" altLang="zh-CN" sz="2400"/>
-            </a:br>
-            <a:r>
-              <a:rPr lang="en-US" altLang="zh-CN" sz="2400"/>
+              <a:rPr lang="en-US" altLang="zh-CN" sz="2400" dirty="0">
+                <a:solidFill>
+                  <a:srgbClr val="0000FF"/>
+                </a:solidFill>
+                <a:ea typeface="宋体" panose="02010600030101010101" pitchFamily="2" charset="-122"/>
+              </a:rPr>
+            </a:br>
+            <a:r>
+              <a:rPr lang="en-US" altLang="zh-CN" sz="2400" dirty="0">
+                <a:solidFill>
+                  <a:srgbClr val="0000FF"/>
+                </a:solidFill>
+                <a:ea typeface="宋体" panose="02010600030101010101" pitchFamily="2" charset="-122"/>
+              </a:rPr>
               <a:t>                   	   &amp;&amp;</a:t>
             </a:r>
             <a:br>
-              <a:rPr lang="en-US" altLang="zh-CN" sz="2400"/>
-            </a:br>
-            <a:r>
-              <a:rPr lang="en-US" altLang="zh-CN" sz="2400"/>
+              <a:rPr lang="en-US" altLang="zh-CN" sz="2400" dirty="0">
+                <a:solidFill>
+                  <a:srgbClr val="0000FF"/>
+                </a:solidFill>
+                <a:ea typeface="宋体" panose="02010600030101010101" pitchFamily="2" charset="-122"/>
+              </a:rPr>
+            </a:br>
+            <a:r>
+              <a:rPr lang="en-US" altLang="zh-CN" sz="2400" dirty="0">
+                <a:solidFill>
+                  <a:srgbClr val="0000FF"/>
+                </a:solidFill>
+                <a:ea typeface="宋体" panose="02010600030101010101" pitchFamily="2" charset="-122"/>
+              </a:rPr>
               <a:t>                 	   date1.day = = date2.day );</a:t>
             </a:r>
             <a:br>
-              <a:rPr lang="en-US" altLang="zh-CN" sz="2400"/>
-            </a:br>
-            <a:r>
-              <a:rPr lang="en-US" altLang="zh-CN" sz="2400"/>
+              <a:rPr lang="en-US" altLang="zh-CN" sz="2400" dirty="0">
+                <a:solidFill>
+                  <a:srgbClr val="0000FF"/>
+                </a:solidFill>
+                <a:ea typeface="宋体" panose="02010600030101010101" pitchFamily="2" charset="-122"/>
+              </a:rPr>
+            </a:br>
+            <a:r>
+              <a:rPr lang="en-US" altLang="zh-CN" sz="2400" dirty="0">
+                <a:solidFill>
+                  <a:srgbClr val="0000FF"/>
+                </a:solidFill>
+                <a:ea typeface="宋体" panose="02010600030101010101" pitchFamily="2" charset="-122"/>
+              </a:rPr>
               <a:t> 	}</a:t>
             </a:r>
           </a:p>
           <a:p>
             <a:pPr lvl="1"/>
             <a:r>
-              <a:rPr lang="en-US" altLang="zh-CN" sz="2400"/>
+              <a:rPr lang="en-US" altLang="zh-CN" sz="2400" dirty="0"/>
               <a:t>The code is simpler and more efficient</a:t>
             </a:r>
           </a:p>
           <a:p>
             <a:pPr lvl="1"/>
             <a:r>
-              <a:rPr lang="en-US" altLang="zh-CN" sz="2400"/>
+              <a:rPr lang="en-US" altLang="zh-CN" sz="2400" dirty="0"/>
               <a:t>Direct access of private member variables is not legal!</a:t>
             </a:r>
           </a:p>
@@ -8410,56 +8499,64 @@
           <a:lstStyle/>
           <a:p>
             <a:r>
-              <a:rPr lang="en-US" altLang="zh-CN"/>
-              <a:t>Friend functions are not members of a class, but</a:t>
-            </a:r>
-            <a:br>
-              <a:rPr lang="en-US" altLang="zh-CN"/>
-            </a:br>
-            <a:r>
-              <a:rPr lang="en-US" altLang="zh-CN"/>
+              <a:rPr lang="en-US" altLang="zh-CN" dirty="0">
+                <a:solidFill>
+                  <a:srgbClr val="FF0000"/>
+                </a:solidFill>
+              </a:rPr>
+              <a:t>Friend functions </a:t>
+            </a:r>
+            <a:r>
+              <a:rPr lang="en-US" altLang="zh-CN" dirty="0"/>
+              <a:t>are not members of a class, but</a:t>
+            </a:r>
+            <a:br>
+              <a:rPr lang="en-US" altLang="zh-CN" dirty="0"/>
+            </a:br>
+            <a:r>
+              <a:rPr lang="en-US" altLang="zh-CN" dirty="0"/>
               <a:t>can access private member variables of the class</a:t>
             </a:r>
           </a:p>
           <a:p>
             <a:pPr lvl="1"/>
             <a:r>
-              <a:rPr lang="en-US" altLang="zh-CN"/>
+              <a:rPr lang="en-US" altLang="zh-CN" dirty="0"/>
               <a:t>A friend function is declared using the keyword</a:t>
             </a:r>
             <a:br>
-              <a:rPr lang="en-US" altLang="zh-CN"/>
-            </a:br>
-            <a:r>
-              <a:rPr lang="en-US" altLang="zh-CN"/>
+              <a:rPr lang="en-US" altLang="zh-CN" dirty="0"/>
+            </a:br>
+            <a:r>
+              <a:rPr lang="en-US" altLang="zh-CN" dirty="0"/>
               <a:t>friend in the class definition</a:t>
             </a:r>
           </a:p>
           <a:p>
             <a:pPr lvl="2"/>
             <a:r>
-              <a:rPr lang="en-US" altLang="zh-CN"/>
+              <a:rPr lang="en-US" altLang="zh-CN" dirty="0"/>
               <a:t>A friend function is not a member function</a:t>
             </a:r>
           </a:p>
           <a:p>
             <a:pPr lvl="2"/>
             <a:r>
-              <a:rPr lang="en-US" altLang="zh-CN"/>
+              <a:rPr lang="en-US" altLang="zh-CN" dirty="0"/>
               <a:t>A friend function is an ordinary function</a:t>
             </a:r>
           </a:p>
           <a:p>
             <a:pPr lvl="2"/>
             <a:r>
-              <a:rPr lang="en-US" altLang="zh-CN"/>
+              <a:rPr lang="en-US" altLang="zh-CN" dirty="0"/>
               <a:t>A friend function has extraordinary access to data members of the class</a:t>
             </a:r>
           </a:p>
           <a:p>
             <a:pPr lvl="1"/>
             <a:r>
-              <a:rPr lang="en-US" altLang="zh-CN"/>
+              <a:rPr lang="en-US" altLang="zh-CN" dirty="0"/>
               <a:t>As a friend function, the more efficient version of equal is legal</a:t>
             </a:r>
           </a:p>
@@ -12287,77 +12384,238 @@
               </a:lnSpc>
             </a:pPr>
             <a:r>
-              <a:rPr lang="en-US" altLang="zh-CN" sz="2400"/>
+              <a:rPr lang="en-US" altLang="zh-CN" sz="2400" dirty="0"/>
               <a:t>The function equal is declared a friend in the </a:t>
             </a:r>
             <a:br>
-              <a:rPr lang="en-US" altLang="zh-CN" sz="2400"/>
-            </a:br>
-            <a:r>
-              <a:rPr lang="en-US" altLang="zh-CN" sz="2400"/>
+              <a:rPr lang="en-US" altLang="zh-CN" sz="2400" dirty="0"/>
+            </a:br>
+            <a:r>
+              <a:rPr lang="en-US" altLang="zh-CN" sz="2400" dirty="0"/>
               <a:t>abbreviated class definition here</a:t>
             </a:r>
             <a:br>
-              <a:rPr lang="en-US" altLang="zh-CN" sz="2400"/>
-            </a:br>
-            <a:r>
-              <a:rPr lang="en-US" altLang="zh-CN" sz="2400"/>
-              <a:t>	class DayOfYear</a:t>
-            </a:r>
-            <a:br>
-              <a:rPr lang="en-US" altLang="zh-CN" sz="2400"/>
-            </a:br>
-            <a:r>
-              <a:rPr lang="en-US" altLang="zh-CN" sz="2400"/>
+              <a:rPr lang="en-US" altLang="zh-CN" sz="2400" dirty="0"/>
+            </a:br>
+            <a:r>
+              <a:rPr lang="en-US" altLang="zh-CN" sz="2400" dirty="0"/>
+              <a:t>	</a:t>
+            </a:r>
+            <a:r>
+              <a:rPr lang="en-US" altLang="zh-CN" sz="2400" dirty="0">
+                <a:solidFill>
+                  <a:srgbClr val="0000FF"/>
+                </a:solidFill>
+                <a:ea typeface="宋体" panose="02010600030101010101" pitchFamily="2" charset="-122"/>
+              </a:rPr>
+              <a:t>class </a:t>
+            </a:r>
+            <a:r>
+              <a:rPr lang="en-US" altLang="zh-CN" sz="2400" dirty="0" err="1">
+                <a:solidFill>
+                  <a:srgbClr val="0000FF"/>
+                </a:solidFill>
+                <a:ea typeface="宋体" panose="02010600030101010101" pitchFamily="2" charset="-122"/>
+              </a:rPr>
+              <a:t>DayOfYear</a:t>
+            </a:r>
+            <a:r>
+              <a:rPr lang="en-US" altLang="zh-CN" sz="2400" dirty="0">
+                <a:solidFill>
+                  <a:srgbClr val="0000FF"/>
+                </a:solidFill>
+                <a:ea typeface="宋体" panose="02010600030101010101" pitchFamily="2" charset="-122"/>
+              </a:rPr>
+              <a:t/>
+            </a:r>
+            <a:br>
+              <a:rPr lang="en-US" altLang="zh-CN" sz="2400" dirty="0">
+                <a:solidFill>
+                  <a:srgbClr val="0000FF"/>
+                </a:solidFill>
+                <a:ea typeface="宋体" panose="02010600030101010101" pitchFamily="2" charset="-122"/>
+              </a:rPr>
+            </a:br>
+            <a:r>
+              <a:rPr lang="en-US" altLang="zh-CN" sz="2400" dirty="0">
+                <a:solidFill>
+                  <a:srgbClr val="0000FF"/>
+                </a:solidFill>
+                <a:ea typeface="宋体" panose="02010600030101010101" pitchFamily="2" charset="-122"/>
+              </a:rPr>
               <a:t>  	{</a:t>
             </a:r>
             <a:br>
-              <a:rPr lang="en-US" altLang="zh-CN" sz="2400"/>
-            </a:br>
-            <a:r>
-              <a:rPr lang="en-US" altLang="zh-CN" sz="2400"/>
+              <a:rPr lang="en-US" altLang="zh-CN" sz="2400" dirty="0">
+                <a:solidFill>
+                  <a:srgbClr val="0000FF"/>
+                </a:solidFill>
+                <a:ea typeface="宋体" panose="02010600030101010101" pitchFamily="2" charset="-122"/>
+              </a:rPr>
+            </a:br>
+            <a:r>
+              <a:rPr lang="en-US" altLang="zh-CN" sz="2400" dirty="0">
+                <a:solidFill>
+                  <a:srgbClr val="0000FF"/>
+                </a:solidFill>
+                <a:ea typeface="宋体" panose="02010600030101010101" pitchFamily="2" charset="-122"/>
+              </a:rPr>
               <a:t>      	     public:</a:t>
             </a:r>
             <a:br>
-              <a:rPr lang="en-US" altLang="zh-CN" sz="2400"/>
-            </a:br>
-            <a:r>
-              <a:rPr lang="en-US" altLang="zh-CN" sz="2400"/>
-              <a:t>                 friend bool equal(DayOfYear date1, </a:t>
-            </a:r>
-            <a:br>
-              <a:rPr lang="en-US" altLang="zh-CN" sz="2400"/>
-            </a:br>
-            <a:r>
-              <a:rPr lang="en-US" altLang="zh-CN" sz="2400"/>
-              <a:t>				    DayOfYear date2);</a:t>
-            </a:r>
-            <a:br>
-              <a:rPr lang="en-US" altLang="zh-CN" sz="2400"/>
-            </a:br>
-            <a:r>
-              <a:rPr lang="en-US" altLang="zh-CN" sz="2400"/>
+              <a:rPr lang="en-US" altLang="zh-CN" sz="2400" dirty="0">
+                <a:solidFill>
+                  <a:srgbClr val="0000FF"/>
+                </a:solidFill>
+                <a:ea typeface="宋体" panose="02010600030101010101" pitchFamily="2" charset="-122"/>
+              </a:rPr>
+            </a:br>
+            <a:r>
+              <a:rPr lang="en-US" altLang="zh-CN" sz="2400" dirty="0">
+                <a:solidFill>
+                  <a:srgbClr val="0000FF"/>
+                </a:solidFill>
+                <a:ea typeface="宋体" panose="02010600030101010101" pitchFamily="2" charset="-122"/>
+              </a:rPr>
+              <a:t>                 </a:t>
+            </a:r>
+            <a:r>
+              <a:rPr lang="en-US" altLang="zh-CN" sz="2400" dirty="0">
+                <a:solidFill>
+                  <a:srgbClr val="FF0000"/>
+                </a:solidFill>
+                <a:ea typeface="宋体" panose="02010600030101010101" pitchFamily="2" charset="-122"/>
+              </a:rPr>
+              <a:t>friend</a:t>
+            </a:r>
+            <a:r>
+              <a:rPr lang="en-US" altLang="zh-CN" sz="2400" dirty="0">
+                <a:solidFill>
+                  <a:srgbClr val="0000FF"/>
+                </a:solidFill>
+                <a:ea typeface="宋体" panose="02010600030101010101" pitchFamily="2" charset="-122"/>
+              </a:rPr>
+              <a:t> bool equal(</a:t>
+            </a:r>
+            <a:r>
+              <a:rPr lang="en-US" altLang="zh-CN" sz="2400" dirty="0" err="1">
+                <a:solidFill>
+                  <a:srgbClr val="0000FF"/>
+                </a:solidFill>
+                <a:ea typeface="宋体" panose="02010600030101010101" pitchFamily="2" charset="-122"/>
+              </a:rPr>
+              <a:t>DayOfYear</a:t>
+            </a:r>
+            <a:r>
+              <a:rPr lang="en-US" altLang="zh-CN" sz="2400" dirty="0">
+                <a:solidFill>
+                  <a:srgbClr val="0000FF"/>
+                </a:solidFill>
+                <a:ea typeface="宋体" panose="02010600030101010101" pitchFamily="2" charset="-122"/>
+              </a:rPr>
+              <a:t> date1, </a:t>
+            </a:r>
+            <a:br>
+              <a:rPr lang="en-US" altLang="zh-CN" sz="2400" dirty="0">
+                <a:solidFill>
+                  <a:srgbClr val="0000FF"/>
+                </a:solidFill>
+                <a:ea typeface="宋体" panose="02010600030101010101" pitchFamily="2" charset="-122"/>
+              </a:rPr>
+            </a:br>
+            <a:r>
+              <a:rPr lang="en-US" altLang="zh-CN" sz="2400" dirty="0">
+                <a:solidFill>
+                  <a:srgbClr val="0000FF"/>
+                </a:solidFill>
+                <a:ea typeface="宋体" panose="02010600030101010101" pitchFamily="2" charset="-122"/>
+              </a:rPr>
+              <a:t>				    </a:t>
+            </a:r>
+            <a:r>
+              <a:rPr lang="en-US" altLang="zh-CN" sz="2400" dirty="0" err="1">
+                <a:solidFill>
+                  <a:srgbClr val="0000FF"/>
+                </a:solidFill>
+                <a:ea typeface="宋体" panose="02010600030101010101" pitchFamily="2" charset="-122"/>
+              </a:rPr>
+              <a:t>DayOfYear</a:t>
+            </a:r>
+            <a:r>
+              <a:rPr lang="en-US" altLang="zh-CN" sz="2400" dirty="0">
+                <a:solidFill>
+                  <a:srgbClr val="0000FF"/>
+                </a:solidFill>
+                <a:ea typeface="宋体" panose="02010600030101010101" pitchFamily="2" charset="-122"/>
+              </a:rPr>
+              <a:t> date2);</a:t>
+            </a:r>
+            <a:br>
+              <a:rPr lang="en-US" altLang="zh-CN" sz="2400" dirty="0">
+                <a:solidFill>
+                  <a:srgbClr val="0000FF"/>
+                </a:solidFill>
+                <a:ea typeface="宋体" panose="02010600030101010101" pitchFamily="2" charset="-122"/>
+              </a:rPr>
+            </a:br>
+            <a:r>
+              <a:rPr lang="en-US" altLang="zh-CN" sz="2400" dirty="0">
+                <a:solidFill>
+                  <a:srgbClr val="0000FF"/>
+                </a:solidFill>
+                <a:ea typeface="宋体" panose="02010600030101010101" pitchFamily="2" charset="-122"/>
+              </a:rPr>
               <a:t>                 // The rest of the public members</a:t>
             </a:r>
             <a:br>
-              <a:rPr lang="en-US" altLang="zh-CN" sz="2400"/>
-            </a:br>
-            <a:r>
-              <a:rPr lang="en-US" altLang="zh-CN" sz="2400"/>
+              <a:rPr lang="en-US" altLang="zh-CN" sz="2400" dirty="0">
+                <a:solidFill>
+                  <a:srgbClr val="0000FF"/>
+                </a:solidFill>
+                <a:ea typeface="宋体" panose="02010600030101010101" pitchFamily="2" charset="-122"/>
+              </a:rPr>
+            </a:br>
+            <a:r>
+              <a:rPr lang="en-US" altLang="zh-CN" sz="2400" dirty="0">
+                <a:solidFill>
+                  <a:srgbClr val="0000FF"/>
+                </a:solidFill>
+                <a:ea typeface="宋体" panose="02010600030101010101" pitchFamily="2" charset="-122"/>
+              </a:rPr>
               <a:t>            private:</a:t>
             </a:r>
             <a:br>
-              <a:rPr lang="en-US" altLang="zh-CN" sz="2400"/>
-            </a:br>
-            <a:r>
-              <a:rPr lang="en-US" altLang="zh-CN" sz="2400"/>
+              <a:rPr lang="en-US" altLang="zh-CN" sz="2400" dirty="0">
+                <a:solidFill>
+                  <a:srgbClr val="0000FF"/>
+                </a:solidFill>
+                <a:ea typeface="宋体" panose="02010600030101010101" pitchFamily="2" charset="-122"/>
+              </a:rPr>
+            </a:br>
+            <a:r>
+              <a:rPr lang="en-US" altLang="zh-CN" sz="2400" dirty="0">
+                <a:solidFill>
+                  <a:srgbClr val="0000FF"/>
+                </a:solidFill>
+                <a:ea typeface="宋体" panose="02010600030101010101" pitchFamily="2" charset="-122"/>
+              </a:rPr>
               <a:t>                 //  the private members</a:t>
             </a:r>
             <a:br>
-              <a:rPr lang="en-US" altLang="zh-CN" sz="2400"/>
-            </a:br>
-            <a:r>
-              <a:rPr lang="en-US" altLang="zh-CN" sz="2400"/>
+              <a:rPr lang="en-US" altLang="zh-CN" sz="2400" dirty="0">
+                <a:solidFill>
+                  <a:srgbClr val="0000FF"/>
+                </a:solidFill>
+                <a:ea typeface="宋体" panose="02010600030101010101" pitchFamily="2" charset="-122"/>
+              </a:rPr>
+            </a:br>
+            <a:r>
+              <a:rPr lang="en-US" altLang="zh-CN" sz="2400" dirty="0">
+                <a:solidFill>
+                  <a:srgbClr val="0000FF"/>
+                </a:solidFill>
+                <a:ea typeface="宋体" panose="02010600030101010101" pitchFamily="2" charset="-122"/>
+              </a:rPr>
               <a:t>       };</a:t>
             </a:r>
           </a:p>
@@ -15077,40 +15335,65 @@
           <a:lstStyle/>
           <a:p>
             <a:r>
-              <a:rPr lang="en-US" altLang="zh-CN"/>
+              <a:rPr lang="en-US" altLang="zh-CN" dirty="0"/>
               <a:t>A friend function is declared as a friend in the </a:t>
             </a:r>
             <a:br>
-              <a:rPr lang="en-US" altLang="zh-CN"/>
-            </a:br>
-            <a:r>
-              <a:rPr lang="en-US" altLang="zh-CN"/>
+              <a:rPr lang="en-US" altLang="zh-CN" dirty="0"/>
+            </a:br>
+            <a:r>
+              <a:rPr lang="en-US" altLang="zh-CN" dirty="0"/>
               <a:t>class definition</a:t>
             </a:r>
           </a:p>
           <a:p>
             <a:r>
-              <a:rPr lang="en-US" altLang="zh-CN"/>
+              <a:rPr lang="en-US" altLang="zh-CN" dirty="0"/>
               <a:t>A friend function is defined as a nonmember </a:t>
             </a:r>
             <a:br>
-              <a:rPr lang="en-US" altLang="zh-CN"/>
-            </a:br>
-            <a:r>
-              <a:rPr lang="en-US" altLang="zh-CN"/>
-              <a:t>function without using the "::" operator</a:t>
-            </a:r>
-          </a:p>
-          <a:p>
-            <a:r>
-              <a:rPr lang="en-US" altLang="zh-CN"/>
-              <a:t>A friend function is called without using the </a:t>
-            </a:r>
-            <a:br>
-              <a:rPr lang="en-US" altLang="zh-CN"/>
-            </a:br>
-            <a:r>
-              <a:rPr lang="en-US" altLang="zh-CN"/>
+              <a:rPr lang="en-US" altLang="zh-CN" dirty="0"/>
+            </a:br>
+            <a:r>
+              <a:rPr lang="en-US" altLang="zh-CN" dirty="0"/>
+              <a:t>function </a:t>
+            </a:r>
+            <a:r>
+              <a:rPr lang="en-US" altLang="zh-CN" dirty="0">
+                <a:solidFill>
+                  <a:srgbClr val="FF0000"/>
+                </a:solidFill>
+                <a:ea typeface="宋体" panose="02010600030101010101" pitchFamily="2" charset="-122"/>
+              </a:rPr>
+              <a:t>without</a:t>
+            </a:r>
+            <a:r>
+              <a:rPr lang="en-US" altLang="zh-CN" dirty="0"/>
+              <a:t> using the "::" operator</a:t>
+            </a:r>
+          </a:p>
+          <a:p>
+            <a:r>
+              <a:rPr lang="en-US" altLang="zh-CN" dirty="0"/>
+              <a:t>A friend function is called </a:t>
+            </a:r>
+            <a:r>
+              <a:rPr lang="en-US" altLang="zh-CN" dirty="0">
+                <a:solidFill>
+                  <a:srgbClr val="FF0000"/>
+                </a:solidFill>
+              </a:rPr>
+              <a:t>without</a:t>
+            </a:r>
+            <a:r>
+              <a:rPr lang="en-US" altLang="zh-CN" dirty="0"/>
+              <a:t> using the </a:t>
+            </a:r>
+            <a:br>
+              <a:rPr lang="en-US" altLang="zh-CN" dirty="0"/>
+            </a:br>
+            <a:r>
+              <a:rPr lang="en-US" altLang="zh-CN" dirty="0"/>
               <a:t>'.' operator</a:t>
             </a:r>
           </a:p>
@@ -18680,7 +18963,6 @@
               <a:rPr lang="en-US" altLang="zh-CN" dirty="0"/>
               <a:t>Friend Functions </a:t>
             </a:r>
-            <a:endParaRPr lang="en-US" altLang="zh-CN" dirty="0"/>
           </a:p>
         </p:txBody>
       </p:sp>
@@ -19872,7 +20154,6 @@
               <a:rPr lang="en-US" altLang="zh-CN" dirty="0"/>
               <a:t>11.2 Overloading Operators</a:t>
             </a:r>
-            <a:endParaRPr lang="en-US" altLang="zh-CN" dirty="0"/>
           </a:p>
         </p:txBody>
       </p:sp>
@@ -23566,49 +23847,73 @@
           <a:lstStyle/>
           <a:p>
             <a:r>
-              <a:rPr lang="en-US" altLang="zh-CN"/>
-              <a:t>The DayOfYear class from Chapter 6 can</a:t>
-            </a:r>
-            <a:br>
-              <a:rPr lang="en-US" altLang="zh-CN"/>
-            </a:br>
-            <a:r>
-              <a:rPr lang="en-US" altLang="zh-CN"/>
+              <a:rPr lang="en-US" altLang="zh-CN" dirty="0"/>
+              <a:t>The </a:t>
+            </a:r>
+            <a:r>
+              <a:rPr lang="en-US" altLang="zh-CN" dirty="0" err="1"/>
+              <a:t>DayOfYear</a:t>
+            </a:r>
+            <a:r>
+              <a:rPr lang="en-US" altLang="zh-CN" dirty="0"/>
+              <a:t> class from Chapter </a:t>
+            </a:r>
+            <a:r>
+              <a:rPr lang="en-US" altLang="zh-CN" dirty="0" smtClean="0"/>
+              <a:t>10 </a:t>
+            </a:r>
+            <a:r>
+              <a:rPr lang="en-US" altLang="zh-CN" dirty="0"/>
+              <a:t>can</a:t>
+            </a:r>
+            <a:br>
+              <a:rPr lang="en-US" altLang="zh-CN" dirty="0"/>
+            </a:br>
+            <a:r>
+              <a:rPr lang="en-US" altLang="zh-CN" dirty="0"/>
               <a:t>be enhanced to include an equality function</a:t>
             </a:r>
           </a:p>
           <a:p>
             <a:pPr lvl="1"/>
             <a:r>
-              <a:rPr lang="en-US" altLang="zh-CN"/>
+              <a:rPr lang="en-US" altLang="zh-CN" dirty="0"/>
               <a:t>An equality function tests two objects of </a:t>
             </a:r>
             <a:br>
-              <a:rPr lang="en-US" altLang="zh-CN"/>
-            </a:br>
-            <a:r>
-              <a:rPr lang="en-US" altLang="zh-CN"/>
-              <a:t>type DayOfYear to see if their values represent </a:t>
-            </a:r>
-            <a:br>
-              <a:rPr lang="en-US" altLang="zh-CN"/>
-            </a:br>
-            <a:r>
-              <a:rPr lang="en-US" altLang="zh-CN"/>
+              <a:rPr lang="en-US" altLang="zh-CN" dirty="0"/>
+            </a:br>
+            <a:r>
+              <a:rPr lang="en-US" altLang="zh-CN" dirty="0"/>
+              <a:t>type </a:t>
+            </a:r>
+            <a:r>
+              <a:rPr lang="en-US" altLang="zh-CN" dirty="0" err="1"/>
+              <a:t>DayOfYear</a:t>
+            </a:r>
+            <a:r>
+              <a:rPr lang="en-US" altLang="zh-CN" dirty="0"/>
+              <a:t> to see if their values represent </a:t>
+            </a:r>
+            <a:br>
+              <a:rPr lang="en-US" altLang="zh-CN" dirty="0"/>
+            </a:br>
+            <a:r>
+              <a:rPr lang="en-US" altLang="zh-CN" dirty="0"/>
               <a:t>the same date</a:t>
             </a:r>
           </a:p>
           <a:p>
             <a:pPr lvl="1"/>
             <a:r>
-              <a:rPr lang="en-US" altLang="zh-CN"/>
+              <a:rPr lang="en-US" altLang="zh-CN" dirty="0"/>
               <a:t>Two dates are equal if they represent the same </a:t>
             </a:r>
             <a:br>
-              <a:rPr lang="en-US" altLang="zh-CN"/>
-            </a:br>
-            <a:r>
-              <a:rPr lang="en-US" altLang="zh-CN"/>
+              <a:rPr lang="en-US" altLang="zh-CN" dirty="0"/>
+            </a:br>
+            <a:r>
+              <a:rPr lang="en-US" altLang="zh-CN" dirty="0"/>
               <a:t>day and month</a:t>
             </a:r>
           </a:p>
@@ -26388,60 +26693,110 @@
           <a:lstStyle/>
           <a:p>
             <a:r>
-              <a:rPr lang="en-US" altLang="zh-CN"/>
+              <a:rPr lang="en-US" altLang="zh-CN" dirty="0"/>
               <a:t>We want the equality function to return a value</a:t>
             </a:r>
             <a:br>
-              <a:rPr lang="en-US" altLang="zh-CN"/>
-            </a:br>
-            <a:r>
-              <a:rPr lang="en-US" altLang="zh-CN"/>
+              <a:rPr lang="en-US" altLang="zh-CN" dirty="0"/>
+            </a:br>
+            <a:r>
+              <a:rPr lang="en-US" altLang="zh-CN" dirty="0"/>
               <a:t>of type bool that is true if the dates are the same</a:t>
             </a:r>
           </a:p>
           <a:p>
             <a:r>
-              <a:rPr lang="en-US" altLang="zh-CN"/>
+              <a:rPr lang="en-US" altLang="zh-CN" dirty="0"/>
               <a:t>The equality function requires a parameter for</a:t>
             </a:r>
             <a:br>
-              <a:rPr lang="en-US" altLang="zh-CN"/>
-            </a:br>
-            <a:r>
-              <a:rPr lang="en-US" altLang="zh-CN"/>
+              <a:rPr lang="en-US" altLang="zh-CN" dirty="0"/>
+            </a:br>
+            <a:r>
+              <a:rPr lang="en-US" altLang="zh-CN" dirty="0"/>
               <a:t>each of the two dates to compare</a:t>
             </a:r>
           </a:p>
           <a:p>
             <a:r>
-              <a:rPr lang="en-US" altLang="zh-CN"/>
+              <a:rPr lang="en-US" altLang="zh-CN" dirty="0"/>
               <a:t>The declaration is </a:t>
             </a:r>
             <a:br>
-              <a:rPr lang="en-US" altLang="zh-CN"/>
-            </a:br>
-            <a:r>
-              <a:rPr lang="en-US" altLang="zh-CN"/>
+              <a:rPr lang="en-US" altLang="zh-CN" dirty="0"/>
+            </a:br>
+            <a:r>
+              <a:rPr lang="en-US" altLang="zh-CN" dirty="0"/>
               <a:t>      </a:t>
             </a:r>
             <a:br>
-              <a:rPr lang="en-US" altLang="zh-CN"/>
-            </a:br>
-            <a:r>
-              <a:rPr lang="en-US" altLang="zh-CN"/>
-              <a:t>bool equal(DayOfYear date1, DayOfYear date2);</a:t>
-            </a:r>
-            <a:br>
-              <a:rPr lang="en-US" altLang="zh-CN"/>
-            </a:br>
-            <a:endParaRPr lang="en-US" altLang="zh-CN"/>
+              <a:rPr lang="en-US" altLang="zh-CN" dirty="0"/>
+            </a:br>
+            <a:r>
+              <a:rPr lang="en-US" altLang="zh-CN" dirty="0">
+                <a:solidFill>
+                  <a:srgbClr val="0000FF"/>
+                </a:solidFill>
+                <a:ea typeface="宋体" panose="02010600030101010101" pitchFamily="2" charset="-122"/>
+              </a:rPr>
+              <a:t>bool equal(</a:t>
+            </a:r>
+            <a:r>
+              <a:rPr lang="en-US" altLang="zh-CN" dirty="0" err="1">
+                <a:solidFill>
+                  <a:srgbClr val="0000FF"/>
+                </a:solidFill>
+                <a:ea typeface="宋体" panose="02010600030101010101" pitchFamily="2" charset="-122"/>
+              </a:rPr>
+              <a:t>DayOfYear</a:t>
+            </a:r>
+            <a:r>
+              <a:rPr lang="en-US" altLang="zh-CN" dirty="0">
+                <a:solidFill>
+                  <a:srgbClr val="0000FF"/>
+                </a:solidFill>
+                <a:ea typeface="宋体" panose="02010600030101010101" pitchFamily="2" charset="-122"/>
+              </a:rPr>
+              <a:t> date1, </a:t>
+            </a:r>
+            <a:r>
+              <a:rPr lang="en-US" altLang="zh-CN" dirty="0" err="1">
+                <a:solidFill>
+                  <a:srgbClr val="0000FF"/>
+                </a:solidFill>
+                <a:ea typeface="宋体" panose="02010600030101010101" pitchFamily="2" charset="-122"/>
+              </a:rPr>
+              <a:t>DayOfYear</a:t>
+            </a:r>
+            <a:r>
+              <a:rPr lang="en-US" altLang="zh-CN" dirty="0">
+                <a:solidFill>
+                  <a:srgbClr val="0000FF"/>
+                </a:solidFill>
+                <a:ea typeface="宋体" panose="02010600030101010101" pitchFamily="2" charset="-122"/>
+              </a:rPr>
+              <a:t> date2);</a:t>
+            </a:r>
+            <a:r>
+              <a:rPr lang="en-US" altLang="zh-CN" dirty="0"/>
+              <a:t/>
+            </a:r>
+            <a:br>
+              <a:rPr lang="en-US" altLang="zh-CN" dirty="0"/>
+            </a:br>
+            <a:endParaRPr lang="en-US" altLang="zh-CN" dirty="0"/>
           </a:p>
           <a:p>
             <a:pPr lvl="1"/>
             <a:r>
-              <a:rPr lang="en-US" altLang="zh-CN"/>
-              <a:t>Notice that equal is not a member of the class DayOfYear</a:t>
-            </a:r>
+              <a:rPr lang="en-US" altLang="zh-CN" dirty="0"/>
+              <a:t>Notice that equal is not a member of the class </a:t>
+            </a:r>
+            <a:r>
+              <a:rPr lang="en-US" altLang="zh-CN" dirty="0" err="1"/>
+              <a:t>DayOfYear</a:t>
+            </a:r>
+            <a:endParaRPr lang="en-US" altLang="zh-CN" dirty="0"/>
           </a:p>
         </p:txBody>
       </p:sp>
@@ -28756,76 +29111,186 @@
           <a:lstStyle/>
           <a:p>
             <a:r>
-              <a:rPr lang="en-US" altLang="zh-CN" sz="2400"/>
+              <a:rPr lang="en-US" altLang="zh-CN" sz="2400" dirty="0"/>
               <a:t>The function equal, is not a member function</a:t>
             </a:r>
           </a:p>
           <a:p>
             <a:pPr lvl="1"/>
             <a:r>
-              <a:rPr lang="en-US" altLang="zh-CN" sz="2400"/>
-              <a:t>It must use public accessor functions to obtain the </a:t>
-            </a:r>
-            <a:br>
-              <a:rPr lang="en-US" altLang="zh-CN" sz="2400"/>
-            </a:br>
-            <a:r>
-              <a:rPr lang="en-US" altLang="zh-CN" sz="2400"/>
-              <a:t>day and month from a DayOfYear object</a:t>
-            </a:r>
-          </a:p>
-          <a:p>
-            <a:r>
-              <a:rPr lang="en-US" altLang="zh-CN" sz="2400"/>
+              <a:rPr lang="en-US" altLang="zh-CN" sz="2400" dirty="0"/>
+              <a:t>It must use public </a:t>
+            </a:r>
+            <a:r>
+              <a:rPr lang="en-US" altLang="zh-CN" sz="2400" dirty="0" err="1"/>
+              <a:t>accessor</a:t>
+            </a:r>
+            <a:r>
+              <a:rPr lang="en-US" altLang="zh-CN" sz="2400" dirty="0"/>
+              <a:t> functions to obtain the </a:t>
+            </a:r>
+            <a:br>
+              <a:rPr lang="en-US" altLang="zh-CN" sz="2400" dirty="0"/>
+            </a:br>
+            <a:r>
+              <a:rPr lang="en-US" altLang="zh-CN" sz="2400" dirty="0"/>
+              <a:t>day and month from a </a:t>
+            </a:r>
+            <a:r>
+              <a:rPr lang="en-US" altLang="zh-CN" sz="2400" dirty="0" err="1"/>
+              <a:t>DayOfYear</a:t>
+            </a:r>
+            <a:r>
+              <a:rPr lang="en-US" altLang="zh-CN" sz="2400" dirty="0"/>
+              <a:t> object</a:t>
+            </a:r>
+          </a:p>
+          <a:p>
+            <a:pPr marL="0" indent="0">
+              <a:buNone/>
+            </a:pPr>
+            <a:r>
+              <a:rPr lang="en-US" altLang="zh-CN" sz="2400" dirty="0"/>
               <a:t>equal can be defined in this way:</a:t>
             </a:r>
             <a:br>
-              <a:rPr lang="en-US" altLang="zh-CN" sz="2400"/>
-            </a:br>
-            <a:r>
-              <a:rPr lang="en-US" altLang="zh-CN" sz="2400"/>
+              <a:rPr lang="en-US" altLang="zh-CN" sz="2400" dirty="0"/>
+            </a:br>
+            <a:r>
+              <a:rPr lang="en-US" altLang="zh-CN" sz="2400" dirty="0"/>
               <a:t/>
             </a:r>
             <a:br>
-              <a:rPr lang="en-US" altLang="zh-CN" sz="2400"/>
-            </a:br>
-            <a:r>
-              <a:rPr lang="en-US" altLang="zh-CN" sz="2400"/>
-              <a:t>bool equal(DayOfYear date1, DayOfYear date2)</a:t>
-            </a:r>
-            <a:br>
-              <a:rPr lang="en-US" altLang="zh-CN" sz="2400"/>
-            </a:br>
-            <a:r>
-              <a:rPr lang="en-US" altLang="zh-CN" sz="2400"/>
+              <a:rPr lang="en-US" altLang="zh-CN" sz="2400" dirty="0"/>
+            </a:br>
+            <a:r>
+              <a:rPr lang="en-US" altLang="zh-CN" sz="2400" dirty="0">
+                <a:solidFill>
+                  <a:srgbClr val="0000FF"/>
+                </a:solidFill>
+                <a:ea typeface="宋体" panose="02010600030101010101" pitchFamily="2" charset="-122"/>
+              </a:rPr>
+              <a:t>bool equal(</a:t>
+            </a:r>
+            <a:r>
+              <a:rPr lang="en-US" altLang="zh-CN" sz="2400" dirty="0" err="1">
+                <a:solidFill>
+                  <a:srgbClr val="0000FF"/>
+                </a:solidFill>
+                <a:ea typeface="宋体" panose="02010600030101010101" pitchFamily="2" charset="-122"/>
+              </a:rPr>
+              <a:t>DayOfYear</a:t>
+            </a:r>
+            <a:r>
+              <a:rPr lang="en-US" altLang="zh-CN" sz="2400" dirty="0">
+                <a:solidFill>
+                  <a:srgbClr val="0000FF"/>
+                </a:solidFill>
+                <a:ea typeface="宋体" panose="02010600030101010101" pitchFamily="2" charset="-122"/>
+              </a:rPr>
+              <a:t> date1, </a:t>
+            </a:r>
+            <a:r>
+              <a:rPr lang="en-US" altLang="zh-CN" sz="2400" dirty="0" err="1">
+                <a:solidFill>
+                  <a:srgbClr val="0000FF"/>
+                </a:solidFill>
+                <a:ea typeface="宋体" panose="02010600030101010101" pitchFamily="2" charset="-122"/>
+              </a:rPr>
+              <a:t>DayOfYear</a:t>
+            </a:r>
+            <a:r>
+              <a:rPr lang="en-US" altLang="zh-CN" sz="2400" dirty="0">
+                <a:solidFill>
+                  <a:srgbClr val="0000FF"/>
+                </a:solidFill>
+                <a:ea typeface="宋体" panose="02010600030101010101" pitchFamily="2" charset="-122"/>
+              </a:rPr>
+              <a:t> date2)</a:t>
+            </a:r>
+            <a:br>
+              <a:rPr lang="en-US" altLang="zh-CN" sz="2400" dirty="0">
+                <a:solidFill>
+                  <a:srgbClr val="0000FF"/>
+                </a:solidFill>
+                <a:ea typeface="宋体" panose="02010600030101010101" pitchFamily="2" charset="-122"/>
+              </a:rPr>
+            </a:br>
+            <a:r>
+              <a:rPr lang="en-US" altLang="zh-CN" sz="2400" dirty="0">
+                <a:solidFill>
+                  <a:srgbClr val="0000FF"/>
+                </a:solidFill>
+                <a:ea typeface="宋体" panose="02010600030101010101" pitchFamily="2" charset="-122"/>
+              </a:rPr>
               <a:t> {</a:t>
             </a:r>
             <a:br>
-              <a:rPr lang="en-US" altLang="zh-CN" sz="2400"/>
-            </a:br>
-            <a:r>
-              <a:rPr lang="en-US" altLang="zh-CN" sz="2400"/>
+              <a:rPr lang="en-US" altLang="zh-CN" sz="2400" dirty="0">
+                <a:solidFill>
+                  <a:srgbClr val="0000FF"/>
+                </a:solidFill>
+                <a:ea typeface="宋体" panose="02010600030101010101" pitchFamily="2" charset="-122"/>
+              </a:rPr>
+            </a:br>
+            <a:r>
+              <a:rPr lang="en-US" altLang="zh-CN" sz="2400" dirty="0">
+                <a:solidFill>
+                  <a:srgbClr val="0000FF"/>
+                </a:solidFill>
+                <a:ea typeface="宋体" panose="02010600030101010101" pitchFamily="2" charset="-122"/>
+              </a:rPr>
               <a:t>    return ( date1.get_month( ) == date2.get_month( ) </a:t>
             </a:r>
             <a:br>
-              <a:rPr lang="en-US" altLang="zh-CN" sz="2400"/>
-            </a:br>
-            <a:r>
-              <a:rPr lang="en-US" altLang="zh-CN" sz="2400"/>
+              <a:rPr lang="en-US" altLang="zh-CN" sz="2400" dirty="0">
+                <a:solidFill>
+                  <a:srgbClr val="0000FF"/>
+                </a:solidFill>
+                <a:ea typeface="宋体" panose="02010600030101010101" pitchFamily="2" charset="-122"/>
+              </a:rPr>
+            </a:br>
+            <a:r>
+              <a:rPr lang="en-US" altLang="zh-CN" sz="2400" dirty="0">
+                <a:solidFill>
+                  <a:srgbClr val="0000FF"/>
+                </a:solidFill>
+                <a:ea typeface="宋体" panose="02010600030101010101" pitchFamily="2" charset="-122"/>
+              </a:rPr>
               <a:t>                  &amp;&amp; </a:t>
             </a:r>
             <a:br>
-              <a:rPr lang="en-US" altLang="zh-CN" sz="2400"/>
-            </a:br>
-            <a:r>
-              <a:rPr lang="en-US" altLang="zh-CN" sz="2400"/>
+              <a:rPr lang="en-US" altLang="zh-CN" sz="2400" dirty="0">
+                <a:solidFill>
+                  <a:srgbClr val="0000FF"/>
+                </a:solidFill>
+                <a:ea typeface="宋体" panose="02010600030101010101" pitchFamily="2" charset="-122"/>
+              </a:rPr>
+            </a:br>
+            <a:r>
+              <a:rPr lang="en-US" altLang="zh-CN" sz="2400" dirty="0">
+                <a:solidFill>
+                  <a:srgbClr val="0000FF"/>
+                </a:solidFill>
+                <a:ea typeface="宋体" panose="02010600030101010101" pitchFamily="2" charset="-122"/>
+              </a:rPr>
               <a:t>		 date1.get_day( ) == date2.get_day( ) );</a:t>
             </a:r>
             <a:br>
-              <a:rPr lang="en-US" altLang="zh-CN" sz="2400"/>
-            </a:br>
-            <a:r>
-              <a:rPr lang="en-US" altLang="zh-CN" sz="2400"/>
+              <a:rPr lang="en-US" altLang="zh-CN" sz="2400" dirty="0">
+                <a:solidFill>
+                  <a:srgbClr val="0000FF"/>
+                </a:solidFill>
+                <a:ea typeface="宋体" panose="02010600030101010101" pitchFamily="2" charset="-122"/>
+              </a:rPr>
+            </a:br>
+            <a:r>
+              <a:rPr lang="en-US" altLang="zh-CN" sz="2400" dirty="0">
+                <a:solidFill>
+                  <a:srgbClr val="0000FF"/>
+                </a:solidFill>
+                <a:ea typeface="宋体" panose="02010600030101010101" pitchFamily="2" charset="-122"/>
+              </a:rPr>
               <a:t>  }</a:t>
             </a:r>
           </a:p>
@@ -31477,6 +31942,9 @@
           <a:bodyPr/>
           <a:lstStyle/>
           <a:p>
+            <a:pPr marL="0" indent="0">
+              <a:buNone/>
+            </a:pPr>
             <a:r>
               <a:rPr lang="en-US" altLang="zh-CN" sz="2400" dirty="0"/>
               <a:t>The equal function can be used to compare dates</a:t>
@@ -31486,11 +31954,12 @@
             </a:br>
             <a:r>
               <a:rPr lang="en-US" altLang="zh-CN" sz="2400" dirty="0"/>
-              <a:t>in this manner</a:t>
-            </a:r>
-            <a:br>
-              <a:rPr lang="en-US" altLang="zh-CN" sz="2400" dirty="0"/>
-            </a:br>
+              <a:t>in this </a:t>
+            </a:r>
+            <a:r>
+              <a:rPr lang="en-US" altLang="zh-CN" sz="2400" dirty="0" smtClean="0"/>
+              <a:t>manner</a:t>
+            </a:r>
             <a:r>
               <a:rPr lang="en-US" altLang="zh-CN" sz="2400" dirty="0"/>
               <a:t/>
@@ -31500,29 +31969,68 @@
             </a:br>
             <a:r>
               <a:rPr lang="en-US" altLang="zh-CN" sz="2400" dirty="0"/>
-              <a:t> 		if ( equal( today,  </a:t>
-            </a:r>
-            <a:r>
-              <a:rPr lang="en-US" altLang="zh-CN" sz="2400" dirty="0" err="1"/>
+              <a:t> 		</a:t>
+            </a:r>
+            <a:r>
+              <a:rPr lang="en-US" altLang="zh-CN" sz="3200" dirty="0">
+                <a:solidFill>
+                  <a:srgbClr val="0000FF"/>
+                </a:solidFill>
+                <a:ea typeface="宋体" panose="02010600030101010101" pitchFamily="2" charset="-122"/>
+              </a:rPr>
+              <a:t>if ( equal( today,  </a:t>
+            </a:r>
+            <a:r>
+              <a:rPr lang="en-US" altLang="zh-CN" sz="3200" dirty="0" err="1">
+                <a:solidFill>
+                  <a:srgbClr val="0000FF"/>
+                </a:solidFill>
+                <a:ea typeface="宋体" panose="02010600030101010101" pitchFamily="2" charset="-122"/>
+              </a:rPr>
               <a:t>bach_birthday</a:t>
             </a:r>
             <a:r>
-              <a:rPr lang="en-US" altLang="zh-CN" sz="2400" dirty="0"/>
+              <a:rPr lang="en-US" altLang="zh-CN" sz="3200" dirty="0">
+                <a:solidFill>
+                  <a:srgbClr val="0000FF"/>
+                </a:solidFill>
+                <a:ea typeface="宋体" panose="02010600030101010101" pitchFamily="2" charset="-122"/>
+              </a:rPr>
               <a:t>) )</a:t>
             </a:r>
             <a:br>
-              <a:rPr lang="en-US" altLang="zh-CN" sz="2400" dirty="0"/>
-            </a:br>
-            <a:r>
-              <a:rPr lang="en-US" altLang="zh-CN" sz="2400" dirty="0"/>
+              <a:rPr lang="en-US" altLang="zh-CN" sz="3200" dirty="0">
+                <a:solidFill>
+                  <a:srgbClr val="0000FF"/>
+                </a:solidFill>
+                <a:ea typeface="宋体" panose="02010600030101010101" pitchFamily="2" charset="-122"/>
+              </a:rPr>
+            </a:br>
+            <a:r>
+              <a:rPr lang="en-US" altLang="zh-CN" sz="3200" dirty="0">
+                <a:solidFill>
+                  <a:srgbClr val="0000FF"/>
+                </a:solidFill>
+                <a:ea typeface="宋体" panose="02010600030101010101" pitchFamily="2" charset="-122"/>
+              </a:rPr>
               <a:t>      		     </a:t>
             </a:r>
             <a:r>
-              <a:rPr lang="en-US" altLang="zh-CN" sz="2400" dirty="0" err="1"/>
+              <a:rPr lang="en-US" altLang="zh-CN" sz="3200" dirty="0" err="1">
+                <a:solidFill>
+                  <a:srgbClr val="0000FF"/>
+                </a:solidFill>
+                <a:ea typeface="宋体" panose="02010600030101010101" pitchFamily="2" charset="-122"/>
+              </a:rPr>
               <a:t>cout</a:t>
             </a:r>
             <a:r>
-              <a:rPr lang="en-US" altLang="zh-CN" sz="2400" dirty="0"/>
+              <a:rPr lang="en-US" altLang="zh-CN" sz="3200" dirty="0">
+                <a:solidFill>
+                  <a:srgbClr val="0000FF"/>
+                </a:solidFill>
+                <a:ea typeface="宋体" panose="02010600030101010101" pitchFamily="2" charset="-122"/>
+              </a:rPr>
               <a:t> &lt;&lt; "It's Bach's birthday!";</a:t>
             </a:r>
           </a:p>

--- a/ppt/Chapter 11.pptx
+++ b/ppt/Chapter 11.pptx
@@ -5080,18 +5080,22 @@
           <a:lstStyle/>
           <a:p>
             <a:r>
-              <a:rPr lang="en-US" altLang="zh-CN"/>
+              <a:rPr lang="en-US" altLang="zh-CN" dirty="0"/>
               <a:t>Chapter </a:t>
             </a:r>
             <a:r>
-              <a:rPr lang="en-US" altLang="zh-CN">
-                <a:ea typeface="宋体" panose="02010600030101010101" pitchFamily="2" charset="-122"/>
-              </a:rPr>
-              <a:t>8</a:t>
-            </a:r>
-            <a:r>
-              <a:rPr lang="en-US" altLang="zh-CN"/>
-              <a:t> -- End</a:t>
+              <a:rPr lang="en-US" altLang="zh-CN" dirty="0" smtClean="0">
+                <a:ea typeface="宋体" panose="02010600030101010101" pitchFamily="2" charset="-122"/>
+              </a:rPr>
+              <a:t>11</a:t>
+            </a:r>
+            <a:r>
+              <a:rPr lang="en-US" altLang="zh-CN" dirty="0" smtClean="0"/>
+              <a:t> </a:t>
+            </a:r>
+            <a:r>
+              <a:rPr lang="en-US" altLang="zh-CN" dirty="0"/>
+              <a:t>-- End</a:t>
             </a:r>
           </a:p>
         </p:txBody>
@@ -5385,23 +5389,27 @@
           <a:lstStyle/>
           <a:p>
             <a:r>
-              <a:rPr lang="en-US" altLang="zh-CN"/>
+              <a:rPr lang="en-US" altLang="zh-CN" dirty="0"/>
               <a:t>Display </a:t>
             </a:r>
             <a:r>
-              <a:rPr lang="en-US" altLang="zh-CN">
-                <a:ea typeface="宋体" panose="02010600030101010101" pitchFamily="2" charset="-122"/>
-              </a:rPr>
-              <a:t>8</a:t>
-            </a:r>
-            <a:r>
-              <a:rPr lang="en-US" altLang="zh-CN"/>
-              <a:t>.1 (1/3)</a:t>
+              <a:rPr lang="en-US" altLang="zh-CN" dirty="0" smtClean="0">
+                <a:ea typeface="宋体" panose="02010600030101010101" pitchFamily="2" charset="-122"/>
+              </a:rPr>
+              <a:t>11</a:t>
+            </a:r>
+            <a:r>
+              <a:rPr lang="en-US" altLang="zh-CN" dirty="0" smtClean="0"/>
+              <a:t>.1 </a:t>
+            </a:r>
+            <a:r>
+              <a:rPr lang="en-US" altLang="zh-CN" dirty="0"/>
+              <a:t>(1/3)</a:t>
             </a:r>
             <a:br>
-              <a:rPr lang="en-US" altLang="zh-CN"/>
+              <a:rPr lang="en-US" altLang="zh-CN" dirty="0"/>
             </a:br>
-            <a:endParaRPr lang="en-US" altLang="zh-CN"/>
+            <a:endParaRPr lang="en-US" altLang="zh-CN" dirty="0"/>
           </a:p>
         </p:txBody>
       </p:sp>
@@ -5739,14 +5747,18 @@
               <a:t>Display </a:t>
             </a:r>
             <a:r>
-              <a:rPr lang="en-US" altLang="zh-CN">
-                <a:ea typeface="宋体" panose="02010600030101010101" pitchFamily="2" charset="-122"/>
-              </a:rPr>
-              <a:t>8</a:t>
-            </a:r>
-            <a:r>
-              <a:rPr lang="en-US" altLang="zh-CN"/>
-              <a:t>.1 (2/3)</a:t>
+              <a:rPr lang="en-US" altLang="zh-CN" smtClean="0">
+                <a:ea typeface="宋体" panose="02010600030101010101" pitchFamily="2" charset="-122"/>
+              </a:rPr>
+              <a:t>11</a:t>
+            </a:r>
+            <a:r>
+              <a:rPr lang="en-US" altLang="zh-CN" smtClean="0"/>
+              <a:t>.1 </a:t>
+            </a:r>
+            <a:r>
+              <a:rPr lang="en-US" altLang="zh-CN"/>
+              <a:t>(2/3)</a:t>
             </a:r>
             <a:br>
               <a:rPr lang="en-US" altLang="zh-CN"/>
@@ -19209,14 +19221,6 @@
               </a:rPr>
               <a:t>Initialization Sections</a:t>
             </a:r>
-            <a:endParaRPr lang="en-US" altLang="zh-CN" sz="2400" dirty="0">
-              <a:solidFill>
-                <a:schemeClr val="tx1"/>
-              </a:solidFill>
-              <a:latin typeface="Arial" panose="020B0604020202020204" pitchFamily="34" charset="0"/>
-              <a:ea typeface="+mn-ea"/>
-              <a:cs typeface="+mn-cs"/>
-            </a:endParaRPr>
           </a:p>
         </p:txBody>
       </p:sp>
@@ -22414,12 +22418,6 @@
               </a:rPr>
               <a:t> 		} </a:t>
             </a:r>
-            <a:endParaRPr lang="en-US" altLang="zh-CN" sz="1800" dirty="0">
-              <a:solidFill>
-                <a:srgbClr val="0000FF"/>
-              </a:solidFill>
-              <a:ea typeface="宋体" panose="02010600030101010101" pitchFamily="2" charset="-122"/>
-            </a:endParaRPr>
           </a:p>
         </p:txBody>
       </p:sp>
@@ -25767,66 +25765,105 @@
           <a:lstStyle/>
           <a:p>
             <a:r>
-              <a:rPr lang="en-US" altLang="zh-CN" sz="2400"/>
+              <a:rPr lang="en-US" altLang="zh-CN" sz="2400" dirty="0"/>
               <a:t>In the Money class, function add was used to </a:t>
             </a:r>
             <a:br>
-              <a:rPr lang="en-US" altLang="zh-CN" sz="2400"/>
+              <a:rPr lang="en-US" altLang="zh-CN" sz="2400" dirty="0"/>
             </a:br>
             <a:r>
-              <a:rPr lang="en-US" altLang="zh-CN" sz="2400"/>
+              <a:rPr lang="en-US" altLang="zh-CN" sz="2400" dirty="0"/>
               <a:t>add two objects of type Money</a:t>
             </a:r>
             <a:br>
-              <a:rPr lang="en-US" altLang="zh-CN" sz="2400"/>
+              <a:rPr lang="en-US" altLang="zh-CN" sz="2400" dirty="0"/>
             </a:br>
-            <a:endParaRPr lang="en-US" altLang="zh-CN" sz="2400"/>
-          </a:p>
-          <a:p>
-            <a:r>
-              <a:rPr lang="en-US" altLang="zh-CN" sz="2400"/>
+            <a:endParaRPr lang="en-US" altLang="zh-CN" sz="2400" dirty="0"/>
+          </a:p>
+          <a:p>
+            <a:r>
+              <a:rPr lang="en-US" altLang="zh-CN" sz="2400" dirty="0"/>
               <a:t>In this section we see how to use the '+' operator</a:t>
             </a:r>
             <a:br>
-              <a:rPr lang="en-US" altLang="zh-CN" sz="2400"/>
+              <a:rPr lang="en-US" altLang="zh-CN" sz="2400" dirty="0"/>
             </a:br>
             <a:r>
-              <a:rPr lang="en-US" altLang="zh-CN" sz="2400"/>
+              <a:rPr lang="en-US" altLang="zh-CN" sz="2400" dirty="0"/>
               <a:t>to make this code legal:</a:t>
             </a:r>
             <a:br>
-              <a:rPr lang="en-US" altLang="zh-CN" sz="2400"/>
+              <a:rPr lang="en-US" altLang="zh-CN" sz="2400" dirty="0"/>
             </a:br>
             <a:r>
-              <a:rPr lang="en-US" altLang="zh-CN" sz="2400"/>
+              <a:rPr lang="en-US" altLang="zh-CN" sz="2400" dirty="0"/>
               <a:t/>
             </a:r>
             <a:br>
-              <a:rPr lang="en-US" altLang="zh-CN" sz="2400"/>
+              <a:rPr lang="en-US" altLang="zh-CN" sz="2400" dirty="0"/>
             </a:br>
             <a:r>
-              <a:rPr lang="en-US" altLang="zh-CN" sz="2400"/>
-              <a:t>		Money total, cost, tax;</a:t>
+              <a:rPr lang="en-US" altLang="zh-CN" sz="2400" dirty="0"/>
+              <a:t>		</a:t>
+            </a:r>
+            <a:r>
+              <a:rPr lang="en-US" altLang="zh-CN" sz="2400" dirty="0">
+                <a:solidFill>
+                  <a:srgbClr val="0000FF"/>
+                </a:solidFill>
+                <a:ea typeface="宋体" panose="02010600030101010101" pitchFamily="2" charset="-122"/>
+              </a:rPr>
+              <a:t>Money total, cost, tax;</a:t>
             </a:r>
             <a:br>
-              <a:rPr lang="en-US" altLang="zh-CN" sz="2400"/>
+              <a:rPr lang="en-US" altLang="zh-CN" sz="2400" dirty="0">
+                <a:solidFill>
+                  <a:srgbClr val="0000FF"/>
+                </a:solidFill>
+                <a:ea typeface="宋体" panose="02010600030101010101" pitchFamily="2" charset="-122"/>
+              </a:rPr>
             </a:br>
             <a:r>
-              <a:rPr lang="en-US" altLang="zh-CN" sz="2400"/>
+              <a:rPr lang="en-US" altLang="zh-CN" sz="2400" dirty="0">
+                <a:solidFill>
+                  <a:srgbClr val="0000FF"/>
+                </a:solidFill>
+                <a:ea typeface="宋体" panose="02010600030101010101" pitchFamily="2" charset="-122"/>
+              </a:rPr>
               <a:t>		…</a:t>
             </a:r>
             <a:br>
-              <a:rPr lang="en-US" altLang="zh-CN" sz="2400"/>
+              <a:rPr lang="en-US" altLang="zh-CN" sz="2400" dirty="0">
+                <a:solidFill>
+                  <a:srgbClr val="0000FF"/>
+                </a:solidFill>
+                <a:ea typeface="宋体" panose="02010600030101010101" pitchFamily="2" charset="-122"/>
+              </a:rPr>
             </a:br>
             <a:r>
-              <a:rPr lang="en-US" altLang="zh-CN" sz="2400"/>
+              <a:rPr lang="en-US" altLang="zh-CN" sz="2400" dirty="0">
+                <a:solidFill>
+                  <a:srgbClr val="0000FF"/>
+                </a:solidFill>
+                <a:ea typeface="宋体" panose="02010600030101010101" pitchFamily="2" charset="-122"/>
+              </a:rPr>
               <a:t>		total = cost + tax;  </a:t>
             </a:r>
             <a:br>
-              <a:rPr lang="en-US" altLang="zh-CN" sz="2400"/>
+              <a:rPr lang="en-US" altLang="zh-CN" sz="2400" dirty="0">
+                <a:solidFill>
+                  <a:srgbClr val="0000FF"/>
+                </a:solidFill>
+                <a:ea typeface="宋体" panose="02010600030101010101" pitchFamily="2" charset="-122"/>
+              </a:rPr>
             </a:br>
             <a:r>
-              <a:rPr lang="en-US" altLang="zh-CN" sz="2400"/>
+              <a:rPr lang="en-US" altLang="zh-CN" sz="2400" dirty="0">
+                <a:solidFill>
+                  <a:srgbClr val="0000FF"/>
+                </a:solidFill>
+                <a:ea typeface="宋体" panose="02010600030101010101" pitchFamily="2" charset="-122"/>
+              </a:rPr>
               <a:t>              // instead of  total = add(cost, tax);</a:t>
             </a:r>
           </a:p>
@@ -27677,7 +27714,19 @@
             </a:br>
             <a:r>
               <a:rPr lang="en-US" altLang="zh-CN" dirty="0"/>
-              <a:t>this  addition will cause an error</a:t>
+              <a:t>this  addition will cause </a:t>
+            </a:r>
+            <a:r>
+              <a:rPr lang="en-US" altLang="zh-CN" dirty="0">
+                <a:solidFill>
+                  <a:srgbClr val="FF0000"/>
+                </a:solidFill>
+              </a:rPr>
+              <a:t>an error</a:t>
+            </a:r>
+            <a:r>
+              <a:rPr lang="en-US" altLang="zh-CN" dirty="0"/>
+              <a:t/>
             </a:r>
             <a:br>
               <a:rPr lang="en-US" altLang="zh-CN" dirty="0"/>
@@ -28225,14 +28274,18 @@
               <a:t>The Money class  of Display </a:t>
             </a:r>
             <a:r>
-              <a:rPr lang="en-US" altLang="zh-CN" sz="2400" dirty="0">
-                <a:ea typeface="宋体" panose="02010600030101010101" pitchFamily="2" charset="-122"/>
-              </a:rPr>
-              <a:t>8</a:t>
+              <a:rPr lang="en-US" altLang="zh-CN" sz="2400" dirty="0" smtClean="0">
+                <a:ea typeface="宋体" panose="02010600030101010101" pitchFamily="2" charset="-122"/>
+              </a:rPr>
+              <a:t>11</a:t>
+            </a:r>
+            <a:r>
+              <a:rPr lang="en-US" altLang="zh-CN" sz="2400" dirty="0" smtClean="0"/>
+              <a:t>.6 </a:t>
             </a:r>
             <a:r>
               <a:rPr lang="en-US" altLang="zh-CN" sz="2400" dirty="0"/>
-              <a:t>.6 can includes </a:t>
+              <a:t>can includes </a:t>
             </a:r>
           </a:p>
           <a:p>
@@ -28484,7 +28537,20 @@
             </a:br>
             <a:r>
               <a:rPr lang="en-US" altLang="zh-CN" sz="2400" dirty="0"/>
-              <a:t>            amount3 = amount1 – amount2;</a:t>
+              <a:t>            </a:t>
+            </a:r>
+            <a:r>
+              <a:rPr lang="en-US" altLang="zh-CN" sz="2400" dirty="0">
+                <a:solidFill>
+                  <a:srgbClr val="0000FF"/>
+                </a:solidFill>
+                <a:ea typeface="宋体" panose="02010600030101010101" pitchFamily="2" charset="-122"/>
+              </a:rPr>
+              <a:t>amount3 = amount1 – amount2</a:t>
+            </a:r>
+            <a:r>
+              <a:rPr lang="en-US" altLang="zh-CN" sz="2400" dirty="0"/>
+              <a:t>;</a:t>
             </a:r>
           </a:p>
           <a:p>
@@ -28504,7 +28570,16 @@
             </a:br>
             <a:r>
               <a:rPr lang="en-US" altLang="zh-CN" sz="2400" dirty="0"/>
-              <a:t>                      amount3 =  -amount1;</a:t>
+              <a:t>                      </a:t>
+            </a:r>
+            <a:r>
+              <a:rPr lang="en-US" altLang="zh-CN" sz="2400" dirty="0">
+                <a:solidFill>
+                  <a:srgbClr val="0000FF"/>
+                </a:solidFill>
+                <a:ea typeface="宋体" panose="02010600030101010101" pitchFamily="2" charset="-122"/>
+              </a:rPr>
+              <a:t>amount3 =  -amount1;</a:t>
             </a:r>
           </a:p>
         </p:txBody>
@@ -31036,25 +31111,7 @@
                 </a:solidFill>
                 <a:ea typeface="宋体" panose="02010600030101010101" pitchFamily="2" charset="-122"/>
               </a:rPr>
-              <a:t> 		 Money::input in Display </a:t>
-            </a:r>
-            <a:r>
-              <a:rPr lang="en-US" altLang="zh-CN" sz="2400" dirty="0">
-                <a:solidFill>
-                  <a:srgbClr val="0000FF"/>
-                </a:solidFill>
-                <a:ea typeface="宋体" panose="02010600030101010101" pitchFamily="2" charset="-122"/>
-              </a:rPr>
-              <a:t>11.3 </a:t>
-            </a:r>
-            <a:r>
-              <a:rPr lang="en-US" altLang="zh-CN" sz="2400" dirty="0">
-                <a:solidFill>
-                  <a:srgbClr val="0000FF"/>
-                </a:solidFill>
-                <a:ea typeface="宋体" panose="02010600030101010101" pitchFamily="2" charset="-122"/>
-              </a:rPr>
-              <a:t>(except that</a:t>
+              <a:t> 		 Money::input in Display 11.3 (except that</a:t>
             </a:r>
             <a:br>
               <a:rPr lang="en-US" altLang="zh-CN" sz="2400" dirty="0">
@@ -32448,16 +32505,7 @@
                 </a:solidFill>
                 <a:ea typeface="宋体" panose="02010600030101010101" pitchFamily="2" charset="-122"/>
               </a:rPr>
-              <a:t> &gt;&gt; </a:t>
-            </a:r>
-            <a:r>
-              <a:rPr lang="en-US" altLang="zh-CN" sz="2400" dirty="0">
-                <a:solidFill>
-                  <a:srgbClr val="0000FF"/>
-                </a:solidFill>
-                <a:ea typeface="宋体" panose="02010600030101010101" pitchFamily="2" charset="-122"/>
-              </a:rPr>
-              <a:t> </a:t>
+              <a:t> &gt;&gt;  </a:t>
             </a:r>
             <a:r>
               <a:rPr lang="en-US" altLang="zh-CN" sz="2400" dirty="0" smtClean="0">
@@ -33603,37 +33651,90 @@
           <a:lstStyle/>
           <a:p>
             <a:r>
-              <a:rPr lang="en-US" altLang="zh-CN"/>
+              <a:rPr lang="en-US" altLang="zh-CN" dirty="0"/>
               <a:t>To access the array elements within a structure</a:t>
             </a:r>
           </a:p>
           <a:p>
             <a:pPr lvl="1"/>
             <a:r>
-              <a:rPr lang="en-US" altLang="zh-CN"/>
+              <a:rPr lang="en-US" altLang="zh-CN" dirty="0"/>
               <a:t>Use the dot operator to identify the array within the structure</a:t>
             </a:r>
           </a:p>
           <a:p>
             <a:pPr lvl="1"/>
             <a:r>
-              <a:rPr lang="en-US" altLang="zh-CN"/>
+              <a:rPr lang="en-US" altLang="zh-CN" dirty="0"/>
               <a:t>Use the [ ]'s to identify the indexed variable desired</a:t>
             </a:r>
           </a:p>
           <a:p>
             <a:pPr lvl="1"/>
             <a:r>
-              <a:rPr lang="en-US" altLang="zh-CN"/>
-              <a:t>Example:         my_best.time[i]</a:t>
+              <a:rPr lang="en-US" altLang="zh-CN" dirty="0"/>
+              <a:t>Example:         </a:t>
+            </a:r>
+            <a:r>
+              <a:rPr lang="en-US" altLang="zh-CN" dirty="0" err="1">
+                <a:solidFill>
+                  <a:srgbClr val="0000FF"/>
+                </a:solidFill>
+                <a:ea typeface="宋体" panose="02010600030101010101" pitchFamily="2" charset="-122"/>
+              </a:rPr>
+              <a:t>my_best.time</a:t>
+            </a:r>
+            <a:r>
+              <a:rPr lang="en-US" altLang="zh-CN" dirty="0">
+                <a:solidFill>
+                  <a:srgbClr val="0000FF"/>
+                </a:solidFill>
+                <a:ea typeface="宋体" panose="02010600030101010101" pitchFamily="2" charset="-122"/>
+              </a:rPr>
+              <a:t>[</a:t>
+            </a:r>
+            <a:r>
+              <a:rPr lang="en-US" altLang="zh-CN" dirty="0" err="1">
+                <a:solidFill>
+                  <a:srgbClr val="0000FF"/>
+                </a:solidFill>
+                <a:ea typeface="宋体" panose="02010600030101010101" pitchFamily="2" charset="-122"/>
+              </a:rPr>
+              <a:t>i</a:t>
+            </a:r>
+            <a:r>
+              <a:rPr lang="en-US" altLang="zh-CN" dirty="0">
+                <a:solidFill>
+                  <a:srgbClr val="0000FF"/>
+                </a:solidFill>
+                <a:ea typeface="宋体" panose="02010600030101010101" pitchFamily="2" charset="-122"/>
+              </a:rPr>
+              <a:t>]</a:t>
+            </a:r>
+            <a:r>
+              <a:rPr lang="en-US" altLang="zh-CN" dirty="0"/>
+              <a:t/>
             </a:r>
             <a:br>
-              <a:rPr lang="en-US" altLang="zh-CN"/>
+              <a:rPr lang="en-US" altLang="zh-CN" dirty="0"/>
             </a:br>
             <a:r>
-              <a:rPr lang="en-US" altLang="zh-CN"/>
-              <a:t>references the ith indexed variable of the variable time in the structure my_best</a:t>
-            </a:r>
+              <a:rPr lang="en-US" altLang="zh-CN" dirty="0"/>
+              <a:t>references the </a:t>
+            </a:r>
+            <a:r>
+              <a:rPr lang="en-US" altLang="zh-CN" dirty="0" err="1"/>
+              <a:t>ith</a:t>
+            </a:r>
+            <a:r>
+              <a:rPr lang="en-US" altLang="zh-CN" dirty="0"/>
+              <a:t> indexed variable of the variable time in the structure </a:t>
+            </a:r>
+            <a:r>
+              <a:rPr lang="en-US" altLang="zh-CN" dirty="0" err="1"/>
+              <a:t>my_best</a:t>
+            </a:r>
+            <a:endParaRPr lang="en-US" altLang="zh-CN" dirty="0"/>
           </a:p>
         </p:txBody>
       </p:sp>
@@ -34837,7 +34938,6 @@
               <a:rPr lang="en-US" altLang="zh-CN" dirty="0"/>
               <a:t>Classes and Dynamic Arrays</a:t>
             </a:r>
-            <a:endParaRPr lang="en-US" altLang="zh-CN" dirty="0"/>
           </a:p>
         </p:txBody>
       </p:sp>
@@ -37786,8 +37886,8 @@
         </p:nvSpPr>
         <p:spPr bwMode="auto">
           <a:xfrm>
-            <a:off x="2187575" y="5875338"/>
-            <a:ext cx="2252663" cy="528637"/>
+            <a:off x="2091745" y="5875338"/>
+            <a:ext cx="2444323" cy="523220"/>
           </a:xfrm>
           <a:prstGeom prst="rect">
             <a:avLst/>
@@ -37833,7 +37933,7 @@
               <a:buNone/>
             </a:pPr>
             <a:r>
-              <a:rPr lang="en-US" altLang="zh-CN" sz="2800" b="1">
+              <a:rPr lang="en-US" altLang="zh-CN" sz="2800" b="1" dirty="0">
                 <a:solidFill>
                   <a:schemeClr val="tx2"/>
                 </a:solidFill>
@@ -37841,22 +37941,27 @@
               <a:t>Display </a:t>
             </a:r>
             <a:r>
-              <a:rPr lang="en-US" altLang="zh-CN" sz="2800" b="1">
+              <a:rPr lang="en-US" altLang="zh-CN" sz="2800" b="1" dirty="0" smtClean="0">
                 <a:solidFill>
                   <a:schemeClr val="tx2"/>
                 </a:solidFill>
                 <a:ea typeface="宋体" panose="02010600030101010101" pitchFamily="2" charset="-122"/>
               </a:rPr>
-              <a:t>8</a:t>
-            </a:r>
-            <a:r>
-              <a:rPr lang="en-US" altLang="zh-CN" sz="2800" b="1">
+              <a:t>11</a:t>
+            </a:r>
+            <a:r>
+              <a:rPr lang="en-US" altLang="zh-CN" sz="2800" b="1" dirty="0" smtClean="0">
                 <a:solidFill>
                   <a:schemeClr val="tx2"/>
                 </a:solidFill>
               </a:rPr>
               <a:t>.10</a:t>
             </a:r>
+            <a:endParaRPr lang="en-US" altLang="zh-CN" sz="2800" b="1" dirty="0">
+              <a:solidFill>
+                <a:schemeClr val="tx2"/>
+              </a:solidFill>
+            </a:endParaRPr>
           </a:p>
         </p:txBody>
       </p:sp>
@@ -37872,8 +37977,8 @@
         </p:nvSpPr>
         <p:spPr bwMode="auto">
           <a:xfrm>
-            <a:off x="4638675" y="5875338"/>
-            <a:ext cx="2252663" cy="528637"/>
+            <a:off x="4552752" y="5875338"/>
+            <a:ext cx="2424511" cy="523220"/>
           </a:xfrm>
           <a:prstGeom prst="rect">
             <a:avLst/>
@@ -37919,7 +38024,7 @@
               <a:buNone/>
             </a:pPr>
             <a:r>
-              <a:rPr lang="en-US" altLang="zh-CN" sz="2800" b="1">
+              <a:rPr lang="en-US" altLang="zh-CN" sz="2800" b="1" dirty="0">
                 <a:solidFill>
                   <a:schemeClr val="tx2"/>
                 </a:solidFill>
@@ -37927,22 +38032,27 @@
               <a:t>Display </a:t>
             </a:r>
             <a:r>
-              <a:rPr lang="en-US" altLang="zh-CN" sz="2800" b="1">
+              <a:rPr lang="en-US" altLang="zh-CN" sz="2800" b="1" dirty="0" smtClean="0">
                 <a:solidFill>
                   <a:schemeClr val="tx2"/>
                 </a:solidFill>
                 <a:ea typeface="宋体" panose="02010600030101010101" pitchFamily="2" charset="-122"/>
               </a:rPr>
-              <a:t>8</a:t>
-            </a:r>
-            <a:r>
-              <a:rPr lang="en-US" altLang="zh-CN" sz="2800" b="1">
+              <a:t>11</a:t>
+            </a:r>
+            <a:r>
+              <a:rPr lang="en-US" altLang="zh-CN" sz="2800" b="1" dirty="0" smtClean="0">
                 <a:solidFill>
                   <a:schemeClr val="tx2"/>
                 </a:solidFill>
               </a:rPr>
               <a:t>.11</a:t>
             </a:r>
+            <a:endParaRPr lang="en-US" altLang="zh-CN" sz="2800" b="1" dirty="0">
+              <a:solidFill>
+                <a:schemeClr val="tx2"/>
+              </a:solidFill>
+            </a:endParaRPr>
           </a:p>
         </p:txBody>
       </p:sp>
@@ -37996,49 +38106,49 @@
           <a:lstStyle/>
           <a:p>
             <a:r>
-              <a:rPr lang="en-US" altLang="zh-CN" sz="2400"/>
+              <a:rPr lang="en-US" altLang="zh-CN" sz="2400" dirty="0"/>
               <a:t>Using pointers as call-by-value parameters yields</a:t>
             </a:r>
             <a:br>
-              <a:rPr lang="en-US" altLang="zh-CN" sz="2400"/>
+              <a:rPr lang="en-US" altLang="zh-CN" sz="2400" dirty="0"/>
             </a:br>
             <a:r>
-              <a:rPr lang="en-US" altLang="zh-CN" sz="2400"/>
+              <a:rPr lang="en-US" altLang="zh-CN" sz="2400" dirty="0"/>
               <a:t>results you might not expect</a:t>
             </a:r>
           </a:p>
           <a:p>
             <a:pPr lvl="1"/>
             <a:r>
-              <a:rPr lang="en-US" altLang="zh-CN" sz="2400"/>
+              <a:rPr lang="en-US" altLang="zh-CN" sz="2400" dirty="0"/>
               <a:t>Remember that parameters are local variables</a:t>
             </a:r>
           </a:p>
           <a:p>
             <a:pPr lvl="2"/>
             <a:r>
-              <a:rPr lang="en-US" altLang="zh-CN" sz="2000"/>
+              <a:rPr lang="en-US" altLang="zh-CN" sz="2000" dirty="0"/>
               <a:t>No change to the parameter should cause a change to the argument</a:t>
             </a:r>
           </a:p>
           <a:p>
             <a:pPr lvl="1"/>
             <a:r>
-              <a:rPr lang="en-US" altLang="zh-CN" sz="2400"/>
+              <a:rPr lang="en-US" altLang="zh-CN" sz="2400" dirty="0"/>
               <a:t>The value of the parameter is set to the value of the argument (an address is stored in a pointer variable)</a:t>
             </a:r>
           </a:p>
           <a:p>
             <a:pPr lvl="2"/>
             <a:r>
-              <a:rPr lang="en-US" altLang="zh-CN" sz="2000"/>
+              <a:rPr lang="en-US" altLang="zh-CN" sz="2000" dirty="0"/>
               <a:t>The argument and the parameter hold the same address</a:t>
             </a:r>
           </a:p>
           <a:p>
             <a:pPr lvl="1"/>
             <a:r>
-              <a:rPr lang="en-US" altLang="zh-CN" sz="2400"/>
+              <a:rPr lang="en-US" altLang="zh-CN" sz="2400" dirty="0"/>
               <a:t>If the parameter is used to change the value pointed to, this is the same value pointed to by the argument!</a:t>
             </a:r>
           </a:p>
@@ -38330,16 +38440,7 @@
                 </a:solidFill>
                 <a:ea typeface="宋体" panose="02010600030101010101" pitchFamily="2" charset="-122"/>
               </a:rPr>
-              <a:t>c</a:t>
-            </a:r>
-            <a:r>
-              <a:rPr lang="en-US" altLang="zh-CN" dirty="0">
-                <a:solidFill>
-                  <a:srgbClr val="0000FF"/>
-                </a:solidFill>
-                <a:ea typeface="宋体" panose="02010600030101010101" pitchFamily="2" charset="-122"/>
-              </a:rPr>
-              <a:t>lass </a:t>
+              <a:t>class </a:t>
             </a:r>
             <a:r>
               <a:rPr lang="en-US" altLang="zh-CN" dirty="0" err="1">
@@ -38385,16 +38486,7 @@
                 </a:solidFill>
                 <a:ea typeface="宋体" panose="02010600030101010101" pitchFamily="2" charset="-122"/>
               </a:rPr>
-              <a:t>	</a:t>
-            </a:r>
-            <a:r>
-              <a:rPr lang="en-US" altLang="zh-CN" dirty="0">
-                <a:solidFill>
-                  <a:srgbClr val="0000FF"/>
-                </a:solidFill>
-                <a:ea typeface="宋体" panose="02010600030101010101" pitchFamily="2" charset="-122"/>
-              </a:rPr>
-              <a:t>	</a:t>
+              <a:t>		</a:t>
             </a:r>
             <a:r>
               <a:rPr lang="en-US" altLang="zh-CN" dirty="0" err="1">
@@ -38426,16 +38518,7 @@
                 </a:solidFill>
                 <a:ea typeface="宋体" panose="02010600030101010101" pitchFamily="2" charset="-122"/>
               </a:rPr>
-              <a:t>	</a:t>
-            </a:r>
-            <a:r>
-              <a:rPr lang="en-US" altLang="zh-CN" dirty="0">
-                <a:solidFill>
-                  <a:srgbClr val="0000FF"/>
-                </a:solidFill>
-                <a:ea typeface="宋体" panose="02010600030101010101" pitchFamily="2" charset="-122"/>
-              </a:rPr>
-              <a:t>public:</a:t>
+              <a:t>	public:</a:t>
             </a:r>
           </a:p>
           <a:p>
@@ -38449,19 +38532,28 @@
                 </a:solidFill>
                 <a:ea typeface="宋体" panose="02010600030101010101" pitchFamily="2" charset="-122"/>
               </a:rPr>
-              <a:t>	</a:t>
-            </a:r>
-            <a:r>
-              <a:rPr lang="en-US" altLang="zh-CN" dirty="0">
-                <a:solidFill>
-                  <a:srgbClr val="0000FF"/>
-                </a:solidFill>
-                <a:ea typeface="宋体" panose="02010600030101010101" pitchFamily="2" charset="-122"/>
-              </a:rPr>
-              <a:t>	</a:t>
-            </a:r>
-            <a:r>
-              <a:rPr lang="en-US" altLang="zh-CN" dirty="0" err="1">
+              <a:t>		</a:t>
+            </a:r>
+            <a:r>
+              <a:rPr lang="en-US" altLang="zh-CN" dirty="0" err="1" smtClean="0">
+                <a:solidFill>
+                  <a:srgbClr val="0000FF"/>
+                </a:solidFill>
+                <a:ea typeface="宋体" panose="02010600030101010101" pitchFamily="2" charset="-122"/>
+              </a:rPr>
+              <a:t>int</a:t>
+            </a:r>
+            <a:r>
+              <a:rPr lang="en-US" altLang="zh-CN" dirty="0" smtClean="0">
+                <a:solidFill>
+                  <a:srgbClr val="0000FF"/>
+                </a:solidFill>
+                <a:ea typeface="宋体" panose="02010600030101010101" pitchFamily="2" charset="-122"/>
+              </a:rPr>
+              <a:t> </a:t>
+            </a:r>
+            <a:r>
+              <a:rPr lang="en-US" altLang="zh-CN" dirty="0" err="1" smtClean="0">
                 <a:solidFill>
                   <a:srgbClr val="0000FF"/>
                 </a:solidFill>
@@ -38490,7 +38582,25 @@
                 </a:solidFill>
                 <a:ea typeface="宋体" panose="02010600030101010101" pitchFamily="2" charset="-122"/>
               </a:rPr>
-              <a:t>	</a:t>
+              <a:t>		</a:t>
+            </a:r>
+            <a:r>
+              <a:rPr lang="en-US" altLang="zh-CN" dirty="0" err="1" smtClean="0">
+                <a:solidFill>
+                  <a:srgbClr val="0000FF"/>
+                </a:solidFill>
+                <a:ea typeface="宋体" panose="02010600030101010101" pitchFamily="2" charset="-122"/>
+              </a:rPr>
+              <a:t>int</a:t>
+            </a:r>
+            <a:r>
+              <a:rPr lang="en-US" altLang="zh-CN" smtClean="0">
+                <a:solidFill>
+                  <a:srgbClr val="0000FF"/>
+                </a:solidFill>
+                <a:ea typeface="宋体" panose="02010600030101010101" pitchFamily="2" charset="-122"/>
+              </a:rPr>
+              <a:t> get_day</a:t>
             </a:r>
             <a:r>
               <a:rPr lang="en-US" altLang="zh-CN" dirty="0">
@@ -38499,32 +38609,8 @@
                 </a:solidFill>
                 <a:ea typeface="宋体" panose="02010600030101010101" pitchFamily="2" charset="-122"/>
               </a:rPr>
-              <a:t>	</a:t>
-            </a:r>
-            <a:r>
-              <a:rPr lang="en-US" altLang="zh-CN" dirty="0" err="1">
-                <a:solidFill>
-                  <a:srgbClr val="0000FF"/>
-                </a:solidFill>
-                <a:ea typeface="宋体" panose="02010600030101010101" pitchFamily="2" charset="-122"/>
-              </a:rPr>
-              <a:t>get_day</a:t>
-            </a:r>
-            <a:r>
-              <a:rPr lang="en-US" altLang="zh-CN" dirty="0">
-                <a:solidFill>
-                  <a:srgbClr val="0000FF"/>
-                </a:solidFill>
-                <a:ea typeface="宋体" panose="02010600030101010101" pitchFamily="2" charset="-122"/>
-              </a:rPr>
               <a:t>();</a:t>
             </a:r>
-            <a:endParaRPr lang="en-US" altLang="zh-CN" dirty="0">
-              <a:solidFill>
-                <a:srgbClr val="0000FF"/>
-              </a:solidFill>
-              <a:ea typeface="宋体" panose="02010600030101010101" pitchFamily="2" charset="-122"/>
-            </a:endParaRPr>
           </a:p>
           <a:p>
             <a:pPr marL="0" indent="0">
@@ -38842,8 +38928,12 @@
           <a:lstStyle/>
           <a:p>
             <a:r>
-              <a:rPr lang="en-US" altLang="zh-CN"/>
-              <a:t>StringVar Copy Constructor</a:t>
+              <a:rPr lang="en-US" altLang="zh-CN" dirty="0" err="1"/>
+              <a:t>StringVar</a:t>
+            </a:r>
+            <a:r>
+              <a:rPr lang="en-US" altLang="zh-CN" dirty="0"/>
+              <a:t> Copy Constructor</a:t>
             </a:r>
           </a:p>
         </p:txBody>
@@ -38864,70 +38954,207 @@
           <a:lstStyle/>
           <a:p>
             <a:r>
-              <a:rPr lang="en-US" altLang="zh-CN" sz="2400"/>
-              <a:t>This code for the StringVar copy constructor</a:t>
+              <a:rPr lang="en-US" altLang="zh-CN" sz="2400" dirty="0"/>
+              <a:t>This code for the </a:t>
+            </a:r>
+            <a:r>
+              <a:rPr lang="en-US" altLang="zh-CN" sz="2400" dirty="0" err="1"/>
+              <a:t>StringVar</a:t>
+            </a:r>
+            <a:r>
+              <a:rPr lang="en-US" altLang="zh-CN" sz="2400" dirty="0"/>
+              <a:t> </a:t>
+            </a:r>
+            <a:r>
+              <a:rPr lang="en-US" altLang="zh-CN" sz="2400" dirty="0">
+                <a:solidFill>
+                  <a:srgbClr val="FF0000"/>
+                </a:solidFill>
+              </a:rPr>
+              <a:t>copy constructor</a:t>
             </a:r>
           </a:p>
           <a:p>
             <a:pPr lvl="1"/>
             <a:r>
-              <a:rPr lang="en-US" altLang="zh-CN" sz="2400"/>
+              <a:rPr lang="en-US" altLang="zh-CN" sz="2400" dirty="0"/>
               <a:t>Creates a new dynamic array for a copy of the </a:t>
             </a:r>
             <a:br>
-              <a:rPr lang="en-US" altLang="zh-CN" sz="2400"/>
+              <a:rPr lang="en-US" altLang="zh-CN" sz="2400" dirty="0"/>
             </a:br>
             <a:r>
-              <a:rPr lang="en-US" altLang="zh-CN" sz="2400"/>
+              <a:rPr lang="en-US" altLang="zh-CN" sz="2400" dirty="0"/>
               <a:t>argument</a:t>
             </a:r>
           </a:p>
           <a:p>
             <a:pPr lvl="2"/>
             <a:r>
-              <a:rPr lang="en-US" altLang="zh-CN"/>
+              <a:rPr lang="en-US" altLang="zh-CN" dirty="0"/>
               <a:t>Making a new copy, protects the original from changes</a:t>
             </a:r>
           </a:p>
           <a:p>
             <a:pPr lvl="1"/>
             <a:r>
-              <a:rPr lang="en-US" altLang="zh-CN" sz="2400"/>
-              <a:t>StringVar::StringVar(const StringVar&amp; string_object)</a:t>
+              <a:rPr lang="en-US" altLang="zh-CN" sz="2400" dirty="0" err="1">
+                <a:solidFill>
+                  <a:srgbClr val="0000FF"/>
+                </a:solidFill>
+                <a:ea typeface="宋体" panose="02010600030101010101" pitchFamily="2" charset="-122"/>
+              </a:rPr>
+              <a:t>StringVar</a:t>
+            </a:r>
+            <a:r>
+              <a:rPr lang="en-US" altLang="zh-CN" sz="2400" dirty="0">
+                <a:solidFill>
+                  <a:srgbClr val="0000FF"/>
+                </a:solidFill>
+                <a:ea typeface="宋体" panose="02010600030101010101" pitchFamily="2" charset="-122"/>
+              </a:rPr>
+              <a:t>::</a:t>
+            </a:r>
+            <a:r>
+              <a:rPr lang="en-US" altLang="zh-CN" sz="2400" dirty="0" err="1">
+                <a:solidFill>
+                  <a:srgbClr val="0000FF"/>
+                </a:solidFill>
+                <a:ea typeface="宋体" panose="02010600030101010101" pitchFamily="2" charset="-122"/>
+              </a:rPr>
+              <a:t>StringVar</a:t>
+            </a:r>
+            <a:r>
+              <a:rPr lang="en-US" altLang="zh-CN" sz="2400" dirty="0">
+                <a:solidFill>
+                  <a:srgbClr val="0000FF"/>
+                </a:solidFill>
+                <a:ea typeface="宋体" panose="02010600030101010101" pitchFamily="2" charset="-122"/>
+              </a:rPr>
+              <a:t>(</a:t>
+            </a:r>
+            <a:r>
+              <a:rPr lang="en-US" altLang="zh-CN" sz="2400" dirty="0" err="1">
+                <a:solidFill>
+                  <a:srgbClr val="0000FF"/>
+                </a:solidFill>
+                <a:ea typeface="宋体" panose="02010600030101010101" pitchFamily="2" charset="-122"/>
+              </a:rPr>
+              <a:t>const</a:t>
+            </a:r>
+            <a:r>
+              <a:rPr lang="en-US" altLang="zh-CN" sz="2400" dirty="0">
+                <a:solidFill>
+                  <a:srgbClr val="0000FF"/>
+                </a:solidFill>
+                <a:ea typeface="宋体" panose="02010600030101010101" pitchFamily="2" charset="-122"/>
+              </a:rPr>
+              <a:t> </a:t>
+            </a:r>
+            <a:r>
+              <a:rPr lang="en-US" altLang="zh-CN" sz="2400" dirty="0" err="1">
+                <a:solidFill>
+                  <a:srgbClr val="0000FF"/>
+                </a:solidFill>
+                <a:ea typeface="宋体" panose="02010600030101010101" pitchFamily="2" charset="-122"/>
+              </a:rPr>
+              <a:t>StringVar</a:t>
+            </a:r>
+            <a:r>
+              <a:rPr lang="en-US" altLang="zh-CN" sz="2400" dirty="0">
+                <a:solidFill>
+                  <a:srgbClr val="0000FF"/>
+                </a:solidFill>
+                <a:ea typeface="宋体" panose="02010600030101010101" pitchFamily="2" charset="-122"/>
+              </a:rPr>
+              <a:t>&amp; </a:t>
+            </a:r>
+            <a:r>
+              <a:rPr lang="en-US" altLang="zh-CN" sz="2400" dirty="0" err="1">
+                <a:solidFill>
+                  <a:srgbClr val="0000FF"/>
+                </a:solidFill>
+                <a:ea typeface="宋体" panose="02010600030101010101" pitchFamily="2" charset="-122"/>
+              </a:rPr>
+              <a:t>string_object</a:t>
+            </a:r>
+            <a:r>
+              <a:rPr lang="en-US" altLang="zh-CN" sz="2400" dirty="0"/>
+              <a:t>)</a:t>
             </a:r>
             <a:br>
-              <a:rPr lang="en-US" altLang="zh-CN" sz="2400"/>
+              <a:rPr lang="en-US" altLang="zh-CN" sz="2400" dirty="0"/>
             </a:br>
             <a:r>
-              <a:rPr lang="en-US" altLang="zh-CN" sz="2400"/>
-              <a:t>                                  : max_length(string_object.length())</a:t>
+              <a:rPr lang="en-US" altLang="zh-CN" sz="2400" dirty="0"/>
+              <a:t>                                  : </a:t>
+            </a:r>
+            <a:r>
+              <a:rPr lang="en-US" altLang="zh-CN" sz="2400" dirty="0" err="1"/>
+              <a:t>max_length</a:t>
+            </a:r>
+            <a:r>
+              <a:rPr lang="en-US" altLang="zh-CN" sz="2400" dirty="0"/>
+              <a:t>(</a:t>
+            </a:r>
+            <a:r>
+              <a:rPr lang="en-US" altLang="zh-CN" sz="2400" dirty="0" err="1"/>
+              <a:t>string_object.length</a:t>
+            </a:r>
+            <a:r>
+              <a:rPr lang="en-US" altLang="zh-CN" sz="2400" dirty="0"/>
+              <a:t>())</a:t>
             </a:r>
             <a:br>
-              <a:rPr lang="en-US" altLang="zh-CN" sz="2400"/>
+              <a:rPr lang="en-US" altLang="zh-CN" sz="2400" dirty="0"/>
             </a:br>
             <a:r>
-              <a:rPr lang="en-US" altLang="zh-CN" sz="2400"/>
+              <a:rPr lang="en-US" altLang="zh-CN" sz="2400" dirty="0"/>
               <a:t>{</a:t>
             </a:r>
             <a:br>
-              <a:rPr lang="en-US" altLang="zh-CN" sz="2400"/>
+              <a:rPr lang="en-US" altLang="zh-CN" sz="2400" dirty="0"/>
             </a:br>
             <a:r>
-              <a:rPr lang="en-US" altLang="zh-CN" sz="2400"/>
-              <a:t>        value = new char[max_length+ 1];</a:t>
+              <a:rPr lang="en-US" altLang="zh-CN" sz="2400" dirty="0"/>
+              <a:t>        value = new char[</a:t>
+            </a:r>
+            <a:r>
+              <a:rPr lang="en-US" altLang="zh-CN" sz="2400" dirty="0" err="1"/>
+              <a:t>max_length</a:t>
+            </a:r>
+            <a:r>
+              <a:rPr lang="en-US" altLang="zh-CN" sz="2400" dirty="0"/>
+              <a:t>+ 1];</a:t>
             </a:r>
             <a:br>
-              <a:rPr lang="en-US" altLang="zh-CN" sz="2400"/>
+              <a:rPr lang="en-US" altLang="zh-CN" sz="2400" dirty="0"/>
             </a:br>
             <a:r>
-              <a:rPr lang="en-US" altLang="zh-CN" sz="2400"/>
-              <a:t>        strcpy(value, string_object.value);</a:t>
+              <a:rPr lang="en-US" altLang="zh-CN" sz="2400" dirty="0"/>
+              <a:t>        </a:t>
+            </a:r>
+            <a:r>
+              <a:rPr lang="en-US" altLang="zh-CN" sz="2400" dirty="0" err="1"/>
+              <a:t>strcpy</a:t>
+            </a:r>
+            <a:r>
+              <a:rPr lang="en-US" altLang="zh-CN" sz="2400" dirty="0"/>
+              <a:t>(value, </a:t>
+            </a:r>
+            <a:r>
+              <a:rPr lang="en-US" altLang="zh-CN" sz="2400" dirty="0" err="1"/>
+              <a:t>string_object.value</a:t>
+            </a:r>
+            <a:r>
+              <a:rPr lang="en-US" altLang="zh-CN" sz="2400" dirty="0"/>
+              <a:t>);</a:t>
             </a:r>
             <a:br>
-              <a:rPr lang="en-US" altLang="zh-CN" sz="2400"/>
+              <a:rPr lang="en-US" altLang="zh-CN" sz="2400" dirty="0"/>
             </a:br>
             <a:r>
-              <a:rPr lang="en-US" altLang="zh-CN" sz="2400"/>
+              <a:rPr lang="en-US" altLang="zh-CN" sz="2400" dirty="0"/>
               <a:t>}</a:t>
             </a:r>
           </a:p>
@@ -43344,55 +43571,100 @@
           <a:lstStyle/>
           <a:p>
             <a:r>
-              <a:rPr lang="en-US" altLang="zh-CN"/>
+              <a:rPr lang="en-US" altLang="zh-CN" dirty="0"/>
               <a:t>Given these declarations:</a:t>
             </a:r>
             <a:br>
-              <a:rPr lang="en-US" altLang="zh-CN"/>
+              <a:rPr lang="en-US" altLang="zh-CN" dirty="0"/>
             </a:br>
             <a:r>
-              <a:rPr lang="en-US" altLang="zh-CN"/>
-              <a:t>               StringVar string(10), string2(20);</a:t>
+              <a:rPr lang="en-US" altLang="zh-CN" dirty="0"/>
+              <a:t>               </a:t>
+            </a:r>
+            <a:r>
+              <a:rPr lang="en-US" altLang="zh-CN" dirty="0" err="1">
+                <a:solidFill>
+                  <a:srgbClr val="0000FF"/>
+                </a:solidFill>
+                <a:ea typeface="宋体" panose="02010600030101010101" pitchFamily="2" charset="-122"/>
+              </a:rPr>
+              <a:t>StringVar</a:t>
+            </a:r>
+            <a:r>
+              <a:rPr lang="en-US" altLang="zh-CN" dirty="0">
+                <a:solidFill>
+                  <a:srgbClr val="0000FF"/>
+                </a:solidFill>
+                <a:ea typeface="宋体" panose="02010600030101010101" pitchFamily="2" charset="-122"/>
+              </a:rPr>
+              <a:t> string(10), string2(20);</a:t>
             </a:r>
             <a:br>
-              <a:rPr lang="en-US" altLang="zh-CN"/>
+              <a:rPr lang="en-US" altLang="zh-CN" dirty="0">
+                <a:solidFill>
+                  <a:srgbClr val="0000FF"/>
+                </a:solidFill>
+                <a:ea typeface="宋体" panose="02010600030101010101" pitchFamily="2" charset="-122"/>
+              </a:rPr>
             </a:br>
             <a:r>
-              <a:rPr lang="en-US" altLang="zh-CN"/>
+              <a:rPr lang="en-US" altLang="zh-CN" dirty="0"/>
               <a:t>the statement</a:t>
             </a:r>
             <a:br>
-              <a:rPr lang="en-US" altLang="zh-CN"/>
+              <a:rPr lang="en-US" altLang="zh-CN" dirty="0"/>
             </a:br>
             <a:r>
-              <a:rPr lang="en-US" altLang="zh-CN"/>
-              <a:t>                        string1 = string2;</a:t>
+              <a:rPr lang="en-US" altLang="zh-CN" dirty="0"/>
+              <a:t>                        </a:t>
+            </a:r>
+            <a:r>
+              <a:rPr lang="en-US" altLang="zh-CN" dirty="0">
+                <a:solidFill>
+                  <a:srgbClr val="0000FF"/>
+                </a:solidFill>
+                <a:ea typeface="宋体" panose="02010600030101010101" pitchFamily="2" charset="-122"/>
+              </a:rPr>
+              <a:t>string1 = string2;</a:t>
             </a:r>
             <a:br>
-              <a:rPr lang="en-US" altLang="zh-CN"/>
+              <a:rPr lang="en-US" altLang="zh-CN" dirty="0">
+                <a:solidFill>
+                  <a:srgbClr val="0000FF"/>
+                </a:solidFill>
+                <a:ea typeface="宋体" panose="02010600030101010101" pitchFamily="2" charset="-122"/>
+              </a:rPr>
             </a:br>
             <a:r>
-              <a:rPr lang="en-US" altLang="zh-CN"/>
+              <a:rPr lang="en-US" altLang="zh-CN" dirty="0"/>
               <a:t>is legal</a:t>
             </a:r>
           </a:p>
           <a:p>
             <a:r>
-              <a:rPr lang="en-US" altLang="zh-CN"/>
-              <a:t>But, since StringVar's member value is a </a:t>
+              <a:rPr lang="en-US" altLang="zh-CN" dirty="0"/>
+              <a:t>But, since </a:t>
+            </a:r>
+            <a:r>
+              <a:rPr lang="en-US" altLang="zh-CN" dirty="0" err="1"/>
+              <a:t>StringVar's</a:t>
+            </a:r>
+            <a:r>
+              <a:rPr lang="en-US" altLang="zh-CN" dirty="0"/>
+              <a:t> member value is a </a:t>
             </a:r>
             <a:br>
-              <a:rPr lang="en-US" altLang="zh-CN"/>
+              <a:rPr lang="en-US" altLang="zh-CN" dirty="0"/>
             </a:br>
             <a:r>
-              <a:rPr lang="en-US" altLang="zh-CN"/>
+              <a:rPr lang="en-US" altLang="zh-CN" dirty="0"/>
               <a:t>pointer, we have string1.value  and string2.value</a:t>
             </a:r>
             <a:br>
-              <a:rPr lang="en-US" altLang="zh-CN"/>
+              <a:rPr lang="en-US" altLang="zh-CN" dirty="0"/>
             </a:br>
             <a:r>
-              <a:rPr lang="en-US" altLang="zh-CN"/>
+              <a:rPr lang="en-US" altLang="zh-CN" dirty="0"/>
               <a:t>pointing to the same memory location</a:t>
             </a:r>
           </a:p>
@@ -44187,91 +44459,576 @@
               </a:lnSpc>
             </a:pPr>
             <a:r>
-              <a:rPr lang="en-US" altLang="zh-CN" sz="2400"/>
-              <a:t>void StringVar::operator=  (const StringVar&amp;   right_side)</a:t>
+              <a:rPr lang="en-US" altLang="zh-CN" sz="2400" dirty="0">
+                <a:solidFill>
+                  <a:srgbClr val="0000FF"/>
+                </a:solidFill>
+                <a:ea typeface="宋体" panose="02010600030101010101" pitchFamily="2" charset="-122"/>
+              </a:rPr>
+              <a:t>void </a:t>
+            </a:r>
+            <a:r>
+              <a:rPr lang="en-US" altLang="zh-CN" sz="2400" dirty="0" err="1">
+                <a:solidFill>
+                  <a:srgbClr val="0000FF"/>
+                </a:solidFill>
+                <a:ea typeface="宋体" panose="02010600030101010101" pitchFamily="2" charset="-122"/>
+              </a:rPr>
+              <a:t>StringVar</a:t>
+            </a:r>
+            <a:r>
+              <a:rPr lang="en-US" altLang="zh-CN" sz="2400" dirty="0">
+                <a:solidFill>
+                  <a:srgbClr val="0000FF"/>
+                </a:solidFill>
+                <a:ea typeface="宋体" panose="02010600030101010101" pitchFamily="2" charset="-122"/>
+              </a:rPr>
+              <a:t>::operator=  (</a:t>
+            </a:r>
+            <a:r>
+              <a:rPr lang="en-US" altLang="zh-CN" sz="2400" dirty="0" err="1">
+                <a:solidFill>
+                  <a:srgbClr val="0000FF"/>
+                </a:solidFill>
+                <a:ea typeface="宋体" panose="02010600030101010101" pitchFamily="2" charset="-122"/>
+              </a:rPr>
+              <a:t>const</a:t>
+            </a:r>
+            <a:r>
+              <a:rPr lang="en-US" altLang="zh-CN" sz="2400" dirty="0">
+                <a:solidFill>
+                  <a:srgbClr val="0000FF"/>
+                </a:solidFill>
+                <a:ea typeface="宋体" panose="02010600030101010101" pitchFamily="2" charset="-122"/>
+              </a:rPr>
+              <a:t> </a:t>
+            </a:r>
+            <a:r>
+              <a:rPr lang="en-US" altLang="zh-CN" sz="2400" dirty="0" err="1">
+                <a:solidFill>
+                  <a:srgbClr val="0000FF"/>
+                </a:solidFill>
+                <a:ea typeface="宋体" panose="02010600030101010101" pitchFamily="2" charset="-122"/>
+              </a:rPr>
+              <a:t>StringVar</a:t>
+            </a:r>
+            <a:r>
+              <a:rPr lang="en-US" altLang="zh-CN" sz="2400" dirty="0">
+                <a:solidFill>
+                  <a:srgbClr val="0000FF"/>
+                </a:solidFill>
+                <a:ea typeface="宋体" panose="02010600030101010101" pitchFamily="2" charset="-122"/>
+              </a:rPr>
+              <a:t>&amp;   </a:t>
+            </a:r>
+            <a:r>
+              <a:rPr lang="en-US" altLang="zh-CN" sz="2400" dirty="0" err="1">
+                <a:solidFill>
+                  <a:srgbClr val="0000FF"/>
+                </a:solidFill>
+                <a:ea typeface="宋体" panose="02010600030101010101" pitchFamily="2" charset="-122"/>
+              </a:rPr>
+              <a:t>right_side</a:t>
+            </a:r>
+            <a:r>
+              <a:rPr lang="en-US" altLang="zh-CN" sz="2400" dirty="0">
+                <a:solidFill>
+                  <a:srgbClr val="0000FF"/>
+                </a:solidFill>
+                <a:ea typeface="宋体" panose="02010600030101010101" pitchFamily="2" charset="-122"/>
+              </a:rPr>
+              <a:t>)</a:t>
             </a:r>
             <a:br>
-              <a:rPr lang="en-US" altLang="zh-CN" sz="2400"/>
+              <a:rPr lang="en-US" altLang="zh-CN" sz="2400" dirty="0">
+                <a:solidFill>
+                  <a:srgbClr val="0000FF"/>
+                </a:solidFill>
+                <a:ea typeface="宋体" panose="02010600030101010101" pitchFamily="2" charset="-122"/>
+              </a:rPr>
             </a:br>
             <a:r>
-              <a:rPr lang="en-US" altLang="zh-CN" sz="2400"/>
+              <a:rPr lang="en-US" altLang="zh-CN" sz="2400" dirty="0">
+                <a:solidFill>
+                  <a:srgbClr val="0000FF"/>
+                </a:solidFill>
+                <a:ea typeface="宋体" panose="02010600030101010101" pitchFamily="2" charset="-122"/>
+              </a:rPr>
               <a:t>{</a:t>
             </a:r>
             <a:br>
-              <a:rPr lang="en-US" altLang="zh-CN" sz="2400"/>
+              <a:rPr lang="en-US" altLang="zh-CN" sz="2400" dirty="0">
+                <a:solidFill>
+                  <a:srgbClr val="0000FF"/>
+                </a:solidFill>
+                <a:ea typeface="宋体" panose="02010600030101010101" pitchFamily="2" charset="-122"/>
+              </a:rPr>
             </a:br>
             <a:r>
-              <a:rPr lang="en-US" altLang="zh-CN" sz="2400"/>
+              <a:rPr lang="en-US" altLang="zh-CN" sz="2400" dirty="0">
+                <a:solidFill>
+                  <a:srgbClr val="0000FF"/>
+                </a:solidFill>
+                <a:ea typeface="宋体" panose="02010600030101010101" pitchFamily="2" charset="-122"/>
+              </a:rPr>
               <a:t>       delete [ ] value;</a:t>
             </a:r>
             <a:br>
-              <a:rPr lang="en-US" altLang="zh-CN" sz="2400"/>
+              <a:rPr lang="en-US" altLang="zh-CN" sz="2400" dirty="0">
+                <a:solidFill>
+                  <a:srgbClr val="0000FF"/>
+                </a:solidFill>
+                <a:ea typeface="宋体" panose="02010600030101010101" pitchFamily="2" charset="-122"/>
+              </a:rPr>
             </a:br>
             <a:r>
-              <a:rPr lang="en-US" altLang="zh-CN" sz="2400"/>
-              <a:t>       int new_length = strlen(right_side.value);</a:t>
+              <a:rPr lang="en-US" altLang="zh-CN" sz="2400" dirty="0">
+                <a:solidFill>
+                  <a:srgbClr val="0000FF"/>
+                </a:solidFill>
+                <a:ea typeface="宋体" panose="02010600030101010101" pitchFamily="2" charset="-122"/>
+              </a:rPr>
+              <a:t>       </a:t>
+            </a:r>
+            <a:r>
+              <a:rPr lang="en-US" altLang="zh-CN" sz="2400" dirty="0" err="1">
+                <a:solidFill>
+                  <a:srgbClr val="0000FF"/>
+                </a:solidFill>
+                <a:ea typeface="宋体" panose="02010600030101010101" pitchFamily="2" charset="-122"/>
+              </a:rPr>
+              <a:t>int</a:t>
+            </a:r>
+            <a:r>
+              <a:rPr lang="en-US" altLang="zh-CN" sz="2400" dirty="0">
+                <a:solidFill>
+                  <a:srgbClr val="0000FF"/>
+                </a:solidFill>
+                <a:ea typeface="宋体" panose="02010600030101010101" pitchFamily="2" charset="-122"/>
+              </a:rPr>
+              <a:t> </a:t>
+            </a:r>
+            <a:r>
+              <a:rPr lang="en-US" altLang="zh-CN" sz="2400" dirty="0" err="1">
+                <a:solidFill>
+                  <a:srgbClr val="0000FF"/>
+                </a:solidFill>
+                <a:ea typeface="宋体" panose="02010600030101010101" pitchFamily="2" charset="-122"/>
+              </a:rPr>
+              <a:t>new_length</a:t>
+            </a:r>
+            <a:r>
+              <a:rPr lang="en-US" altLang="zh-CN" sz="2400" dirty="0">
+                <a:solidFill>
+                  <a:srgbClr val="0000FF"/>
+                </a:solidFill>
+                <a:ea typeface="宋体" panose="02010600030101010101" pitchFamily="2" charset="-122"/>
+              </a:rPr>
+              <a:t> = </a:t>
+            </a:r>
+            <a:r>
+              <a:rPr lang="en-US" altLang="zh-CN" sz="2400" dirty="0" err="1">
+                <a:solidFill>
+                  <a:srgbClr val="0000FF"/>
+                </a:solidFill>
+                <a:ea typeface="宋体" panose="02010600030101010101" pitchFamily="2" charset="-122"/>
+              </a:rPr>
+              <a:t>strlen</a:t>
+            </a:r>
+            <a:r>
+              <a:rPr lang="en-US" altLang="zh-CN" sz="2400" dirty="0">
+                <a:solidFill>
+                  <a:srgbClr val="0000FF"/>
+                </a:solidFill>
+                <a:ea typeface="宋体" panose="02010600030101010101" pitchFamily="2" charset="-122"/>
+              </a:rPr>
+              <a:t>(</a:t>
+            </a:r>
+            <a:r>
+              <a:rPr lang="en-US" altLang="zh-CN" sz="2400" dirty="0" err="1">
+                <a:solidFill>
+                  <a:srgbClr val="0000FF"/>
+                </a:solidFill>
+                <a:ea typeface="宋体" panose="02010600030101010101" pitchFamily="2" charset="-122"/>
+              </a:rPr>
+              <a:t>right_side.value</a:t>
+            </a:r>
+            <a:r>
+              <a:rPr lang="en-US" altLang="zh-CN" sz="2400" dirty="0">
+                <a:solidFill>
+                  <a:srgbClr val="0000FF"/>
+                </a:solidFill>
+                <a:ea typeface="宋体" panose="02010600030101010101" pitchFamily="2" charset="-122"/>
+              </a:rPr>
+              <a:t>);</a:t>
             </a:r>
             <a:br>
-              <a:rPr lang="en-US" altLang="zh-CN" sz="2400"/>
+              <a:rPr lang="en-US" altLang="zh-CN" sz="2400" dirty="0">
+                <a:solidFill>
+                  <a:srgbClr val="0000FF"/>
+                </a:solidFill>
+                <a:ea typeface="宋体" panose="02010600030101010101" pitchFamily="2" charset="-122"/>
+              </a:rPr>
             </a:br>
             <a:r>
-              <a:rPr lang="en-US" altLang="zh-CN" sz="2400"/>
-              <a:t>       max_length = new_length;</a:t>
+              <a:rPr lang="en-US" altLang="zh-CN" sz="2400" dirty="0">
+                <a:solidFill>
+                  <a:srgbClr val="0000FF"/>
+                </a:solidFill>
+                <a:ea typeface="宋体" panose="02010600030101010101" pitchFamily="2" charset="-122"/>
+              </a:rPr>
+              <a:t>       </a:t>
+            </a:r>
+            <a:r>
+              <a:rPr lang="en-US" altLang="zh-CN" sz="2400" dirty="0" err="1">
+                <a:solidFill>
+                  <a:srgbClr val="0000FF"/>
+                </a:solidFill>
+                <a:ea typeface="宋体" panose="02010600030101010101" pitchFamily="2" charset="-122"/>
+              </a:rPr>
+              <a:t>max_length</a:t>
+            </a:r>
+            <a:r>
+              <a:rPr lang="en-US" altLang="zh-CN" sz="2400" dirty="0">
+                <a:solidFill>
+                  <a:srgbClr val="0000FF"/>
+                </a:solidFill>
+                <a:ea typeface="宋体" panose="02010600030101010101" pitchFamily="2" charset="-122"/>
+              </a:rPr>
+              <a:t> = </a:t>
+            </a:r>
+            <a:r>
+              <a:rPr lang="en-US" altLang="zh-CN" sz="2400" dirty="0" err="1">
+                <a:solidFill>
+                  <a:srgbClr val="0000FF"/>
+                </a:solidFill>
+                <a:ea typeface="宋体" panose="02010600030101010101" pitchFamily="2" charset="-122"/>
+              </a:rPr>
+              <a:t>new_length</a:t>
+            </a:r>
+            <a:r>
+              <a:rPr lang="en-US" altLang="zh-CN" sz="2400" dirty="0">
+                <a:solidFill>
+                  <a:srgbClr val="0000FF"/>
+                </a:solidFill>
+                <a:ea typeface="宋体" panose="02010600030101010101" pitchFamily="2" charset="-122"/>
+              </a:rPr>
+              <a:t>;</a:t>
             </a:r>
             <a:br>
-              <a:rPr lang="en-US" altLang="zh-CN" sz="2400"/>
+              <a:rPr lang="en-US" altLang="zh-CN" sz="2400" dirty="0">
+                <a:solidFill>
+                  <a:srgbClr val="0000FF"/>
+                </a:solidFill>
+                <a:ea typeface="宋体" panose="02010600030101010101" pitchFamily="2" charset="-122"/>
+              </a:rPr>
             </a:br>
             <a:r>
-              <a:rPr lang="en-US" altLang="zh-CN" sz="2400"/>
+              <a:rPr lang="en-US" altLang="zh-CN" sz="2400" dirty="0">
+                <a:solidFill>
+                  <a:srgbClr val="0000FF"/>
+                </a:solidFill>
+                <a:ea typeface="宋体" panose="02010600030101010101" pitchFamily="2" charset="-122"/>
+              </a:rPr>
               <a:t/>
             </a:r>
             <a:br>
-              <a:rPr lang="en-US" altLang="zh-CN" sz="2400"/>
+              <a:rPr lang="en-US" altLang="zh-CN" sz="2400" dirty="0">
+                <a:solidFill>
+                  <a:srgbClr val="0000FF"/>
+                </a:solidFill>
+                <a:ea typeface="宋体" panose="02010600030101010101" pitchFamily="2" charset="-122"/>
+              </a:rPr>
             </a:br>
             <a:r>
-              <a:rPr lang="en-US" altLang="zh-CN" sz="2400"/>
-              <a:t>       value = new char[max_length + 1];</a:t>
+              <a:rPr lang="en-US" altLang="zh-CN" sz="2400" dirty="0">
+                <a:solidFill>
+                  <a:srgbClr val="0000FF"/>
+                </a:solidFill>
+                <a:ea typeface="宋体" panose="02010600030101010101" pitchFamily="2" charset="-122"/>
+              </a:rPr>
+              <a:t>       value = new char[</a:t>
+            </a:r>
+            <a:r>
+              <a:rPr lang="en-US" altLang="zh-CN" sz="2400" dirty="0" err="1">
+                <a:solidFill>
+                  <a:srgbClr val="0000FF"/>
+                </a:solidFill>
+                <a:ea typeface="宋体" panose="02010600030101010101" pitchFamily="2" charset="-122"/>
+              </a:rPr>
+              <a:t>max_length</a:t>
+            </a:r>
+            <a:r>
+              <a:rPr lang="en-US" altLang="zh-CN" sz="2400" dirty="0">
+                <a:solidFill>
+                  <a:srgbClr val="0000FF"/>
+                </a:solidFill>
+                <a:ea typeface="宋体" panose="02010600030101010101" pitchFamily="2" charset="-122"/>
+              </a:rPr>
+              <a:t> + 1];</a:t>
             </a:r>
             <a:br>
-              <a:rPr lang="en-US" altLang="zh-CN" sz="2400"/>
+              <a:rPr lang="en-US" altLang="zh-CN" sz="2400" dirty="0">
+                <a:solidFill>
+                  <a:srgbClr val="0000FF"/>
+                </a:solidFill>
+                <a:ea typeface="宋体" panose="02010600030101010101" pitchFamily="2" charset="-122"/>
+              </a:rPr>
             </a:br>
             <a:r>
-              <a:rPr lang="en-US" altLang="zh-CN" sz="2400"/>
+              <a:rPr lang="en-US" altLang="zh-CN" sz="2400" dirty="0">
+                <a:solidFill>
+                  <a:srgbClr val="0000FF"/>
+                </a:solidFill>
+                <a:ea typeface="宋体" panose="02010600030101010101" pitchFamily="2" charset="-122"/>
+              </a:rPr>
               <a:t/>
             </a:r>
             <a:br>
-              <a:rPr lang="en-US" altLang="zh-CN" sz="2400"/>
+              <a:rPr lang="en-US" altLang="zh-CN" sz="2400" dirty="0">
+                <a:solidFill>
+                  <a:srgbClr val="0000FF"/>
+                </a:solidFill>
+                <a:ea typeface="宋体" panose="02010600030101010101" pitchFamily="2" charset="-122"/>
+              </a:rPr>
             </a:br>
             <a:r>
-              <a:rPr lang="en-US" altLang="zh-CN" sz="2400"/>
-              <a:t>       for(int i = 0; i &lt; new_length; i++)</a:t>
+              <a:rPr lang="en-US" altLang="zh-CN" sz="2400" dirty="0">
+                <a:solidFill>
+                  <a:srgbClr val="0000FF"/>
+                </a:solidFill>
+                <a:ea typeface="宋体" panose="02010600030101010101" pitchFamily="2" charset="-122"/>
+              </a:rPr>
+              <a:t>       for(</a:t>
+            </a:r>
+            <a:r>
+              <a:rPr lang="en-US" altLang="zh-CN" sz="2400" dirty="0" err="1">
+                <a:solidFill>
+                  <a:srgbClr val="0000FF"/>
+                </a:solidFill>
+                <a:ea typeface="宋体" panose="02010600030101010101" pitchFamily="2" charset="-122"/>
+              </a:rPr>
+              <a:t>int</a:t>
+            </a:r>
+            <a:r>
+              <a:rPr lang="en-US" altLang="zh-CN" sz="2400" dirty="0">
+                <a:solidFill>
+                  <a:srgbClr val="0000FF"/>
+                </a:solidFill>
+                <a:ea typeface="宋体" panose="02010600030101010101" pitchFamily="2" charset="-122"/>
+              </a:rPr>
+              <a:t> </a:t>
+            </a:r>
+            <a:r>
+              <a:rPr lang="en-US" altLang="zh-CN" sz="2400" dirty="0" err="1">
+                <a:solidFill>
+                  <a:srgbClr val="0000FF"/>
+                </a:solidFill>
+                <a:ea typeface="宋体" panose="02010600030101010101" pitchFamily="2" charset="-122"/>
+              </a:rPr>
+              <a:t>i</a:t>
+            </a:r>
+            <a:r>
+              <a:rPr lang="en-US" altLang="zh-CN" sz="2400" dirty="0">
+                <a:solidFill>
+                  <a:srgbClr val="0000FF"/>
+                </a:solidFill>
+                <a:ea typeface="宋体" panose="02010600030101010101" pitchFamily="2" charset="-122"/>
+              </a:rPr>
+              <a:t> = 0; </a:t>
+            </a:r>
+            <a:r>
+              <a:rPr lang="en-US" altLang="zh-CN" sz="2400" dirty="0" err="1">
+                <a:solidFill>
+                  <a:srgbClr val="0000FF"/>
+                </a:solidFill>
+                <a:ea typeface="宋体" panose="02010600030101010101" pitchFamily="2" charset="-122"/>
+              </a:rPr>
+              <a:t>i</a:t>
+            </a:r>
+            <a:r>
+              <a:rPr lang="en-US" altLang="zh-CN" sz="2400" dirty="0">
+                <a:solidFill>
+                  <a:srgbClr val="0000FF"/>
+                </a:solidFill>
+                <a:ea typeface="宋体" panose="02010600030101010101" pitchFamily="2" charset="-122"/>
+              </a:rPr>
+              <a:t> &lt; </a:t>
+            </a:r>
+            <a:r>
+              <a:rPr lang="en-US" altLang="zh-CN" sz="2400" dirty="0" err="1">
+                <a:solidFill>
+                  <a:srgbClr val="0000FF"/>
+                </a:solidFill>
+                <a:ea typeface="宋体" panose="02010600030101010101" pitchFamily="2" charset="-122"/>
+              </a:rPr>
+              <a:t>new_length</a:t>
+            </a:r>
+            <a:r>
+              <a:rPr lang="en-US" altLang="zh-CN" sz="2400" dirty="0">
+                <a:solidFill>
+                  <a:srgbClr val="0000FF"/>
+                </a:solidFill>
+                <a:ea typeface="宋体" panose="02010600030101010101" pitchFamily="2" charset="-122"/>
+              </a:rPr>
+              <a:t>; </a:t>
+            </a:r>
+            <a:r>
+              <a:rPr lang="en-US" altLang="zh-CN" sz="2400" dirty="0" err="1">
+                <a:solidFill>
+                  <a:srgbClr val="0000FF"/>
+                </a:solidFill>
+                <a:ea typeface="宋体" panose="02010600030101010101" pitchFamily="2" charset="-122"/>
+              </a:rPr>
+              <a:t>i</a:t>
+            </a:r>
+            <a:r>
+              <a:rPr lang="en-US" altLang="zh-CN" sz="2400" dirty="0">
+                <a:solidFill>
+                  <a:srgbClr val="0000FF"/>
+                </a:solidFill>
+                <a:ea typeface="宋体" panose="02010600030101010101" pitchFamily="2" charset="-122"/>
+              </a:rPr>
+              <a:t>++)</a:t>
             </a:r>
             <a:br>
-              <a:rPr lang="en-US" altLang="zh-CN" sz="2400"/>
+              <a:rPr lang="en-US" altLang="zh-CN" sz="2400" dirty="0">
+                <a:solidFill>
+                  <a:srgbClr val="0000FF"/>
+                </a:solidFill>
+                <a:ea typeface="宋体" panose="02010600030101010101" pitchFamily="2" charset="-122"/>
+              </a:rPr>
             </a:br>
             <a:r>
-              <a:rPr lang="en-US" altLang="zh-CN" sz="2400"/>
-              <a:t>           value[i] = right_side.value[i];</a:t>
+              <a:rPr lang="en-US" altLang="zh-CN" sz="2400" dirty="0">
+                <a:solidFill>
+                  <a:srgbClr val="0000FF"/>
+                </a:solidFill>
+                <a:ea typeface="宋体" panose="02010600030101010101" pitchFamily="2" charset="-122"/>
+              </a:rPr>
+              <a:t>           value[</a:t>
+            </a:r>
+            <a:r>
+              <a:rPr lang="en-US" altLang="zh-CN" sz="2400" dirty="0" err="1">
+                <a:solidFill>
+                  <a:srgbClr val="0000FF"/>
+                </a:solidFill>
+                <a:ea typeface="宋体" panose="02010600030101010101" pitchFamily="2" charset="-122"/>
+              </a:rPr>
+              <a:t>i</a:t>
+            </a:r>
+            <a:r>
+              <a:rPr lang="en-US" altLang="zh-CN" sz="2400" dirty="0">
+                <a:solidFill>
+                  <a:srgbClr val="0000FF"/>
+                </a:solidFill>
+                <a:ea typeface="宋体" panose="02010600030101010101" pitchFamily="2" charset="-122"/>
+              </a:rPr>
+              <a:t>] = </a:t>
+            </a:r>
+            <a:r>
+              <a:rPr lang="en-US" altLang="zh-CN" sz="2400" dirty="0" err="1">
+                <a:solidFill>
+                  <a:srgbClr val="0000FF"/>
+                </a:solidFill>
+                <a:ea typeface="宋体" panose="02010600030101010101" pitchFamily="2" charset="-122"/>
+              </a:rPr>
+              <a:t>right_side.value</a:t>
+            </a:r>
+            <a:r>
+              <a:rPr lang="en-US" altLang="zh-CN" sz="2400" dirty="0">
+                <a:solidFill>
+                  <a:srgbClr val="0000FF"/>
+                </a:solidFill>
+                <a:ea typeface="宋体" panose="02010600030101010101" pitchFamily="2" charset="-122"/>
+              </a:rPr>
+              <a:t>[</a:t>
+            </a:r>
+            <a:r>
+              <a:rPr lang="en-US" altLang="zh-CN" sz="2400" dirty="0" err="1">
+                <a:solidFill>
+                  <a:srgbClr val="0000FF"/>
+                </a:solidFill>
+                <a:ea typeface="宋体" panose="02010600030101010101" pitchFamily="2" charset="-122"/>
+              </a:rPr>
+              <a:t>i</a:t>
+            </a:r>
+            <a:r>
+              <a:rPr lang="en-US" altLang="zh-CN" sz="2400" dirty="0">
+                <a:solidFill>
+                  <a:srgbClr val="0000FF"/>
+                </a:solidFill>
+                <a:ea typeface="宋体" panose="02010600030101010101" pitchFamily="2" charset="-122"/>
+              </a:rPr>
+              <a:t>];</a:t>
             </a:r>
             <a:br>
-              <a:rPr lang="en-US" altLang="zh-CN" sz="2400"/>
+              <a:rPr lang="en-US" altLang="zh-CN" sz="2400" dirty="0">
+                <a:solidFill>
+                  <a:srgbClr val="0000FF"/>
+                </a:solidFill>
+                <a:ea typeface="宋体" panose="02010600030101010101" pitchFamily="2" charset="-122"/>
+              </a:rPr>
             </a:br>
             <a:r>
-              <a:rPr lang="en-US" altLang="zh-CN" sz="2400"/>
+              <a:rPr lang="en-US" altLang="zh-CN" sz="2400" dirty="0">
+                <a:solidFill>
+                  <a:srgbClr val="0000FF"/>
+                </a:solidFill>
+                <a:ea typeface="宋体" panose="02010600030101010101" pitchFamily="2" charset="-122"/>
+              </a:rPr>
               <a:t/>
             </a:r>
             <a:br>
-              <a:rPr lang="en-US" altLang="zh-CN" sz="2400"/>
+              <a:rPr lang="en-US" altLang="zh-CN" sz="2400" dirty="0">
+                <a:solidFill>
+                  <a:srgbClr val="0000FF"/>
+                </a:solidFill>
+                <a:ea typeface="宋体" panose="02010600030101010101" pitchFamily="2" charset="-122"/>
+              </a:rPr>
             </a:br>
             <a:r>
-              <a:rPr lang="en-US" altLang="zh-CN" sz="2400"/>
-              <a:t>       value[new_length] = '\0';</a:t>
+              <a:rPr lang="en-US" altLang="zh-CN" sz="2400" dirty="0">
+                <a:solidFill>
+                  <a:srgbClr val="0000FF"/>
+                </a:solidFill>
+                <a:ea typeface="宋体" panose="02010600030101010101" pitchFamily="2" charset="-122"/>
+              </a:rPr>
+              <a:t>       value[</a:t>
+            </a:r>
+            <a:r>
+              <a:rPr lang="en-US" altLang="zh-CN" sz="2400" dirty="0" err="1">
+                <a:solidFill>
+                  <a:srgbClr val="0000FF"/>
+                </a:solidFill>
+                <a:ea typeface="宋体" panose="02010600030101010101" pitchFamily="2" charset="-122"/>
+              </a:rPr>
+              <a:t>new_length</a:t>
+            </a:r>
+            <a:r>
+              <a:rPr lang="en-US" altLang="zh-CN" sz="2400" dirty="0">
+                <a:solidFill>
+                  <a:srgbClr val="0000FF"/>
+                </a:solidFill>
+                <a:ea typeface="宋体" panose="02010600030101010101" pitchFamily="2" charset="-122"/>
+              </a:rPr>
+              <a:t>] = '\0';</a:t>
             </a:r>
             <a:br>
-              <a:rPr lang="en-US" altLang="zh-CN" sz="2400"/>
+              <a:rPr lang="en-US" altLang="zh-CN" sz="2400" dirty="0">
+                <a:solidFill>
+                  <a:srgbClr val="0000FF"/>
+                </a:solidFill>
+                <a:ea typeface="宋体" panose="02010600030101010101" pitchFamily="2" charset="-122"/>
+              </a:rPr>
             </a:br>
             <a:r>
-              <a:rPr lang="en-US" altLang="zh-CN" sz="2400"/>
+              <a:rPr lang="en-US" altLang="zh-CN" sz="2400" dirty="0">
+                <a:solidFill>
+                  <a:srgbClr val="0000FF"/>
+                </a:solidFill>
+                <a:ea typeface="宋体" panose="02010600030101010101" pitchFamily="2" charset="-122"/>
+              </a:rPr>
               <a:t>}</a:t>
             </a:r>
           </a:p>
@@ -44730,18 +45487,16 @@
           <a:lstStyle/>
           <a:p>
             <a:r>
-              <a:rPr lang="en-US" altLang="zh-CN"/>
-              <a:t>Section </a:t>
-            </a:r>
-            <a:r>
-              <a:rPr lang="en-US" altLang="zh-CN">
-                <a:ea typeface="宋体" panose="02010600030101010101" pitchFamily="2" charset="-122"/>
-              </a:rPr>
-              <a:t>8</a:t>
-            </a:r>
-            <a:r>
-              <a:rPr lang="en-US" altLang="zh-CN"/>
-              <a:t>.4 Conclusion</a:t>
+              <a:rPr lang="en-US" altLang="zh-CN" dirty="0"/>
+              <a:t>Section 11.4</a:t>
+            </a:r>
+            <a:r>
+              <a:rPr lang="en-US" altLang="zh-CN" dirty="0" smtClean="0"/>
+              <a:t> </a:t>
+            </a:r>
+            <a:r>
+              <a:rPr lang="en-US" altLang="zh-CN" dirty="0"/>
+              <a:t>Conclusion</a:t>
             </a:r>
           </a:p>
         </p:txBody>

--- a/ppt/Chapter 11.pptx
+++ b/ppt/Chapter 11.pptx
@@ -1796,25 +1796,15 @@
           </a:lstStyle>
           <a:p>
             <a:r>
-              <a:rPr lang="en-US" altLang="zh-CN"/>
-              <a:t>Slide </a:t>
-            </a:r>
-            <a:r>
-              <a:rPr lang="en-US" altLang="zh-CN">
-                <a:ea typeface="宋体" panose="02010600030101010101" pitchFamily="2" charset="-122"/>
-              </a:rPr>
-              <a:t>8</a:t>
-            </a:r>
-            <a:r>
-              <a:rPr lang="en-US" altLang="zh-CN"/>
-              <a:t>- </a:t>
+              <a:rPr lang="en-US" altLang="zh-CN" dirty="0" smtClean="0"/>
+              <a:t>Slide 11- </a:t>
             </a:r>
             <a:fld id="{ED24AC29-DDFA-49A7-A9B1-57ACA904F1EE}" type="slidenum">
-              <a:rPr lang="en-US" altLang="zh-CN"/>
+              <a:rPr lang="en-US" altLang="zh-CN" smtClean="0"/>
               <a:pPr/>
               <a:t>‹#›</a:t>
             </a:fld>
-            <a:endParaRPr lang="en-CA" altLang="zh-CN">
+            <a:endParaRPr lang="en-CA" altLang="zh-CN" dirty="0">
               <a:ea typeface="宋体" panose="02010600030101010101" pitchFamily="2" charset="-122"/>
             </a:endParaRPr>
           </a:p>
@@ -1956,25 +1946,15 @@
           </a:lstStyle>
           <a:p>
             <a:r>
-              <a:rPr lang="en-US" altLang="zh-CN"/>
-              <a:t>Slide </a:t>
-            </a:r>
-            <a:r>
-              <a:rPr lang="en-US" altLang="zh-CN">
-                <a:ea typeface="宋体" panose="02010600030101010101" pitchFamily="2" charset="-122"/>
-              </a:rPr>
-              <a:t>8</a:t>
-            </a:r>
-            <a:r>
-              <a:rPr lang="en-US" altLang="zh-CN"/>
-              <a:t>- </a:t>
+              <a:rPr lang="en-US" altLang="zh-CN" dirty="0" smtClean="0"/>
+              <a:t>Slide 11- </a:t>
             </a:r>
             <a:fld id="{DA5E33D7-53D1-4895-8F8C-5AAC484518D9}" type="slidenum">
-              <a:rPr lang="en-US" altLang="zh-CN"/>
+              <a:rPr lang="en-US" altLang="zh-CN" smtClean="0"/>
               <a:pPr/>
               <a:t>‹#›</a:t>
             </a:fld>
-            <a:endParaRPr lang="en-CA" altLang="zh-CN">
+            <a:endParaRPr lang="en-CA" altLang="zh-CN" dirty="0">
               <a:ea typeface="宋体" panose="02010600030101010101" pitchFamily="2" charset="-122"/>
             </a:endParaRPr>
           </a:p>
@@ -2106,25 +2086,15 @@
           </a:lstStyle>
           <a:p>
             <a:r>
-              <a:rPr lang="en-US" altLang="zh-CN"/>
-              <a:t>Slide </a:t>
-            </a:r>
-            <a:r>
-              <a:rPr lang="en-US" altLang="zh-CN">
-                <a:ea typeface="宋体" panose="02010600030101010101" pitchFamily="2" charset="-122"/>
-              </a:rPr>
-              <a:t>8</a:t>
-            </a:r>
-            <a:r>
-              <a:rPr lang="en-US" altLang="zh-CN"/>
-              <a:t>- </a:t>
+              <a:rPr lang="en-US" altLang="zh-CN" dirty="0" smtClean="0"/>
+              <a:t>Slide 11- </a:t>
             </a:r>
             <a:fld id="{0794D501-7533-430A-91E4-69528585A3EF}" type="slidenum">
-              <a:rPr lang="en-US" altLang="zh-CN"/>
+              <a:rPr lang="en-US" altLang="zh-CN" smtClean="0"/>
               <a:pPr/>
               <a:t>‹#›</a:t>
             </a:fld>
-            <a:endParaRPr lang="en-CA" altLang="zh-CN">
+            <a:endParaRPr lang="en-CA" altLang="zh-CN" dirty="0">
               <a:ea typeface="宋体" panose="02010600030101010101" pitchFamily="2" charset="-122"/>
             </a:endParaRPr>
           </a:p>
@@ -2278,25 +2248,15 @@
           </a:lstStyle>
           <a:p>
             <a:r>
-              <a:rPr lang="en-US" altLang="zh-CN"/>
-              <a:t>Slide </a:t>
-            </a:r>
-            <a:r>
-              <a:rPr lang="en-US" altLang="zh-CN">
-                <a:ea typeface="宋体" panose="02010600030101010101" pitchFamily="2" charset="-122"/>
-              </a:rPr>
-              <a:t>8</a:t>
-            </a:r>
-            <a:r>
-              <a:rPr lang="en-US" altLang="zh-CN"/>
-              <a:t>- </a:t>
+              <a:rPr lang="en-US" altLang="zh-CN" dirty="0" smtClean="0"/>
+              <a:t>Slide 11- </a:t>
             </a:r>
             <a:fld id="{DCF9E31D-950A-4AA0-9C2F-50C9CB089D80}" type="slidenum">
-              <a:rPr lang="en-US" altLang="zh-CN"/>
+              <a:rPr lang="en-US" altLang="zh-CN" smtClean="0"/>
               <a:pPr/>
               <a:t>‹#›</a:t>
             </a:fld>
-            <a:endParaRPr lang="en-CA" altLang="zh-CN">
+            <a:endParaRPr lang="en-CA" altLang="zh-CN" dirty="0">
               <a:ea typeface="宋体" panose="02010600030101010101" pitchFamily="2" charset="-122"/>
             </a:endParaRPr>
           </a:p>
@@ -2490,25 +2450,15 @@
           </a:lstStyle>
           <a:p>
             <a:r>
-              <a:rPr lang="en-US" altLang="zh-CN"/>
-              <a:t>Slide </a:t>
-            </a:r>
-            <a:r>
-              <a:rPr lang="en-US" altLang="zh-CN">
-                <a:ea typeface="宋体" panose="02010600030101010101" pitchFamily="2" charset="-122"/>
-              </a:rPr>
-              <a:t>8</a:t>
-            </a:r>
-            <a:r>
-              <a:rPr lang="en-US" altLang="zh-CN"/>
-              <a:t>- </a:t>
+              <a:rPr lang="en-US" altLang="zh-CN" dirty="0" smtClean="0"/>
+              <a:t>Slide 11- </a:t>
             </a:r>
             <a:fld id="{9800B720-1913-4942-88DB-CDAA65447629}" type="slidenum">
-              <a:rPr lang="en-US" altLang="zh-CN"/>
+              <a:rPr lang="en-US" altLang="zh-CN" smtClean="0"/>
               <a:pPr/>
               <a:t>‹#›</a:t>
             </a:fld>
-            <a:endParaRPr lang="en-CA" altLang="zh-CN">
+            <a:endParaRPr lang="en-CA" altLang="zh-CN" dirty="0">
               <a:ea typeface="宋体" panose="02010600030101010101" pitchFamily="2" charset="-122"/>
             </a:endParaRPr>
           </a:p>
@@ -2837,25 +2787,15 @@
           </a:lstStyle>
           <a:p>
             <a:r>
-              <a:rPr lang="en-US" altLang="zh-CN"/>
-              <a:t>Slide </a:t>
-            </a:r>
-            <a:r>
-              <a:rPr lang="en-US" altLang="zh-CN">
-                <a:ea typeface="宋体" panose="02010600030101010101" pitchFamily="2" charset="-122"/>
-              </a:rPr>
-              <a:t>8</a:t>
-            </a:r>
-            <a:r>
-              <a:rPr lang="en-US" altLang="zh-CN"/>
-              <a:t>- </a:t>
+              <a:rPr lang="en-US" altLang="zh-CN" dirty="0" smtClean="0"/>
+              <a:t>Slide 11- </a:t>
             </a:r>
             <a:fld id="{D294DE91-08E9-4CA0-8236-038757527351}" type="slidenum">
-              <a:rPr lang="en-US" altLang="zh-CN"/>
+              <a:rPr lang="en-US" altLang="zh-CN" smtClean="0"/>
               <a:pPr/>
               <a:t>‹#›</a:t>
             </a:fld>
-            <a:endParaRPr lang="en-CA" altLang="zh-CN">
+            <a:endParaRPr lang="en-CA" altLang="zh-CN" dirty="0">
               <a:ea typeface="宋体" panose="02010600030101010101" pitchFamily="2" charset="-122"/>
             </a:endParaRPr>
           </a:p>
@@ -2935,25 +2875,15 @@
           </a:lstStyle>
           <a:p>
             <a:r>
-              <a:rPr lang="en-US" altLang="zh-CN"/>
-              <a:t>Slide </a:t>
-            </a:r>
-            <a:r>
-              <a:rPr lang="en-US" altLang="zh-CN">
-                <a:ea typeface="宋体" panose="02010600030101010101" pitchFamily="2" charset="-122"/>
-              </a:rPr>
-              <a:t>8</a:t>
-            </a:r>
-            <a:r>
-              <a:rPr lang="en-US" altLang="zh-CN"/>
-              <a:t>- </a:t>
+              <a:rPr lang="en-US" altLang="zh-CN" dirty="0" smtClean="0"/>
+              <a:t>Slide 11- </a:t>
             </a:r>
             <a:fld id="{E0F0061F-34EB-43DD-B2AA-54E35B2CEDBD}" type="slidenum">
-              <a:rPr lang="en-US" altLang="zh-CN"/>
+              <a:rPr lang="en-US" altLang="zh-CN" smtClean="0"/>
               <a:pPr/>
               <a:t>‹#›</a:t>
             </a:fld>
-            <a:endParaRPr lang="en-CA" altLang="zh-CN">
+            <a:endParaRPr lang="en-CA" altLang="zh-CN" dirty="0">
               <a:ea typeface="宋体" panose="02010600030101010101" pitchFamily="2" charset="-122"/>
             </a:endParaRPr>
           </a:p>
@@ -3010,25 +2940,15 @@
           </a:lstStyle>
           <a:p>
             <a:r>
-              <a:rPr lang="en-US" altLang="zh-CN"/>
-              <a:t>Slide </a:t>
-            </a:r>
-            <a:r>
-              <a:rPr lang="en-US" altLang="zh-CN">
-                <a:ea typeface="宋体" panose="02010600030101010101" pitchFamily="2" charset="-122"/>
-              </a:rPr>
-              <a:t>8</a:t>
-            </a:r>
-            <a:r>
-              <a:rPr lang="en-US" altLang="zh-CN"/>
-              <a:t>- </a:t>
+              <a:rPr lang="en-US" altLang="zh-CN" dirty="0" smtClean="0"/>
+              <a:t>Slide 11- </a:t>
             </a:r>
             <a:fld id="{0B918B43-BE76-4992-9285-BEEE5F9D48B7}" type="slidenum">
-              <a:rPr lang="en-US" altLang="zh-CN"/>
+              <a:rPr lang="en-US" altLang="zh-CN" smtClean="0"/>
               <a:pPr/>
               <a:t>‹#›</a:t>
             </a:fld>
-            <a:endParaRPr lang="en-CA" altLang="zh-CN">
+            <a:endParaRPr lang="en-CA" altLang="zh-CN" dirty="0">
               <a:ea typeface="宋体" panose="02010600030101010101" pitchFamily="2" charset="-122"/>
             </a:endParaRPr>
           </a:p>
@@ -3267,25 +3187,15 @@
           </a:lstStyle>
           <a:p>
             <a:r>
-              <a:rPr lang="en-US" altLang="zh-CN"/>
-              <a:t>Slide </a:t>
-            </a:r>
-            <a:r>
-              <a:rPr lang="en-US" altLang="zh-CN">
-                <a:ea typeface="宋体" panose="02010600030101010101" pitchFamily="2" charset="-122"/>
-              </a:rPr>
-              <a:t>8</a:t>
-            </a:r>
-            <a:r>
-              <a:rPr lang="en-US" altLang="zh-CN"/>
-              <a:t>- </a:t>
+              <a:rPr lang="en-US" altLang="zh-CN" dirty="0" smtClean="0"/>
+              <a:t>Slide 11- </a:t>
             </a:r>
             <a:fld id="{827ED075-BA1A-402F-A059-2B18DE87C9C4}" type="slidenum">
-              <a:rPr lang="en-US" altLang="zh-CN"/>
+              <a:rPr lang="en-US" altLang="zh-CN" smtClean="0"/>
               <a:pPr/>
               <a:t>‹#›</a:t>
             </a:fld>
-            <a:endParaRPr lang="en-CA" altLang="zh-CN">
+            <a:endParaRPr lang="en-CA" altLang="zh-CN" dirty="0">
               <a:ea typeface="宋体" panose="02010600030101010101" pitchFamily="2" charset="-122"/>
             </a:endParaRPr>
           </a:p>
@@ -3500,25 +3410,15 @@
           </a:lstStyle>
           <a:p>
             <a:r>
-              <a:rPr lang="en-US" altLang="zh-CN"/>
-              <a:t>Slide </a:t>
-            </a:r>
-            <a:r>
-              <a:rPr lang="en-US" altLang="zh-CN">
-                <a:ea typeface="宋体" panose="02010600030101010101" pitchFamily="2" charset="-122"/>
-              </a:rPr>
-              <a:t>8</a:t>
-            </a:r>
-            <a:r>
-              <a:rPr lang="en-US" altLang="zh-CN"/>
-              <a:t>- </a:t>
+              <a:rPr lang="en-US" altLang="zh-CN" dirty="0" smtClean="0"/>
+              <a:t>Slide 11- </a:t>
             </a:r>
             <a:fld id="{5B51B57F-5EDD-4344-9E38-BEDA44C368DB}" type="slidenum">
-              <a:rPr lang="en-US" altLang="zh-CN"/>
+              <a:rPr lang="en-US" altLang="zh-CN" smtClean="0"/>
               <a:pPr/>
               <a:t>‹#›</a:t>
             </a:fld>
-            <a:endParaRPr lang="en-CA" altLang="zh-CN">
+            <a:endParaRPr lang="en-CA" altLang="zh-CN" dirty="0">
               <a:ea typeface="宋体" panose="02010600030101010101" pitchFamily="2" charset="-122"/>
             </a:endParaRPr>
           </a:p>
@@ -3841,25 +3741,15 @@
           </a:lstStyle>
           <a:p>
             <a:r>
-              <a:rPr lang="en-US" altLang="zh-CN"/>
-              <a:t>Slide </a:t>
-            </a:r>
-            <a:r>
-              <a:rPr lang="en-US" altLang="zh-CN">
-                <a:ea typeface="宋体" panose="02010600030101010101" pitchFamily="2" charset="-122"/>
-              </a:rPr>
-              <a:t>8</a:t>
-            </a:r>
-            <a:r>
-              <a:rPr lang="en-US" altLang="zh-CN"/>
-              <a:t>- </a:t>
+              <a:rPr lang="en-US" altLang="zh-CN" dirty="0" smtClean="0"/>
+              <a:t>Slide 11- </a:t>
             </a:r>
             <a:fld id="{1E1ED2DC-61EF-4BAD-A59D-859F2584C8E3}" type="slidenum">
-              <a:rPr lang="en-US" altLang="zh-CN"/>
+              <a:rPr lang="en-US" altLang="zh-CN" smtClean="0"/>
               <a:pPr/>
               <a:t>‹#›</a:t>
             </a:fld>
-            <a:endParaRPr lang="en-CA" altLang="zh-CN">
+            <a:endParaRPr lang="en-CA" altLang="zh-CN" dirty="0">
               <a:ea typeface="宋体" panose="02010600030101010101" pitchFamily="2" charset="-122"/>
             </a:endParaRPr>
           </a:p>
@@ -4619,46 +4509,6 @@
       </p:grpSpPr>
       <p:sp>
         <p:nvSpPr>
-          <p:cNvPr id="4" name="灯片编号占位符 3"/>
-          <p:cNvSpPr>
-            <a:spLocks noGrp="1"/>
-          </p:cNvSpPr>
-          <p:nvPr>
-            <p:ph type="sldNum" sz="quarter" idx="10"/>
-          </p:nvPr>
-        </p:nvSpPr>
-        <p:spPr/>
-        <p:txBody>
-          <a:bodyPr/>
-          <a:lstStyle/>
-          <a:p>
-            <a:r>
-              <a:rPr lang="en-US" altLang="zh-CN"/>
-              <a:t>Slide </a:t>
-            </a:r>
-            <a:r>
-              <a:rPr lang="en-US" altLang="zh-CN">
-                <a:ea typeface="宋体" panose="02010600030101010101" pitchFamily="2" charset="-122"/>
-              </a:rPr>
-              <a:t>8</a:t>
-            </a:r>
-            <a:r>
-              <a:rPr lang="en-US" altLang="zh-CN"/>
-              <a:t>- </a:t>
-            </a:r>
-            <a:fld id="{D9906702-0DA9-43F8-B440-72F32ABC090C}" type="slidenum">
-              <a:rPr lang="en-US" altLang="zh-CN"/>
-              <a:pPr/>
-              <a:t>10</a:t>
-            </a:fld>
-            <a:endParaRPr lang="en-CA" altLang="zh-CN">
-              <a:ea typeface="宋体" panose="02010600030101010101" pitchFamily="2" charset="-122"/>
-            </a:endParaRPr>
-          </a:p>
-        </p:txBody>
-      </p:sp>
-      <p:sp>
-        <p:nvSpPr>
           <p:cNvPr id="519170" name="Rectangle 2"/>
           <p:cNvSpPr>
             <a:spLocks noGrp="1" noChangeArrowheads="1"/>
@@ -4950,25 +4800,15 @@
           <a:lstStyle/>
           <a:p>
             <a:r>
-              <a:rPr lang="en-US" altLang="zh-CN"/>
-              <a:t>Slide </a:t>
-            </a:r>
-            <a:r>
-              <a:rPr lang="en-US" altLang="zh-CN">
-                <a:ea typeface="宋体" panose="02010600030101010101" pitchFamily="2" charset="-122"/>
-              </a:rPr>
-              <a:t>8</a:t>
-            </a:r>
-            <a:r>
-              <a:rPr lang="en-US" altLang="zh-CN"/>
-              <a:t>- </a:t>
+              <a:rPr lang="en-US" altLang="zh-CN" dirty="0" smtClean="0"/>
+              <a:t>Slide 11- </a:t>
             </a:r>
             <a:fld id="{3034CE9A-DB35-483D-A5D3-4D112870276F}" type="slidenum">
-              <a:rPr lang="en-US" altLang="zh-CN"/>
+              <a:rPr lang="en-US" altLang="zh-CN" smtClean="0"/>
               <a:pPr/>
               <a:t>100</a:t>
             </a:fld>
-            <a:endParaRPr lang="en-CA" altLang="zh-CN">
+            <a:endParaRPr lang="en-CA" altLang="zh-CN" dirty="0">
               <a:ea typeface="宋体" panose="02010600030101010101" pitchFamily="2" charset="-122"/>
             </a:endParaRPr>
           </a:p>
@@ -5106,25 +4946,15 @@
           <a:lstStyle/>
           <a:p>
             <a:r>
-              <a:rPr lang="en-US" altLang="zh-CN"/>
-              <a:t>Slide </a:t>
-            </a:r>
-            <a:r>
-              <a:rPr lang="en-US" altLang="zh-CN">
-                <a:ea typeface="宋体" panose="02010600030101010101" pitchFamily="2" charset="-122"/>
-              </a:rPr>
-              <a:t>8</a:t>
-            </a:r>
-            <a:r>
-              <a:rPr lang="en-US" altLang="zh-CN"/>
-              <a:t>- </a:t>
+              <a:rPr lang="en-US" altLang="zh-CN" dirty="0" smtClean="0"/>
+              <a:t>Slide 11- </a:t>
             </a:r>
             <a:fld id="{14CA892A-B4CB-4A8E-9F50-9B5A50744601}" type="slidenum">
-              <a:rPr lang="en-US" altLang="zh-CN"/>
+              <a:rPr lang="en-US" altLang="zh-CN" smtClean="0"/>
               <a:pPr/>
               <a:t>101</a:t>
             </a:fld>
-            <a:endParaRPr lang="en-CA" altLang="zh-CN">
+            <a:endParaRPr lang="en-CA" altLang="zh-CN" dirty="0">
               <a:ea typeface="宋体" panose="02010600030101010101" pitchFamily="2" charset="-122"/>
             </a:endParaRPr>
           </a:p>
@@ -5318,25 +5148,15 @@
           <a:lstStyle/>
           <a:p>
             <a:r>
-              <a:rPr lang="en-US" altLang="zh-CN"/>
-              <a:t>Slide </a:t>
-            </a:r>
-            <a:r>
-              <a:rPr lang="en-US" altLang="zh-CN">
-                <a:ea typeface="宋体" panose="02010600030101010101" pitchFamily="2" charset="-122"/>
-              </a:rPr>
-              <a:t>8</a:t>
-            </a:r>
-            <a:r>
-              <a:rPr lang="en-US" altLang="zh-CN"/>
-              <a:t>- </a:t>
+              <a:rPr lang="en-US" altLang="zh-CN" dirty="0" smtClean="0"/>
+              <a:t>Slide 11- </a:t>
             </a:r>
             <a:fld id="{E43800E2-6AF0-4ECD-BDD8-5E3D556650C5}" type="slidenum">
-              <a:rPr lang="en-US" altLang="zh-CN"/>
+              <a:rPr lang="en-US" altLang="zh-CN" smtClean="0"/>
               <a:pPr/>
               <a:t>102</a:t>
             </a:fld>
-            <a:endParaRPr lang="en-CA" altLang="zh-CN">
+            <a:endParaRPr lang="en-CA" altLang="zh-CN" dirty="0">
               <a:ea typeface="宋体" panose="02010600030101010101" pitchFamily="2" charset="-122"/>
             </a:endParaRPr>
           </a:p>
@@ -5568,25 +5388,15 @@
           <a:lstStyle/>
           <a:p>
             <a:r>
-              <a:rPr lang="en-US" altLang="zh-CN"/>
-              <a:t>Slide </a:t>
-            </a:r>
-            <a:r>
-              <a:rPr lang="en-US" altLang="zh-CN">
-                <a:ea typeface="宋体" panose="02010600030101010101" pitchFamily="2" charset="-122"/>
-              </a:rPr>
-              <a:t>8</a:t>
-            </a:r>
-            <a:r>
-              <a:rPr lang="en-US" altLang="zh-CN"/>
-              <a:t>- </a:t>
+              <a:rPr lang="en-US" altLang="zh-CN" dirty="0" smtClean="0"/>
+              <a:t>Slide 11- </a:t>
             </a:r>
             <a:fld id="{F69F365E-C3B4-4137-AD31-7C6D461D41C3}" type="slidenum">
-              <a:rPr lang="en-US" altLang="zh-CN"/>
+              <a:rPr lang="en-US" altLang="zh-CN" smtClean="0"/>
               <a:pPr/>
               <a:t>103</a:t>
             </a:fld>
-            <a:endParaRPr lang="en-CA" altLang="zh-CN">
+            <a:endParaRPr lang="en-CA" altLang="zh-CN" dirty="0">
               <a:ea typeface="宋体" panose="02010600030101010101" pitchFamily="2" charset="-122"/>
             </a:endParaRPr>
           </a:p>
@@ -6255,25 +6065,15 @@
           <a:lstStyle/>
           <a:p>
             <a:r>
-              <a:rPr lang="en-US" altLang="zh-CN"/>
-              <a:t>Slide </a:t>
-            </a:r>
-            <a:r>
-              <a:rPr lang="en-US" altLang="zh-CN">
-                <a:ea typeface="宋体" panose="02010600030101010101" pitchFamily="2" charset="-122"/>
-              </a:rPr>
-              <a:t>8</a:t>
-            </a:r>
-            <a:r>
-              <a:rPr lang="en-US" altLang="zh-CN"/>
-              <a:t>- </a:t>
+              <a:rPr lang="en-US" altLang="zh-CN" dirty="0" smtClean="0"/>
+              <a:t>Slide 11- </a:t>
             </a:r>
             <a:fld id="{4360C9D6-8345-4192-8A76-A79BA970A965}" type="slidenum">
-              <a:rPr lang="en-US" altLang="zh-CN"/>
+              <a:rPr lang="en-US" altLang="zh-CN" smtClean="0"/>
               <a:pPr/>
               <a:t>104</a:t>
             </a:fld>
-            <a:endParaRPr lang="en-CA" altLang="zh-CN">
+            <a:endParaRPr lang="en-CA" altLang="zh-CN" dirty="0">
               <a:ea typeface="宋体" panose="02010600030101010101" pitchFamily="2" charset="-122"/>
             </a:endParaRPr>
           </a:p>
@@ -6405,25 +6205,15 @@
           <a:lstStyle/>
           <a:p>
             <a:r>
-              <a:rPr lang="en-US" altLang="zh-CN"/>
-              <a:t>Slide </a:t>
-            </a:r>
-            <a:r>
-              <a:rPr lang="en-US" altLang="zh-CN">
-                <a:ea typeface="宋体" panose="02010600030101010101" pitchFamily="2" charset="-122"/>
-              </a:rPr>
-              <a:t>8</a:t>
-            </a:r>
-            <a:r>
-              <a:rPr lang="en-US" altLang="zh-CN"/>
-              <a:t>- </a:t>
+              <a:rPr lang="en-US" altLang="zh-CN" dirty="0" smtClean="0"/>
+              <a:t>Slide 11- </a:t>
             </a:r>
             <a:fld id="{AA95C5B7-BB5C-49AA-A777-BA9BF8630470}" type="slidenum">
-              <a:rPr lang="en-US" altLang="zh-CN"/>
+              <a:rPr lang="en-US" altLang="zh-CN" smtClean="0"/>
               <a:pPr/>
               <a:t>105</a:t>
             </a:fld>
-            <a:endParaRPr lang="en-CA" altLang="zh-CN">
+            <a:endParaRPr lang="en-CA" altLang="zh-CN" dirty="0">
               <a:ea typeface="宋体" panose="02010600030101010101" pitchFamily="2" charset="-122"/>
             </a:endParaRPr>
           </a:p>
@@ -6556,25 +6346,15 @@
           <a:lstStyle/>
           <a:p>
             <a:r>
-              <a:rPr lang="en-US" altLang="zh-CN"/>
-              <a:t>Slide </a:t>
-            </a:r>
-            <a:r>
-              <a:rPr lang="en-US" altLang="zh-CN">
-                <a:ea typeface="宋体" panose="02010600030101010101" pitchFamily="2" charset="-122"/>
-              </a:rPr>
-              <a:t>8</a:t>
-            </a:r>
-            <a:r>
-              <a:rPr lang="en-US" altLang="zh-CN"/>
-              <a:t>- </a:t>
+              <a:rPr lang="en-US" altLang="zh-CN" dirty="0" smtClean="0"/>
+              <a:t>Slide 11- </a:t>
             </a:r>
             <a:fld id="{77053968-1955-439D-AD72-6BD482DCF766}" type="slidenum">
-              <a:rPr lang="en-US" altLang="zh-CN"/>
+              <a:rPr lang="en-US" altLang="zh-CN" smtClean="0"/>
               <a:pPr/>
               <a:t>106</a:t>
             </a:fld>
-            <a:endParaRPr lang="en-CA" altLang="zh-CN">
+            <a:endParaRPr lang="en-CA" altLang="zh-CN" dirty="0">
               <a:ea typeface="宋体" panose="02010600030101010101" pitchFamily="2" charset="-122"/>
             </a:endParaRPr>
           </a:p>
@@ -7249,25 +7029,15 @@
           <a:lstStyle/>
           <a:p>
             <a:r>
-              <a:rPr lang="en-US" altLang="zh-CN"/>
-              <a:t>Slide </a:t>
-            </a:r>
-            <a:r>
-              <a:rPr lang="en-US" altLang="zh-CN">
-                <a:ea typeface="宋体" panose="02010600030101010101" pitchFamily="2" charset="-122"/>
-              </a:rPr>
-              <a:t>8</a:t>
-            </a:r>
-            <a:r>
-              <a:rPr lang="en-US" altLang="zh-CN"/>
-              <a:t>- </a:t>
+              <a:rPr lang="en-US" altLang="zh-CN" dirty="0" smtClean="0"/>
+              <a:t>Slide 11- </a:t>
             </a:r>
             <a:fld id="{4AC03A49-2635-4043-A0EE-E8F2D3429306}" type="slidenum">
-              <a:rPr lang="en-US" altLang="zh-CN"/>
+              <a:rPr lang="en-US" altLang="zh-CN" smtClean="0"/>
               <a:pPr/>
               <a:t>107</a:t>
             </a:fld>
-            <a:endParaRPr lang="en-CA" altLang="zh-CN">
+            <a:endParaRPr lang="en-CA" altLang="zh-CN" dirty="0">
               <a:ea typeface="宋体" panose="02010600030101010101" pitchFamily="2" charset="-122"/>
             </a:endParaRPr>
           </a:p>
@@ -7396,25 +7166,15 @@
           <a:lstStyle/>
           <a:p>
             <a:r>
-              <a:rPr lang="en-US" altLang="zh-CN"/>
-              <a:t>Slide </a:t>
-            </a:r>
-            <a:r>
-              <a:rPr lang="en-US" altLang="zh-CN">
-                <a:ea typeface="宋体" panose="02010600030101010101" pitchFamily="2" charset="-122"/>
-              </a:rPr>
-              <a:t>8</a:t>
-            </a:r>
-            <a:r>
-              <a:rPr lang="en-US" altLang="zh-CN"/>
-              <a:t>- </a:t>
+              <a:rPr lang="en-US" altLang="zh-CN" dirty="0" smtClean="0"/>
+              <a:t>Slide 11- </a:t>
             </a:r>
             <a:fld id="{071F1CCF-46F3-40A4-B1E7-072BC3C76EAE}" type="slidenum">
-              <a:rPr lang="en-US" altLang="zh-CN"/>
+              <a:rPr lang="en-US" altLang="zh-CN" smtClean="0"/>
               <a:pPr/>
               <a:t>108</a:t>
             </a:fld>
-            <a:endParaRPr lang="en-CA" altLang="zh-CN">
+            <a:endParaRPr lang="en-CA" altLang="zh-CN" dirty="0">
               <a:ea typeface="宋体" panose="02010600030101010101" pitchFamily="2" charset="-122"/>
             </a:endParaRPr>
           </a:p>
@@ -8124,25 +7884,15 @@
           <a:lstStyle/>
           <a:p>
             <a:r>
-              <a:rPr lang="en-US" altLang="zh-CN"/>
-              <a:t>Slide </a:t>
-            </a:r>
-            <a:r>
-              <a:rPr lang="en-US" altLang="zh-CN">
-                <a:ea typeface="宋体" panose="02010600030101010101" pitchFamily="2" charset="-122"/>
-              </a:rPr>
-              <a:t>8</a:t>
-            </a:r>
-            <a:r>
-              <a:rPr lang="en-US" altLang="zh-CN"/>
-              <a:t>- </a:t>
+              <a:rPr lang="en-US" altLang="zh-CN" dirty="0" smtClean="0"/>
+              <a:t>Slide 11- </a:t>
             </a:r>
             <a:fld id="{F6D9306D-3515-43F3-930D-546E66E0F5C7}" type="slidenum">
-              <a:rPr lang="en-US" altLang="zh-CN"/>
+              <a:rPr lang="en-US" altLang="zh-CN" smtClean="0"/>
               <a:pPr/>
               <a:t>109</a:t>
             </a:fld>
-            <a:endParaRPr lang="en-CA" altLang="zh-CN">
+            <a:endParaRPr lang="en-CA" altLang="zh-CN" dirty="0">
               <a:ea typeface="宋体" panose="02010600030101010101" pitchFamily="2" charset="-122"/>
             </a:endParaRPr>
           </a:p>
@@ -8387,46 +8137,6 @@
               <a:rPr lang="en-US" altLang="zh-CN" sz="2400" dirty="0"/>
               <a:t>found in </a:t>
             </a:r>
-          </a:p>
-        </p:txBody>
-      </p:sp>
-      <p:sp>
-        <p:nvSpPr>
-          <p:cNvPr id="7" name="灯片编号占位符 3"/>
-          <p:cNvSpPr>
-            <a:spLocks noGrp="1"/>
-          </p:cNvSpPr>
-          <p:nvPr>
-            <p:ph type="sldNum" sz="quarter" idx="10"/>
-          </p:nvPr>
-        </p:nvSpPr>
-        <p:spPr/>
-        <p:txBody>
-          <a:bodyPr/>
-          <a:lstStyle/>
-          <a:p>
-            <a:r>
-              <a:rPr lang="en-US" altLang="zh-CN"/>
-              <a:t>Slide </a:t>
-            </a:r>
-            <a:r>
-              <a:rPr lang="en-US" altLang="zh-CN">
-                <a:ea typeface="宋体" panose="02010600030101010101" pitchFamily="2" charset="-122"/>
-              </a:rPr>
-              <a:t>8</a:t>
-            </a:r>
-            <a:r>
-              <a:rPr lang="en-US" altLang="zh-CN"/>
-              <a:t>- </a:t>
-            </a:r>
-            <a:fld id="{08046C51-E72F-4CA3-A60F-EBB8B3E19F8E}" type="slidenum">
-              <a:rPr lang="en-US" altLang="zh-CN"/>
-              <a:pPr/>
-              <a:t>11</a:t>
-            </a:fld>
-            <a:endParaRPr lang="en-CA" altLang="zh-CN">
-              <a:ea typeface="宋体" panose="02010600030101010101" pitchFamily="2" charset="-122"/>
-            </a:endParaRPr>
           </a:p>
         </p:txBody>
       </p:sp>
@@ -9053,25 +8763,15 @@
           <a:lstStyle/>
           <a:p>
             <a:r>
-              <a:rPr lang="en-US" altLang="zh-CN"/>
-              <a:t>Slide </a:t>
-            </a:r>
-            <a:r>
-              <a:rPr lang="en-US" altLang="zh-CN">
-                <a:ea typeface="宋体" panose="02010600030101010101" pitchFamily="2" charset="-122"/>
-              </a:rPr>
-              <a:t>8</a:t>
-            </a:r>
-            <a:r>
-              <a:rPr lang="en-US" altLang="zh-CN"/>
-              <a:t>- </a:t>
+              <a:rPr lang="en-US" altLang="zh-CN" dirty="0" smtClean="0"/>
+              <a:t>Slide 11- </a:t>
             </a:r>
             <a:fld id="{81E57992-36B0-4025-929B-3FB377077C4C}" type="slidenum">
-              <a:rPr lang="en-US" altLang="zh-CN"/>
+              <a:rPr lang="en-US" altLang="zh-CN" smtClean="0"/>
               <a:pPr/>
               <a:t>110</a:t>
             </a:fld>
-            <a:endParaRPr lang="en-CA" altLang="zh-CN">
+            <a:endParaRPr lang="en-CA" altLang="zh-CN" dirty="0">
               <a:ea typeface="宋体" panose="02010600030101010101" pitchFamily="2" charset="-122"/>
             </a:endParaRPr>
           </a:p>
@@ -9264,25 +8964,15 @@
           <a:lstStyle/>
           <a:p>
             <a:r>
-              <a:rPr lang="en-US" altLang="zh-CN"/>
-              <a:t>Slide </a:t>
-            </a:r>
-            <a:r>
-              <a:rPr lang="en-US" altLang="zh-CN">
-                <a:ea typeface="宋体" panose="02010600030101010101" pitchFamily="2" charset="-122"/>
-              </a:rPr>
-              <a:t>8</a:t>
-            </a:r>
-            <a:r>
-              <a:rPr lang="en-US" altLang="zh-CN"/>
-              <a:t>- </a:t>
+              <a:rPr lang="en-US" altLang="zh-CN" dirty="0" smtClean="0"/>
+              <a:t>Slide 11- </a:t>
             </a:r>
             <a:fld id="{490C9CE3-CA21-4660-BAC8-9A92053E33C0}" type="slidenum">
-              <a:rPr lang="en-US" altLang="zh-CN"/>
+              <a:rPr lang="en-US" altLang="zh-CN" smtClean="0"/>
               <a:pPr/>
               <a:t>111</a:t>
             </a:fld>
-            <a:endParaRPr lang="en-CA" altLang="zh-CN">
+            <a:endParaRPr lang="en-CA" altLang="zh-CN" dirty="0">
               <a:ea typeface="宋体" panose="02010600030101010101" pitchFamily="2" charset="-122"/>
             </a:endParaRPr>
           </a:p>
@@ -9618,25 +9308,15 @@
           <a:lstStyle/>
           <a:p>
             <a:r>
-              <a:rPr lang="en-US" altLang="zh-CN"/>
-              <a:t>Slide </a:t>
-            </a:r>
-            <a:r>
-              <a:rPr lang="en-US" altLang="zh-CN">
-                <a:ea typeface="宋体" panose="02010600030101010101" pitchFamily="2" charset="-122"/>
-              </a:rPr>
-              <a:t>8</a:t>
-            </a:r>
-            <a:r>
-              <a:rPr lang="en-US" altLang="zh-CN"/>
-              <a:t>- </a:t>
+              <a:rPr lang="en-US" altLang="zh-CN" dirty="0" smtClean="0"/>
+              <a:t>Slide 11- </a:t>
             </a:r>
             <a:fld id="{D09941AF-5E8E-4E93-A8AA-7E5203747ED1}" type="slidenum">
-              <a:rPr lang="en-US" altLang="zh-CN"/>
+              <a:rPr lang="en-US" altLang="zh-CN" smtClean="0"/>
               <a:pPr/>
               <a:t>112</a:t>
             </a:fld>
-            <a:endParaRPr lang="en-CA" altLang="zh-CN">
+            <a:endParaRPr lang="en-CA" altLang="zh-CN" dirty="0">
               <a:ea typeface="宋体" panose="02010600030101010101" pitchFamily="2" charset="-122"/>
             </a:endParaRPr>
           </a:p>
@@ -9972,25 +9652,15 @@
           <a:lstStyle/>
           <a:p>
             <a:r>
-              <a:rPr lang="en-US" altLang="zh-CN"/>
-              <a:t>Slide </a:t>
-            </a:r>
-            <a:r>
-              <a:rPr lang="en-US" altLang="zh-CN">
-                <a:ea typeface="宋体" panose="02010600030101010101" pitchFamily="2" charset="-122"/>
-              </a:rPr>
-              <a:t>8</a:t>
-            </a:r>
-            <a:r>
-              <a:rPr lang="en-US" altLang="zh-CN"/>
-              <a:t>- </a:t>
+              <a:rPr lang="en-US" altLang="zh-CN" dirty="0" smtClean="0"/>
+              <a:t>Slide 11- </a:t>
             </a:r>
             <a:fld id="{804D209F-DBA5-409F-A0B5-3A0734B8A783}" type="slidenum">
-              <a:rPr lang="en-US" altLang="zh-CN"/>
+              <a:rPr lang="en-US" altLang="zh-CN" smtClean="0"/>
               <a:pPr/>
               <a:t>113</a:t>
             </a:fld>
-            <a:endParaRPr lang="en-CA" altLang="zh-CN">
+            <a:endParaRPr lang="en-CA" altLang="zh-CN" dirty="0">
               <a:ea typeface="宋体" panose="02010600030101010101" pitchFamily="2" charset="-122"/>
             </a:endParaRPr>
           </a:p>
@@ -10267,25 +9937,15 @@
           <a:lstStyle/>
           <a:p>
             <a:r>
-              <a:rPr lang="en-US" altLang="zh-CN"/>
-              <a:t>Slide </a:t>
-            </a:r>
-            <a:r>
-              <a:rPr lang="en-US" altLang="zh-CN">
-                <a:ea typeface="宋体" panose="02010600030101010101" pitchFamily="2" charset="-122"/>
-              </a:rPr>
-              <a:t>8</a:t>
-            </a:r>
-            <a:r>
-              <a:rPr lang="en-US" altLang="zh-CN"/>
-              <a:t>- </a:t>
+              <a:rPr lang="en-US" altLang="zh-CN" dirty="0" smtClean="0"/>
+              <a:t>Slide 11- </a:t>
             </a:r>
             <a:fld id="{993F8A77-55A7-496F-88D0-943D4AF785BB}" type="slidenum">
-              <a:rPr lang="en-US" altLang="zh-CN"/>
+              <a:rPr lang="en-US" altLang="zh-CN" smtClean="0"/>
               <a:pPr/>
               <a:t>114</a:t>
             </a:fld>
-            <a:endParaRPr lang="en-CA" altLang="zh-CN">
+            <a:endParaRPr lang="en-CA" altLang="zh-CN" dirty="0">
               <a:ea typeface="宋体" panose="02010600030101010101" pitchFamily="2" charset="-122"/>
             </a:endParaRPr>
           </a:p>
@@ -10617,25 +10277,15 @@
           <a:lstStyle/>
           <a:p>
             <a:r>
-              <a:rPr lang="en-US" altLang="zh-CN"/>
-              <a:t>Slide </a:t>
-            </a:r>
-            <a:r>
-              <a:rPr lang="en-US" altLang="zh-CN">
-                <a:ea typeface="宋体" panose="02010600030101010101" pitchFamily="2" charset="-122"/>
-              </a:rPr>
-              <a:t>8</a:t>
-            </a:r>
-            <a:r>
-              <a:rPr lang="en-US" altLang="zh-CN"/>
-              <a:t>- </a:t>
+              <a:rPr lang="en-US" altLang="zh-CN" dirty="0" smtClean="0"/>
+              <a:t>Slide 11- </a:t>
             </a:r>
             <a:fld id="{0B85DFCB-F21B-477A-969C-8F735217F5AB}" type="slidenum">
-              <a:rPr lang="en-US" altLang="zh-CN"/>
+              <a:rPr lang="en-US" altLang="zh-CN" smtClean="0"/>
               <a:pPr/>
               <a:t>115</a:t>
             </a:fld>
-            <a:endParaRPr lang="en-CA" altLang="zh-CN">
+            <a:endParaRPr lang="en-CA" altLang="zh-CN" dirty="0">
               <a:ea typeface="宋体" panose="02010600030101010101" pitchFamily="2" charset="-122"/>
             </a:endParaRPr>
           </a:p>
@@ -10967,25 +10617,15 @@
           <a:lstStyle/>
           <a:p>
             <a:r>
-              <a:rPr lang="en-US" altLang="zh-CN"/>
-              <a:t>Slide </a:t>
-            </a:r>
-            <a:r>
-              <a:rPr lang="en-US" altLang="zh-CN">
-                <a:ea typeface="宋体" panose="02010600030101010101" pitchFamily="2" charset="-122"/>
-              </a:rPr>
-              <a:t>8</a:t>
-            </a:r>
-            <a:r>
-              <a:rPr lang="en-US" altLang="zh-CN"/>
-              <a:t>- </a:t>
+              <a:rPr lang="en-US" altLang="zh-CN" dirty="0" smtClean="0"/>
+              <a:t>Slide 11- </a:t>
             </a:r>
             <a:fld id="{951A6330-83C8-453E-83D0-362CE131B0A7}" type="slidenum">
-              <a:rPr lang="en-US" altLang="zh-CN"/>
+              <a:rPr lang="en-US" altLang="zh-CN" smtClean="0"/>
               <a:pPr/>
               <a:t>116</a:t>
             </a:fld>
-            <a:endParaRPr lang="en-CA" altLang="zh-CN">
+            <a:endParaRPr lang="en-CA" altLang="zh-CN" dirty="0">
               <a:ea typeface="宋体" panose="02010600030101010101" pitchFamily="2" charset="-122"/>
             </a:endParaRPr>
           </a:p>
@@ -11317,25 +10957,15 @@
           <a:lstStyle/>
           <a:p>
             <a:r>
-              <a:rPr lang="en-US" altLang="zh-CN"/>
-              <a:t>Slide </a:t>
-            </a:r>
-            <a:r>
-              <a:rPr lang="en-US" altLang="zh-CN">
-                <a:ea typeface="宋体" panose="02010600030101010101" pitchFamily="2" charset="-122"/>
-              </a:rPr>
-              <a:t>8</a:t>
-            </a:r>
-            <a:r>
-              <a:rPr lang="en-US" altLang="zh-CN"/>
-              <a:t>- </a:t>
+              <a:rPr lang="en-US" altLang="zh-CN" dirty="0" smtClean="0"/>
+              <a:t>Slide 11- </a:t>
             </a:r>
             <a:fld id="{7443717B-BDC7-4A08-96D1-56C7FAC9DADD}" type="slidenum">
-              <a:rPr lang="en-US" altLang="zh-CN"/>
+              <a:rPr lang="en-US" altLang="zh-CN" smtClean="0"/>
               <a:pPr/>
               <a:t>117</a:t>
             </a:fld>
-            <a:endParaRPr lang="en-CA" altLang="zh-CN">
+            <a:endParaRPr lang="en-CA" altLang="zh-CN" dirty="0">
               <a:ea typeface="宋体" panose="02010600030101010101" pitchFamily="2" charset="-122"/>
             </a:endParaRPr>
           </a:p>
@@ -11667,25 +11297,15 @@
           <a:lstStyle/>
           <a:p>
             <a:r>
-              <a:rPr lang="en-US" altLang="zh-CN"/>
-              <a:t>Slide </a:t>
-            </a:r>
-            <a:r>
-              <a:rPr lang="en-US" altLang="zh-CN">
-                <a:ea typeface="宋体" panose="02010600030101010101" pitchFamily="2" charset="-122"/>
-              </a:rPr>
-              <a:t>8</a:t>
-            </a:r>
-            <a:r>
-              <a:rPr lang="en-US" altLang="zh-CN"/>
-              <a:t>- </a:t>
+              <a:rPr lang="en-US" altLang="zh-CN" dirty="0" smtClean="0"/>
+              <a:t>Slide 11- </a:t>
             </a:r>
             <a:fld id="{EEA5C297-0AB9-4D95-B299-85E1DA1C37EF}" type="slidenum">
-              <a:rPr lang="en-US" altLang="zh-CN"/>
+              <a:rPr lang="en-US" altLang="zh-CN" smtClean="0"/>
               <a:pPr/>
               <a:t>118</a:t>
             </a:fld>
-            <a:endParaRPr lang="en-CA" altLang="zh-CN">
+            <a:endParaRPr lang="en-CA" altLang="zh-CN" dirty="0">
               <a:ea typeface="宋体" panose="02010600030101010101" pitchFamily="2" charset="-122"/>
             </a:endParaRPr>
           </a:p>
@@ -12017,25 +11637,15 @@
           <a:lstStyle/>
           <a:p>
             <a:r>
-              <a:rPr lang="en-US" altLang="zh-CN"/>
-              <a:t>Slide </a:t>
-            </a:r>
-            <a:r>
-              <a:rPr lang="en-US" altLang="zh-CN">
-                <a:ea typeface="宋体" panose="02010600030101010101" pitchFamily="2" charset="-122"/>
-              </a:rPr>
-              <a:t>8</a:t>
-            </a:r>
-            <a:r>
-              <a:rPr lang="en-US" altLang="zh-CN"/>
-              <a:t>- </a:t>
+              <a:rPr lang="en-US" altLang="zh-CN" dirty="0" smtClean="0"/>
+              <a:t>Slide 11- </a:t>
             </a:r>
             <a:fld id="{FD283A18-190C-4FCB-BEDE-150A8C9C5A1B}" type="slidenum">
-              <a:rPr lang="en-US" altLang="zh-CN"/>
+              <a:rPr lang="en-US" altLang="zh-CN" smtClean="0"/>
               <a:pPr/>
               <a:t>119</a:t>
             </a:fld>
-            <a:endParaRPr lang="en-CA" altLang="zh-CN">
+            <a:endParaRPr lang="en-CA" altLang="zh-CN" dirty="0">
               <a:ea typeface="宋体" panose="02010600030101010101" pitchFamily="2" charset="-122"/>
             </a:endParaRPr>
           </a:p>
@@ -12353,46 +11963,6 @@
       </p:grpSpPr>
       <p:sp>
         <p:nvSpPr>
-          <p:cNvPr id="4" name="灯片编号占位符 3"/>
-          <p:cNvSpPr>
-            <a:spLocks noGrp="1"/>
-          </p:cNvSpPr>
-          <p:nvPr>
-            <p:ph type="sldNum" sz="quarter" idx="10"/>
-          </p:nvPr>
-        </p:nvSpPr>
-        <p:spPr/>
-        <p:txBody>
-          <a:bodyPr/>
-          <a:lstStyle/>
-          <a:p>
-            <a:r>
-              <a:rPr lang="en-US" altLang="zh-CN"/>
-              <a:t>Slide </a:t>
-            </a:r>
-            <a:r>
-              <a:rPr lang="en-US" altLang="zh-CN">
-                <a:ea typeface="宋体" panose="02010600030101010101" pitchFamily="2" charset="-122"/>
-              </a:rPr>
-              <a:t>8</a:t>
-            </a:r>
-            <a:r>
-              <a:rPr lang="en-US" altLang="zh-CN"/>
-              <a:t>- </a:t>
-            </a:r>
-            <a:fld id="{74FF0D1E-4263-4BB9-A272-AC1FD115050A}" type="slidenum">
-              <a:rPr lang="en-US" altLang="zh-CN"/>
-              <a:pPr/>
-              <a:t>12</a:t>
-            </a:fld>
-            <a:endParaRPr lang="en-CA" altLang="zh-CN">
-              <a:ea typeface="宋体" panose="02010600030101010101" pitchFamily="2" charset="-122"/>
-            </a:endParaRPr>
-          </a:p>
-        </p:txBody>
-      </p:sp>
-      <p:sp>
-        <p:nvSpPr>
           <p:cNvPr id="521218" name="Rectangle 2"/>
           <p:cNvSpPr>
             <a:spLocks noGrp="1" noChangeArrowheads="1"/>
@@ -12538,25 +12108,15 @@
           <a:lstStyle/>
           <a:p>
             <a:r>
-              <a:rPr lang="en-US" altLang="zh-CN"/>
-              <a:t>Slide </a:t>
-            </a:r>
-            <a:r>
-              <a:rPr lang="en-US" altLang="zh-CN">
-                <a:ea typeface="宋体" panose="02010600030101010101" pitchFamily="2" charset="-122"/>
-              </a:rPr>
-              <a:t>8</a:t>
-            </a:r>
-            <a:r>
-              <a:rPr lang="en-US" altLang="zh-CN"/>
-              <a:t>- </a:t>
+              <a:rPr lang="en-US" altLang="zh-CN" dirty="0" smtClean="0"/>
+              <a:t>Slide 11- </a:t>
             </a:r>
             <a:fld id="{6F812C70-0475-4D98-B8B9-9B17D02F3ADB}" type="slidenum">
-              <a:rPr lang="en-US" altLang="zh-CN"/>
+              <a:rPr lang="en-US" altLang="zh-CN" smtClean="0"/>
               <a:pPr/>
               <a:t>120</a:t>
             </a:fld>
-            <a:endParaRPr lang="en-CA" altLang="zh-CN">
+            <a:endParaRPr lang="en-CA" altLang="zh-CN" dirty="0">
               <a:ea typeface="宋体" panose="02010600030101010101" pitchFamily="2" charset="-122"/>
             </a:endParaRPr>
           </a:p>
@@ -12888,25 +12448,15 @@
           <a:lstStyle/>
           <a:p>
             <a:r>
-              <a:rPr lang="en-US" altLang="zh-CN"/>
-              <a:t>Slide </a:t>
-            </a:r>
-            <a:r>
-              <a:rPr lang="en-US" altLang="zh-CN">
-                <a:ea typeface="宋体" panose="02010600030101010101" pitchFamily="2" charset="-122"/>
-              </a:rPr>
-              <a:t>8</a:t>
-            </a:r>
-            <a:r>
-              <a:rPr lang="en-US" altLang="zh-CN"/>
-              <a:t>- </a:t>
+              <a:rPr lang="en-US" altLang="zh-CN" dirty="0" smtClean="0"/>
+              <a:t>Slide 11- </a:t>
             </a:r>
             <a:fld id="{573AA70F-548E-424D-9019-98C724945C76}" type="slidenum">
-              <a:rPr lang="en-US" altLang="zh-CN"/>
+              <a:rPr lang="en-US" altLang="zh-CN" smtClean="0"/>
               <a:pPr/>
               <a:t>121</a:t>
             </a:fld>
-            <a:endParaRPr lang="en-CA" altLang="zh-CN">
+            <a:endParaRPr lang="en-CA" altLang="zh-CN" dirty="0">
               <a:ea typeface="宋体" panose="02010600030101010101" pitchFamily="2" charset="-122"/>
             </a:endParaRPr>
           </a:p>
@@ -13279,25 +12829,15 @@
           <a:lstStyle/>
           <a:p>
             <a:r>
-              <a:rPr lang="en-US" altLang="zh-CN"/>
-              <a:t>Slide </a:t>
-            </a:r>
-            <a:r>
-              <a:rPr lang="en-US" altLang="zh-CN">
-                <a:ea typeface="宋体" panose="02010600030101010101" pitchFamily="2" charset="-122"/>
-              </a:rPr>
-              <a:t>8</a:t>
-            </a:r>
-            <a:r>
-              <a:rPr lang="en-US" altLang="zh-CN"/>
-              <a:t>- </a:t>
+              <a:rPr lang="en-US" altLang="zh-CN" dirty="0" smtClean="0"/>
+              <a:t>Slide 11- </a:t>
             </a:r>
             <a:fld id="{C9170115-AE0A-4467-87BC-C2C67EE079FE}" type="slidenum">
-              <a:rPr lang="en-US" altLang="zh-CN"/>
+              <a:rPr lang="en-US" altLang="zh-CN" smtClean="0"/>
               <a:pPr/>
               <a:t>122</a:t>
             </a:fld>
-            <a:endParaRPr lang="en-CA" altLang="zh-CN">
+            <a:endParaRPr lang="en-CA" altLang="zh-CN" dirty="0">
               <a:ea typeface="宋体" panose="02010600030101010101" pitchFamily="2" charset="-122"/>
             </a:endParaRPr>
           </a:p>
@@ -13629,25 +13169,15 @@
           <a:lstStyle/>
           <a:p>
             <a:r>
-              <a:rPr lang="en-US" altLang="zh-CN"/>
-              <a:t>Slide </a:t>
-            </a:r>
-            <a:r>
-              <a:rPr lang="en-US" altLang="zh-CN">
-                <a:ea typeface="宋体" panose="02010600030101010101" pitchFamily="2" charset="-122"/>
-              </a:rPr>
-              <a:t>8</a:t>
-            </a:r>
-            <a:r>
-              <a:rPr lang="en-US" altLang="zh-CN"/>
-              <a:t>- </a:t>
+              <a:rPr lang="en-US" altLang="zh-CN" dirty="0" smtClean="0"/>
+              <a:t>Slide 11- </a:t>
             </a:r>
             <a:fld id="{8CF51CA9-10BE-46D3-9C29-533BBB29640B}" type="slidenum">
-              <a:rPr lang="en-US" altLang="zh-CN"/>
+              <a:rPr lang="en-US" altLang="zh-CN" smtClean="0"/>
               <a:pPr/>
               <a:t>123</a:t>
             </a:fld>
-            <a:endParaRPr lang="en-CA" altLang="zh-CN">
+            <a:endParaRPr lang="en-CA" altLang="zh-CN" dirty="0">
               <a:ea typeface="宋体" panose="02010600030101010101" pitchFamily="2" charset="-122"/>
             </a:endParaRPr>
           </a:p>
@@ -13979,25 +13509,15 @@
           <a:lstStyle/>
           <a:p>
             <a:r>
-              <a:rPr lang="en-US" altLang="zh-CN"/>
-              <a:t>Slide </a:t>
-            </a:r>
-            <a:r>
-              <a:rPr lang="en-US" altLang="zh-CN">
-                <a:ea typeface="宋体" panose="02010600030101010101" pitchFamily="2" charset="-122"/>
-              </a:rPr>
-              <a:t>8</a:t>
-            </a:r>
-            <a:r>
-              <a:rPr lang="en-US" altLang="zh-CN"/>
-              <a:t>- </a:t>
+              <a:rPr lang="en-US" altLang="zh-CN" dirty="0" smtClean="0"/>
+              <a:t>Slide 11- </a:t>
             </a:r>
             <a:fld id="{12305FDB-CBD4-4B52-A032-72D187C84BEA}" type="slidenum">
-              <a:rPr lang="en-US" altLang="zh-CN"/>
+              <a:rPr lang="en-US" altLang="zh-CN" smtClean="0"/>
               <a:pPr/>
               <a:t>124</a:t>
             </a:fld>
-            <a:endParaRPr lang="en-CA" altLang="zh-CN">
+            <a:endParaRPr lang="en-CA" altLang="zh-CN" dirty="0">
               <a:ea typeface="宋体" panose="02010600030101010101" pitchFamily="2" charset="-122"/>
             </a:endParaRPr>
           </a:p>
@@ -14329,25 +13849,15 @@
           <a:lstStyle/>
           <a:p>
             <a:r>
-              <a:rPr lang="en-US" altLang="zh-CN"/>
-              <a:t>Slide </a:t>
-            </a:r>
-            <a:r>
-              <a:rPr lang="en-US" altLang="zh-CN">
-                <a:ea typeface="宋体" panose="02010600030101010101" pitchFamily="2" charset="-122"/>
-              </a:rPr>
-              <a:t>8</a:t>
-            </a:r>
-            <a:r>
-              <a:rPr lang="en-US" altLang="zh-CN"/>
-              <a:t>- </a:t>
+              <a:rPr lang="en-US" altLang="zh-CN" dirty="0" smtClean="0"/>
+              <a:t>Slide 11- </a:t>
             </a:r>
             <a:fld id="{D469EF7C-EE4D-4EBE-A820-E7822D7D43FD}" type="slidenum">
-              <a:rPr lang="en-US" altLang="zh-CN"/>
+              <a:rPr lang="en-US" altLang="zh-CN" smtClean="0"/>
               <a:pPr/>
               <a:t>125</a:t>
             </a:fld>
-            <a:endParaRPr lang="en-CA" altLang="zh-CN">
+            <a:endParaRPr lang="en-CA" altLang="zh-CN" dirty="0">
               <a:ea typeface="宋体" panose="02010600030101010101" pitchFamily="2" charset="-122"/>
             </a:endParaRPr>
           </a:p>
@@ -14665,25 +14175,15 @@
           <a:lstStyle/>
           <a:p>
             <a:r>
-              <a:rPr lang="en-US" altLang="zh-CN"/>
-              <a:t>Slide </a:t>
-            </a:r>
-            <a:r>
-              <a:rPr lang="en-US" altLang="zh-CN">
-                <a:ea typeface="宋体" panose="02010600030101010101" pitchFamily="2" charset="-122"/>
-              </a:rPr>
-              <a:t>8</a:t>
-            </a:r>
-            <a:r>
-              <a:rPr lang="en-US" altLang="zh-CN"/>
-              <a:t>- </a:t>
+              <a:rPr lang="en-US" altLang="zh-CN" dirty="0" smtClean="0"/>
+              <a:t>Slide 11- </a:t>
             </a:r>
             <a:fld id="{23567BE9-B4B4-4BBC-952A-951EEE97EE34}" type="slidenum">
-              <a:rPr lang="en-US" altLang="zh-CN"/>
+              <a:rPr lang="en-US" altLang="zh-CN" smtClean="0"/>
               <a:pPr/>
               <a:t>126</a:t>
             </a:fld>
-            <a:endParaRPr lang="en-CA" altLang="zh-CN">
+            <a:endParaRPr lang="en-CA" altLang="zh-CN" dirty="0">
               <a:ea typeface="宋体" panose="02010600030101010101" pitchFamily="2" charset="-122"/>
             </a:endParaRPr>
           </a:p>
@@ -15056,25 +14556,15 @@
           <a:lstStyle/>
           <a:p>
             <a:r>
-              <a:rPr lang="en-US" altLang="zh-CN"/>
-              <a:t>Slide </a:t>
-            </a:r>
-            <a:r>
-              <a:rPr lang="en-US" altLang="zh-CN">
-                <a:ea typeface="宋体" panose="02010600030101010101" pitchFamily="2" charset="-122"/>
-              </a:rPr>
-              <a:t>8</a:t>
-            </a:r>
-            <a:r>
-              <a:rPr lang="en-US" altLang="zh-CN"/>
-              <a:t>- </a:t>
+              <a:rPr lang="en-US" altLang="zh-CN" dirty="0" smtClean="0"/>
+              <a:t>Slide 11- </a:t>
             </a:r>
             <a:fld id="{1DA43306-B03F-46A2-8D83-9CC9E0B6434E}" type="slidenum">
-              <a:rPr lang="en-US" altLang="zh-CN"/>
+              <a:rPr lang="en-US" altLang="zh-CN" smtClean="0"/>
               <a:pPr/>
               <a:t>127</a:t>
             </a:fld>
-            <a:endParaRPr lang="en-CA" altLang="zh-CN">
+            <a:endParaRPr lang="en-CA" altLang="zh-CN" dirty="0">
               <a:ea typeface="宋体" panose="02010600030101010101" pitchFamily="2" charset="-122"/>
             </a:endParaRPr>
           </a:p>
@@ -15447,25 +14937,15 @@
           <a:lstStyle/>
           <a:p>
             <a:r>
-              <a:rPr lang="en-US" altLang="zh-CN"/>
-              <a:t>Slide </a:t>
-            </a:r>
-            <a:r>
-              <a:rPr lang="en-US" altLang="zh-CN">
-                <a:ea typeface="宋体" panose="02010600030101010101" pitchFamily="2" charset="-122"/>
-              </a:rPr>
-              <a:t>8</a:t>
-            </a:r>
-            <a:r>
-              <a:rPr lang="en-US" altLang="zh-CN"/>
-              <a:t>- </a:t>
+              <a:rPr lang="en-US" altLang="zh-CN" dirty="0" smtClean="0"/>
+              <a:t>Slide 11- </a:t>
             </a:r>
             <a:fld id="{8E9C938E-EB00-4475-A263-09AF3AC57452}" type="slidenum">
-              <a:rPr lang="en-US" altLang="zh-CN"/>
+              <a:rPr lang="en-US" altLang="zh-CN" smtClean="0"/>
               <a:pPr/>
               <a:t>128</a:t>
             </a:fld>
-            <a:endParaRPr lang="en-CA" altLang="zh-CN">
+            <a:endParaRPr lang="en-CA" altLang="zh-CN" dirty="0">
               <a:ea typeface="宋体" panose="02010600030101010101" pitchFamily="2" charset="-122"/>
             </a:endParaRPr>
           </a:p>
@@ -15838,25 +15318,15 @@
           <a:lstStyle/>
           <a:p>
             <a:r>
-              <a:rPr lang="en-US" altLang="zh-CN"/>
-              <a:t>Slide </a:t>
-            </a:r>
-            <a:r>
-              <a:rPr lang="en-US" altLang="zh-CN">
-                <a:ea typeface="宋体" panose="02010600030101010101" pitchFamily="2" charset="-122"/>
-              </a:rPr>
-              <a:t>8</a:t>
-            </a:r>
-            <a:r>
-              <a:rPr lang="en-US" altLang="zh-CN"/>
-              <a:t>- </a:t>
+              <a:rPr lang="en-US" altLang="zh-CN" dirty="0" smtClean="0"/>
+              <a:t>Slide 11- </a:t>
             </a:r>
             <a:fld id="{A2670AE1-D643-47A0-958B-9EB3D4AB0CF1}" type="slidenum">
-              <a:rPr lang="en-US" altLang="zh-CN"/>
+              <a:rPr lang="en-US" altLang="zh-CN" smtClean="0"/>
               <a:pPr/>
               <a:t>129</a:t>
             </a:fld>
-            <a:endParaRPr lang="en-CA" altLang="zh-CN">
+            <a:endParaRPr lang="en-CA" altLang="zh-CN" dirty="0">
               <a:ea typeface="宋体" panose="02010600030101010101" pitchFamily="2" charset="-122"/>
             </a:endParaRPr>
           </a:p>
@@ -16215,46 +15685,6 @@
       </p:grpSpPr>
       <p:sp>
         <p:nvSpPr>
-          <p:cNvPr id="4" name="灯片编号占位符 3"/>
-          <p:cNvSpPr>
-            <a:spLocks noGrp="1"/>
-          </p:cNvSpPr>
-          <p:nvPr>
-            <p:ph type="sldNum" sz="quarter" idx="10"/>
-          </p:nvPr>
-        </p:nvSpPr>
-        <p:spPr/>
-        <p:txBody>
-          <a:bodyPr/>
-          <a:lstStyle/>
-          <a:p>
-            <a:r>
-              <a:rPr lang="en-US" altLang="zh-CN"/>
-              <a:t>Slide </a:t>
-            </a:r>
-            <a:r>
-              <a:rPr lang="en-US" altLang="zh-CN">
-                <a:ea typeface="宋体" panose="02010600030101010101" pitchFamily="2" charset="-122"/>
-              </a:rPr>
-              <a:t>8</a:t>
-            </a:r>
-            <a:r>
-              <a:rPr lang="en-US" altLang="zh-CN"/>
-              <a:t>- </a:t>
-            </a:r>
-            <a:fld id="{1D307C55-2B8A-45E5-91F0-5A062AB0F92D}" type="slidenum">
-              <a:rPr lang="en-US" altLang="zh-CN"/>
-              <a:pPr/>
-              <a:t>13</a:t>
-            </a:fld>
-            <a:endParaRPr lang="en-CA" altLang="zh-CN">
-              <a:ea typeface="宋体" panose="02010600030101010101" pitchFamily="2" charset="-122"/>
-            </a:endParaRPr>
-          </a:p>
-        </p:txBody>
-      </p:sp>
-      <p:sp>
-        <p:nvSpPr>
           <p:cNvPr id="522242" name="Rectangle 2"/>
           <p:cNvSpPr>
             <a:spLocks noGrp="1" noChangeArrowheads="1"/>
@@ -16518,25 +15948,15 @@
           <a:lstStyle/>
           <a:p>
             <a:r>
-              <a:rPr lang="en-US" altLang="zh-CN"/>
-              <a:t>Slide </a:t>
-            </a:r>
-            <a:r>
-              <a:rPr lang="en-US" altLang="zh-CN">
-                <a:ea typeface="宋体" panose="02010600030101010101" pitchFamily="2" charset="-122"/>
-              </a:rPr>
-              <a:t>8</a:t>
-            </a:r>
-            <a:r>
-              <a:rPr lang="en-US" altLang="zh-CN"/>
-              <a:t>- </a:t>
+              <a:rPr lang="en-US" altLang="zh-CN" dirty="0" smtClean="0"/>
+              <a:t>Slide 11- </a:t>
             </a:r>
             <a:fld id="{B4299F31-0438-4C9E-B4B0-4422BD935F45}" type="slidenum">
-              <a:rPr lang="en-US" altLang="zh-CN"/>
+              <a:rPr lang="en-US" altLang="zh-CN" smtClean="0"/>
               <a:pPr/>
               <a:t>130</a:t>
             </a:fld>
-            <a:endParaRPr lang="en-CA" altLang="zh-CN">
+            <a:endParaRPr lang="en-CA" altLang="zh-CN" dirty="0">
               <a:ea typeface="宋体" panose="02010600030101010101" pitchFamily="2" charset="-122"/>
             </a:endParaRPr>
           </a:p>
@@ -16909,25 +16329,15 @@
           <a:lstStyle/>
           <a:p>
             <a:r>
-              <a:rPr lang="en-US" altLang="zh-CN"/>
-              <a:t>Slide </a:t>
-            </a:r>
-            <a:r>
-              <a:rPr lang="en-US" altLang="zh-CN">
-                <a:ea typeface="宋体" panose="02010600030101010101" pitchFamily="2" charset="-122"/>
-              </a:rPr>
-              <a:t>8</a:t>
-            </a:r>
-            <a:r>
-              <a:rPr lang="en-US" altLang="zh-CN"/>
-              <a:t>- </a:t>
+              <a:rPr lang="en-US" altLang="zh-CN" dirty="0" smtClean="0"/>
+              <a:t>Slide 11- </a:t>
             </a:r>
             <a:fld id="{18B904CA-624A-4F06-B5DD-E96BCAA21AAA}" type="slidenum">
-              <a:rPr lang="en-US" altLang="zh-CN"/>
+              <a:rPr lang="en-US" altLang="zh-CN" smtClean="0"/>
               <a:pPr/>
               <a:t>131</a:t>
             </a:fld>
-            <a:endParaRPr lang="en-CA" altLang="zh-CN">
+            <a:endParaRPr lang="en-CA" altLang="zh-CN" dirty="0">
               <a:ea typeface="宋体" panose="02010600030101010101" pitchFamily="2" charset="-122"/>
             </a:endParaRPr>
           </a:p>
@@ -17245,25 +16655,15 @@
           <a:lstStyle/>
           <a:p>
             <a:r>
-              <a:rPr lang="en-US" altLang="zh-CN"/>
-              <a:t>Slide </a:t>
-            </a:r>
-            <a:r>
-              <a:rPr lang="en-US" altLang="zh-CN">
-                <a:ea typeface="宋体" panose="02010600030101010101" pitchFamily="2" charset="-122"/>
-              </a:rPr>
-              <a:t>8</a:t>
-            </a:r>
-            <a:r>
-              <a:rPr lang="en-US" altLang="zh-CN"/>
-              <a:t>- </a:t>
+              <a:rPr lang="en-US" altLang="zh-CN" dirty="0" smtClean="0"/>
+              <a:t>Slide 11- </a:t>
             </a:r>
             <a:fld id="{1577AC9D-31BD-4CCF-BACD-E93ECC6E31D0}" type="slidenum">
-              <a:rPr lang="en-US" altLang="zh-CN"/>
+              <a:rPr lang="en-US" altLang="zh-CN" smtClean="0"/>
               <a:pPr/>
               <a:t>132</a:t>
             </a:fld>
-            <a:endParaRPr lang="en-CA" altLang="zh-CN">
+            <a:endParaRPr lang="en-CA" altLang="zh-CN" dirty="0">
               <a:ea typeface="宋体" panose="02010600030101010101" pitchFamily="2" charset="-122"/>
             </a:endParaRPr>
           </a:p>
@@ -17636,25 +17036,15 @@
           <a:lstStyle/>
           <a:p>
             <a:r>
-              <a:rPr lang="en-US" altLang="zh-CN"/>
-              <a:t>Slide </a:t>
-            </a:r>
-            <a:r>
-              <a:rPr lang="en-US" altLang="zh-CN">
-                <a:ea typeface="宋体" panose="02010600030101010101" pitchFamily="2" charset="-122"/>
-              </a:rPr>
-              <a:t>8</a:t>
-            </a:r>
-            <a:r>
-              <a:rPr lang="en-US" altLang="zh-CN"/>
-              <a:t>- </a:t>
+              <a:rPr lang="en-US" altLang="zh-CN" dirty="0" smtClean="0"/>
+              <a:t>Slide 11- </a:t>
             </a:r>
             <a:fld id="{99D00F2A-1E3A-4ECE-8AE9-563EE58A5DE9}" type="slidenum">
-              <a:rPr lang="en-US" altLang="zh-CN"/>
+              <a:rPr lang="en-US" altLang="zh-CN" smtClean="0"/>
               <a:pPr/>
               <a:t>133</a:t>
             </a:fld>
-            <a:endParaRPr lang="en-CA" altLang="zh-CN">
+            <a:endParaRPr lang="en-CA" altLang="zh-CN" dirty="0">
               <a:ea typeface="宋体" panose="02010600030101010101" pitchFamily="2" charset="-122"/>
             </a:endParaRPr>
           </a:p>
@@ -17972,25 +17362,15 @@
           <a:lstStyle/>
           <a:p>
             <a:r>
-              <a:rPr lang="en-US" altLang="zh-CN"/>
-              <a:t>Slide </a:t>
-            </a:r>
-            <a:r>
-              <a:rPr lang="en-US" altLang="zh-CN">
-                <a:ea typeface="宋体" panose="02010600030101010101" pitchFamily="2" charset="-122"/>
-              </a:rPr>
-              <a:t>8</a:t>
-            </a:r>
-            <a:r>
-              <a:rPr lang="en-US" altLang="zh-CN"/>
-              <a:t>- </a:t>
+              <a:rPr lang="en-US" altLang="zh-CN" dirty="0" smtClean="0"/>
+              <a:t>Slide 11- </a:t>
             </a:r>
             <a:fld id="{D09F3562-6745-4740-B052-DD21901F09A1}" type="slidenum">
-              <a:rPr lang="en-US" altLang="zh-CN"/>
+              <a:rPr lang="en-US" altLang="zh-CN" smtClean="0"/>
               <a:pPr/>
               <a:t>134</a:t>
             </a:fld>
-            <a:endParaRPr lang="en-CA" altLang="zh-CN">
+            <a:endParaRPr lang="en-CA" altLang="zh-CN" dirty="0">
               <a:ea typeface="宋体" panose="02010600030101010101" pitchFamily="2" charset="-122"/>
             </a:endParaRPr>
           </a:p>
@@ -18308,25 +17688,15 @@
           <a:lstStyle/>
           <a:p>
             <a:r>
-              <a:rPr lang="en-US" altLang="zh-CN"/>
-              <a:t>Slide </a:t>
-            </a:r>
-            <a:r>
-              <a:rPr lang="en-US" altLang="zh-CN">
-                <a:ea typeface="宋体" panose="02010600030101010101" pitchFamily="2" charset="-122"/>
-              </a:rPr>
-              <a:t>8</a:t>
-            </a:r>
-            <a:r>
-              <a:rPr lang="en-US" altLang="zh-CN"/>
-              <a:t>- </a:t>
+              <a:rPr lang="en-US" altLang="zh-CN" dirty="0" smtClean="0"/>
+              <a:t>Slide 11- </a:t>
             </a:r>
             <a:fld id="{4EAAEEAA-AE02-4AA1-9A07-C41AD638F770}" type="slidenum">
-              <a:rPr lang="en-US" altLang="zh-CN"/>
+              <a:rPr lang="en-US" altLang="zh-CN" smtClean="0"/>
               <a:pPr/>
               <a:t>135</a:t>
             </a:fld>
-            <a:endParaRPr lang="en-CA" altLang="zh-CN">
+            <a:endParaRPr lang="en-CA" altLang="zh-CN" dirty="0">
               <a:ea typeface="宋体" panose="02010600030101010101" pitchFamily="2" charset="-122"/>
             </a:endParaRPr>
           </a:p>
@@ -18699,25 +18069,15 @@
           <a:lstStyle/>
           <a:p>
             <a:r>
-              <a:rPr lang="en-US" altLang="zh-CN"/>
-              <a:t>Slide </a:t>
-            </a:r>
-            <a:r>
-              <a:rPr lang="en-US" altLang="zh-CN">
-                <a:ea typeface="宋体" panose="02010600030101010101" pitchFamily="2" charset="-122"/>
-              </a:rPr>
-              <a:t>8</a:t>
-            </a:r>
-            <a:r>
-              <a:rPr lang="en-US" altLang="zh-CN"/>
-              <a:t>- </a:t>
+              <a:rPr lang="en-US" altLang="zh-CN" dirty="0" smtClean="0"/>
+              <a:t>Slide 11- </a:t>
             </a:r>
             <a:fld id="{AC066EB6-9CB5-49E6-8A8F-6A3FA63B3F31}" type="slidenum">
-              <a:rPr lang="en-US" altLang="zh-CN"/>
+              <a:rPr lang="en-US" altLang="zh-CN" smtClean="0"/>
               <a:pPr/>
               <a:t>136</a:t>
             </a:fld>
-            <a:endParaRPr lang="en-CA" altLang="zh-CN">
+            <a:endParaRPr lang="en-CA" altLang="zh-CN" dirty="0">
               <a:ea typeface="宋体" panose="02010600030101010101" pitchFamily="2" charset="-122"/>
             </a:endParaRPr>
           </a:p>
@@ -19035,25 +18395,15 @@
           <a:lstStyle/>
           <a:p>
             <a:r>
-              <a:rPr lang="en-US" altLang="zh-CN"/>
-              <a:t>Slide </a:t>
-            </a:r>
-            <a:r>
-              <a:rPr lang="en-US" altLang="zh-CN">
-                <a:ea typeface="宋体" panose="02010600030101010101" pitchFamily="2" charset="-122"/>
-              </a:rPr>
-              <a:t>8</a:t>
-            </a:r>
-            <a:r>
-              <a:rPr lang="en-US" altLang="zh-CN"/>
-              <a:t>- </a:t>
+              <a:rPr lang="en-US" altLang="zh-CN" dirty="0" smtClean="0"/>
+              <a:t>Slide 11- </a:t>
             </a:r>
             <a:fld id="{BE9C21D4-E3E2-457A-8094-6B94E947EF9A}" type="slidenum">
-              <a:rPr lang="en-US" altLang="zh-CN"/>
+              <a:rPr lang="en-US" altLang="zh-CN" smtClean="0"/>
               <a:pPr/>
               <a:t>137</a:t>
             </a:fld>
-            <a:endParaRPr lang="en-CA" altLang="zh-CN">
+            <a:endParaRPr lang="en-CA" altLang="zh-CN" dirty="0">
               <a:ea typeface="宋体" panose="02010600030101010101" pitchFamily="2" charset="-122"/>
             </a:endParaRPr>
           </a:p>
@@ -19426,25 +18776,15 @@
           <a:lstStyle/>
           <a:p>
             <a:r>
-              <a:rPr lang="en-US" altLang="zh-CN"/>
-              <a:t>Slide </a:t>
-            </a:r>
-            <a:r>
-              <a:rPr lang="en-US" altLang="zh-CN">
-                <a:ea typeface="宋体" panose="02010600030101010101" pitchFamily="2" charset="-122"/>
-              </a:rPr>
-              <a:t>8</a:t>
-            </a:r>
-            <a:r>
-              <a:rPr lang="en-US" altLang="zh-CN"/>
-              <a:t>- </a:t>
+              <a:rPr lang="en-US" altLang="zh-CN" dirty="0" smtClean="0"/>
+              <a:t>Slide 11- </a:t>
             </a:r>
             <a:fld id="{6DE9221C-36F3-4F5F-BB3D-C00BE7B43440}" type="slidenum">
-              <a:rPr lang="en-US" altLang="zh-CN"/>
+              <a:rPr lang="en-US" altLang="zh-CN" smtClean="0"/>
               <a:pPr/>
               <a:t>138</a:t>
             </a:fld>
-            <a:endParaRPr lang="en-CA" altLang="zh-CN">
+            <a:endParaRPr lang="en-CA" altLang="zh-CN" dirty="0">
               <a:ea typeface="宋体" panose="02010600030101010101" pitchFamily="2" charset="-122"/>
             </a:endParaRPr>
           </a:p>
@@ -19762,25 +19102,15 @@
           <a:lstStyle/>
           <a:p>
             <a:r>
-              <a:rPr lang="en-US" altLang="zh-CN"/>
-              <a:t>Slide </a:t>
-            </a:r>
-            <a:r>
-              <a:rPr lang="en-US" altLang="zh-CN">
-                <a:ea typeface="宋体" panose="02010600030101010101" pitchFamily="2" charset="-122"/>
-              </a:rPr>
-              <a:t>8</a:t>
-            </a:r>
-            <a:r>
-              <a:rPr lang="en-US" altLang="zh-CN"/>
-              <a:t>- </a:t>
+              <a:rPr lang="en-US" altLang="zh-CN" dirty="0" smtClean="0"/>
+              <a:t>Slide 11- </a:t>
             </a:r>
             <a:fld id="{E9928AE0-B3D2-45BC-B1B8-BCAC80243BE0}" type="slidenum">
-              <a:rPr lang="en-US" altLang="zh-CN"/>
+              <a:rPr lang="en-US" altLang="zh-CN" smtClean="0"/>
               <a:pPr/>
               <a:t>139</a:t>
             </a:fld>
-            <a:endParaRPr lang="en-CA" altLang="zh-CN">
+            <a:endParaRPr lang="en-CA" altLang="zh-CN" dirty="0">
               <a:ea typeface="宋体" panose="02010600030101010101" pitchFamily="2" charset="-122"/>
             </a:endParaRPr>
           </a:p>
@@ -20139,46 +19469,6 @@
       </p:grpSpPr>
       <p:sp>
         <p:nvSpPr>
-          <p:cNvPr id="4" name="灯片编号占位符 3"/>
-          <p:cNvSpPr>
-            <a:spLocks noGrp="1"/>
-          </p:cNvSpPr>
-          <p:nvPr>
-            <p:ph type="sldNum" sz="quarter" idx="10"/>
-          </p:nvPr>
-        </p:nvSpPr>
-        <p:spPr/>
-        <p:txBody>
-          <a:bodyPr/>
-          <a:lstStyle/>
-          <a:p>
-            <a:r>
-              <a:rPr lang="en-US" altLang="zh-CN"/>
-              <a:t>Slide </a:t>
-            </a:r>
-            <a:r>
-              <a:rPr lang="en-US" altLang="zh-CN">
-                <a:ea typeface="宋体" panose="02010600030101010101" pitchFamily="2" charset="-122"/>
-              </a:rPr>
-              <a:t>8</a:t>
-            </a:r>
-            <a:r>
-              <a:rPr lang="en-US" altLang="zh-CN"/>
-              <a:t>- </a:t>
-            </a:r>
-            <a:fld id="{3EB6C0AF-0493-455D-A476-459A9EAA4B67}" type="slidenum">
-              <a:rPr lang="en-US" altLang="zh-CN"/>
-              <a:pPr/>
-              <a:t>14</a:t>
-            </a:fld>
-            <a:endParaRPr lang="en-CA" altLang="zh-CN">
-              <a:ea typeface="宋体" panose="02010600030101010101" pitchFamily="2" charset="-122"/>
-            </a:endParaRPr>
-          </a:p>
-        </p:txBody>
-      </p:sp>
-      <p:sp>
-        <p:nvSpPr>
           <p:cNvPr id="523266" name="Rectangle 2"/>
           <p:cNvSpPr>
             <a:spLocks noGrp="1" noChangeArrowheads="1"/>
@@ -20329,25 +19619,15 @@
           <a:lstStyle/>
           <a:p>
             <a:r>
-              <a:rPr lang="en-US" altLang="zh-CN"/>
-              <a:t>Slide </a:t>
-            </a:r>
-            <a:r>
-              <a:rPr lang="en-US" altLang="zh-CN">
-                <a:ea typeface="宋体" panose="02010600030101010101" pitchFamily="2" charset="-122"/>
-              </a:rPr>
-              <a:t>8</a:t>
-            </a:r>
-            <a:r>
-              <a:rPr lang="en-US" altLang="zh-CN"/>
-              <a:t>- </a:t>
+              <a:rPr lang="en-US" altLang="zh-CN" dirty="0" smtClean="0"/>
+              <a:t>Slide 11- </a:t>
             </a:r>
             <a:fld id="{EF7A0D2E-4978-4759-888D-C519F2457E29}" type="slidenum">
-              <a:rPr lang="en-US" altLang="zh-CN"/>
+              <a:rPr lang="en-US" altLang="zh-CN" smtClean="0"/>
               <a:pPr/>
               <a:t>140</a:t>
             </a:fld>
-            <a:endParaRPr lang="en-CA" altLang="zh-CN">
+            <a:endParaRPr lang="en-CA" altLang="zh-CN" dirty="0">
               <a:ea typeface="宋体" panose="02010600030101010101" pitchFamily="2" charset="-122"/>
             </a:endParaRPr>
           </a:p>
@@ -20644,46 +19924,6 @@
       </p:grpSpPr>
       <p:sp>
         <p:nvSpPr>
-          <p:cNvPr id="4" name="灯片编号占位符 3"/>
-          <p:cNvSpPr>
-            <a:spLocks noGrp="1"/>
-          </p:cNvSpPr>
-          <p:nvPr>
-            <p:ph type="sldNum" sz="quarter" idx="10"/>
-          </p:nvPr>
-        </p:nvSpPr>
-        <p:spPr/>
-        <p:txBody>
-          <a:bodyPr/>
-          <a:lstStyle/>
-          <a:p>
-            <a:r>
-              <a:rPr lang="en-US" altLang="zh-CN"/>
-              <a:t>Slide </a:t>
-            </a:r>
-            <a:r>
-              <a:rPr lang="en-US" altLang="zh-CN">
-                <a:ea typeface="宋体" panose="02010600030101010101" pitchFamily="2" charset="-122"/>
-              </a:rPr>
-              <a:t>8</a:t>
-            </a:r>
-            <a:r>
-              <a:rPr lang="en-US" altLang="zh-CN"/>
-              <a:t>- </a:t>
-            </a:r>
-            <a:fld id="{FEF14980-54B5-4DC6-BC7C-62D59C2D4823}" type="slidenum">
-              <a:rPr lang="en-US" altLang="zh-CN"/>
-              <a:pPr/>
-              <a:t>15</a:t>
-            </a:fld>
-            <a:endParaRPr lang="en-CA" altLang="zh-CN">
-              <a:ea typeface="宋体" panose="02010600030101010101" pitchFamily="2" charset="-122"/>
-            </a:endParaRPr>
-          </a:p>
-        </p:txBody>
-      </p:sp>
-      <p:sp>
-        <p:nvSpPr>
           <p:cNvPr id="524290" name="Rectangle 2"/>
           <p:cNvSpPr>
             <a:spLocks noGrp="1" noChangeArrowheads="1"/>
@@ -20997,46 +20237,6 @@
           <a:chExt cx="0" cy="0"/>
         </a:xfrm>
       </p:grpSpPr>
-      <p:sp>
-        <p:nvSpPr>
-          <p:cNvPr id="5" name="灯片编号占位符 3"/>
-          <p:cNvSpPr>
-            <a:spLocks noGrp="1"/>
-          </p:cNvSpPr>
-          <p:nvPr>
-            <p:ph type="sldNum" sz="quarter" idx="10"/>
-          </p:nvPr>
-        </p:nvSpPr>
-        <p:spPr/>
-        <p:txBody>
-          <a:bodyPr/>
-          <a:lstStyle/>
-          <a:p>
-            <a:r>
-              <a:rPr lang="en-US" altLang="zh-CN"/>
-              <a:t>Slide </a:t>
-            </a:r>
-            <a:r>
-              <a:rPr lang="en-US" altLang="zh-CN">
-                <a:ea typeface="宋体" panose="02010600030101010101" pitchFamily="2" charset="-122"/>
-              </a:rPr>
-              <a:t>8</a:t>
-            </a:r>
-            <a:r>
-              <a:rPr lang="en-US" altLang="zh-CN"/>
-              <a:t>- </a:t>
-            </a:r>
-            <a:fld id="{9AAF7C14-1F0A-4FE4-8987-C05A31608F36}" type="slidenum">
-              <a:rPr lang="en-US" altLang="zh-CN"/>
-              <a:pPr/>
-              <a:t>16</a:t>
-            </a:fld>
-            <a:endParaRPr lang="en-CA" altLang="zh-CN">
-              <a:ea typeface="宋体" panose="02010600030101010101" pitchFamily="2" charset="-122"/>
-            </a:endParaRPr>
-          </a:p>
-        </p:txBody>
-      </p:sp>
       <p:sp>
         <p:nvSpPr>
           <p:cNvPr id="525314" name="Text Box 2">
@@ -21387,46 +20587,6 @@
       </p:grpSpPr>
       <p:sp>
         <p:nvSpPr>
-          <p:cNvPr id="4" name="灯片编号占位符 3"/>
-          <p:cNvSpPr>
-            <a:spLocks noGrp="1"/>
-          </p:cNvSpPr>
-          <p:nvPr>
-            <p:ph type="sldNum" sz="quarter" idx="10"/>
-          </p:nvPr>
-        </p:nvSpPr>
-        <p:spPr/>
-        <p:txBody>
-          <a:bodyPr/>
-          <a:lstStyle/>
-          <a:p>
-            <a:r>
-              <a:rPr lang="en-US" altLang="zh-CN"/>
-              <a:t>Slide </a:t>
-            </a:r>
-            <a:r>
-              <a:rPr lang="en-US" altLang="zh-CN">
-                <a:ea typeface="宋体" panose="02010600030101010101" pitchFamily="2" charset="-122"/>
-              </a:rPr>
-              <a:t>8</a:t>
-            </a:r>
-            <a:r>
-              <a:rPr lang="en-US" altLang="zh-CN"/>
-              <a:t>- </a:t>
-            </a:r>
-            <a:fld id="{BBB13719-8E08-428A-8279-02FE5871DF2B}" type="slidenum">
-              <a:rPr lang="en-US" altLang="zh-CN"/>
-              <a:pPr/>
-              <a:t>17</a:t>
-            </a:fld>
-            <a:endParaRPr lang="en-CA" altLang="zh-CN">
-              <a:ea typeface="宋体" panose="02010600030101010101" pitchFamily="2" charset="-122"/>
-            </a:endParaRPr>
-          </a:p>
-        </p:txBody>
-      </p:sp>
-      <p:sp>
-        <p:nvSpPr>
           <p:cNvPr id="526338" name="Rectangle 2"/>
           <p:cNvSpPr>
             <a:spLocks noGrp="1" noChangeArrowheads="1"/>
@@ -21730,46 +20890,6 @@
       </p:grpSpPr>
       <p:sp>
         <p:nvSpPr>
-          <p:cNvPr id="4" name="灯片编号占位符 3"/>
-          <p:cNvSpPr>
-            <a:spLocks noGrp="1"/>
-          </p:cNvSpPr>
-          <p:nvPr>
-            <p:ph type="sldNum" sz="quarter" idx="10"/>
-          </p:nvPr>
-        </p:nvSpPr>
-        <p:spPr/>
-        <p:txBody>
-          <a:bodyPr/>
-          <a:lstStyle/>
-          <a:p>
-            <a:r>
-              <a:rPr lang="en-US" altLang="zh-CN"/>
-              <a:t>Slide </a:t>
-            </a:r>
-            <a:r>
-              <a:rPr lang="en-US" altLang="zh-CN">
-                <a:ea typeface="宋体" panose="02010600030101010101" pitchFamily="2" charset="-122"/>
-              </a:rPr>
-              <a:t>8</a:t>
-            </a:r>
-            <a:r>
-              <a:rPr lang="en-US" altLang="zh-CN"/>
-              <a:t>- </a:t>
-            </a:r>
-            <a:fld id="{CB054CEE-391B-4A69-AA69-6EFFB1D1B1D1}" type="slidenum">
-              <a:rPr lang="en-US" altLang="zh-CN"/>
-              <a:pPr/>
-              <a:t>18</a:t>
-            </a:fld>
-            <a:endParaRPr lang="en-CA" altLang="zh-CN">
-              <a:ea typeface="宋体" panose="02010600030101010101" pitchFamily="2" charset="-122"/>
-            </a:endParaRPr>
-          </a:p>
-        </p:txBody>
-      </p:sp>
-      <p:sp>
-        <p:nvSpPr>
           <p:cNvPr id="527362" name="Rectangle 2"/>
           <p:cNvSpPr>
             <a:spLocks noGrp="1" noChangeArrowheads="1"/>
@@ -21926,46 +21046,6 @@
       </p:grpSpPr>
       <p:sp>
         <p:nvSpPr>
-          <p:cNvPr id="4" name="灯片编号占位符 3"/>
-          <p:cNvSpPr>
-            <a:spLocks noGrp="1"/>
-          </p:cNvSpPr>
-          <p:nvPr>
-            <p:ph type="sldNum" sz="quarter" idx="10"/>
-          </p:nvPr>
-        </p:nvSpPr>
-        <p:spPr/>
-        <p:txBody>
-          <a:bodyPr/>
-          <a:lstStyle/>
-          <a:p>
-            <a:r>
-              <a:rPr lang="en-US" altLang="zh-CN"/>
-              <a:t>Slide </a:t>
-            </a:r>
-            <a:r>
-              <a:rPr lang="en-US" altLang="zh-CN">
-                <a:ea typeface="宋体" panose="02010600030101010101" pitchFamily="2" charset="-122"/>
-              </a:rPr>
-              <a:t>8</a:t>
-            </a:r>
-            <a:r>
-              <a:rPr lang="en-US" altLang="zh-CN"/>
-              <a:t>- </a:t>
-            </a:r>
-            <a:fld id="{707A932F-52C8-4788-B49A-CA10BA56421F}" type="slidenum">
-              <a:rPr lang="en-US" altLang="zh-CN"/>
-              <a:pPr/>
-              <a:t>19</a:t>
-            </a:fld>
-            <a:endParaRPr lang="en-CA" altLang="zh-CN">
-              <a:ea typeface="宋体" panose="02010600030101010101" pitchFamily="2" charset="-122"/>
-            </a:endParaRPr>
-          </a:p>
-        </p:txBody>
-      </p:sp>
-      <p:sp>
-        <p:nvSpPr>
           <p:cNvPr id="528386" name="Rectangle 2"/>
           <p:cNvSpPr>
             <a:spLocks noGrp="1" noChangeArrowheads="1"/>
@@ -22172,46 +21252,6 @@
       </p:sp>
       <p:sp>
         <p:nvSpPr>
-          <p:cNvPr id="4" name="灯片编号占位符 3"/>
-          <p:cNvSpPr>
-            <a:spLocks noGrp="1"/>
-          </p:cNvSpPr>
-          <p:nvPr>
-            <p:ph type="sldNum" sz="quarter" idx="10"/>
-          </p:nvPr>
-        </p:nvSpPr>
-        <p:spPr/>
-        <p:txBody>
-          <a:bodyPr/>
-          <a:lstStyle/>
-          <a:p>
-            <a:r>
-              <a:rPr lang="en-US" altLang="zh-CN" smtClean="0"/>
-              <a:t>Slide </a:t>
-            </a:r>
-            <a:r>
-              <a:rPr lang="en-US" altLang="zh-CN" smtClean="0">
-                <a:ea typeface="宋体" panose="02010600030101010101" pitchFamily="2" charset="-122"/>
-              </a:rPr>
-              <a:t>8</a:t>
-            </a:r>
-            <a:r>
-              <a:rPr lang="en-US" altLang="zh-CN" smtClean="0"/>
-              <a:t>- </a:t>
-            </a:r>
-            <a:fld id="{0794D501-7533-430A-91E4-69528585A3EF}" type="slidenum">
-              <a:rPr lang="en-US" altLang="zh-CN" smtClean="0"/>
-              <a:pPr/>
-              <a:t>2</a:t>
-            </a:fld>
-            <a:endParaRPr lang="en-CA" altLang="zh-CN">
-              <a:ea typeface="宋体" panose="02010600030101010101" pitchFamily="2" charset="-122"/>
-            </a:endParaRPr>
-          </a:p>
-        </p:txBody>
-      </p:sp>
-      <p:sp>
-        <p:nvSpPr>
           <p:cNvPr id="5" name="文本框 4"/>
           <p:cNvSpPr txBox="1"/>
           <p:nvPr/>
@@ -22701,46 +21741,6 @@
           </a:p>
         </p:txBody>
       </p:sp>
-      <p:sp>
-        <p:nvSpPr>
-          <p:cNvPr id="4" name="灯片编号占位符 3"/>
-          <p:cNvSpPr>
-            <a:spLocks noGrp="1"/>
-          </p:cNvSpPr>
-          <p:nvPr>
-            <p:ph type="sldNum" sz="quarter" idx="10"/>
-          </p:nvPr>
-        </p:nvSpPr>
-        <p:spPr/>
-        <p:txBody>
-          <a:bodyPr/>
-          <a:lstStyle/>
-          <a:p>
-            <a:r>
-              <a:rPr lang="en-US" altLang="zh-CN" smtClean="0"/>
-              <a:t>Slide </a:t>
-            </a:r>
-            <a:r>
-              <a:rPr lang="en-US" altLang="zh-CN" smtClean="0">
-                <a:ea typeface="宋体" panose="02010600030101010101" pitchFamily="2" charset="-122"/>
-              </a:rPr>
-              <a:t>8</a:t>
-            </a:r>
-            <a:r>
-              <a:rPr lang="en-US" altLang="zh-CN" smtClean="0"/>
-              <a:t>- </a:t>
-            </a:r>
-            <a:fld id="{0794D501-7533-430A-91E4-69528585A3EF}" type="slidenum">
-              <a:rPr lang="en-US" altLang="zh-CN" smtClean="0"/>
-              <a:pPr/>
-              <a:t>20</a:t>
-            </a:fld>
-            <a:endParaRPr lang="en-CA" altLang="zh-CN">
-              <a:ea typeface="宋体" panose="02010600030101010101" pitchFamily="2" charset="-122"/>
-            </a:endParaRPr>
-          </a:p>
-        </p:txBody>
-      </p:sp>
     </p:spTree>
     <p:extLst>
       <p:ext uri="{BB962C8B-B14F-4D97-AF65-F5344CB8AC3E}">
@@ -22772,46 +21772,6 @@
           <a:chExt cx="0" cy="0"/>
         </a:xfrm>
       </p:grpSpPr>
-      <p:sp>
-        <p:nvSpPr>
-          <p:cNvPr id="5" name="灯片编号占位符 3"/>
-          <p:cNvSpPr>
-            <a:spLocks noGrp="1"/>
-          </p:cNvSpPr>
-          <p:nvPr>
-            <p:ph type="sldNum" sz="quarter" idx="10"/>
-          </p:nvPr>
-        </p:nvSpPr>
-        <p:spPr/>
-        <p:txBody>
-          <a:bodyPr/>
-          <a:lstStyle/>
-          <a:p>
-            <a:r>
-              <a:rPr lang="en-US" altLang="zh-CN"/>
-              <a:t>Slide </a:t>
-            </a:r>
-            <a:r>
-              <a:rPr lang="en-US" altLang="zh-CN">
-                <a:ea typeface="宋体" panose="02010600030101010101" pitchFamily="2" charset="-122"/>
-              </a:rPr>
-              <a:t>8</a:t>
-            </a:r>
-            <a:r>
-              <a:rPr lang="en-US" altLang="zh-CN"/>
-              <a:t>- </a:t>
-            </a:r>
-            <a:fld id="{98AC7078-ACA6-49B1-BDDA-F0413920E649}" type="slidenum">
-              <a:rPr lang="en-US" altLang="zh-CN"/>
-              <a:pPr/>
-              <a:t>21</a:t>
-            </a:fld>
-            <a:endParaRPr lang="en-CA" altLang="zh-CN">
-              <a:ea typeface="宋体" panose="02010600030101010101" pitchFamily="2" charset="-122"/>
-            </a:endParaRPr>
-          </a:p>
-        </p:txBody>
-      </p:sp>
       <p:sp>
         <p:nvSpPr>
           <p:cNvPr id="529410" name="Text Box 2">
@@ -23163,46 +22123,6 @@
       </p:grpSpPr>
       <p:sp>
         <p:nvSpPr>
-          <p:cNvPr id="4" name="灯片编号占位符 3"/>
-          <p:cNvSpPr>
-            <a:spLocks noGrp="1"/>
-          </p:cNvSpPr>
-          <p:nvPr>
-            <p:ph type="sldNum" sz="quarter" idx="10"/>
-          </p:nvPr>
-        </p:nvSpPr>
-        <p:spPr/>
-        <p:txBody>
-          <a:bodyPr/>
-          <a:lstStyle/>
-          <a:p>
-            <a:r>
-              <a:rPr lang="en-US" altLang="zh-CN"/>
-              <a:t>Slide </a:t>
-            </a:r>
-            <a:r>
-              <a:rPr lang="en-US" altLang="zh-CN">
-                <a:ea typeface="宋体" panose="02010600030101010101" pitchFamily="2" charset="-122"/>
-              </a:rPr>
-              <a:t>8</a:t>
-            </a:r>
-            <a:r>
-              <a:rPr lang="en-US" altLang="zh-CN"/>
-              <a:t>- </a:t>
-            </a:r>
-            <a:fld id="{6D27EFD5-2617-4910-A494-C741AB9A57EB}" type="slidenum">
-              <a:rPr lang="en-US" altLang="zh-CN"/>
-              <a:pPr/>
-              <a:t>22</a:t>
-            </a:fld>
-            <a:endParaRPr lang="en-CA" altLang="zh-CN">
-              <a:ea typeface="宋体" panose="02010600030101010101" pitchFamily="2" charset="-122"/>
-            </a:endParaRPr>
-          </a:p>
-        </p:txBody>
-      </p:sp>
-      <p:sp>
-        <p:nvSpPr>
           <p:cNvPr id="530434" name="Rectangle 2"/>
           <p:cNvSpPr>
             <a:spLocks noGrp="1" noChangeArrowheads="1"/>
@@ -23363,46 +22283,6 @@
       </p:grpSpPr>
       <p:sp>
         <p:nvSpPr>
-          <p:cNvPr id="4" name="灯片编号占位符 3"/>
-          <p:cNvSpPr>
-            <a:spLocks noGrp="1"/>
-          </p:cNvSpPr>
-          <p:nvPr>
-            <p:ph type="sldNum" sz="quarter" idx="10"/>
-          </p:nvPr>
-        </p:nvSpPr>
-        <p:spPr/>
-        <p:txBody>
-          <a:bodyPr/>
-          <a:lstStyle/>
-          <a:p>
-            <a:r>
-              <a:rPr lang="en-US" altLang="zh-CN"/>
-              <a:t>Slide </a:t>
-            </a:r>
-            <a:r>
-              <a:rPr lang="en-US" altLang="zh-CN">
-                <a:ea typeface="宋体" panose="02010600030101010101" pitchFamily="2" charset="-122"/>
-              </a:rPr>
-              <a:t>8</a:t>
-            </a:r>
-            <a:r>
-              <a:rPr lang="en-US" altLang="zh-CN"/>
-              <a:t>- </a:t>
-            </a:r>
-            <a:fld id="{7701362C-186B-4F00-B730-605CBE089117}" type="slidenum">
-              <a:rPr lang="en-US" altLang="zh-CN"/>
-              <a:pPr/>
-              <a:t>23</a:t>
-            </a:fld>
-            <a:endParaRPr lang="en-CA" altLang="zh-CN">
-              <a:ea typeface="宋体" panose="02010600030101010101" pitchFamily="2" charset="-122"/>
-            </a:endParaRPr>
-          </a:p>
-        </p:txBody>
-      </p:sp>
-      <p:sp>
-        <p:nvSpPr>
           <p:cNvPr id="531458" name="Rectangle 2"/>
           <p:cNvSpPr>
             <a:spLocks noGrp="1" noChangeArrowheads="1"/>
@@ -23640,25 +22520,15 @@
           <a:lstStyle/>
           <a:p>
             <a:r>
-              <a:rPr lang="en-US" altLang="zh-CN"/>
-              <a:t>Slide </a:t>
-            </a:r>
-            <a:r>
-              <a:rPr lang="en-US" altLang="zh-CN">
-                <a:ea typeface="宋体" panose="02010600030101010101" pitchFamily="2" charset="-122"/>
-              </a:rPr>
-              <a:t>8</a:t>
-            </a:r>
-            <a:r>
-              <a:rPr lang="en-US" altLang="zh-CN"/>
-              <a:t>- </a:t>
+              <a:rPr lang="en-US" altLang="zh-CN" dirty="0" smtClean="0"/>
+              <a:t>Slide 11- </a:t>
             </a:r>
             <a:fld id="{8C265427-F34F-45B2-931A-8C52FDB83380}" type="slidenum">
-              <a:rPr lang="en-US" altLang="zh-CN"/>
+              <a:rPr lang="en-US" altLang="zh-CN" smtClean="0"/>
               <a:pPr/>
               <a:t>24</a:t>
             </a:fld>
-            <a:endParaRPr lang="en-CA" altLang="zh-CN">
+            <a:endParaRPr lang="en-CA" altLang="zh-CN" dirty="0">
               <a:ea typeface="宋体" panose="02010600030101010101" pitchFamily="2" charset="-122"/>
             </a:endParaRPr>
           </a:p>
@@ -23792,46 +22662,6 @@
       </p:grpSpPr>
       <p:sp>
         <p:nvSpPr>
-          <p:cNvPr id="4" name="灯片编号占位符 3"/>
-          <p:cNvSpPr>
-            <a:spLocks noGrp="1"/>
-          </p:cNvSpPr>
-          <p:nvPr>
-            <p:ph type="sldNum" sz="quarter" idx="10"/>
-          </p:nvPr>
-        </p:nvSpPr>
-        <p:spPr/>
-        <p:txBody>
-          <a:bodyPr/>
-          <a:lstStyle/>
-          <a:p>
-            <a:r>
-              <a:rPr lang="en-US" altLang="zh-CN"/>
-              <a:t>Slide </a:t>
-            </a:r>
-            <a:r>
-              <a:rPr lang="en-US" altLang="zh-CN">
-                <a:ea typeface="宋体" panose="02010600030101010101" pitchFamily="2" charset="-122"/>
-              </a:rPr>
-              <a:t>8</a:t>
-            </a:r>
-            <a:r>
-              <a:rPr lang="en-US" altLang="zh-CN"/>
-              <a:t>- </a:t>
-            </a:r>
-            <a:fld id="{E3E26B36-1141-414C-B999-DAADAFEF1F43}" type="slidenum">
-              <a:rPr lang="en-US" altLang="zh-CN"/>
-              <a:pPr/>
-              <a:t>25</a:t>
-            </a:fld>
-            <a:endParaRPr lang="en-CA" altLang="zh-CN">
-              <a:ea typeface="宋体" panose="02010600030101010101" pitchFamily="2" charset="-122"/>
-            </a:endParaRPr>
-          </a:p>
-        </p:txBody>
-      </p:sp>
-      <p:sp>
-        <p:nvSpPr>
           <p:cNvPr id="533506" name="Rectangle 2"/>
           <p:cNvSpPr>
             <a:spLocks noGrp="1" noChangeArrowheads="1"/>
@@ -23944,46 +22774,6 @@
       </p:grpSpPr>
       <p:sp>
         <p:nvSpPr>
-          <p:cNvPr id="4" name="灯片编号占位符 3"/>
-          <p:cNvSpPr>
-            <a:spLocks noGrp="1"/>
-          </p:cNvSpPr>
-          <p:nvPr>
-            <p:ph type="sldNum" sz="quarter" idx="10"/>
-          </p:nvPr>
-        </p:nvSpPr>
-        <p:spPr/>
-        <p:txBody>
-          <a:bodyPr/>
-          <a:lstStyle/>
-          <a:p>
-            <a:r>
-              <a:rPr lang="en-US" altLang="zh-CN"/>
-              <a:t>Slide </a:t>
-            </a:r>
-            <a:r>
-              <a:rPr lang="en-US" altLang="zh-CN">
-                <a:ea typeface="宋体" panose="02010600030101010101" pitchFamily="2" charset="-122"/>
-              </a:rPr>
-              <a:t>8</a:t>
-            </a:r>
-            <a:r>
-              <a:rPr lang="en-US" altLang="zh-CN"/>
-              <a:t>- </a:t>
-            </a:r>
-            <a:fld id="{505ED0A2-70D1-4650-9DBC-D5D43B18637F}" type="slidenum">
-              <a:rPr lang="en-US" altLang="zh-CN"/>
-              <a:pPr/>
-              <a:t>26</a:t>
-            </a:fld>
-            <a:endParaRPr lang="en-CA" altLang="zh-CN">
-              <a:ea typeface="宋体" panose="02010600030101010101" pitchFamily="2" charset="-122"/>
-            </a:endParaRPr>
-          </a:p>
-        </p:txBody>
-      </p:sp>
-      <p:sp>
-        <p:nvSpPr>
           <p:cNvPr id="534530" name="Rectangle 2"/>
           <p:cNvSpPr>
             <a:spLocks noGrp="1" noChangeArrowheads="1"/>
@@ -24150,46 +22940,6 @@
       </p:grpSpPr>
       <p:sp>
         <p:nvSpPr>
-          <p:cNvPr id="4" name="灯片编号占位符 3"/>
-          <p:cNvSpPr>
-            <a:spLocks noGrp="1"/>
-          </p:cNvSpPr>
-          <p:nvPr>
-            <p:ph type="sldNum" sz="quarter" idx="10"/>
-          </p:nvPr>
-        </p:nvSpPr>
-        <p:spPr/>
-        <p:txBody>
-          <a:bodyPr/>
-          <a:lstStyle/>
-          <a:p>
-            <a:r>
-              <a:rPr lang="en-US" altLang="zh-CN"/>
-              <a:t>Slide </a:t>
-            </a:r>
-            <a:r>
-              <a:rPr lang="en-US" altLang="zh-CN">
-                <a:ea typeface="宋体" panose="02010600030101010101" pitchFamily="2" charset="-122"/>
-              </a:rPr>
-              <a:t>8</a:t>
-            </a:r>
-            <a:r>
-              <a:rPr lang="en-US" altLang="zh-CN"/>
-              <a:t>- </a:t>
-            </a:r>
-            <a:fld id="{1D87767A-AD59-4FAC-AD25-F33BA1D7C5A8}" type="slidenum">
-              <a:rPr lang="en-US" altLang="zh-CN"/>
-              <a:pPr/>
-              <a:t>27</a:t>
-            </a:fld>
-            <a:endParaRPr lang="en-CA" altLang="zh-CN">
-              <a:ea typeface="宋体" panose="02010600030101010101" pitchFamily="2" charset="-122"/>
-            </a:endParaRPr>
-          </a:p>
-        </p:txBody>
-      </p:sp>
-      <p:sp>
-        <p:nvSpPr>
           <p:cNvPr id="535554" name="Rectangle 2"/>
           <p:cNvSpPr>
             <a:spLocks noGrp="1" noChangeArrowheads="1"/>
@@ -24310,46 +23060,6 @@
       </p:grpSpPr>
       <p:sp>
         <p:nvSpPr>
-          <p:cNvPr id="4" name="灯片编号占位符 3"/>
-          <p:cNvSpPr>
-            <a:spLocks noGrp="1"/>
-          </p:cNvSpPr>
-          <p:nvPr>
-            <p:ph type="sldNum" sz="quarter" idx="10"/>
-          </p:nvPr>
-        </p:nvSpPr>
-        <p:spPr/>
-        <p:txBody>
-          <a:bodyPr/>
-          <a:lstStyle/>
-          <a:p>
-            <a:r>
-              <a:rPr lang="en-US" altLang="zh-CN"/>
-              <a:t>Slide </a:t>
-            </a:r>
-            <a:r>
-              <a:rPr lang="en-US" altLang="zh-CN">
-                <a:ea typeface="宋体" panose="02010600030101010101" pitchFamily="2" charset="-122"/>
-              </a:rPr>
-              <a:t>8</a:t>
-            </a:r>
-            <a:r>
-              <a:rPr lang="en-US" altLang="zh-CN"/>
-              <a:t>- </a:t>
-            </a:r>
-            <a:fld id="{FC3A2753-136E-4DFD-9448-DF3A052E6B5E}" type="slidenum">
-              <a:rPr lang="en-US" altLang="zh-CN"/>
-              <a:pPr/>
-              <a:t>28</a:t>
-            </a:fld>
-            <a:endParaRPr lang="en-CA" altLang="zh-CN">
-              <a:ea typeface="宋体" panose="02010600030101010101" pitchFamily="2" charset="-122"/>
-            </a:endParaRPr>
-          </a:p>
-        </p:txBody>
-      </p:sp>
-      <p:sp>
-        <p:nvSpPr>
           <p:cNvPr id="536578" name="Rectangle 2"/>
           <p:cNvSpPr>
             <a:spLocks noGrp="1" noChangeArrowheads="1"/>
@@ -24488,46 +23198,6 @@
       </p:grpSpPr>
       <p:sp>
         <p:nvSpPr>
-          <p:cNvPr id="4" name="灯片编号占位符 3"/>
-          <p:cNvSpPr>
-            <a:spLocks noGrp="1"/>
-          </p:cNvSpPr>
-          <p:nvPr>
-            <p:ph type="sldNum" sz="quarter" idx="10"/>
-          </p:nvPr>
-        </p:nvSpPr>
-        <p:spPr/>
-        <p:txBody>
-          <a:bodyPr/>
-          <a:lstStyle/>
-          <a:p>
-            <a:r>
-              <a:rPr lang="en-US" altLang="zh-CN"/>
-              <a:t>Slide </a:t>
-            </a:r>
-            <a:r>
-              <a:rPr lang="en-US" altLang="zh-CN">
-                <a:ea typeface="宋体" panose="02010600030101010101" pitchFamily="2" charset="-122"/>
-              </a:rPr>
-              <a:t>8</a:t>
-            </a:r>
-            <a:r>
-              <a:rPr lang="en-US" altLang="zh-CN"/>
-              <a:t>- </a:t>
-            </a:r>
-            <a:fld id="{B63B3FFE-C8D2-45F3-930A-3415199EC254}" type="slidenum">
-              <a:rPr lang="en-US" altLang="zh-CN"/>
-              <a:pPr/>
-              <a:t>29</a:t>
-            </a:fld>
-            <a:endParaRPr lang="en-CA" altLang="zh-CN">
-              <a:ea typeface="宋体" panose="02010600030101010101" pitchFamily="2" charset="-122"/>
-            </a:endParaRPr>
-          </a:p>
-        </p:txBody>
-      </p:sp>
-      <p:sp>
-        <p:nvSpPr>
           <p:cNvPr id="537602" name="Rectangle 2"/>
           <p:cNvSpPr>
             <a:spLocks noGrp="1" noChangeArrowheads="1"/>
@@ -25166,46 +23836,6 @@
           <a:chExt cx="0" cy="0"/>
         </a:xfrm>
       </p:grpSpPr>
-      <p:sp>
-        <p:nvSpPr>
-          <p:cNvPr id="6" name="灯片编号占位符 3"/>
-          <p:cNvSpPr>
-            <a:spLocks noGrp="1"/>
-          </p:cNvSpPr>
-          <p:nvPr>
-            <p:ph type="sldNum" sz="quarter" idx="10"/>
-          </p:nvPr>
-        </p:nvSpPr>
-        <p:spPr/>
-        <p:txBody>
-          <a:bodyPr/>
-          <a:lstStyle/>
-          <a:p>
-            <a:r>
-              <a:rPr lang="en-US" altLang="zh-CN"/>
-              <a:t>Slide </a:t>
-            </a:r>
-            <a:r>
-              <a:rPr lang="en-US" altLang="zh-CN">
-                <a:ea typeface="宋体" panose="02010600030101010101" pitchFamily="2" charset="-122"/>
-              </a:rPr>
-              <a:t>7</a:t>
-            </a:r>
-            <a:r>
-              <a:rPr lang="en-US" altLang="zh-CN"/>
-              <a:t>- </a:t>
-            </a:r>
-            <a:fld id="{CFB395C6-246E-4B37-B354-E83EB6A12668}" type="slidenum">
-              <a:rPr lang="en-US" altLang="zh-CN"/>
-              <a:pPr/>
-              <a:t>3</a:t>
-            </a:fld>
-            <a:endParaRPr lang="en-CA" altLang="zh-CN">
-              <a:ea typeface="宋体" panose="02010600030101010101" pitchFamily="2" charset="-122"/>
-            </a:endParaRPr>
-          </a:p>
-        </p:txBody>
-      </p:sp>
       <p:sp>
         <p:nvSpPr>
           <p:cNvPr id="535554" name="Text Box 2"/>
@@ -26126,46 +24756,6 @@
       </p:grpSpPr>
       <p:sp>
         <p:nvSpPr>
-          <p:cNvPr id="4" name="灯片编号占位符 3"/>
-          <p:cNvSpPr>
-            <a:spLocks noGrp="1"/>
-          </p:cNvSpPr>
-          <p:nvPr>
-            <p:ph type="sldNum" sz="quarter" idx="10"/>
-          </p:nvPr>
-        </p:nvSpPr>
-        <p:spPr/>
-        <p:txBody>
-          <a:bodyPr/>
-          <a:lstStyle/>
-          <a:p>
-            <a:r>
-              <a:rPr lang="en-US" altLang="zh-CN"/>
-              <a:t>Slide </a:t>
-            </a:r>
-            <a:r>
-              <a:rPr lang="en-US" altLang="zh-CN">
-                <a:ea typeface="宋体" panose="02010600030101010101" pitchFamily="2" charset="-122"/>
-              </a:rPr>
-              <a:t>8</a:t>
-            </a:r>
-            <a:r>
-              <a:rPr lang="en-US" altLang="zh-CN"/>
-              <a:t>- </a:t>
-            </a:r>
-            <a:fld id="{17D8A7F3-418C-4BC0-B67D-6ADFC217DDE9}" type="slidenum">
-              <a:rPr lang="en-US" altLang="zh-CN"/>
-              <a:pPr/>
-              <a:t>30</a:t>
-            </a:fld>
-            <a:endParaRPr lang="en-CA" altLang="zh-CN">
-              <a:ea typeface="宋体" panose="02010600030101010101" pitchFamily="2" charset="-122"/>
-            </a:endParaRPr>
-          </a:p>
-        </p:txBody>
-      </p:sp>
-      <p:sp>
-        <p:nvSpPr>
           <p:cNvPr id="538626" name="Rectangle 2"/>
           <p:cNvSpPr>
             <a:spLocks noGrp="1" noChangeArrowheads="1"/>
@@ -26435,46 +25025,6 @@
       </p:grpSpPr>
       <p:sp>
         <p:nvSpPr>
-          <p:cNvPr id="4" name="灯片编号占位符 3"/>
-          <p:cNvSpPr>
-            <a:spLocks noGrp="1"/>
-          </p:cNvSpPr>
-          <p:nvPr>
-            <p:ph type="sldNum" sz="quarter" idx="10"/>
-          </p:nvPr>
-        </p:nvSpPr>
-        <p:spPr/>
-        <p:txBody>
-          <a:bodyPr/>
-          <a:lstStyle/>
-          <a:p>
-            <a:r>
-              <a:rPr lang="en-US" altLang="zh-CN"/>
-              <a:t>Slide </a:t>
-            </a:r>
-            <a:r>
-              <a:rPr lang="en-US" altLang="zh-CN">
-                <a:ea typeface="宋体" panose="02010600030101010101" pitchFamily="2" charset="-122"/>
-              </a:rPr>
-              <a:t>8</a:t>
-            </a:r>
-            <a:r>
-              <a:rPr lang="en-US" altLang="zh-CN"/>
-              <a:t>- </a:t>
-            </a:r>
-            <a:fld id="{15F1BF03-8BD3-48DE-8814-3C0CF9642D17}" type="slidenum">
-              <a:rPr lang="en-US" altLang="zh-CN"/>
-              <a:pPr/>
-              <a:t>31</a:t>
-            </a:fld>
-            <a:endParaRPr lang="en-CA" altLang="zh-CN">
-              <a:ea typeface="宋体" panose="02010600030101010101" pitchFamily="2" charset="-122"/>
-            </a:endParaRPr>
-          </a:p>
-        </p:txBody>
-      </p:sp>
-      <p:sp>
-        <p:nvSpPr>
           <p:cNvPr id="539650" name="Rectangle 2"/>
           <p:cNvSpPr>
             <a:spLocks noGrp="1" noChangeArrowheads="1"/>
@@ -26762,46 +25312,6 @@
       </p:grpSpPr>
       <p:sp>
         <p:nvSpPr>
-          <p:cNvPr id="4" name="灯片编号占位符 3"/>
-          <p:cNvSpPr>
-            <a:spLocks noGrp="1"/>
-          </p:cNvSpPr>
-          <p:nvPr>
-            <p:ph type="sldNum" sz="quarter" idx="10"/>
-          </p:nvPr>
-        </p:nvSpPr>
-        <p:spPr/>
-        <p:txBody>
-          <a:bodyPr/>
-          <a:lstStyle/>
-          <a:p>
-            <a:r>
-              <a:rPr lang="en-US" altLang="zh-CN"/>
-              <a:t>Slide </a:t>
-            </a:r>
-            <a:r>
-              <a:rPr lang="en-US" altLang="zh-CN">
-                <a:ea typeface="宋体" panose="02010600030101010101" pitchFamily="2" charset="-122"/>
-              </a:rPr>
-              <a:t>8</a:t>
-            </a:r>
-            <a:r>
-              <a:rPr lang="en-US" altLang="zh-CN"/>
-              <a:t>- </a:t>
-            </a:r>
-            <a:fld id="{FC0EF22D-4FA8-479A-86BE-4B032D280493}" type="slidenum">
-              <a:rPr lang="en-US" altLang="zh-CN"/>
-              <a:pPr/>
-              <a:t>32</a:t>
-            </a:fld>
-            <a:endParaRPr lang="en-CA" altLang="zh-CN">
-              <a:ea typeface="宋体" panose="02010600030101010101" pitchFamily="2" charset="-122"/>
-            </a:endParaRPr>
-          </a:p>
-        </p:txBody>
-      </p:sp>
-      <p:sp>
-        <p:nvSpPr>
           <p:cNvPr id="540674" name="Rectangle 2"/>
           <p:cNvSpPr>
             <a:spLocks noGrp="1" noChangeArrowheads="1"/>
@@ -26930,46 +25440,6 @@
       </p:grpSpPr>
       <p:sp>
         <p:nvSpPr>
-          <p:cNvPr id="4" name="灯片编号占位符 3"/>
-          <p:cNvSpPr>
-            <a:spLocks noGrp="1"/>
-          </p:cNvSpPr>
-          <p:nvPr>
-            <p:ph type="sldNum" sz="quarter" idx="10"/>
-          </p:nvPr>
-        </p:nvSpPr>
-        <p:spPr/>
-        <p:txBody>
-          <a:bodyPr/>
-          <a:lstStyle/>
-          <a:p>
-            <a:r>
-              <a:rPr lang="en-US" altLang="zh-CN"/>
-              <a:t>Slide </a:t>
-            </a:r>
-            <a:r>
-              <a:rPr lang="en-US" altLang="zh-CN">
-                <a:ea typeface="宋体" panose="02010600030101010101" pitchFamily="2" charset="-122"/>
-              </a:rPr>
-              <a:t>8</a:t>
-            </a:r>
-            <a:r>
-              <a:rPr lang="en-US" altLang="zh-CN"/>
-              <a:t>- </a:t>
-            </a:r>
-            <a:fld id="{55A8ED52-E686-4437-94D4-F0196BE0964A}" type="slidenum">
-              <a:rPr lang="en-US" altLang="zh-CN"/>
-              <a:pPr/>
-              <a:t>33</a:t>
-            </a:fld>
-            <a:endParaRPr lang="en-CA" altLang="zh-CN">
-              <a:ea typeface="宋体" panose="02010600030101010101" pitchFamily="2" charset="-122"/>
-            </a:endParaRPr>
-          </a:p>
-        </p:txBody>
-      </p:sp>
-      <p:sp>
-        <p:nvSpPr>
           <p:cNvPr id="541698" name="Rectangle 2"/>
           <p:cNvSpPr>
             <a:spLocks noGrp="1" noChangeArrowheads="1"/>
@@ -27245,46 +25715,6 @@
       </p:grpSpPr>
       <p:sp>
         <p:nvSpPr>
-          <p:cNvPr id="4" name="灯片编号占位符 3"/>
-          <p:cNvSpPr>
-            <a:spLocks noGrp="1"/>
-          </p:cNvSpPr>
-          <p:nvPr>
-            <p:ph type="sldNum" sz="quarter" idx="10"/>
-          </p:nvPr>
-        </p:nvSpPr>
-        <p:spPr/>
-        <p:txBody>
-          <a:bodyPr/>
-          <a:lstStyle/>
-          <a:p>
-            <a:r>
-              <a:rPr lang="en-US" altLang="zh-CN"/>
-              <a:t>Slide </a:t>
-            </a:r>
-            <a:r>
-              <a:rPr lang="en-US" altLang="zh-CN">
-                <a:ea typeface="宋体" panose="02010600030101010101" pitchFamily="2" charset="-122"/>
-              </a:rPr>
-              <a:t>8</a:t>
-            </a:r>
-            <a:r>
-              <a:rPr lang="en-US" altLang="zh-CN"/>
-              <a:t>- </a:t>
-            </a:r>
-            <a:fld id="{E95A284D-277C-4D1A-B155-53FFD9C89D0C}" type="slidenum">
-              <a:rPr lang="en-US" altLang="zh-CN"/>
-              <a:pPr/>
-              <a:t>34</a:t>
-            </a:fld>
-            <a:endParaRPr lang="en-CA" altLang="zh-CN">
-              <a:ea typeface="宋体" panose="02010600030101010101" pitchFamily="2" charset="-122"/>
-            </a:endParaRPr>
-          </a:p>
-        </p:txBody>
-      </p:sp>
-      <p:sp>
-        <p:nvSpPr>
           <p:cNvPr id="542722" name="Rectangle 2"/>
           <p:cNvSpPr>
             <a:spLocks noGrp="1" noChangeArrowheads="1"/>
@@ -27511,46 +25941,6 @@
       </p:grpSpPr>
       <p:sp>
         <p:nvSpPr>
-          <p:cNvPr id="4" name="灯片编号占位符 3"/>
-          <p:cNvSpPr>
-            <a:spLocks noGrp="1"/>
-          </p:cNvSpPr>
-          <p:nvPr>
-            <p:ph type="sldNum" sz="quarter" idx="10"/>
-          </p:nvPr>
-        </p:nvSpPr>
-        <p:spPr/>
-        <p:txBody>
-          <a:bodyPr/>
-          <a:lstStyle/>
-          <a:p>
-            <a:r>
-              <a:rPr lang="en-US" altLang="zh-CN"/>
-              <a:t>Slide </a:t>
-            </a:r>
-            <a:r>
-              <a:rPr lang="en-US" altLang="zh-CN">
-                <a:ea typeface="宋体" panose="02010600030101010101" pitchFamily="2" charset="-122"/>
-              </a:rPr>
-              <a:t>8</a:t>
-            </a:r>
-            <a:r>
-              <a:rPr lang="en-US" altLang="zh-CN"/>
-              <a:t>- </a:t>
-            </a:r>
-            <a:fld id="{B425BA5A-DE03-4399-A442-64FD1C83F405}" type="slidenum">
-              <a:rPr lang="en-US" altLang="zh-CN"/>
-              <a:pPr/>
-              <a:t>35</a:t>
-            </a:fld>
-            <a:endParaRPr lang="en-CA" altLang="zh-CN">
-              <a:ea typeface="宋体" panose="02010600030101010101" pitchFamily="2" charset="-122"/>
-            </a:endParaRPr>
-          </a:p>
-        </p:txBody>
-      </p:sp>
-      <p:sp>
-        <p:nvSpPr>
           <p:cNvPr id="543746" name="Rectangle 2"/>
           <p:cNvSpPr>
             <a:spLocks noGrp="1" noChangeArrowheads="1"/>
@@ -27814,46 +26204,6 @@
           <a:chExt cx="0" cy="0"/>
         </a:xfrm>
       </p:grpSpPr>
-      <p:sp>
-        <p:nvSpPr>
-          <p:cNvPr id="5" name="灯片编号占位符 3"/>
-          <p:cNvSpPr>
-            <a:spLocks noGrp="1"/>
-          </p:cNvSpPr>
-          <p:nvPr>
-            <p:ph type="sldNum" sz="quarter" idx="10"/>
-          </p:nvPr>
-        </p:nvSpPr>
-        <p:spPr/>
-        <p:txBody>
-          <a:bodyPr/>
-          <a:lstStyle/>
-          <a:p>
-            <a:r>
-              <a:rPr lang="en-US" altLang="zh-CN"/>
-              <a:t>Slide </a:t>
-            </a:r>
-            <a:r>
-              <a:rPr lang="en-US" altLang="zh-CN">
-                <a:ea typeface="宋体" panose="02010600030101010101" pitchFamily="2" charset="-122"/>
-              </a:rPr>
-              <a:t>8</a:t>
-            </a:r>
-            <a:r>
-              <a:rPr lang="en-US" altLang="zh-CN"/>
-              <a:t>- </a:t>
-            </a:r>
-            <a:fld id="{F9580ACB-7E0C-477A-93C9-0BC8F4FBE080}" type="slidenum">
-              <a:rPr lang="en-US" altLang="zh-CN"/>
-              <a:pPr/>
-              <a:t>36</a:t>
-            </a:fld>
-            <a:endParaRPr lang="en-CA" altLang="zh-CN">
-              <a:ea typeface="宋体" panose="02010600030101010101" pitchFamily="2" charset="-122"/>
-            </a:endParaRPr>
-          </a:p>
-        </p:txBody>
-      </p:sp>
       <p:sp>
         <p:nvSpPr>
           <p:cNvPr id="544770" name="Text Box 2">
@@ -28236,46 +26586,6 @@
       </p:grpSpPr>
       <p:sp>
         <p:nvSpPr>
-          <p:cNvPr id="4" name="灯片编号占位符 3"/>
-          <p:cNvSpPr>
-            <a:spLocks noGrp="1"/>
-          </p:cNvSpPr>
-          <p:nvPr>
-            <p:ph type="sldNum" sz="quarter" idx="10"/>
-          </p:nvPr>
-        </p:nvSpPr>
-        <p:spPr/>
-        <p:txBody>
-          <a:bodyPr/>
-          <a:lstStyle/>
-          <a:p>
-            <a:r>
-              <a:rPr lang="en-US" altLang="zh-CN"/>
-              <a:t>Slide </a:t>
-            </a:r>
-            <a:r>
-              <a:rPr lang="en-US" altLang="zh-CN">
-                <a:ea typeface="宋体" panose="02010600030101010101" pitchFamily="2" charset="-122"/>
-              </a:rPr>
-              <a:t>8</a:t>
-            </a:r>
-            <a:r>
-              <a:rPr lang="en-US" altLang="zh-CN"/>
-              <a:t>- </a:t>
-            </a:r>
-            <a:fld id="{FEB8318F-C182-4605-A090-6D2469D04F81}" type="slidenum">
-              <a:rPr lang="en-US" altLang="zh-CN"/>
-              <a:pPr/>
-              <a:t>37</a:t>
-            </a:fld>
-            <a:endParaRPr lang="en-CA" altLang="zh-CN">
-              <a:ea typeface="宋体" panose="02010600030101010101" pitchFamily="2" charset="-122"/>
-            </a:endParaRPr>
-          </a:p>
-        </p:txBody>
-      </p:sp>
-      <p:sp>
-        <p:nvSpPr>
           <p:cNvPr id="545794" name="Rectangle 2"/>
           <p:cNvSpPr>
             <a:spLocks noGrp="1" noChangeArrowheads="1"/>
@@ -28408,46 +26718,6 @@
       </p:grpSpPr>
       <p:sp>
         <p:nvSpPr>
-          <p:cNvPr id="4" name="灯片编号占位符 3"/>
-          <p:cNvSpPr>
-            <a:spLocks noGrp="1"/>
-          </p:cNvSpPr>
-          <p:nvPr>
-            <p:ph type="sldNum" sz="quarter" idx="10"/>
-          </p:nvPr>
-        </p:nvSpPr>
-        <p:spPr/>
-        <p:txBody>
-          <a:bodyPr/>
-          <a:lstStyle/>
-          <a:p>
-            <a:r>
-              <a:rPr lang="en-US" altLang="zh-CN"/>
-              <a:t>Slide </a:t>
-            </a:r>
-            <a:r>
-              <a:rPr lang="en-US" altLang="zh-CN">
-                <a:ea typeface="宋体" panose="02010600030101010101" pitchFamily="2" charset="-122"/>
-              </a:rPr>
-              <a:t>8</a:t>
-            </a:r>
-            <a:r>
-              <a:rPr lang="en-US" altLang="zh-CN"/>
-              <a:t>- </a:t>
-            </a:r>
-            <a:fld id="{E030C419-1F99-4246-A0A8-96FD3E2251C5}" type="slidenum">
-              <a:rPr lang="en-US" altLang="zh-CN"/>
-              <a:pPr/>
-              <a:t>38</a:t>
-            </a:fld>
-            <a:endParaRPr lang="en-CA" altLang="zh-CN">
-              <a:ea typeface="宋体" panose="02010600030101010101" pitchFamily="2" charset="-122"/>
-            </a:endParaRPr>
-          </a:p>
-        </p:txBody>
-      </p:sp>
-      <p:sp>
-        <p:nvSpPr>
           <p:cNvPr id="546818" name="Rectangle 2"/>
           <p:cNvSpPr>
             <a:spLocks noGrp="1" noChangeArrowheads="1"/>
@@ -28826,46 +27096,6 @@
           </a:p>
         </p:txBody>
       </p:sp>
-      <p:sp>
-        <p:nvSpPr>
-          <p:cNvPr id="4" name="灯片编号占位符 3"/>
-          <p:cNvSpPr>
-            <a:spLocks noGrp="1"/>
-          </p:cNvSpPr>
-          <p:nvPr>
-            <p:ph type="sldNum" sz="quarter" idx="10"/>
-          </p:nvPr>
-        </p:nvSpPr>
-        <p:spPr/>
-        <p:txBody>
-          <a:bodyPr/>
-          <a:lstStyle/>
-          <a:p>
-            <a:r>
-              <a:rPr lang="en-US" altLang="zh-CN" smtClean="0"/>
-              <a:t>Slide </a:t>
-            </a:r>
-            <a:r>
-              <a:rPr lang="en-US" altLang="zh-CN" smtClean="0">
-                <a:ea typeface="宋体" panose="02010600030101010101" pitchFamily="2" charset="-122"/>
-              </a:rPr>
-              <a:t>8</a:t>
-            </a:r>
-            <a:r>
-              <a:rPr lang="en-US" altLang="zh-CN" smtClean="0"/>
-              <a:t>- </a:t>
-            </a:r>
-            <a:fld id="{0794D501-7533-430A-91E4-69528585A3EF}" type="slidenum">
-              <a:rPr lang="en-US" altLang="zh-CN" smtClean="0"/>
-              <a:pPr/>
-              <a:t>39</a:t>
-            </a:fld>
-            <a:endParaRPr lang="en-CA" altLang="zh-CN">
-              <a:ea typeface="宋体" panose="02010600030101010101" pitchFamily="2" charset="-122"/>
-            </a:endParaRPr>
-          </a:p>
-        </p:txBody>
-      </p:sp>
     </p:spTree>
     <p:extLst>
       <p:ext uri="{BB962C8B-B14F-4D97-AF65-F5344CB8AC3E}">
@@ -28897,46 +27127,6 @@
           <a:chExt cx="0" cy="0"/>
         </a:xfrm>
       </p:grpSpPr>
-      <p:sp>
-        <p:nvSpPr>
-          <p:cNvPr id="4" name="灯片编号占位符 3"/>
-          <p:cNvSpPr>
-            <a:spLocks noGrp="1"/>
-          </p:cNvSpPr>
-          <p:nvPr>
-            <p:ph type="sldNum" sz="quarter" idx="10"/>
-          </p:nvPr>
-        </p:nvSpPr>
-        <p:spPr/>
-        <p:txBody>
-          <a:bodyPr/>
-          <a:lstStyle/>
-          <a:p>
-            <a:r>
-              <a:rPr lang="en-US" altLang="zh-CN"/>
-              <a:t>Slide </a:t>
-            </a:r>
-            <a:r>
-              <a:rPr lang="en-US" altLang="zh-CN">
-                <a:ea typeface="宋体" panose="02010600030101010101" pitchFamily="2" charset="-122"/>
-              </a:rPr>
-              <a:t>8</a:t>
-            </a:r>
-            <a:r>
-              <a:rPr lang="en-US" altLang="zh-CN"/>
-              <a:t>- </a:t>
-            </a:r>
-            <a:fld id="{20126A0B-E129-4AA9-A1F6-E36D10EC538C}" type="slidenum">
-              <a:rPr lang="en-US" altLang="zh-CN"/>
-              <a:pPr/>
-              <a:t>4</a:t>
-            </a:fld>
-            <a:endParaRPr lang="en-CA" altLang="zh-CN">
-              <a:ea typeface="宋体" panose="02010600030101010101" pitchFamily="2" charset="-122"/>
-            </a:endParaRPr>
-          </a:p>
-        </p:txBody>
-      </p:sp>
       <p:sp>
         <p:nvSpPr>
           <p:cNvPr id="512002" name="Rectangle 2"/>
@@ -29510,25 +27700,15 @@
           <a:lstStyle/>
           <a:p>
             <a:r>
-              <a:rPr lang="en-US" altLang="zh-CN" smtClean="0"/>
-              <a:t>Slide </a:t>
-            </a:r>
-            <a:r>
-              <a:rPr lang="en-US" altLang="zh-CN" smtClean="0">
-                <a:ea typeface="宋体" panose="02010600030101010101" pitchFamily="2" charset="-122"/>
-              </a:rPr>
-              <a:t>8</a:t>
-            </a:r>
-            <a:r>
-              <a:rPr lang="en-US" altLang="zh-CN" smtClean="0"/>
-              <a:t>- </a:t>
+              <a:rPr lang="en-US" altLang="zh-CN" dirty="0" smtClean="0"/>
+              <a:t>Slide 11- </a:t>
             </a:r>
             <a:fld id="{0794D501-7533-430A-91E4-69528585A3EF}" type="slidenum">
               <a:rPr lang="en-US" altLang="zh-CN" smtClean="0"/>
               <a:pPr/>
               <a:t>40</a:t>
             </a:fld>
-            <a:endParaRPr lang="en-CA" altLang="zh-CN">
+            <a:endParaRPr lang="en-CA" altLang="zh-CN" dirty="0">
               <a:ea typeface="宋体" panose="02010600030101010101" pitchFamily="2" charset="-122"/>
             </a:endParaRPr>
           </a:p>
@@ -29648,46 +27828,6 @@
       </p:grpSpPr>
       <p:sp>
         <p:nvSpPr>
-          <p:cNvPr id="4" name="灯片编号占位符 3"/>
-          <p:cNvSpPr>
-            <a:spLocks noGrp="1"/>
-          </p:cNvSpPr>
-          <p:nvPr>
-            <p:ph type="sldNum" sz="quarter" idx="10"/>
-          </p:nvPr>
-        </p:nvSpPr>
-        <p:spPr/>
-        <p:txBody>
-          <a:bodyPr/>
-          <a:lstStyle/>
-          <a:p>
-            <a:r>
-              <a:rPr lang="en-US" altLang="zh-CN"/>
-              <a:t>Slide </a:t>
-            </a:r>
-            <a:r>
-              <a:rPr lang="en-US" altLang="zh-CN">
-                <a:ea typeface="宋体" panose="02010600030101010101" pitchFamily="2" charset="-122"/>
-              </a:rPr>
-              <a:t>8</a:t>
-            </a:r>
-            <a:r>
-              <a:rPr lang="en-US" altLang="zh-CN"/>
-              <a:t>- </a:t>
-            </a:r>
-            <a:fld id="{2E7647E8-5F92-48EF-9E34-2D2FBB50E146}" type="slidenum">
-              <a:rPr lang="en-US" altLang="zh-CN"/>
-              <a:pPr/>
-              <a:t>42</a:t>
-            </a:fld>
-            <a:endParaRPr lang="en-CA" altLang="zh-CN">
-              <a:ea typeface="宋体" panose="02010600030101010101" pitchFamily="2" charset="-122"/>
-            </a:endParaRPr>
-          </a:p>
-        </p:txBody>
-      </p:sp>
-      <p:sp>
-        <p:nvSpPr>
           <p:cNvPr id="547843" name="Rectangle 3"/>
           <p:cNvSpPr>
             <a:spLocks noGrp="1" noChangeArrowheads="1"/>
@@ -29865,46 +28005,6 @@
       </p:grpSpPr>
       <p:sp>
         <p:nvSpPr>
-          <p:cNvPr id="4" name="灯片编号占位符 3"/>
-          <p:cNvSpPr>
-            <a:spLocks noGrp="1"/>
-          </p:cNvSpPr>
-          <p:nvPr>
-            <p:ph type="sldNum" sz="quarter" idx="10"/>
-          </p:nvPr>
-        </p:nvSpPr>
-        <p:spPr/>
-        <p:txBody>
-          <a:bodyPr/>
-          <a:lstStyle/>
-          <a:p>
-            <a:r>
-              <a:rPr lang="en-US" altLang="zh-CN"/>
-              <a:t>Slide </a:t>
-            </a:r>
-            <a:r>
-              <a:rPr lang="en-US" altLang="zh-CN">
-                <a:ea typeface="宋体" panose="02010600030101010101" pitchFamily="2" charset="-122"/>
-              </a:rPr>
-              <a:t>8</a:t>
-            </a:r>
-            <a:r>
-              <a:rPr lang="en-US" altLang="zh-CN"/>
-              <a:t>- </a:t>
-            </a:r>
-            <a:fld id="{05EE101D-79B9-4972-8581-6136645CF477}" type="slidenum">
-              <a:rPr lang="en-US" altLang="zh-CN"/>
-              <a:pPr/>
-              <a:t>43</a:t>
-            </a:fld>
-            <a:endParaRPr lang="en-CA" altLang="zh-CN">
-              <a:ea typeface="宋体" panose="02010600030101010101" pitchFamily="2" charset="-122"/>
-            </a:endParaRPr>
-          </a:p>
-        </p:txBody>
-      </p:sp>
-      <p:sp>
-        <p:nvSpPr>
           <p:cNvPr id="548866" name="Rectangle 2"/>
           <p:cNvSpPr>
             <a:spLocks noGrp="1" noChangeArrowheads="1"/>
@@ -30059,46 +28159,6 @@
       </p:grpSpPr>
       <p:sp>
         <p:nvSpPr>
-          <p:cNvPr id="4" name="灯片编号占位符 3"/>
-          <p:cNvSpPr>
-            <a:spLocks noGrp="1"/>
-          </p:cNvSpPr>
-          <p:nvPr>
-            <p:ph type="sldNum" sz="quarter" idx="10"/>
-          </p:nvPr>
-        </p:nvSpPr>
-        <p:spPr/>
-        <p:txBody>
-          <a:bodyPr/>
-          <a:lstStyle/>
-          <a:p>
-            <a:r>
-              <a:rPr lang="en-US" altLang="zh-CN"/>
-              <a:t>Slide </a:t>
-            </a:r>
-            <a:r>
-              <a:rPr lang="en-US" altLang="zh-CN">
-                <a:ea typeface="宋体" panose="02010600030101010101" pitchFamily="2" charset="-122"/>
-              </a:rPr>
-              <a:t>8</a:t>
-            </a:r>
-            <a:r>
-              <a:rPr lang="en-US" altLang="zh-CN"/>
-              <a:t>- </a:t>
-            </a:r>
-            <a:fld id="{68CC0702-53E7-485D-8489-0446D4C83373}" type="slidenum">
-              <a:rPr lang="en-US" altLang="zh-CN"/>
-              <a:pPr/>
-              <a:t>44</a:t>
-            </a:fld>
-            <a:endParaRPr lang="en-CA" altLang="zh-CN">
-              <a:ea typeface="宋体" panose="02010600030101010101" pitchFamily="2" charset="-122"/>
-            </a:endParaRPr>
-          </a:p>
-        </p:txBody>
-      </p:sp>
-      <p:sp>
-        <p:nvSpPr>
           <p:cNvPr id="549890" name="Rectangle 2"/>
           <p:cNvSpPr>
             <a:spLocks noGrp="1" noChangeArrowheads="1"/>
@@ -30569,46 +28629,6 @@
           </a:p>
         </p:txBody>
       </p:sp>
-      <p:sp>
-        <p:nvSpPr>
-          <p:cNvPr id="4" name="灯片编号占位符 3"/>
-          <p:cNvSpPr>
-            <a:spLocks noGrp="1"/>
-          </p:cNvSpPr>
-          <p:nvPr>
-            <p:ph type="sldNum" sz="quarter" idx="10"/>
-          </p:nvPr>
-        </p:nvSpPr>
-        <p:spPr/>
-        <p:txBody>
-          <a:bodyPr/>
-          <a:lstStyle/>
-          <a:p>
-            <a:r>
-              <a:rPr lang="en-US" altLang="zh-CN" smtClean="0"/>
-              <a:t>Slide </a:t>
-            </a:r>
-            <a:r>
-              <a:rPr lang="en-US" altLang="zh-CN" smtClean="0">
-                <a:ea typeface="宋体" panose="02010600030101010101" pitchFamily="2" charset="-122"/>
-              </a:rPr>
-              <a:t>8</a:t>
-            </a:r>
-            <a:r>
-              <a:rPr lang="en-US" altLang="zh-CN" smtClean="0"/>
-              <a:t>- </a:t>
-            </a:r>
-            <a:fld id="{0794D501-7533-430A-91E4-69528585A3EF}" type="slidenum">
-              <a:rPr lang="en-US" altLang="zh-CN" smtClean="0"/>
-              <a:pPr/>
-              <a:t>45</a:t>
-            </a:fld>
-            <a:endParaRPr lang="en-CA" altLang="zh-CN">
-              <a:ea typeface="宋体" panose="02010600030101010101" pitchFamily="2" charset="-122"/>
-            </a:endParaRPr>
-          </a:p>
-        </p:txBody>
-      </p:sp>
     </p:spTree>
     <p:extLst>
       <p:ext uri="{BB962C8B-B14F-4D97-AF65-F5344CB8AC3E}">
@@ -30640,46 +28660,6 @@
           <a:chExt cx="0" cy="0"/>
         </a:xfrm>
       </p:grpSpPr>
-      <p:sp>
-        <p:nvSpPr>
-          <p:cNvPr id="4" name="灯片编号占位符 3"/>
-          <p:cNvSpPr>
-            <a:spLocks noGrp="1"/>
-          </p:cNvSpPr>
-          <p:nvPr>
-            <p:ph type="sldNum" sz="quarter" idx="10"/>
-          </p:nvPr>
-        </p:nvSpPr>
-        <p:spPr/>
-        <p:txBody>
-          <a:bodyPr/>
-          <a:lstStyle/>
-          <a:p>
-            <a:r>
-              <a:rPr lang="en-US" altLang="zh-CN"/>
-              <a:t>Slide </a:t>
-            </a:r>
-            <a:r>
-              <a:rPr lang="en-US" altLang="zh-CN">
-                <a:ea typeface="宋体" panose="02010600030101010101" pitchFamily="2" charset="-122"/>
-              </a:rPr>
-              <a:t>8</a:t>
-            </a:r>
-            <a:r>
-              <a:rPr lang="en-US" altLang="zh-CN"/>
-              <a:t>- </a:t>
-            </a:r>
-            <a:fld id="{0102D201-75D8-4225-A191-0BCBE6FF5FA7}" type="slidenum">
-              <a:rPr lang="en-US" altLang="zh-CN"/>
-              <a:pPr/>
-              <a:t>46</a:t>
-            </a:fld>
-            <a:endParaRPr lang="en-CA" altLang="zh-CN">
-              <a:ea typeface="宋体" panose="02010600030101010101" pitchFamily="2" charset="-122"/>
-            </a:endParaRPr>
-          </a:p>
-        </p:txBody>
-      </p:sp>
       <p:sp>
         <p:nvSpPr>
           <p:cNvPr id="550914" name="Rectangle 2"/>
@@ -30887,46 +28867,6 @@
               <a:rPr lang="en-US" altLang="zh-CN" dirty="0"/>
               <a:t>+  and = =  is demonstrated in                         </a:t>
             </a:r>
-          </a:p>
-        </p:txBody>
-      </p:sp>
-      <p:sp>
-        <p:nvSpPr>
-          <p:cNvPr id="6" name="灯片编号占位符 3"/>
-          <p:cNvSpPr>
-            <a:spLocks noGrp="1"/>
-          </p:cNvSpPr>
-          <p:nvPr>
-            <p:ph type="sldNum" sz="quarter" idx="10"/>
-          </p:nvPr>
-        </p:nvSpPr>
-        <p:spPr/>
-        <p:txBody>
-          <a:bodyPr/>
-          <a:lstStyle/>
-          <a:p>
-            <a:r>
-              <a:rPr lang="en-US" altLang="zh-CN"/>
-              <a:t>Slide </a:t>
-            </a:r>
-            <a:r>
-              <a:rPr lang="en-US" altLang="zh-CN">
-                <a:ea typeface="宋体" panose="02010600030101010101" pitchFamily="2" charset="-122"/>
-              </a:rPr>
-              <a:t>8</a:t>
-            </a:r>
-            <a:r>
-              <a:rPr lang="en-US" altLang="zh-CN"/>
-              <a:t>- </a:t>
-            </a:r>
-            <a:fld id="{EEA45802-8836-4F17-A929-94B9E62C4AC6}" type="slidenum">
-              <a:rPr lang="en-US" altLang="zh-CN"/>
-              <a:pPr/>
-              <a:t>47</a:t>
-            </a:fld>
-            <a:endParaRPr lang="en-CA" altLang="zh-CN">
-              <a:ea typeface="宋体" panose="02010600030101010101" pitchFamily="2" charset="-122"/>
-            </a:endParaRPr>
           </a:p>
         </p:txBody>
       </p:sp>
@@ -31378,46 +29318,6 @@
       </p:grpSpPr>
       <p:sp>
         <p:nvSpPr>
-          <p:cNvPr id="4" name="灯片编号占位符 3"/>
-          <p:cNvSpPr>
-            <a:spLocks noGrp="1"/>
-          </p:cNvSpPr>
-          <p:nvPr>
-            <p:ph type="sldNum" sz="quarter" idx="10"/>
-          </p:nvPr>
-        </p:nvSpPr>
-        <p:spPr/>
-        <p:txBody>
-          <a:bodyPr/>
-          <a:lstStyle/>
-          <a:p>
-            <a:r>
-              <a:rPr lang="en-US" altLang="zh-CN"/>
-              <a:t>Slide </a:t>
-            </a:r>
-            <a:r>
-              <a:rPr lang="en-US" altLang="zh-CN">
-                <a:ea typeface="宋体" panose="02010600030101010101" pitchFamily="2" charset="-122"/>
-              </a:rPr>
-              <a:t>8</a:t>
-            </a:r>
-            <a:r>
-              <a:rPr lang="en-US" altLang="zh-CN"/>
-              <a:t>- </a:t>
-            </a:r>
-            <a:fld id="{71897244-ED84-408C-B879-96038F3F8589}" type="slidenum">
-              <a:rPr lang="en-US" altLang="zh-CN"/>
-              <a:pPr/>
-              <a:t>48</a:t>
-            </a:fld>
-            <a:endParaRPr lang="en-CA" altLang="zh-CN">
-              <a:ea typeface="宋体" panose="02010600030101010101" pitchFamily="2" charset="-122"/>
-            </a:endParaRPr>
-          </a:p>
-        </p:txBody>
-      </p:sp>
-      <p:sp>
-        <p:nvSpPr>
           <p:cNvPr id="552962" name="Rectangle 2"/>
           <p:cNvSpPr>
             <a:spLocks noGrp="1" noChangeArrowheads="1"/>
@@ -31581,25 +29481,15 @@
           <a:lstStyle/>
           <a:p>
             <a:r>
-              <a:rPr lang="en-US" altLang="zh-CN"/>
-              <a:t>Slide </a:t>
-            </a:r>
-            <a:r>
-              <a:rPr lang="en-US" altLang="zh-CN">
-                <a:ea typeface="宋体" panose="02010600030101010101" pitchFamily="2" charset="-122"/>
-              </a:rPr>
-              <a:t>8</a:t>
-            </a:r>
-            <a:r>
-              <a:rPr lang="en-US" altLang="zh-CN"/>
-              <a:t>- </a:t>
+              <a:rPr lang="en-US" altLang="zh-CN" dirty="0" smtClean="0"/>
+              <a:t>Slide 11- </a:t>
             </a:r>
             <a:fld id="{2171541F-F89A-4062-BB0C-31DA4B9AAB25}" type="slidenum">
-              <a:rPr lang="en-US" altLang="zh-CN"/>
+              <a:rPr lang="en-US" altLang="zh-CN" smtClean="0"/>
               <a:pPr/>
               <a:t>49</a:t>
             </a:fld>
-            <a:endParaRPr lang="en-CA" altLang="zh-CN">
+            <a:endParaRPr lang="en-CA" altLang="zh-CN" dirty="0">
               <a:ea typeface="宋体" panose="02010600030101010101" pitchFamily="2" charset="-122"/>
             </a:endParaRPr>
           </a:p>
@@ -31916,25 +29806,15 @@
           <a:lstStyle/>
           <a:p>
             <a:r>
-              <a:rPr lang="en-US" altLang="zh-CN"/>
-              <a:t>Slide </a:t>
-            </a:r>
-            <a:r>
-              <a:rPr lang="en-US" altLang="zh-CN">
-                <a:ea typeface="宋体" panose="02010600030101010101" pitchFamily="2" charset="-122"/>
-              </a:rPr>
-              <a:t>8</a:t>
-            </a:r>
-            <a:r>
-              <a:rPr lang="en-US" altLang="zh-CN"/>
-              <a:t>- </a:t>
+              <a:rPr lang="en-US" altLang="zh-CN" dirty="0" smtClean="0"/>
+              <a:t>Slide 11- </a:t>
             </a:r>
             <a:fld id="{E6AF3342-3A07-474B-9053-6DBC5CF05B7E}" type="slidenum">
-              <a:rPr lang="en-US" altLang="zh-CN"/>
+              <a:rPr lang="en-US" altLang="zh-CN" smtClean="0"/>
               <a:pPr/>
               <a:t>50</a:t>
             </a:fld>
-            <a:endParaRPr lang="en-CA" altLang="zh-CN">
+            <a:endParaRPr lang="en-CA" altLang="zh-CN" dirty="0">
               <a:ea typeface="宋体" panose="02010600030101010101" pitchFamily="2" charset="-122"/>
             </a:endParaRPr>
           </a:p>
@@ -32085,25 +29965,15 @@
           <a:lstStyle/>
           <a:p>
             <a:r>
-              <a:rPr lang="en-US" altLang="zh-CN"/>
-              <a:t>Slide </a:t>
-            </a:r>
-            <a:r>
-              <a:rPr lang="en-US" altLang="zh-CN">
-                <a:ea typeface="宋体" panose="02010600030101010101" pitchFamily="2" charset="-122"/>
-              </a:rPr>
-              <a:t>8</a:t>
-            </a:r>
-            <a:r>
-              <a:rPr lang="en-US" altLang="zh-CN"/>
-              <a:t>- </a:t>
+              <a:rPr lang="en-US" altLang="zh-CN" dirty="0" smtClean="0"/>
+              <a:t>Slide 11- </a:t>
             </a:r>
             <a:fld id="{CE81BB40-FEAF-4D98-BF33-B1261863D7BF}" type="slidenum">
-              <a:rPr lang="en-US" altLang="zh-CN"/>
+              <a:rPr lang="en-US" altLang="zh-CN" smtClean="0"/>
               <a:pPr/>
               <a:t>51</a:t>
             </a:fld>
-            <a:endParaRPr lang="en-CA" altLang="zh-CN">
+            <a:endParaRPr lang="en-CA" altLang="zh-CN" dirty="0">
               <a:ea typeface="宋体" panose="02010600030101010101" pitchFamily="2" charset="-122"/>
             </a:endParaRPr>
           </a:p>
@@ -32322,25 +30192,15 @@
           <a:lstStyle/>
           <a:p>
             <a:r>
-              <a:rPr lang="en-US" altLang="zh-CN"/>
-              <a:t>Slide </a:t>
-            </a:r>
-            <a:r>
-              <a:rPr lang="en-US" altLang="zh-CN">
-                <a:ea typeface="宋体" panose="02010600030101010101" pitchFamily="2" charset="-122"/>
-              </a:rPr>
-              <a:t>8</a:t>
-            </a:r>
-            <a:r>
-              <a:rPr lang="en-US" altLang="zh-CN"/>
-              <a:t>- </a:t>
+              <a:rPr lang="en-US" altLang="zh-CN" dirty="0" smtClean="0"/>
+              <a:t>Slide 11- </a:t>
             </a:r>
             <a:fld id="{ACC8D884-A5A4-4438-ADB6-69540D810BB3}" type="slidenum">
-              <a:rPr lang="en-US" altLang="zh-CN"/>
+              <a:rPr lang="en-US" altLang="zh-CN" smtClean="0"/>
               <a:pPr/>
               <a:t>52</a:t>
             </a:fld>
-            <a:endParaRPr lang="en-CA" altLang="zh-CN">
+            <a:endParaRPr lang="en-CA" altLang="zh-CN" dirty="0">
               <a:ea typeface="宋体" panose="02010600030101010101" pitchFamily="2" charset="-122"/>
             </a:endParaRPr>
           </a:p>
@@ -32577,25 +30437,15 @@
           <a:lstStyle/>
           <a:p>
             <a:r>
-              <a:rPr lang="en-US" altLang="zh-CN"/>
-              <a:t>Slide </a:t>
-            </a:r>
-            <a:r>
-              <a:rPr lang="en-US" altLang="zh-CN">
-                <a:ea typeface="宋体" panose="02010600030101010101" pitchFamily="2" charset="-122"/>
-              </a:rPr>
-              <a:t>8</a:t>
-            </a:r>
-            <a:r>
-              <a:rPr lang="en-US" altLang="zh-CN"/>
-              <a:t>- </a:t>
+              <a:rPr lang="en-US" altLang="zh-CN" dirty="0" smtClean="0"/>
+              <a:t>Slide 11- </a:t>
             </a:r>
             <a:fld id="{533770D6-F1B3-42C4-9DAB-F91812BEE537}" type="slidenum">
-              <a:rPr lang="en-US" altLang="zh-CN"/>
+              <a:rPr lang="en-US" altLang="zh-CN" smtClean="0"/>
               <a:pPr/>
               <a:t>53</a:t>
             </a:fld>
-            <a:endParaRPr lang="en-CA" altLang="zh-CN">
+            <a:endParaRPr lang="en-CA" altLang="zh-CN" dirty="0">
               <a:ea typeface="宋体" panose="02010600030101010101" pitchFamily="2" charset="-122"/>
             </a:endParaRPr>
           </a:p>
@@ -32760,25 +30610,15 @@
           <a:lstStyle/>
           <a:p>
             <a:r>
-              <a:rPr lang="en-US" altLang="zh-CN"/>
-              <a:t>Slide </a:t>
-            </a:r>
-            <a:r>
-              <a:rPr lang="en-US" altLang="zh-CN">
-                <a:ea typeface="宋体" panose="02010600030101010101" pitchFamily="2" charset="-122"/>
-              </a:rPr>
-              <a:t>8</a:t>
-            </a:r>
-            <a:r>
-              <a:rPr lang="en-US" altLang="zh-CN"/>
-              <a:t>- </a:t>
+              <a:rPr lang="en-US" altLang="zh-CN" dirty="0" smtClean="0"/>
+              <a:t>Slide 11- </a:t>
             </a:r>
             <a:fld id="{28312AD1-4E93-4AB5-8F55-C2032645FFAC}" type="slidenum">
-              <a:rPr lang="en-US" altLang="zh-CN"/>
+              <a:rPr lang="en-US" altLang="zh-CN" smtClean="0"/>
               <a:pPr/>
               <a:t>54</a:t>
             </a:fld>
-            <a:endParaRPr lang="en-CA" altLang="zh-CN">
+            <a:endParaRPr lang="en-CA" altLang="zh-CN" dirty="0">
               <a:ea typeface="宋体" panose="02010600030101010101" pitchFamily="2" charset="-122"/>
             </a:endParaRPr>
           </a:p>
@@ -33160,25 +31000,15 @@
           <a:lstStyle/>
           <a:p>
             <a:r>
-              <a:rPr lang="en-US" altLang="zh-CN"/>
-              <a:t>Slide </a:t>
-            </a:r>
-            <a:r>
-              <a:rPr lang="en-US" altLang="zh-CN">
-                <a:ea typeface="宋体" panose="02010600030101010101" pitchFamily="2" charset="-122"/>
-              </a:rPr>
-              <a:t>8</a:t>
-            </a:r>
-            <a:r>
-              <a:rPr lang="en-US" altLang="zh-CN"/>
-              <a:t>- </a:t>
+              <a:rPr lang="en-US" altLang="zh-CN" dirty="0" smtClean="0"/>
+              <a:t>Slide 11- </a:t>
             </a:r>
             <a:fld id="{149F2718-C72C-43C4-AF07-9CE0C1566032}" type="slidenum">
-              <a:rPr lang="en-US" altLang="zh-CN"/>
+              <a:rPr lang="en-US" altLang="zh-CN" smtClean="0"/>
               <a:pPr/>
               <a:t>55</a:t>
             </a:fld>
-            <a:endParaRPr lang="en-CA" altLang="zh-CN">
+            <a:endParaRPr lang="en-CA" altLang="zh-CN" dirty="0">
               <a:ea typeface="宋体" panose="02010600030101010101" pitchFamily="2" charset="-122"/>
             </a:endParaRPr>
           </a:p>
@@ -33767,25 +31597,15 @@
           <a:lstStyle/>
           <a:p>
             <a:r>
-              <a:rPr lang="en-US" altLang="zh-CN"/>
-              <a:t>Slide </a:t>
-            </a:r>
-            <a:r>
-              <a:rPr lang="en-US" altLang="zh-CN">
-                <a:ea typeface="宋体" panose="02010600030101010101" pitchFamily="2" charset="-122"/>
-              </a:rPr>
-              <a:t>8</a:t>
-            </a:r>
-            <a:r>
-              <a:rPr lang="en-US" altLang="zh-CN"/>
-              <a:t>- </a:t>
+              <a:rPr lang="en-US" altLang="zh-CN" dirty="0" smtClean="0"/>
+              <a:t>Slide 11- </a:t>
             </a:r>
             <a:fld id="{E648555C-13FC-4A82-ADB0-03D3DD0D98D8}" type="slidenum">
-              <a:rPr lang="en-US" altLang="zh-CN"/>
+              <a:rPr lang="en-US" altLang="zh-CN" smtClean="0"/>
               <a:pPr/>
               <a:t>56</a:t>
             </a:fld>
-            <a:endParaRPr lang="en-CA" altLang="zh-CN">
+            <a:endParaRPr lang="en-CA" altLang="zh-CN" dirty="0">
               <a:ea typeface="宋体" panose="02010600030101010101" pitchFamily="2" charset="-122"/>
             </a:endParaRPr>
           </a:p>
@@ -34179,25 +31999,15 @@
           <a:lstStyle/>
           <a:p>
             <a:r>
-              <a:rPr lang="en-US" altLang="zh-CN"/>
-              <a:t>Slide </a:t>
-            </a:r>
-            <a:r>
-              <a:rPr lang="en-US" altLang="zh-CN">
-                <a:ea typeface="宋体" panose="02010600030101010101" pitchFamily="2" charset="-122"/>
-              </a:rPr>
-              <a:t>8</a:t>
-            </a:r>
-            <a:r>
-              <a:rPr lang="en-US" altLang="zh-CN"/>
-              <a:t>- </a:t>
+              <a:rPr lang="en-US" altLang="zh-CN" dirty="0" smtClean="0"/>
+              <a:t>Slide 11- </a:t>
             </a:r>
             <a:fld id="{B261A834-6A0B-492C-BAFA-25CB82AD1A60}" type="slidenum">
-              <a:rPr lang="en-US" altLang="zh-CN"/>
+              <a:rPr lang="en-US" altLang="zh-CN" smtClean="0"/>
               <a:pPr/>
               <a:t>57</a:t>
             </a:fld>
-            <a:endParaRPr lang="en-CA" altLang="zh-CN">
+            <a:endParaRPr lang="en-CA" altLang="zh-CN" dirty="0">
               <a:ea typeface="宋体" panose="02010600030101010101" pitchFamily="2" charset="-122"/>
             </a:endParaRPr>
           </a:p>
@@ -34478,25 +32288,15 @@
           <a:lstStyle/>
           <a:p>
             <a:r>
-              <a:rPr lang="en-US" altLang="zh-CN"/>
-              <a:t>Slide </a:t>
-            </a:r>
-            <a:r>
-              <a:rPr lang="en-US" altLang="zh-CN">
-                <a:ea typeface="宋体" panose="02010600030101010101" pitchFamily="2" charset="-122"/>
-              </a:rPr>
-              <a:t>8</a:t>
-            </a:r>
-            <a:r>
-              <a:rPr lang="en-US" altLang="zh-CN"/>
-              <a:t>- </a:t>
+              <a:rPr lang="en-US" altLang="zh-CN" dirty="0" smtClean="0"/>
+              <a:t>Slide 11- </a:t>
             </a:r>
             <a:fld id="{165DFEE8-DCFA-453B-95CC-DF774B7738B0}" type="slidenum">
-              <a:rPr lang="en-US" altLang="zh-CN"/>
+              <a:rPr lang="en-US" altLang="zh-CN" smtClean="0"/>
               <a:pPr/>
               <a:t>58</a:t>
             </a:fld>
-            <a:endParaRPr lang="en-CA" altLang="zh-CN">
+            <a:endParaRPr lang="en-CA" altLang="zh-CN" dirty="0">
               <a:ea typeface="宋体" panose="02010600030101010101" pitchFamily="2" charset="-122"/>
             </a:endParaRPr>
           </a:p>
@@ -34796,25 +32596,15 @@
           <a:lstStyle/>
           <a:p>
             <a:r>
-              <a:rPr lang="en-US" altLang="zh-CN"/>
-              <a:t>Slide </a:t>
-            </a:r>
-            <a:r>
-              <a:rPr lang="en-US" altLang="zh-CN">
-                <a:ea typeface="宋体" panose="02010600030101010101" pitchFamily="2" charset="-122"/>
-              </a:rPr>
-              <a:t>8</a:t>
-            </a:r>
-            <a:r>
-              <a:rPr lang="en-US" altLang="zh-CN"/>
-              <a:t>- </a:t>
+              <a:rPr lang="en-US" altLang="zh-CN" dirty="0" smtClean="0"/>
+              <a:t>Slide 11- </a:t>
             </a:r>
             <a:fld id="{772E5CDD-DAC1-4FB8-8E11-C689F6E47DD3}" type="slidenum">
-              <a:rPr lang="en-US" altLang="zh-CN"/>
+              <a:rPr lang="en-US" altLang="zh-CN" smtClean="0"/>
               <a:pPr/>
               <a:t>59</a:t>
             </a:fld>
-            <a:endParaRPr lang="en-CA" altLang="zh-CN">
+            <a:endParaRPr lang="en-CA" altLang="zh-CN" dirty="0">
               <a:ea typeface="宋体" panose="02010600030101010101" pitchFamily="2" charset="-122"/>
             </a:endParaRPr>
           </a:p>
@@ -35166,46 +32956,6 @@
       </p:grpSpPr>
       <p:sp>
         <p:nvSpPr>
-          <p:cNvPr id="4" name="灯片编号占位符 3"/>
-          <p:cNvSpPr>
-            <a:spLocks noGrp="1"/>
-          </p:cNvSpPr>
-          <p:nvPr>
-            <p:ph type="sldNum" sz="quarter" idx="10"/>
-          </p:nvPr>
-        </p:nvSpPr>
-        <p:spPr/>
-        <p:txBody>
-          <a:bodyPr/>
-          <a:lstStyle/>
-          <a:p>
-            <a:r>
-              <a:rPr lang="en-US" altLang="zh-CN"/>
-              <a:t>Slide </a:t>
-            </a:r>
-            <a:r>
-              <a:rPr lang="en-US" altLang="zh-CN">
-                <a:ea typeface="宋体" panose="02010600030101010101" pitchFamily="2" charset="-122"/>
-              </a:rPr>
-              <a:t>8</a:t>
-            </a:r>
-            <a:r>
-              <a:rPr lang="en-US" altLang="zh-CN"/>
-              <a:t>- </a:t>
-            </a:r>
-            <a:fld id="{128A1E99-DD88-4F44-A2D8-5F17843714CB}" type="slidenum">
-              <a:rPr lang="en-US" altLang="zh-CN"/>
-              <a:pPr/>
-              <a:t>6</a:t>
-            </a:fld>
-            <a:endParaRPr lang="en-CA" altLang="zh-CN">
-              <a:ea typeface="宋体" panose="02010600030101010101" pitchFamily="2" charset="-122"/>
-            </a:endParaRPr>
-          </a:p>
-        </p:txBody>
-      </p:sp>
-      <p:sp>
-        <p:nvSpPr>
           <p:cNvPr id="516099" name="Rectangle 3"/>
           <p:cNvSpPr>
             <a:spLocks noGrp="1" noChangeArrowheads="1"/>
@@ -35329,25 +33079,15 @@
           <a:lstStyle/>
           <a:p>
             <a:r>
-              <a:rPr lang="en-US" altLang="zh-CN"/>
-              <a:t>Slide </a:t>
-            </a:r>
-            <a:r>
-              <a:rPr lang="en-US" altLang="zh-CN">
-                <a:ea typeface="宋体" panose="02010600030101010101" pitchFamily="2" charset="-122"/>
-              </a:rPr>
-              <a:t>8</a:t>
-            </a:r>
-            <a:r>
-              <a:rPr lang="en-US" altLang="zh-CN"/>
-              <a:t>- </a:t>
+              <a:rPr lang="en-US" altLang="zh-CN" dirty="0" smtClean="0"/>
+              <a:t>Slide 11- </a:t>
             </a:r>
             <a:fld id="{424F151D-A035-440F-A65F-6B6D2D616A40}" type="slidenum">
-              <a:rPr lang="en-US" altLang="zh-CN"/>
+              <a:rPr lang="en-US" altLang="zh-CN" smtClean="0"/>
               <a:pPr/>
               <a:t>60</a:t>
             </a:fld>
-            <a:endParaRPr lang="en-CA" altLang="zh-CN">
+            <a:endParaRPr lang="en-CA" altLang="zh-CN" dirty="0">
               <a:ea typeface="宋体" panose="02010600030101010101" pitchFamily="2" charset="-122"/>
             </a:endParaRPr>
           </a:p>
@@ -35808,25 +33548,15 @@
           <a:lstStyle/>
           <a:p>
             <a:r>
-              <a:rPr lang="en-US" altLang="zh-CN"/>
-              <a:t>Slide </a:t>
-            </a:r>
-            <a:r>
-              <a:rPr lang="en-US" altLang="zh-CN">
-                <a:ea typeface="宋体" panose="02010600030101010101" pitchFamily="2" charset="-122"/>
-              </a:rPr>
-              <a:t>8</a:t>
-            </a:r>
-            <a:r>
-              <a:rPr lang="en-US" altLang="zh-CN"/>
-              <a:t>- </a:t>
+              <a:rPr lang="en-US" altLang="zh-CN" dirty="0" smtClean="0"/>
+              <a:t>Slide 11- </a:t>
             </a:r>
             <a:fld id="{9B4DA05D-B414-4F38-BAC3-C302CEF3EBFA}" type="slidenum">
-              <a:rPr lang="en-US" altLang="zh-CN"/>
+              <a:rPr lang="en-US" altLang="zh-CN" smtClean="0"/>
               <a:pPr/>
               <a:t>61</a:t>
             </a:fld>
-            <a:endParaRPr lang="en-CA" altLang="zh-CN">
+            <a:endParaRPr lang="en-CA" altLang="zh-CN" dirty="0">
               <a:ea typeface="宋体" panose="02010600030101010101" pitchFamily="2" charset="-122"/>
             </a:endParaRPr>
           </a:p>
@@ -36162,25 +33892,15 @@
           <a:lstStyle/>
           <a:p>
             <a:r>
-              <a:rPr lang="en-US" altLang="zh-CN" smtClean="0"/>
-              <a:t>Slide </a:t>
-            </a:r>
-            <a:r>
-              <a:rPr lang="en-US" altLang="zh-CN" smtClean="0">
-                <a:ea typeface="宋体" panose="02010600030101010101" pitchFamily="2" charset="-122"/>
-              </a:rPr>
-              <a:t>8</a:t>
-            </a:r>
-            <a:r>
-              <a:rPr lang="en-US" altLang="zh-CN" smtClean="0"/>
-              <a:t>- </a:t>
+              <a:rPr lang="en-US" altLang="zh-CN" dirty="0" smtClean="0"/>
+              <a:t>Slide 11- </a:t>
             </a:r>
             <a:fld id="{0794D501-7533-430A-91E4-69528585A3EF}" type="slidenum">
               <a:rPr lang="en-US" altLang="zh-CN" smtClean="0"/>
               <a:pPr/>
               <a:t>62</a:t>
             </a:fld>
-            <a:endParaRPr lang="en-CA" altLang="zh-CN">
+            <a:endParaRPr lang="en-CA" altLang="zh-CN" dirty="0">
               <a:ea typeface="宋体" panose="02010600030101010101" pitchFamily="2" charset="-122"/>
             </a:endParaRPr>
           </a:p>
@@ -36233,25 +33953,15 @@
           <a:lstStyle/>
           <a:p>
             <a:r>
-              <a:rPr lang="en-US" altLang="zh-CN"/>
-              <a:t>Slide </a:t>
-            </a:r>
-            <a:r>
-              <a:rPr lang="en-US" altLang="zh-CN">
-                <a:ea typeface="宋体" panose="02010600030101010101" pitchFamily="2" charset="-122"/>
-              </a:rPr>
-              <a:t>8</a:t>
-            </a:r>
-            <a:r>
-              <a:rPr lang="en-US" altLang="zh-CN"/>
-              <a:t>- </a:t>
+              <a:rPr lang="en-US" altLang="zh-CN" dirty="0" smtClean="0"/>
+              <a:t>Slide 11- </a:t>
             </a:r>
             <a:fld id="{3D21A7A7-6422-47AE-9285-E112A5B6D6E1}" type="slidenum">
-              <a:rPr lang="en-US" altLang="zh-CN"/>
+              <a:rPr lang="en-US" altLang="zh-CN" smtClean="0"/>
               <a:pPr/>
               <a:t>63</a:t>
             </a:fld>
-            <a:endParaRPr lang="en-CA" altLang="zh-CN">
+            <a:endParaRPr lang="en-CA" altLang="zh-CN" dirty="0">
               <a:ea typeface="宋体" panose="02010600030101010101" pitchFamily="2" charset="-122"/>
             </a:endParaRPr>
           </a:p>
@@ -36620,25 +34330,15 @@
           <a:lstStyle/>
           <a:p>
             <a:r>
-              <a:rPr lang="en-US" altLang="zh-CN" smtClean="0"/>
-              <a:t>Slide </a:t>
-            </a:r>
-            <a:r>
-              <a:rPr lang="en-US" altLang="zh-CN" smtClean="0">
-                <a:ea typeface="宋体" panose="02010600030101010101" pitchFamily="2" charset="-122"/>
-              </a:rPr>
-              <a:t>8</a:t>
-            </a:r>
-            <a:r>
-              <a:rPr lang="en-US" altLang="zh-CN" smtClean="0"/>
-              <a:t>- </a:t>
+              <a:rPr lang="en-US" altLang="zh-CN" dirty="0" smtClean="0"/>
+              <a:t>Slide 11- </a:t>
             </a:r>
             <a:fld id="{0794D501-7533-430A-91E4-69528585A3EF}" type="slidenum">
               <a:rPr lang="en-US" altLang="zh-CN" smtClean="0"/>
               <a:pPr/>
               <a:t>65</a:t>
             </a:fld>
-            <a:endParaRPr lang="en-CA" altLang="zh-CN">
+            <a:endParaRPr lang="en-CA" altLang="zh-CN" dirty="0">
               <a:ea typeface="宋体" panose="02010600030101010101" pitchFamily="2" charset="-122"/>
             </a:endParaRPr>
           </a:p>
@@ -37011,25 +34711,15 @@
           <a:lstStyle/>
           <a:p>
             <a:r>
-              <a:rPr lang="en-US" altLang="zh-CN" smtClean="0"/>
-              <a:t>Slide </a:t>
-            </a:r>
-            <a:r>
-              <a:rPr lang="en-US" altLang="zh-CN" smtClean="0">
-                <a:ea typeface="宋体" panose="02010600030101010101" pitchFamily="2" charset="-122"/>
-              </a:rPr>
-              <a:t>8</a:t>
-            </a:r>
-            <a:r>
-              <a:rPr lang="en-US" altLang="zh-CN" smtClean="0"/>
-              <a:t>- </a:t>
+              <a:rPr lang="en-US" altLang="zh-CN" dirty="0" smtClean="0"/>
+              <a:t>Slide 11- </a:t>
             </a:r>
             <a:fld id="{0794D501-7533-430A-91E4-69528585A3EF}" type="slidenum">
               <a:rPr lang="en-US" altLang="zh-CN" smtClean="0"/>
               <a:pPr/>
               <a:t>66</a:t>
             </a:fld>
-            <a:endParaRPr lang="en-CA" altLang="zh-CN">
+            <a:endParaRPr lang="en-CA" altLang="zh-CN" dirty="0">
               <a:ea typeface="宋体" panose="02010600030101010101" pitchFamily="2" charset="-122"/>
             </a:endParaRPr>
           </a:p>
@@ -37082,25 +34772,15 @@
           <a:lstStyle/>
           <a:p>
             <a:r>
-              <a:rPr lang="en-US" altLang="zh-CN"/>
-              <a:t>Slide </a:t>
-            </a:r>
-            <a:r>
-              <a:rPr lang="en-US" altLang="zh-CN">
-                <a:ea typeface="宋体" panose="02010600030101010101" pitchFamily="2" charset="-122"/>
-              </a:rPr>
-              <a:t>8</a:t>
-            </a:r>
-            <a:r>
-              <a:rPr lang="en-US" altLang="zh-CN"/>
-              <a:t>- </a:t>
+              <a:rPr lang="en-US" altLang="zh-CN" dirty="0" smtClean="0"/>
+              <a:t>Slide 11- </a:t>
             </a:r>
             <a:fld id="{F2EA7D5A-B06D-43E9-B94F-1CB55F7E7CA5}" type="slidenum">
-              <a:rPr lang="en-US" altLang="zh-CN"/>
+              <a:rPr lang="en-US" altLang="zh-CN" smtClean="0"/>
               <a:pPr/>
               <a:t>67</a:t>
             </a:fld>
-            <a:endParaRPr lang="en-CA" altLang="zh-CN">
+            <a:endParaRPr lang="en-CA" altLang="zh-CN" dirty="0">
               <a:ea typeface="宋体" panose="02010600030101010101" pitchFamily="2" charset="-122"/>
             </a:endParaRPr>
           </a:p>
@@ -37389,25 +35069,15 @@
           <a:lstStyle/>
           <a:p>
             <a:r>
-              <a:rPr lang="en-US" altLang="zh-CN"/>
-              <a:t>Slide </a:t>
-            </a:r>
-            <a:r>
-              <a:rPr lang="en-US" altLang="zh-CN">
-                <a:ea typeface="宋体" panose="02010600030101010101" pitchFamily="2" charset="-122"/>
-              </a:rPr>
-              <a:t>8</a:t>
-            </a:r>
-            <a:r>
-              <a:rPr lang="en-US" altLang="zh-CN"/>
-              <a:t>- </a:t>
+              <a:rPr lang="en-US" altLang="zh-CN" dirty="0" smtClean="0"/>
+              <a:t>Slide 11- </a:t>
             </a:r>
             <a:fld id="{C0255EB7-A90A-41B2-BC86-C8C0877C3C1F}" type="slidenum">
-              <a:rPr lang="en-US" altLang="zh-CN"/>
+              <a:rPr lang="en-US" altLang="zh-CN" smtClean="0"/>
               <a:pPr/>
               <a:t>68</a:t>
             </a:fld>
-            <a:endParaRPr lang="en-CA" altLang="zh-CN">
+            <a:endParaRPr lang="en-CA" altLang="zh-CN" dirty="0">
               <a:ea typeface="宋体" panose="02010600030101010101" pitchFamily="2" charset="-122"/>
             </a:endParaRPr>
           </a:p>
@@ -37881,25 +35551,15 @@
           <a:lstStyle/>
           <a:p>
             <a:r>
-              <a:rPr lang="en-US" altLang="zh-CN"/>
-              <a:t>Slide </a:t>
-            </a:r>
-            <a:r>
-              <a:rPr lang="en-US" altLang="zh-CN">
-                <a:ea typeface="宋体" panose="02010600030101010101" pitchFamily="2" charset="-122"/>
-              </a:rPr>
-              <a:t>8</a:t>
-            </a:r>
-            <a:r>
-              <a:rPr lang="en-US" altLang="zh-CN"/>
-              <a:t>- </a:t>
+              <a:rPr lang="en-US" altLang="zh-CN" dirty="0" smtClean="0"/>
+              <a:t>Slide 11- </a:t>
             </a:r>
             <a:fld id="{B39E8B97-464E-463C-AE1A-B09FE5226135}" type="slidenum">
-              <a:rPr lang="en-US" altLang="zh-CN"/>
+              <a:rPr lang="en-US" altLang="zh-CN" smtClean="0"/>
               <a:pPr/>
               <a:t>69</a:t>
             </a:fld>
-            <a:endParaRPr lang="en-CA" altLang="zh-CN">
+            <a:endParaRPr lang="en-CA" altLang="zh-CN" dirty="0">
               <a:ea typeface="宋体" panose="02010600030101010101" pitchFamily="2" charset="-122"/>
             </a:endParaRPr>
           </a:p>
@@ -38440,46 +36100,6 @@
       </p:grpSpPr>
       <p:sp>
         <p:nvSpPr>
-          <p:cNvPr id="4" name="灯片编号占位符 3"/>
-          <p:cNvSpPr>
-            <a:spLocks noGrp="1"/>
-          </p:cNvSpPr>
-          <p:nvPr>
-            <p:ph type="sldNum" sz="quarter" idx="10"/>
-          </p:nvPr>
-        </p:nvSpPr>
-        <p:spPr/>
-        <p:txBody>
-          <a:bodyPr/>
-          <a:lstStyle/>
-          <a:p>
-            <a:r>
-              <a:rPr lang="en-US" altLang="zh-CN"/>
-              <a:t>Slide </a:t>
-            </a:r>
-            <a:r>
-              <a:rPr lang="en-US" altLang="zh-CN">
-                <a:ea typeface="宋体" panose="02010600030101010101" pitchFamily="2" charset="-122"/>
-              </a:rPr>
-              <a:t>8</a:t>
-            </a:r>
-            <a:r>
-              <a:rPr lang="en-US" altLang="zh-CN"/>
-              <a:t>- </a:t>
-            </a:r>
-            <a:fld id="{ABBEEEA2-9C98-40F5-9A1A-5ED8054A22A2}" type="slidenum">
-              <a:rPr lang="en-US" altLang="zh-CN"/>
-              <a:pPr/>
-              <a:t>7</a:t>
-            </a:fld>
-            <a:endParaRPr lang="en-CA" altLang="zh-CN">
-              <a:ea typeface="宋体" panose="02010600030101010101" pitchFamily="2" charset="-122"/>
-            </a:endParaRPr>
-          </a:p>
-        </p:txBody>
-      </p:sp>
-      <p:sp>
-        <p:nvSpPr>
           <p:cNvPr id="517122" name="Rectangle 2"/>
           <p:cNvSpPr>
             <a:spLocks noGrp="1" noChangeArrowheads="1"/>
@@ -38695,25 +36315,15 @@
           <a:lstStyle/>
           <a:p>
             <a:r>
-              <a:rPr lang="en-US" altLang="zh-CN" smtClean="0"/>
-              <a:t>Slide </a:t>
-            </a:r>
-            <a:r>
-              <a:rPr lang="en-US" altLang="zh-CN" smtClean="0">
-                <a:ea typeface="宋体" panose="02010600030101010101" pitchFamily="2" charset="-122"/>
-              </a:rPr>
-              <a:t>8</a:t>
-            </a:r>
-            <a:r>
-              <a:rPr lang="en-US" altLang="zh-CN" smtClean="0"/>
-              <a:t>- </a:t>
+              <a:rPr lang="en-US" altLang="zh-CN" dirty="0" smtClean="0"/>
+              <a:t>Slide 11- </a:t>
             </a:r>
             <a:fld id="{0794D501-7533-430A-91E4-69528585A3EF}" type="slidenum">
               <a:rPr lang="en-US" altLang="zh-CN" smtClean="0"/>
               <a:pPr/>
               <a:t>70</a:t>
             </a:fld>
-            <a:endParaRPr lang="en-CA" altLang="zh-CN">
+            <a:endParaRPr lang="en-CA" altLang="zh-CN" dirty="0">
               <a:ea typeface="宋体" panose="02010600030101010101" pitchFamily="2" charset="-122"/>
             </a:endParaRPr>
           </a:p>
@@ -38766,25 +36376,15 @@
           <a:lstStyle/>
           <a:p>
             <a:r>
-              <a:rPr lang="en-US" altLang="zh-CN"/>
-              <a:t>Slide </a:t>
-            </a:r>
-            <a:r>
-              <a:rPr lang="en-US" altLang="zh-CN">
-                <a:ea typeface="宋体" panose="02010600030101010101" pitchFamily="2" charset="-122"/>
-              </a:rPr>
-              <a:t>8</a:t>
-            </a:r>
-            <a:r>
-              <a:rPr lang="en-US" altLang="zh-CN"/>
-              <a:t>- </a:t>
+              <a:rPr lang="en-US" altLang="zh-CN" dirty="0" smtClean="0"/>
+              <a:t>Slide 11- </a:t>
             </a:r>
             <a:fld id="{782EE02F-2A29-4B8C-9FD3-0D64403C32F2}" type="slidenum">
-              <a:rPr lang="en-US" altLang="zh-CN"/>
+              <a:rPr lang="en-US" altLang="zh-CN" smtClean="0"/>
               <a:pPr/>
               <a:t>71</a:t>
             </a:fld>
-            <a:endParaRPr lang="en-CA" altLang="zh-CN">
+            <a:endParaRPr lang="en-CA" altLang="zh-CN" dirty="0">
               <a:ea typeface="宋体" panose="02010600030101010101" pitchFamily="2" charset="-122"/>
             </a:endParaRPr>
           </a:p>
@@ -39063,25 +36663,15 @@
           <a:lstStyle/>
           <a:p>
             <a:r>
-              <a:rPr lang="en-US" altLang="zh-CN"/>
-              <a:t>Slide </a:t>
-            </a:r>
-            <a:r>
-              <a:rPr lang="en-US" altLang="zh-CN">
-                <a:ea typeface="宋体" panose="02010600030101010101" pitchFamily="2" charset="-122"/>
-              </a:rPr>
-              <a:t>8</a:t>
-            </a:r>
-            <a:r>
-              <a:rPr lang="en-US" altLang="zh-CN"/>
-              <a:t>- </a:t>
+              <a:rPr lang="en-US" altLang="zh-CN" dirty="0" smtClean="0"/>
+              <a:t>Slide 11- </a:t>
             </a:r>
             <a:fld id="{09319FC5-4CA5-4047-AE93-B4F2014200EA}" type="slidenum">
-              <a:rPr lang="en-US" altLang="zh-CN"/>
+              <a:rPr lang="en-US" altLang="zh-CN" smtClean="0"/>
               <a:pPr/>
               <a:t>72</a:t>
             </a:fld>
-            <a:endParaRPr lang="en-CA" altLang="zh-CN">
+            <a:endParaRPr lang="en-CA" altLang="zh-CN" dirty="0">
               <a:ea typeface="宋体" panose="02010600030101010101" pitchFamily="2" charset="-122"/>
             </a:endParaRPr>
           </a:p>
@@ -39263,25 +36853,15 @@
           <a:lstStyle/>
           <a:p>
             <a:r>
-              <a:rPr lang="en-US" altLang="zh-CN"/>
-              <a:t>Slide </a:t>
-            </a:r>
-            <a:r>
-              <a:rPr lang="en-US" altLang="zh-CN">
-                <a:ea typeface="宋体" panose="02010600030101010101" pitchFamily="2" charset="-122"/>
-              </a:rPr>
-              <a:t>8</a:t>
-            </a:r>
-            <a:r>
-              <a:rPr lang="en-US" altLang="zh-CN"/>
-              <a:t>- </a:t>
+              <a:rPr lang="en-US" altLang="zh-CN" dirty="0" smtClean="0"/>
+              <a:t>Slide 11- </a:t>
             </a:r>
             <a:fld id="{3C1374C8-C911-4EB3-ABC0-11FFB206E5C4}" type="slidenum">
-              <a:rPr lang="en-US" altLang="zh-CN"/>
+              <a:rPr lang="en-US" altLang="zh-CN" smtClean="0"/>
               <a:pPr/>
               <a:t>73</a:t>
             </a:fld>
-            <a:endParaRPr lang="en-CA" altLang="zh-CN">
+            <a:endParaRPr lang="en-CA" altLang="zh-CN" dirty="0">
               <a:ea typeface="宋体" panose="02010600030101010101" pitchFamily="2" charset="-122"/>
             </a:endParaRPr>
           </a:p>
@@ -39760,25 +37340,15 @@
           <a:lstStyle/>
           <a:p>
             <a:r>
-              <a:rPr lang="en-US" altLang="zh-CN"/>
-              <a:t>Slide </a:t>
-            </a:r>
-            <a:r>
-              <a:rPr lang="en-US" altLang="zh-CN">
-                <a:ea typeface="宋体" panose="02010600030101010101" pitchFamily="2" charset="-122"/>
-              </a:rPr>
-              <a:t>8</a:t>
-            </a:r>
-            <a:r>
-              <a:rPr lang="en-US" altLang="zh-CN"/>
-              <a:t>- </a:t>
+              <a:rPr lang="en-US" altLang="zh-CN" dirty="0" smtClean="0"/>
+              <a:t>Slide 11- </a:t>
             </a:r>
             <a:fld id="{7445CD1A-3F35-4A4E-99B4-20D3A3C808D1}" type="slidenum">
-              <a:rPr lang="en-US" altLang="zh-CN"/>
+              <a:rPr lang="en-US" altLang="zh-CN" smtClean="0"/>
               <a:pPr/>
               <a:t>74</a:t>
             </a:fld>
-            <a:endParaRPr lang="en-CA" altLang="zh-CN">
+            <a:endParaRPr lang="en-CA" altLang="zh-CN" dirty="0">
               <a:ea typeface="宋体" panose="02010600030101010101" pitchFamily="2" charset="-122"/>
             </a:endParaRPr>
           </a:p>
@@ -40233,25 +37803,15 @@
           <a:lstStyle/>
           <a:p>
             <a:r>
-              <a:rPr lang="en-US" altLang="zh-CN"/>
-              <a:t>Slide </a:t>
-            </a:r>
-            <a:r>
-              <a:rPr lang="en-US" altLang="zh-CN">
-                <a:ea typeface="宋体" panose="02010600030101010101" pitchFamily="2" charset="-122"/>
-              </a:rPr>
-              <a:t>8</a:t>
-            </a:r>
-            <a:r>
-              <a:rPr lang="en-US" altLang="zh-CN"/>
-              <a:t>- </a:t>
+              <a:rPr lang="en-US" altLang="zh-CN" dirty="0" smtClean="0"/>
+              <a:t>Slide 11- </a:t>
             </a:r>
             <a:fld id="{CFF5C934-0392-488F-B9ED-4D0ECE15DA11}" type="slidenum">
-              <a:rPr lang="en-US" altLang="zh-CN"/>
+              <a:rPr lang="en-US" altLang="zh-CN" smtClean="0"/>
               <a:pPr/>
               <a:t>75</a:t>
             </a:fld>
-            <a:endParaRPr lang="en-CA" altLang="zh-CN">
+            <a:endParaRPr lang="en-CA" altLang="zh-CN" dirty="0">
               <a:ea typeface="宋体" panose="02010600030101010101" pitchFamily="2" charset="-122"/>
             </a:endParaRPr>
           </a:p>
@@ -40463,25 +38023,15 @@
           <a:lstStyle/>
           <a:p>
             <a:r>
-              <a:rPr lang="en-US" altLang="zh-CN" smtClean="0"/>
-              <a:t>Slide </a:t>
-            </a:r>
-            <a:r>
-              <a:rPr lang="en-US" altLang="zh-CN" smtClean="0">
-                <a:ea typeface="宋体" panose="02010600030101010101" pitchFamily="2" charset="-122"/>
-              </a:rPr>
-              <a:t>8</a:t>
-            </a:r>
-            <a:r>
-              <a:rPr lang="en-US" altLang="zh-CN" smtClean="0"/>
-              <a:t>- </a:t>
+              <a:rPr lang="en-US" altLang="zh-CN" dirty="0" smtClean="0"/>
+              <a:t>Slide 11- </a:t>
             </a:r>
             <a:fld id="{0794D501-7533-430A-91E4-69528585A3EF}" type="slidenum">
               <a:rPr lang="en-US" altLang="zh-CN" smtClean="0"/>
               <a:pPr/>
               <a:t>76</a:t>
             </a:fld>
-            <a:endParaRPr lang="en-CA" altLang="zh-CN">
+            <a:endParaRPr lang="en-CA" altLang="zh-CN" dirty="0">
               <a:ea typeface="宋体" panose="02010600030101010101" pitchFamily="2" charset="-122"/>
             </a:endParaRPr>
           </a:p>
@@ -40584,25 +38134,15 @@
           <a:lstStyle/>
           <a:p>
             <a:r>
-              <a:rPr lang="en-US" altLang="zh-CN" smtClean="0"/>
-              <a:t>Slide </a:t>
-            </a:r>
-            <a:r>
-              <a:rPr lang="en-US" altLang="zh-CN" smtClean="0">
-                <a:ea typeface="宋体" panose="02010600030101010101" pitchFamily="2" charset="-122"/>
-              </a:rPr>
-              <a:t>8</a:t>
-            </a:r>
-            <a:r>
-              <a:rPr lang="en-US" altLang="zh-CN" smtClean="0"/>
-              <a:t>- </a:t>
+              <a:rPr lang="en-US" altLang="zh-CN" dirty="0" smtClean="0"/>
+              <a:t>Slide 11- </a:t>
             </a:r>
             <a:fld id="{0794D501-7533-430A-91E4-69528585A3EF}" type="slidenum">
               <a:rPr lang="en-US" altLang="zh-CN" smtClean="0"/>
               <a:pPr/>
               <a:t>77</a:t>
             </a:fld>
-            <a:endParaRPr lang="en-CA" altLang="zh-CN">
+            <a:endParaRPr lang="en-CA" altLang="zh-CN" dirty="0">
               <a:ea typeface="宋体" panose="02010600030101010101" pitchFamily="2" charset="-122"/>
             </a:endParaRPr>
           </a:p>
@@ -40740,25 +38280,15 @@
           <a:lstStyle/>
           <a:p>
             <a:r>
-              <a:rPr lang="en-US" altLang="zh-CN"/>
-              <a:t>Slide </a:t>
-            </a:r>
-            <a:r>
-              <a:rPr lang="en-US" altLang="zh-CN">
-                <a:ea typeface="宋体" panose="02010600030101010101" pitchFamily="2" charset="-122"/>
-              </a:rPr>
-              <a:t>8</a:t>
-            </a:r>
-            <a:r>
-              <a:rPr lang="en-US" altLang="zh-CN"/>
-              <a:t>- </a:t>
+              <a:rPr lang="en-US" altLang="zh-CN" dirty="0" smtClean="0"/>
+              <a:t>Slide 11- </a:t>
             </a:r>
             <a:fld id="{92E7C369-82CD-41B9-874B-EA414B5E06F9}" type="slidenum">
-              <a:rPr lang="en-US" altLang="zh-CN"/>
+              <a:rPr lang="en-US" altLang="zh-CN" smtClean="0"/>
               <a:pPr/>
               <a:t>79</a:t>
             </a:fld>
-            <a:endParaRPr lang="en-CA" altLang="zh-CN">
+            <a:endParaRPr lang="en-CA" altLang="zh-CN" dirty="0">
               <a:ea typeface="宋体" panose="02010600030101010101" pitchFamily="2" charset="-122"/>
             </a:endParaRPr>
           </a:p>
@@ -41121,46 +38651,6 @@
           </a:p>
         </p:txBody>
       </p:sp>
-      <p:sp>
-        <p:nvSpPr>
-          <p:cNvPr id="4" name="灯片编号占位符 3"/>
-          <p:cNvSpPr>
-            <a:spLocks noGrp="1"/>
-          </p:cNvSpPr>
-          <p:nvPr>
-            <p:ph type="sldNum" sz="quarter" idx="10"/>
-          </p:nvPr>
-        </p:nvSpPr>
-        <p:spPr/>
-        <p:txBody>
-          <a:bodyPr/>
-          <a:lstStyle/>
-          <a:p>
-            <a:r>
-              <a:rPr lang="en-US" altLang="zh-CN" smtClean="0"/>
-              <a:t>Slide </a:t>
-            </a:r>
-            <a:r>
-              <a:rPr lang="en-US" altLang="zh-CN" smtClean="0">
-                <a:ea typeface="宋体" panose="02010600030101010101" pitchFamily="2" charset="-122"/>
-              </a:rPr>
-              <a:t>8</a:t>
-            </a:r>
-            <a:r>
-              <a:rPr lang="en-US" altLang="zh-CN" smtClean="0"/>
-              <a:t>- </a:t>
-            </a:r>
-            <a:fld id="{0794D501-7533-430A-91E4-69528585A3EF}" type="slidenum">
-              <a:rPr lang="en-US" altLang="zh-CN" smtClean="0"/>
-              <a:pPr/>
-              <a:t>8</a:t>
-            </a:fld>
-            <a:endParaRPr lang="en-CA" altLang="zh-CN">
-              <a:ea typeface="宋体" panose="02010600030101010101" pitchFamily="2" charset="-122"/>
-            </a:endParaRPr>
-          </a:p>
-        </p:txBody>
-      </p:sp>
     </p:spTree>
     <p:extLst>
       <p:ext uri="{BB962C8B-B14F-4D97-AF65-F5344CB8AC3E}">
@@ -41208,25 +38698,15 @@
           <a:lstStyle/>
           <a:p>
             <a:r>
-              <a:rPr lang="en-US" altLang="zh-CN"/>
-              <a:t>Slide </a:t>
-            </a:r>
-            <a:r>
-              <a:rPr lang="en-US" altLang="zh-CN">
-                <a:ea typeface="宋体" panose="02010600030101010101" pitchFamily="2" charset="-122"/>
-              </a:rPr>
-              <a:t>8</a:t>
-            </a:r>
-            <a:r>
-              <a:rPr lang="en-US" altLang="zh-CN"/>
-              <a:t>- </a:t>
+              <a:rPr lang="en-US" altLang="zh-CN" dirty="0" smtClean="0"/>
+              <a:t>Slide 11- </a:t>
             </a:r>
             <a:fld id="{0F0E1836-0C74-4CE5-BB28-05D56CA5D3CF}" type="slidenum">
-              <a:rPr lang="en-US" altLang="zh-CN"/>
+              <a:rPr lang="en-US" altLang="zh-CN" smtClean="0"/>
               <a:pPr/>
               <a:t>80</a:t>
             </a:fld>
-            <a:endParaRPr lang="en-CA" altLang="zh-CN">
+            <a:endParaRPr lang="en-CA" altLang="zh-CN" dirty="0">
               <a:ea typeface="宋体" panose="02010600030101010101" pitchFamily="2" charset="-122"/>
             </a:endParaRPr>
           </a:p>
@@ -41676,25 +39156,15 @@
           <a:lstStyle/>
           <a:p>
             <a:r>
-              <a:rPr lang="en-US" altLang="zh-CN" smtClean="0"/>
-              <a:t>Slide </a:t>
-            </a:r>
-            <a:r>
-              <a:rPr lang="en-US" altLang="zh-CN" smtClean="0">
-                <a:ea typeface="宋体" panose="02010600030101010101" pitchFamily="2" charset="-122"/>
-              </a:rPr>
-              <a:t>8</a:t>
-            </a:r>
-            <a:r>
-              <a:rPr lang="en-US" altLang="zh-CN" smtClean="0"/>
-              <a:t>- </a:t>
+              <a:rPr lang="en-US" altLang="zh-CN" dirty="0" smtClean="0"/>
+              <a:t>Slide 11- </a:t>
             </a:r>
             <a:fld id="{0794D501-7533-430A-91E4-69528585A3EF}" type="slidenum">
               <a:rPr lang="en-US" altLang="zh-CN" smtClean="0"/>
               <a:pPr/>
               <a:t>81</a:t>
             </a:fld>
-            <a:endParaRPr lang="en-CA" altLang="zh-CN">
+            <a:endParaRPr lang="en-CA" altLang="zh-CN" dirty="0">
               <a:ea typeface="宋体" panose="02010600030101010101" pitchFamily="2" charset="-122"/>
             </a:endParaRPr>
           </a:p>
@@ -41747,25 +39217,15 @@
           <a:lstStyle/>
           <a:p>
             <a:r>
-              <a:rPr lang="en-US" altLang="zh-CN"/>
-              <a:t>Slide </a:t>
-            </a:r>
-            <a:r>
-              <a:rPr lang="en-US" altLang="zh-CN">
-                <a:ea typeface="宋体" panose="02010600030101010101" pitchFamily="2" charset="-122"/>
-              </a:rPr>
-              <a:t>8</a:t>
-            </a:r>
-            <a:r>
-              <a:rPr lang="en-US" altLang="zh-CN"/>
-              <a:t>- </a:t>
+              <a:rPr lang="en-US" altLang="zh-CN" dirty="0" smtClean="0"/>
+              <a:t>Slide 11- </a:t>
             </a:r>
             <a:fld id="{B5BB4B22-D796-435F-8B17-FE06C9107200}" type="slidenum">
-              <a:rPr lang="en-US" altLang="zh-CN"/>
+              <a:rPr lang="en-US" altLang="zh-CN" smtClean="0"/>
               <a:pPr/>
               <a:t>82</a:t>
             </a:fld>
-            <a:endParaRPr lang="en-CA" altLang="zh-CN">
+            <a:endParaRPr lang="en-CA" altLang="zh-CN" dirty="0">
               <a:ea typeface="宋体" panose="02010600030101010101" pitchFamily="2" charset="-122"/>
             </a:endParaRPr>
           </a:p>
@@ -42171,25 +39631,15 @@
           <a:lstStyle/>
           <a:p>
             <a:r>
-              <a:rPr lang="en-US" altLang="zh-CN"/>
-              <a:t>Slide </a:t>
-            </a:r>
-            <a:r>
-              <a:rPr lang="en-US" altLang="zh-CN">
-                <a:ea typeface="宋体" panose="02010600030101010101" pitchFamily="2" charset="-122"/>
-              </a:rPr>
-              <a:t>8</a:t>
-            </a:r>
-            <a:r>
-              <a:rPr lang="en-US" altLang="zh-CN"/>
-              <a:t>- </a:t>
+              <a:rPr lang="en-US" altLang="zh-CN" dirty="0" smtClean="0"/>
+              <a:t>Slide 11- </a:t>
             </a:r>
             <a:fld id="{1E413D57-97B4-4011-B691-95E6B5E7E0A0}" type="slidenum">
-              <a:rPr lang="en-US" altLang="zh-CN"/>
+              <a:rPr lang="en-US" altLang="zh-CN" smtClean="0"/>
               <a:pPr/>
               <a:t>83</a:t>
             </a:fld>
-            <a:endParaRPr lang="en-CA" altLang="zh-CN">
+            <a:endParaRPr lang="en-CA" altLang="zh-CN" dirty="0">
               <a:ea typeface="宋体" panose="02010600030101010101" pitchFamily="2" charset="-122"/>
             </a:endParaRPr>
           </a:p>
@@ -42597,25 +40047,15 @@
           <a:lstStyle/>
           <a:p>
             <a:r>
-              <a:rPr lang="en-US" altLang="zh-CN"/>
-              <a:t>Slide </a:t>
-            </a:r>
-            <a:r>
-              <a:rPr lang="en-US" altLang="zh-CN">
-                <a:ea typeface="宋体" panose="02010600030101010101" pitchFamily="2" charset="-122"/>
-              </a:rPr>
-              <a:t>8</a:t>
-            </a:r>
-            <a:r>
-              <a:rPr lang="en-US" altLang="zh-CN"/>
-              <a:t>- </a:t>
+              <a:rPr lang="en-US" altLang="zh-CN" dirty="0" smtClean="0"/>
+              <a:t>Slide 11- </a:t>
             </a:r>
             <a:fld id="{06C2FADD-CF33-4213-8224-F6C6CA672E7F}" type="slidenum">
-              <a:rPr lang="en-US" altLang="zh-CN"/>
+              <a:rPr lang="en-US" altLang="zh-CN" smtClean="0"/>
               <a:pPr/>
               <a:t>84</a:t>
             </a:fld>
-            <a:endParaRPr lang="en-CA" altLang="zh-CN">
+            <a:endParaRPr lang="en-CA" altLang="zh-CN" dirty="0">
               <a:ea typeface="宋体" panose="02010600030101010101" pitchFamily="2" charset="-122"/>
             </a:endParaRPr>
           </a:p>
@@ -42984,25 +40424,15 @@
           <a:lstStyle/>
           <a:p>
             <a:r>
-              <a:rPr lang="en-US" altLang="zh-CN"/>
-              <a:t>Slide </a:t>
-            </a:r>
-            <a:r>
-              <a:rPr lang="en-US" altLang="zh-CN">
-                <a:ea typeface="宋体" panose="02010600030101010101" pitchFamily="2" charset="-122"/>
-              </a:rPr>
-              <a:t>8</a:t>
-            </a:r>
-            <a:r>
-              <a:rPr lang="en-US" altLang="zh-CN"/>
-              <a:t>- </a:t>
+              <a:rPr lang="en-US" altLang="zh-CN" dirty="0" smtClean="0"/>
+              <a:t>Slide 11- </a:t>
             </a:r>
             <a:fld id="{95CB6265-3C15-4295-B642-C334B0B8070A}" type="slidenum">
-              <a:rPr lang="en-US" altLang="zh-CN"/>
+              <a:rPr lang="en-US" altLang="zh-CN" smtClean="0"/>
               <a:pPr/>
               <a:t>85</a:t>
             </a:fld>
-            <a:endParaRPr lang="en-CA" altLang="zh-CN">
+            <a:endParaRPr lang="en-CA" altLang="zh-CN" dirty="0">
               <a:ea typeface="宋体" panose="02010600030101010101" pitchFamily="2" charset="-122"/>
             </a:endParaRPr>
           </a:p>
@@ -43463,25 +40893,15 @@
           <a:lstStyle/>
           <a:p>
             <a:r>
-              <a:rPr lang="en-US" altLang="zh-CN"/>
-              <a:t>Slide </a:t>
-            </a:r>
-            <a:r>
-              <a:rPr lang="en-US" altLang="zh-CN">
-                <a:ea typeface="宋体" panose="02010600030101010101" pitchFamily="2" charset="-122"/>
-              </a:rPr>
-              <a:t>8</a:t>
-            </a:r>
-            <a:r>
-              <a:rPr lang="en-US" altLang="zh-CN"/>
-              <a:t>- </a:t>
+              <a:rPr lang="en-US" altLang="zh-CN" dirty="0" smtClean="0"/>
+              <a:t>Slide 11- </a:t>
             </a:r>
             <a:fld id="{1551A38C-389E-4862-BF99-E7103E7F96D5}" type="slidenum">
-              <a:rPr lang="en-US" altLang="zh-CN"/>
+              <a:rPr lang="en-US" altLang="zh-CN" smtClean="0"/>
               <a:pPr/>
               <a:t>86</a:t>
             </a:fld>
-            <a:endParaRPr lang="en-CA" altLang="zh-CN">
+            <a:endParaRPr lang="en-CA" altLang="zh-CN" dirty="0">
               <a:ea typeface="宋体" panose="02010600030101010101" pitchFamily="2" charset="-122"/>
             </a:endParaRPr>
           </a:p>
@@ -43631,25 +41051,15 @@
           <a:lstStyle/>
           <a:p>
             <a:r>
-              <a:rPr lang="en-US" altLang="zh-CN"/>
-              <a:t>Slide </a:t>
-            </a:r>
-            <a:r>
-              <a:rPr lang="en-US" altLang="zh-CN">
-                <a:ea typeface="宋体" panose="02010600030101010101" pitchFamily="2" charset="-122"/>
-              </a:rPr>
-              <a:t>8</a:t>
-            </a:r>
-            <a:r>
-              <a:rPr lang="en-US" altLang="zh-CN"/>
-              <a:t>- </a:t>
+              <a:rPr lang="en-US" altLang="zh-CN" dirty="0" smtClean="0"/>
+              <a:t>Slide 11- </a:t>
             </a:r>
             <a:fld id="{36969939-B5D6-46DB-B552-2B53D5DA8634}" type="slidenum">
-              <a:rPr lang="en-US" altLang="zh-CN"/>
+              <a:rPr lang="en-US" altLang="zh-CN" smtClean="0"/>
               <a:pPr/>
               <a:t>87</a:t>
             </a:fld>
-            <a:endParaRPr lang="en-CA" altLang="zh-CN">
+            <a:endParaRPr lang="en-CA" altLang="zh-CN" dirty="0">
               <a:ea typeface="宋体" panose="02010600030101010101" pitchFamily="2" charset="-122"/>
             </a:endParaRPr>
           </a:p>
@@ -43805,25 +41215,15 @@
           <a:lstStyle/>
           <a:p>
             <a:r>
-              <a:rPr lang="en-US" altLang="zh-CN"/>
-              <a:t>Slide </a:t>
-            </a:r>
-            <a:r>
-              <a:rPr lang="en-US" altLang="zh-CN">
-                <a:ea typeface="宋体" panose="02010600030101010101" pitchFamily="2" charset="-122"/>
-              </a:rPr>
-              <a:t>8</a:t>
-            </a:r>
-            <a:r>
-              <a:rPr lang="en-US" altLang="zh-CN"/>
-              <a:t>- </a:t>
+              <a:rPr lang="en-US" altLang="zh-CN" dirty="0" smtClean="0"/>
+              <a:t>Slide 11- </a:t>
             </a:r>
             <a:fld id="{6F84425E-EE3A-4EC8-85DB-41915FCD58C3}" type="slidenum">
-              <a:rPr lang="en-US" altLang="zh-CN"/>
+              <a:rPr lang="en-US" altLang="zh-CN" smtClean="0"/>
               <a:pPr/>
               <a:t>88</a:t>
             </a:fld>
-            <a:endParaRPr lang="en-CA" altLang="zh-CN">
+            <a:endParaRPr lang="en-CA" altLang="zh-CN" dirty="0">
               <a:ea typeface="宋体" panose="02010600030101010101" pitchFamily="2" charset="-122"/>
             </a:endParaRPr>
           </a:p>
@@ -44058,25 +41458,15 @@
           <a:lstStyle/>
           <a:p>
             <a:r>
-              <a:rPr lang="en-US" altLang="zh-CN"/>
-              <a:t>Slide </a:t>
-            </a:r>
-            <a:r>
-              <a:rPr lang="en-US" altLang="zh-CN">
-                <a:ea typeface="宋体" panose="02010600030101010101" pitchFamily="2" charset="-122"/>
-              </a:rPr>
-              <a:t>8</a:t>
-            </a:r>
-            <a:r>
-              <a:rPr lang="en-US" altLang="zh-CN"/>
-              <a:t>- </a:t>
+              <a:rPr lang="en-US" altLang="zh-CN" dirty="0" smtClean="0"/>
+              <a:t>Slide 11- </a:t>
             </a:r>
             <a:fld id="{62C5BF9B-9603-4A75-8D17-A8D227D305C6}" type="slidenum">
-              <a:rPr lang="en-US" altLang="zh-CN"/>
+              <a:rPr lang="en-US" altLang="zh-CN" smtClean="0"/>
               <a:pPr/>
               <a:t>89</a:t>
             </a:fld>
-            <a:endParaRPr lang="en-CA" altLang="zh-CN">
+            <a:endParaRPr lang="en-CA" altLang="zh-CN" dirty="0">
               <a:ea typeface="宋体" panose="02010600030101010101" pitchFamily="2" charset="-122"/>
             </a:endParaRPr>
           </a:p>
@@ -44593,46 +41983,6 @@
       </p:grpSpPr>
       <p:sp>
         <p:nvSpPr>
-          <p:cNvPr id="4" name="灯片编号占位符 3"/>
-          <p:cNvSpPr>
-            <a:spLocks noGrp="1"/>
-          </p:cNvSpPr>
-          <p:nvPr>
-            <p:ph type="sldNum" sz="quarter" idx="10"/>
-          </p:nvPr>
-        </p:nvSpPr>
-        <p:spPr/>
-        <p:txBody>
-          <a:bodyPr/>
-          <a:lstStyle/>
-          <a:p>
-            <a:r>
-              <a:rPr lang="en-US" altLang="zh-CN"/>
-              <a:t>Slide </a:t>
-            </a:r>
-            <a:r>
-              <a:rPr lang="en-US" altLang="zh-CN">
-                <a:ea typeface="宋体" panose="02010600030101010101" pitchFamily="2" charset="-122"/>
-              </a:rPr>
-              <a:t>8</a:t>
-            </a:r>
-            <a:r>
-              <a:rPr lang="en-US" altLang="zh-CN"/>
-              <a:t>- </a:t>
-            </a:r>
-            <a:fld id="{FCAFEDAB-EE12-42BA-AE8B-C1AEE976AB32}" type="slidenum">
-              <a:rPr lang="en-US" altLang="zh-CN"/>
-              <a:pPr/>
-              <a:t>9</a:t>
-            </a:fld>
-            <a:endParaRPr lang="en-CA" altLang="zh-CN">
-              <a:ea typeface="宋体" panose="02010600030101010101" pitchFamily="2" charset="-122"/>
-            </a:endParaRPr>
-          </a:p>
-        </p:txBody>
-      </p:sp>
-      <p:sp>
-        <p:nvSpPr>
           <p:cNvPr id="518146" name="Rectangle 2"/>
           <p:cNvSpPr>
             <a:spLocks noGrp="1" noChangeArrowheads="1"/>
@@ -44846,25 +42196,15 @@
           <a:lstStyle/>
           <a:p>
             <a:r>
-              <a:rPr lang="en-US" altLang="zh-CN"/>
-              <a:t>Slide </a:t>
-            </a:r>
-            <a:r>
-              <a:rPr lang="en-US" altLang="zh-CN">
-                <a:ea typeface="宋体" panose="02010600030101010101" pitchFamily="2" charset="-122"/>
-              </a:rPr>
-              <a:t>8</a:t>
-            </a:r>
-            <a:r>
-              <a:rPr lang="en-US" altLang="zh-CN"/>
-              <a:t>- </a:t>
+              <a:rPr lang="en-US" altLang="zh-CN" dirty="0" smtClean="0"/>
+              <a:t>Slide 11- </a:t>
             </a:r>
             <a:fld id="{D4D25010-280C-4325-8D60-C8A807EA7457}" type="slidenum">
-              <a:rPr lang="en-US" altLang="zh-CN"/>
+              <a:rPr lang="en-US" altLang="zh-CN" smtClean="0"/>
               <a:pPr/>
               <a:t>90</a:t>
             </a:fld>
-            <a:endParaRPr lang="en-CA" altLang="zh-CN">
+            <a:endParaRPr lang="en-CA" altLang="zh-CN" dirty="0">
               <a:ea typeface="宋体" panose="02010600030101010101" pitchFamily="2" charset="-122"/>
             </a:endParaRPr>
           </a:p>
@@ -45013,25 +42353,15 @@
           <a:lstStyle/>
           <a:p>
             <a:r>
-              <a:rPr lang="en-US" altLang="zh-CN"/>
-              <a:t>Slide </a:t>
-            </a:r>
-            <a:r>
-              <a:rPr lang="en-US" altLang="zh-CN">
-                <a:ea typeface="宋体" panose="02010600030101010101" pitchFamily="2" charset="-122"/>
-              </a:rPr>
-              <a:t>8</a:t>
-            </a:r>
-            <a:r>
-              <a:rPr lang="en-US" altLang="zh-CN"/>
-              <a:t>- </a:t>
+              <a:rPr lang="en-US" altLang="zh-CN" dirty="0" smtClean="0"/>
+              <a:t>Slide 11- </a:t>
             </a:r>
             <a:fld id="{1333E482-FC8B-446F-A0AA-D74A2DA055AC}" type="slidenum">
-              <a:rPr lang="en-US" altLang="zh-CN"/>
+              <a:rPr lang="en-US" altLang="zh-CN" smtClean="0"/>
               <a:pPr/>
               <a:t>91</a:t>
             </a:fld>
-            <a:endParaRPr lang="en-CA" altLang="zh-CN">
+            <a:endParaRPr lang="en-CA" altLang="zh-CN" dirty="0">
               <a:ea typeface="宋体" panose="02010600030101010101" pitchFamily="2" charset="-122"/>
             </a:endParaRPr>
           </a:p>
@@ -45336,25 +42666,15 @@
           <a:lstStyle/>
           <a:p>
             <a:r>
-              <a:rPr lang="en-US" altLang="zh-CN"/>
-              <a:t>Slide </a:t>
-            </a:r>
-            <a:r>
-              <a:rPr lang="en-US" altLang="zh-CN">
-                <a:ea typeface="宋体" panose="02010600030101010101" pitchFamily="2" charset="-122"/>
-              </a:rPr>
-              <a:t>8</a:t>
-            </a:r>
-            <a:r>
-              <a:rPr lang="en-US" altLang="zh-CN"/>
-              <a:t>- </a:t>
+              <a:rPr lang="en-US" altLang="zh-CN" dirty="0" smtClean="0"/>
+              <a:t>Slide 11- </a:t>
             </a:r>
             <a:fld id="{AA6F74AC-6A7C-4CDB-8540-E7F8B4104598}" type="slidenum">
-              <a:rPr lang="en-US" altLang="zh-CN"/>
+              <a:rPr lang="en-US" altLang="zh-CN" smtClean="0"/>
               <a:pPr/>
               <a:t>92</a:t>
             </a:fld>
-            <a:endParaRPr lang="en-CA" altLang="zh-CN">
+            <a:endParaRPr lang="en-CA" altLang="zh-CN" dirty="0">
               <a:ea typeface="宋体" panose="02010600030101010101" pitchFamily="2" charset="-122"/>
             </a:endParaRPr>
           </a:p>
@@ -45489,25 +42809,15 @@
           <a:lstStyle/>
           <a:p>
             <a:r>
-              <a:rPr lang="en-US" altLang="zh-CN"/>
-              <a:t>Slide </a:t>
-            </a:r>
-            <a:r>
-              <a:rPr lang="en-US" altLang="zh-CN">
-                <a:ea typeface="宋体" panose="02010600030101010101" pitchFamily="2" charset="-122"/>
-              </a:rPr>
-              <a:t>8</a:t>
-            </a:r>
-            <a:r>
-              <a:rPr lang="en-US" altLang="zh-CN"/>
-              <a:t>- </a:t>
+              <a:rPr lang="en-US" altLang="zh-CN" dirty="0" smtClean="0"/>
+              <a:t>Slide 11- </a:t>
             </a:r>
             <a:fld id="{3EBF1E54-6874-4277-8498-F9BDAB457264}" type="slidenum">
-              <a:rPr lang="en-US" altLang="zh-CN"/>
+              <a:rPr lang="en-US" altLang="zh-CN" smtClean="0"/>
               <a:pPr/>
               <a:t>93</a:t>
             </a:fld>
-            <a:endParaRPr lang="en-CA" altLang="zh-CN">
+            <a:endParaRPr lang="en-CA" altLang="zh-CN" dirty="0">
               <a:ea typeface="宋体" panose="02010600030101010101" pitchFamily="2" charset="-122"/>
             </a:endParaRPr>
           </a:p>
@@ -45683,25 +42993,15 @@
           <a:lstStyle/>
           <a:p>
             <a:r>
-              <a:rPr lang="en-US" altLang="zh-CN"/>
-              <a:t>Slide </a:t>
-            </a:r>
-            <a:r>
-              <a:rPr lang="en-US" altLang="zh-CN">
-                <a:ea typeface="宋体" panose="02010600030101010101" pitchFamily="2" charset="-122"/>
-              </a:rPr>
-              <a:t>8</a:t>
-            </a:r>
-            <a:r>
-              <a:rPr lang="en-US" altLang="zh-CN"/>
-              <a:t>- </a:t>
+              <a:rPr lang="en-US" altLang="zh-CN" dirty="0" smtClean="0"/>
+              <a:t>Slide 11- </a:t>
             </a:r>
             <a:fld id="{F804F8D7-C5C1-471E-9063-5D4B6D933A84}" type="slidenum">
-              <a:rPr lang="en-US" altLang="zh-CN"/>
+              <a:rPr lang="en-US" altLang="zh-CN" smtClean="0"/>
               <a:pPr/>
               <a:t>94</a:t>
             </a:fld>
-            <a:endParaRPr lang="en-CA" altLang="zh-CN">
+            <a:endParaRPr lang="en-CA" altLang="zh-CN" dirty="0">
               <a:ea typeface="宋体" panose="02010600030101010101" pitchFamily="2" charset="-122"/>
             </a:endParaRPr>
           </a:p>
@@ -46585,25 +43885,15 @@
           <a:lstStyle/>
           <a:p>
             <a:r>
-              <a:rPr lang="en-US" altLang="zh-CN"/>
-              <a:t>Slide </a:t>
-            </a:r>
-            <a:r>
-              <a:rPr lang="en-US" altLang="zh-CN">
-                <a:ea typeface="宋体" panose="02010600030101010101" pitchFamily="2" charset="-122"/>
-              </a:rPr>
-              <a:t>8</a:t>
-            </a:r>
-            <a:r>
-              <a:rPr lang="en-US" altLang="zh-CN"/>
-              <a:t>- </a:t>
+              <a:rPr lang="en-US" altLang="zh-CN" dirty="0" smtClean="0"/>
+              <a:t>Slide 11- </a:t>
             </a:r>
             <a:fld id="{40CB699F-3328-4ACE-9ACB-7D3B3712E748}" type="slidenum">
-              <a:rPr lang="en-US" altLang="zh-CN"/>
+              <a:rPr lang="en-US" altLang="zh-CN" smtClean="0"/>
               <a:pPr/>
               <a:t>95</a:t>
             </a:fld>
-            <a:endParaRPr lang="en-CA" altLang="zh-CN">
+            <a:endParaRPr lang="en-CA" altLang="zh-CN" dirty="0">
               <a:ea typeface="宋体" panose="02010600030101010101" pitchFamily="2" charset="-122"/>
             </a:endParaRPr>
           </a:p>
@@ -47347,25 +44637,15 @@
           <a:lstStyle/>
           <a:p>
             <a:r>
-              <a:rPr lang="en-US" altLang="zh-CN"/>
-              <a:t>Slide </a:t>
-            </a:r>
-            <a:r>
-              <a:rPr lang="en-US" altLang="zh-CN">
-                <a:ea typeface="宋体" panose="02010600030101010101" pitchFamily="2" charset="-122"/>
-              </a:rPr>
-              <a:t>8</a:t>
-            </a:r>
-            <a:r>
-              <a:rPr lang="en-US" altLang="zh-CN"/>
-              <a:t>- </a:t>
+              <a:rPr lang="en-US" altLang="zh-CN" dirty="0" smtClean="0"/>
+              <a:t>Slide 11- </a:t>
             </a:r>
             <a:fld id="{C8BC5932-7C02-47D0-A808-8F80FBFED8A4}" type="slidenum">
-              <a:rPr lang="en-US" altLang="zh-CN"/>
+              <a:rPr lang="en-US" altLang="zh-CN" smtClean="0"/>
               <a:pPr/>
               <a:t>96</a:t>
             </a:fld>
-            <a:endParaRPr lang="en-CA" altLang="zh-CN">
+            <a:endParaRPr lang="en-CA" altLang="zh-CN" dirty="0">
               <a:ea typeface="宋体" panose="02010600030101010101" pitchFamily="2" charset="-122"/>
             </a:endParaRPr>
           </a:p>
@@ -47508,25 +44788,15 @@
           <a:lstStyle/>
           <a:p>
             <a:r>
-              <a:rPr lang="en-US" altLang="zh-CN"/>
-              <a:t>Slide </a:t>
-            </a:r>
-            <a:r>
-              <a:rPr lang="en-US" altLang="zh-CN">
-                <a:ea typeface="宋体" panose="02010600030101010101" pitchFamily="2" charset="-122"/>
-              </a:rPr>
-              <a:t>8</a:t>
-            </a:r>
-            <a:r>
-              <a:rPr lang="en-US" altLang="zh-CN"/>
-              <a:t>- </a:t>
+              <a:rPr lang="en-US" altLang="zh-CN" dirty="0" smtClean="0"/>
+              <a:t>Slide 11- </a:t>
             </a:r>
             <a:fld id="{DA9C8331-0A71-4868-927A-6597B4BFE123}" type="slidenum">
-              <a:rPr lang="en-US" altLang="zh-CN"/>
+              <a:rPr lang="en-US" altLang="zh-CN" smtClean="0"/>
               <a:pPr/>
               <a:t>97</a:t>
             </a:fld>
-            <a:endParaRPr lang="en-CA" altLang="zh-CN">
+            <a:endParaRPr lang="en-CA" altLang="zh-CN" dirty="0">
               <a:ea typeface="宋体" panose="02010600030101010101" pitchFamily="2" charset="-122"/>
             </a:endParaRPr>
           </a:p>
@@ -48282,25 +45552,15 @@
           <a:lstStyle/>
           <a:p>
             <a:r>
-              <a:rPr lang="en-US" altLang="zh-CN"/>
-              <a:t>Slide </a:t>
-            </a:r>
-            <a:r>
-              <a:rPr lang="en-US" altLang="zh-CN">
-                <a:ea typeface="宋体" panose="02010600030101010101" pitchFamily="2" charset="-122"/>
-              </a:rPr>
-              <a:t>8</a:t>
-            </a:r>
-            <a:r>
-              <a:rPr lang="en-US" altLang="zh-CN"/>
-              <a:t>- </a:t>
+              <a:rPr lang="en-US" altLang="zh-CN" dirty="0" smtClean="0"/>
+              <a:t>Slide 11- </a:t>
             </a:r>
             <a:fld id="{84313280-D028-45EF-88DB-8FABEAD6FB67}" type="slidenum">
-              <a:rPr lang="en-US" altLang="zh-CN"/>
+              <a:rPr lang="en-US" altLang="zh-CN" smtClean="0"/>
               <a:pPr/>
               <a:t>98</a:t>
             </a:fld>
-            <a:endParaRPr lang="en-CA" altLang="zh-CN">
+            <a:endParaRPr lang="en-CA" altLang="zh-CN" dirty="0">
               <a:ea typeface="宋体" panose="02010600030101010101" pitchFamily="2" charset="-122"/>
             </a:endParaRPr>
           </a:p>
@@ -49079,25 +46339,15 @@
           <a:lstStyle/>
           <a:p>
             <a:r>
-              <a:rPr lang="en-US" altLang="zh-CN"/>
-              <a:t>Slide </a:t>
-            </a:r>
-            <a:r>
-              <a:rPr lang="en-US" altLang="zh-CN">
-                <a:ea typeface="宋体" panose="02010600030101010101" pitchFamily="2" charset="-122"/>
-              </a:rPr>
-              <a:t>8</a:t>
-            </a:r>
-            <a:r>
-              <a:rPr lang="en-US" altLang="zh-CN"/>
-              <a:t>- </a:t>
+              <a:rPr lang="en-US" altLang="zh-CN" dirty="0" smtClean="0"/>
+              <a:t>Slide 11- </a:t>
             </a:r>
             <a:fld id="{BC99F0F0-DB0F-4D29-A26C-F478CB10A441}" type="slidenum">
-              <a:rPr lang="en-US" altLang="zh-CN"/>
+              <a:rPr lang="en-US" altLang="zh-CN" smtClean="0"/>
               <a:pPr/>
               <a:t>99</a:t>
             </a:fld>
-            <a:endParaRPr lang="en-CA" altLang="zh-CN">
+            <a:endParaRPr lang="en-CA" altLang="zh-CN" dirty="0">
               <a:ea typeface="宋体" panose="02010600030101010101" pitchFamily="2" charset="-122"/>
             </a:endParaRPr>
           </a:p>

--- a/ppt/Chapter 11.pptx
+++ b/ppt/Chapter 11.pptx
@@ -1214,6 +1214,91 @@
 </p:notesMaster>
 </file>
 
+<file path=ppt/notesSlides/notesSlide1.xml><?xml version="1.0" encoding="utf-8"?>
+<p:notes xmlns:a="http://schemas.openxmlformats.org/drawingml/2006/main" xmlns:r="http://schemas.openxmlformats.org/officeDocument/2006/relationships" xmlns:p="http://schemas.openxmlformats.org/presentationml/2006/main">
+  <p:cSld>
+    <p:spTree>
+      <p:nvGrpSpPr>
+        <p:cNvPr id="1" name=""/>
+        <p:cNvGrpSpPr/>
+        <p:nvPr/>
+      </p:nvGrpSpPr>
+      <p:grpSpPr>
+        <a:xfrm>
+          <a:off x="0" y="0"/>
+          <a:ext cx="0" cy="0"/>
+          <a:chOff x="0" y="0"/>
+          <a:chExt cx="0" cy="0"/>
+        </a:xfrm>
+      </p:grpSpPr>
+      <p:sp>
+        <p:nvSpPr>
+          <p:cNvPr id="2" name="幻灯片图像占位符 1"/>
+          <p:cNvSpPr>
+            <a:spLocks noGrp="1" noRot="1" noChangeAspect="1"/>
+          </p:cNvSpPr>
+          <p:nvPr>
+            <p:ph type="sldImg"/>
+          </p:nvPr>
+        </p:nvSpPr>
+        <p:spPr/>
+      </p:sp>
+      <p:sp>
+        <p:nvSpPr>
+          <p:cNvPr id="3" name="备注占位符 2"/>
+          <p:cNvSpPr>
+            <a:spLocks noGrp="1"/>
+          </p:cNvSpPr>
+          <p:nvPr>
+            <p:ph type="body" idx="1"/>
+          </p:nvPr>
+        </p:nvSpPr>
+        <p:spPr/>
+        <p:txBody>
+          <a:bodyPr/>
+          <a:lstStyle/>
+          <a:p>
+            <a:endParaRPr kumimoji="1" lang="zh-CN" altLang="en-US"/>
+          </a:p>
+        </p:txBody>
+      </p:sp>
+      <p:sp>
+        <p:nvSpPr>
+          <p:cNvPr id="4" name="幻灯片编号占位符 3"/>
+          <p:cNvSpPr>
+            <a:spLocks noGrp="1"/>
+          </p:cNvSpPr>
+          <p:nvPr>
+            <p:ph type="sldNum" sz="quarter" idx="10"/>
+          </p:nvPr>
+        </p:nvSpPr>
+        <p:spPr/>
+        <p:txBody>
+          <a:bodyPr/>
+          <a:lstStyle/>
+          <a:p>
+            <a:fld id="{E5B13213-5D72-42BA-9A1A-78AF2DE1CA13}" type="slidenum">
+              <a:rPr lang="zh-CN" altLang="en-CA" smtClean="0"/>
+              <a:pPr/>
+              <a:t>1</a:t>
+            </a:fld>
+            <a:endParaRPr lang="en-CA" altLang="zh-CN"/>
+          </a:p>
+        </p:txBody>
+      </p:sp>
+    </p:spTree>
+    <p:extLst>
+      <p:ext uri="{BB962C8B-B14F-4D97-AF65-F5344CB8AC3E}">
+        <p14:creationId xmlns:p14="http://schemas.microsoft.com/office/powerpoint/2010/main" val="1676129275"/>
+      </p:ext>
+    </p:extLst>
+  </p:cSld>
+  <p:clrMapOvr>
+    <a:masterClrMapping/>
+  </p:clrMapOvr>
+</p:notes>
+</file>
+
 <file path=ppt/slideLayouts/slideLayout1.xml><?xml version="1.0" encoding="utf-8"?>
 <p:sldLayout xmlns:a="http://schemas.openxmlformats.org/drawingml/2006/main" xmlns:r="http://schemas.openxmlformats.org/officeDocument/2006/relationships" xmlns:p="http://schemas.openxmlformats.org/presentationml/2006/main" showMasterSp="0" type="title" preserve="1">
   <p:cSld name="标题幻灯片">
@@ -1407,37 +1492,6 @@
               <a:defRPr sz="900"/>
             </a:lvl1pPr>
           </a:lstStyle>
-          <a:p>
-            <a:r>
-              <a:rPr lang="en-US" altLang="zh-CN"/>
-              <a:t>Copyright © 2008 </a:t>
-            </a:r>
-            <a:r>
-              <a:rPr lang="en-US" altLang="zh-TW">
-                <a:ea typeface="新細明體" charset="-120"/>
-              </a:rPr>
-              <a:t>PEARSON EDUCATION </a:t>
-            </a:r>
-            <a:r>
-              <a:rPr lang="en-US" altLang="zh-CN">
-                <a:ea typeface="宋体" panose="02010600030101010101" pitchFamily="2" charset="-122"/>
-              </a:rPr>
-              <a:t>ASIA </a:t>
-            </a:r>
-            <a:r>
-              <a:rPr lang="en-US" altLang="zh-TW">
-                <a:ea typeface="新細明體" charset="-120"/>
-              </a:rPr>
-              <a:t>LIMITED and Tsinghua University Press</a:t>
-            </a:r>
-            <a:r>
-              <a:rPr lang="en-US" altLang="zh-CN">
-                <a:ea typeface="宋体" panose="02010600030101010101" pitchFamily="2" charset="-122"/>
-              </a:rPr>
-              <a:t> </a:t>
-            </a:r>
-            <a:endParaRPr lang="en-US" altLang="zh-CN"/>
-          </a:p>
           <a:p>
             <a:endParaRPr lang="en-US" altLang="zh-CN"/>
           </a:p>
@@ -4469,6 +4523,36 @@
           </a:p>
         </p:txBody>
       </p:sp>
+      <p:sp>
+        <p:nvSpPr>
+          <p:cNvPr id="2" name="幻灯片编号占位符 1"/>
+          <p:cNvSpPr>
+            <a:spLocks noGrp="1"/>
+          </p:cNvSpPr>
+          <p:nvPr>
+            <p:ph type="sldNum" sz="quarter" idx="10"/>
+          </p:nvPr>
+        </p:nvSpPr>
+        <p:spPr/>
+        <p:txBody>
+          <a:bodyPr/>
+          <a:lstStyle/>
+          <a:p>
+            <a:r>
+              <a:rPr lang="en-US" altLang="zh-CN" smtClean="0"/>
+              <a:t>Slide 11- </a:t>
+            </a:r>
+            <a:fld id="{DCF9E31D-950A-4AA0-9C2F-50C9CB089D80}" type="slidenum">
+              <a:rPr lang="en-US" altLang="zh-CN" smtClean="0"/>
+              <a:pPr/>
+              <a:t>1</a:t>
+            </a:fld>
+            <a:endParaRPr lang="en-CA" altLang="zh-CN" dirty="0">
+              <a:ea typeface="宋体" panose="02010600030101010101" pitchFamily="2" charset="-122"/>
+            </a:endParaRPr>
+          </a:p>
+        </p:txBody>
+      </p:sp>
     </p:spTree>
     <p:extLst>
       <p:ext uri="{BB962C8B-B14F-4D97-AF65-F5344CB8AC3E}">
@@ -4749,6 +4833,36 @@
           </a:p>
         </p:txBody>
       </p:sp>
+      <p:sp>
+        <p:nvSpPr>
+          <p:cNvPr id="2" name="幻灯片编号占位符 1"/>
+          <p:cNvSpPr>
+            <a:spLocks noGrp="1"/>
+          </p:cNvSpPr>
+          <p:nvPr>
+            <p:ph type="sldNum" sz="quarter" idx="10"/>
+          </p:nvPr>
+        </p:nvSpPr>
+        <p:spPr/>
+        <p:txBody>
+          <a:bodyPr/>
+          <a:lstStyle/>
+          <a:p>
+            <a:r>
+              <a:rPr lang="en-US" altLang="zh-CN" smtClean="0"/>
+              <a:t>Slide 11- </a:t>
+            </a:r>
+            <a:fld id="{0794D501-7533-430A-91E4-69528585A3EF}" type="slidenum">
+              <a:rPr lang="en-US" altLang="zh-CN" smtClean="0"/>
+              <a:pPr/>
+              <a:t>10</a:t>
+            </a:fld>
+            <a:endParaRPr lang="en-CA" altLang="zh-CN" dirty="0">
+              <a:ea typeface="宋体" panose="02010600030101010101" pitchFamily="2" charset="-122"/>
+            </a:endParaRPr>
+          </a:p>
+        </p:txBody>
+      </p:sp>
     </p:spTree>
   </p:cSld>
   <p:clrMapOvr>
@@ -8441,6 +8555,36 @@
               <a:rPr lang="en-US" altLang="zh-CN"/>
               <a:t>Using The Function equal</a:t>
             </a:r>
+          </a:p>
+        </p:txBody>
+      </p:sp>
+      <p:sp>
+        <p:nvSpPr>
+          <p:cNvPr id="2" name="幻灯片编号占位符 1"/>
+          <p:cNvSpPr>
+            <a:spLocks noGrp="1"/>
+          </p:cNvSpPr>
+          <p:nvPr>
+            <p:ph type="sldNum" sz="quarter" idx="10"/>
+          </p:nvPr>
+        </p:nvSpPr>
+        <p:spPr/>
+        <p:txBody>
+          <a:bodyPr/>
+          <a:lstStyle/>
+          <a:p>
+            <a:r>
+              <a:rPr lang="en-US" altLang="zh-CN" smtClean="0"/>
+              <a:t>Slide 11- </a:t>
+            </a:r>
+            <a:fld id="{0794D501-7533-430A-91E4-69528585A3EF}" type="slidenum">
+              <a:rPr lang="en-US" altLang="zh-CN" smtClean="0"/>
+              <a:pPr/>
+              <a:t>11</a:t>
+            </a:fld>
+            <a:endParaRPr lang="en-CA" altLang="zh-CN" dirty="0">
+              <a:ea typeface="宋体" panose="02010600030101010101" pitchFamily="2" charset="-122"/>
+            </a:endParaRPr>
           </a:p>
         </p:txBody>
       </p:sp>
@@ -12057,6 +12201,36 @@
           </a:p>
         </p:txBody>
       </p:sp>
+      <p:sp>
+        <p:nvSpPr>
+          <p:cNvPr id="2" name="幻灯片编号占位符 1"/>
+          <p:cNvSpPr>
+            <a:spLocks noGrp="1"/>
+          </p:cNvSpPr>
+          <p:nvPr>
+            <p:ph type="sldNum" sz="quarter" idx="10"/>
+          </p:nvPr>
+        </p:nvSpPr>
+        <p:spPr/>
+        <p:txBody>
+          <a:bodyPr/>
+          <a:lstStyle/>
+          <a:p>
+            <a:r>
+              <a:rPr lang="en-US" altLang="zh-CN" smtClean="0"/>
+              <a:t>Slide 11- </a:t>
+            </a:r>
+            <a:fld id="{0794D501-7533-430A-91E4-69528585A3EF}" type="slidenum">
+              <a:rPr lang="en-US" altLang="zh-CN" smtClean="0"/>
+              <a:pPr/>
+              <a:t>12</a:t>
+            </a:fld>
+            <a:endParaRPr lang="en-CA" altLang="zh-CN" dirty="0">
+              <a:ea typeface="宋体" panose="02010600030101010101" pitchFamily="2" charset="-122"/>
+            </a:endParaRPr>
+          </a:p>
+        </p:txBody>
+      </p:sp>
     </p:spTree>
   </p:cSld>
   <p:clrMapOvr>
@@ -15897,6 +16071,36 @@
           </a:p>
         </p:txBody>
       </p:sp>
+      <p:sp>
+        <p:nvSpPr>
+          <p:cNvPr id="2" name="幻灯片编号占位符 1"/>
+          <p:cNvSpPr>
+            <a:spLocks noGrp="1"/>
+          </p:cNvSpPr>
+          <p:nvPr>
+            <p:ph type="sldNum" sz="quarter" idx="10"/>
+          </p:nvPr>
+        </p:nvSpPr>
+        <p:spPr/>
+        <p:txBody>
+          <a:bodyPr/>
+          <a:lstStyle/>
+          <a:p>
+            <a:r>
+              <a:rPr lang="en-US" altLang="zh-CN" smtClean="0"/>
+              <a:t>Slide 11- </a:t>
+            </a:r>
+            <a:fld id="{0794D501-7533-430A-91E4-69528585A3EF}" type="slidenum">
+              <a:rPr lang="en-US" altLang="zh-CN" smtClean="0"/>
+              <a:pPr/>
+              <a:t>13</a:t>
+            </a:fld>
+            <a:endParaRPr lang="en-CA" altLang="zh-CN" dirty="0">
+              <a:ea typeface="宋体" panose="02010600030101010101" pitchFamily="2" charset="-122"/>
+            </a:endParaRPr>
+          </a:p>
+        </p:txBody>
+      </p:sp>
     </p:spTree>
   </p:cSld>
   <p:clrMapOvr>
@@ -19568,6 +19772,36 @@
           </a:p>
         </p:txBody>
       </p:sp>
+      <p:sp>
+        <p:nvSpPr>
+          <p:cNvPr id="2" name="幻灯片编号占位符 1"/>
+          <p:cNvSpPr>
+            <a:spLocks noGrp="1"/>
+          </p:cNvSpPr>
+          <p:nvPr>
+            <p:ph type="sldNum" sz="quarter" idx="10"/>
+          </p:nvPr>
+        </p:nvSpPr>
+        <p:spPr/>
+        <p:txBody>
+          <a:bodyPr/>
+          <a:lstStyle/>
+          <a:p>
+            <a:r>
+              <a:rPr lang="en-US" altLang="zh-CN" smtClean="0"/>
+              <a:t>Slide 11- </a:t>
+            </a:r>
+            <a:fld id="{0794D501-7533-430A-91E4-69528585A3EF}" type="slidenum">
+              <a:rPr lang="en-US" altLang="zh-CN" smtClean="0"/>
+              <a:pPr/>
+              <a:t>14</a:t>
+            </a:fld>
+            <a:endParaRPr lang="en-CA" altLang="zh-CN" dirty="0">
+              <a:ea typeface="宋体" panose="02010600030101010101" pitchFamily="2" charset="-122"/>
+            </a:endParaRPr>
+          </a:p>
+        </p:txBody>
+      </p:sp>
     </p:spTree>
   </p:cSld>
   <p:clrMapOvr>
@@ -20202,6 +20436,36 @@
           </a:p>
         </p:txBody>
       </p:sp>
+      <p:sp>
+        <p:nvSpPr>
+          <p:cNvPr id="2" name="幻灯片编号占位符 1"/>
+          <p:cNvSpPr>
+            <a:spLocks noGrp="1"/>
+          </p:cNvSpPr>
+          <p:nvPr>
+            <p:ph type="sldNum" sz="quarter" idx="10"/>
+          </p:nvPr>
+        </p:nvSpPr>
+        <p:spPr/>
+        <p:txBody>
+          <a:bodyPr/>
+          <a:lstStyle/>
+          <a:p>
+            <a:r>
+              <a:rPr lang="en-US" altLang="zh-CN" smtClean="0"/>
+              <a:t>Slide 11- </a:t>
+            </a:r>
+            <a:fld id="{0794D501-7533-430A-91E4-69528585A3EF}" type="slidenum">
+              <a:rPr lang="en-US" altLang="zh-CN" smtClean="0"/>
+              <a:pPr/>
+              <a:t>15</a:t>
+            </a:fld>
+            <a:endParaRPr lang="en-CA" altLang="zh-CN" dirty="0">
+              <a:ea typeface="宋体" panose="02010600030101010101" pitchFamily="2" charset="-122"/>
+            </a:endParaRPr>
+          </a:p>
+        </p:txBody>
+      </p:sp>
     </p:spTree>
   </p:cSld>
   <p:clrMapOvr>
@@ -20427,6 +20691,36 @@
               <a:rPr lang="en-US" altLang="zh-CN" dirty="0"/>
               <a:t>'.' operator</a:t>
             </a:r>
+          </a:p>
+        </p:txBody>
+      </p:sp>
+      <p:sp>
+        <p:nvSpPr>
+          <p:cNvPr id="2" name="幻灯片编号占位符 1"/>
+          <p:cNvSpPr>
+            <a:spLocks noGrp="1"/>
+          </p:cNvSpPr>
+          <p:nvPr>
+            <p:ph type="sldNum" sz="quarter" idx="10"/>
+          </p:nvPr>
+        </p:nvSpPr>
+        <p:spPr/>
+        <p:txBody>
+          <a:bodyPr/>
+          <a:lstStyle/>
+          <a:p>
+            <a:r>
+              <a:rPr lang="en-US" altLang="zh-CN" smtClean="0"/>
+              <a:t>Slide 11- </a:t>
+            </a:r>
+            <a:fld id="{0794D501-7533-430A-91E4-69528585A3EF}" type="slidenum">
+              <a:rPr lang="en-US" altLang="zh-CN" smtClean="0"/>
+              <a:pPr/>
+              <a:t>16</a:t>
+            </a:fld>
+            <a:endParaRPr lang="en-CA" altLang="zh-CN" dirty="0">
+              <a:ea typeface="宋体" panose="02010600030101010101" pitchFamily="2" charset="-122"/>
+            </a:endParaRPr>
           </a:p>
         </p:txBody>
       </p:sp>
@@ -20853,6 +21147,36 @@
           </a:p>
         </p:txBody>
       </p:sp>
+      <p:sp>
+        <p:nvSpPr>
+          <p:cNvPr id="2" name="幻灯片编号占位符 1"/>
+          <p:cNvSpPr>
+            <a:spLocks noGrp="1"/>
+          </p:cNvSpPr>
+          <p:nvPr>
+            <p:ph type="sldNum" sz="quarter" idx="10"/>
+          </p:nvPr>
+        </p:nvSpPr>
+        <p:spPr/>
+        <p:txBody>
+          <a:bodyPr/>
+          <a:lstStyle/>
+          <a:p>
+            <a:r>
+              <a:rPr lang="en-US" altLang="zh-CN" smtClean="0"/>
+              <a:t>Slide 11- </a:t>
+            </a:r>
+            <a:fld id="{0794D501-7533-430A-91E4-69528585A3EF}" type="slidenum">
+              <a:rPr lang="en-US" altLang="zh-CN" smtClean="0"/>
+              <a:pPr/>
+              <a:t>17</a:t>
+            </a:fld>
+            <a:endParaRPr lang="en-CA" altLang="zh-CN" dirty="0">
+              <a:ea typeface="宋体" panose="02010600030101010101" pitchFamily="2" charset="-122"/>
+            </a:endParaRPr>
+          </a:p>
+        </p:txBody>
+      </p:sp>
     </p:spTree>
   </p:cSld>
   <p:clrMapOvr>
@@ -21009,6 +21333,36 @@
           </a:p>
         </p:txBody>
       </p:sp>
+      <p:sp>
+        <p:nvSpPr>
+          <p:cNvPr id="2" name="幻灯片编号占位符 1"/>
+          <p:cNvSpPr>
+            <a:spLocks noGrp="1"/>
+          </p:cNvSpPr>
+          <p:nvPr>
+            <p:ph type="sldNum" sz="quarter" idx="10"/>
+          </p:nvPr>
+        </p:nvSpPr>
+        <p:spPr/>
+        <p:txBody>
+          <a:bodyPr/>
+          <a:lstStyle/>
+          <a:p>
+            <a:r>
+              <a:rPr lang="en-US" altLang="zh-CN" smtClean="0"/>
+              <a:t>Slide 11- </a:t>
+            </a:r>
+            <a:fld id="{0794D501-7533-430A-91E4-69528585A3EF}" type="slidenum">
+              <a:rPr lang="en-US" altLang="zh-CN" smtClean="0"/>
+              <a:pPr/>
+              <a:t>18</a:t>
+            </a:fld>
+            <a:endParaRPr lang="en-CA" altLang="zh-CN" dirty="0">
+              <a:ea typeface="宋体" panose="02010600030101010101" pitchFamily="2" charset="-122"/>
+            </a:endParaRPr>
+          </a:p>
+        </p:txBody>
+      </p:sp>
     </p:spTree>
   </p:cSld>
   <p:clrMapOvr>
@@ -21172,6 +21526,36 @@
           </a:p>
         </p:txBody>
       </p:sp>
+      <p:sp>
+        <p:nvSpPr>
+          <p:cNvPr id="2" name="幻灯片编号占位符 1"/>
+          <p:cNvSpPr>
+            <a:spLocks noGrp="1"/>
+          </p:cNvSpPr>
+          <p:nvPr>
+            <p:ph type="sldNum" sz="quarter" idx="10"/>
+          </p:nvPr>
+        </p:nvSpPr>
+        <p:spPr/>
+        <p:txBody>
+          <a:bodyPr/>
+          <a:lstStyle/>
+          <a:p>
+            <a:r>
+              <a:rPr lang="en-US" altLang="zh-CN" smtClean="0"/>
+              <a:t>Slide 11- </a:t>
+            </a:r>
+            <a:fld id="{0794D501-7533-430A-91E4-69528585A3EF}" type="slidenum">
+              <a:rPr lang="en-US" altLang="zh-CN" smtClean="0"/>
+              <a:pPr/>
+              <a:t>19</a:t>
+            </a:fld>
+            <a:endParaRPr lang="en-CA" altLang="zh-CN" dirty="0">
+              <a:ea typeface="宋体" panose="02010600030101010101" pitchFamily="2" charset="-122"/>
+            </a:endParaRPr>
+          </a:p>
+        </p:txBody>
+      </p:sp>
     </p:spTree>
   </p:cSld>
   <p:clrMapOvr>
@@ -21608,6 +21992,36 @@
           </a:p>
         </p:txBody>
       </p:sp>
+      <p:sp>
+        <p:nvSpPr>
+          <p:cNvPr id="3" name="幻灯片编号占位符 2"/>
+          <p:cNvSpPr>
+            <a:spLocks noGrp="1"/>
+          </p:cNvSpPr>
+          <p:nvPr>
+            <p:ph type="sldNum" sz="quarter" idx="10"/>
+          </p:nvPr>
+        </p:nvSpPr>
+        <p:spPr/>
+        <p:txBody>
+          <a:bodyPr/>
+          <a:lstStyle/>
+          <a:p>
+            <a:r>
+              <a:rPr lang="en-US" altLang="zh-CN" smtClean="0"/>
+              <a:t>Slide 11- </a:t>
+            </a:r>
+            <a:fld id="{0794D501-7533-430A-91E4-69528585A3EF}" type="slidenum">
+              <a:rPr lang="en-US" altLang="zh-CN" smtClean="0"/>
+              <a:pPr/>
+              <a:t>2</a:t>
+            </a:fld>
+            <a:endParaRPr lang="en-CA" altLang="zh-CN" dirty="0">
+              <a:ea typeface="宋体" panose="02010600030101010101" pitchFamily="2" charset="-122"/>
+            </a:endParaRPr>
+          </a:p>
+        </p:txBody>
+      </p:sp>
     </p:spTree>
     <p:extLst>
       <p:ext uri="{BB962C8B-B14F-4D97-AF65-F5344CB8AC3E}">
@@ -21738,6 +22152,36 @@
               <a:t>before February 2.</a:t>
             </a:r>
             <a:endParaRPr lang="zh-CN" altLang="en-US" dirty="0"/>
+          </a:p>
+        </p:txBody>
+      </p:sp>
+      <p:sp>
+        <p:nvSpPr>
+          <p:cNvPr id="4" name="幻灯片编号占位符 3"/>
+          <p:cNvSpPr>
+            <a:spLocks noGrp="1"/>
+          </p:cNvSpPr>
+          <p:nvPr>
+            <p:ph type="sldNum" sz="quarter" idx="10"/>
+          </p:nvPr>
+        </p:nvSpPr>
+        <p:spPr/>
+        <p:txBody>
+          <a:bodyPr/>
+          <a:lstStyle/>
+          <a:p>
+            <a:r>
+              <a:rPr lang="en-US" altLang="zh-CN" smtClean="0"/>
+              <a:t>Slide 11- </a:t>
+            </a:r>
+            <a:fld id="{0794D501-7533-430A-91E4-69528585A3EF}" type="slidenum">
+              <a:rPr lang="en-US" altLang="zh-CN" smtClean="0"/>
+              <a:pPr/>
+              <a:t>20</a:t>
+            </a:fld>
+            <a:endParaRPr lang="en-CA" altLang="zh-CN" dirty="0">
+              <a:ea typeface="宋体" panose="02010600030101010101" pitchFamily="2" charset="-122"/>
+            </a:endParaRPr>
           </a:p>
         </p:txBody>
       </p:sp>
@@ -21963,6 +22407,36 @@
               <a:rPr lang="en-US" altLang="zh-CN" dirty="0"/>
               <a:t>Two friend functions, equal and add, are used</a:t>
             </a:r>
+          </a:p>
+        </p:txBody>
+      </p:sp>
+      <p:sp>
+        <p:nvSpPr>
+          <p:cNvPr id="2" name="幻灯片编号占位符 1"/>
+          <p:cNvSpPr>
+            <a:spLocks noGrp="1"/>
+          </p:cNvSpPr>
+          <p:nvPr>
+            <p:ph type="sldNum" sz="quarter" idx="10"/>
+          </p:nvPr>
+        </p:nvSpPr>
+        <p:spPr/>
+        <p:txBody>
+          <a:bodyPr/>
+          <a:lstStyle/>
+          <a:p>
+            <a:r>
+              <a:rPr lang="en-US" altLang="zh-CN" smtClean="0"/>
+              <a:t>Slide 11- </a:t>
+            </a:r>
+            <a:fld id="{0794D501-7533-430A-91E4-69528585A3EF}" type="slidenum">
+              <a:rPr lang="en-US" altLang="zh-CN" smtClean="0"/>
+              <a:pPr/>
+              <a:t>21</a:t>
+            </a:fld>
+            <a:endParaRPr lang="en-CA" altLang="zh-CN" dirty="0">
+              <a:ea typeface="宋体" panose="02010600030101010101" pitchFamily="2" charset="-122"/>
+            </a:endParaRPr>
           </a:p>
         </p:txBody>
       </p:sp>
@@ -22246,6 +22720,36 @@
           </a:p>
         </p:txBody>
       </p:sp>
+      <p:sp>
+        <p:nvSpPr>
+          <p:cNvPr id="2" name="幻灯片编号占位符 1"/>
+          <p:cNvSpPr>
+            <a:spLocks noGrp="1"/>
+          </p:cNvSpPr>
+          <p:nvPr>
+            <p:ph type="sldNum" sz="quarter" idx="10"/>
+          </p:nvPr>
+        </p:nvSpPr>
+        <p:spPr/>
+        <p:txBody>
+          <a:bodyPr/>
+          <a:lstStyle/>
+          <a:p>
+            <a:r>
+              <a:rPr lang="en-US" altLang="zh-CN" smtClean="0"/>
+              <a:t>Slide 11- </a:t>
+            </a:r>
+            <a:fld id="{0794D501-7533-430A-91E4-69528585A3EF}" type="slidenum">
+              <a:rPr lang="en-US" altLang="zh-CN" smtClean="0"/>
+              <a:pPr/>
+              <a:t>22</a:t>
+            </a:fld>
+            <a:endParaRPr lang="en-CA" altLang="zh-CN" dirty="0">
+              <a:ea typeface="宋体" panose="02010600030101010101" pitchFamily="2" charset="-122"/>
+            </a:endParaRPr>
+          </a:p>
+        </p:txBody>
+      </p:sp>
     </p:spTree>
   </p:cSld>
   <p:clrMapOvr>
@@ -22469,6 +22973,36 @@
           </a:p>
         </p:txBody>
       </p:sp>
+      <p:sp>
+        <p:nvSpPr>
+          <p:cNvPr id="2" name="幻灯片编号占位符 1"/>
+          <p:cNvSpPr>
+            <a:spLocks noGrp="1"/>
+          </p:cNvSpPr>
+          <p:nvPr>
+            <p:ph type="sldNum" sz="quarter" idx="10"/>
+          </p:nvPr>
+        </p:nvSpPr>
+        <p:spPr/>
+        <p:txBody>
+          <a:bodyPr/>
+          <a:lstStyle/>
+          <a:p>
+            <a:r>
+              <a:rPr lang="en-US" altLang="zh-CN" smtClean="0"/>
+              <a:t>Slide 11- </a:t>
+            </a:r>
+            <a:fld id="{0794D501-7533-430A-91E4-69528585A3EF}" type="slidenum">
+              <a:rPr lang="en-US" altLang="zh-CN" smtClean="0"/>
+              <a:pPr/>
+              <a:t>23</a:t>
+            </a:fld>
+            <a:endParaRPr lang="en-CA" altLang="zh-CN" dirty="0">
+              <a:ea typeface="宋体" panose="02010600030101010101" pitchFamily="2" charset="-122"/>
+            </a:endParaRPr>
+          </a:p>
+        </p:txBody>
+      </p:sp>
     </p:spTree>
   </p:cSld>
   <p:clrMapOvr>
@@ -22737,6 +23271,36 @@
           </a:p>
         </p:txBody>
       </p:sp>
+      <p:sp>
+        <p:nvSpPr>
+          <p:cNvPr id="2" name="幻灯片编号占位符 1"/>
+          <p:cNvSpPr>
+            <a:spLocks noGrp="1"/>
+          </p:cNvSpPr>
+          <p:nvPr>
+            <p:ph type="sldNum" sz="quarter" idx="10"/>
+          </p:nvPr>
+        </p:nvSpPr>
+        <p:spPr/>
+        <p:txBody>
+          <a:bodyPr/>
+          <a:lstStyle/>
+          <a:p>
+            <a:r>
+              <a:rPr lang="en-US" altLang="zh-CN" smtClean="0"/>
+              <a:t>Slide 11- </a:t>
+            </a:r>
+            <a:fld id="{0794D501-7533-430A-91E4-69528585A3EF}" type="slidenum">
+              <a:rPr lang="en-US" altLang="zh-CN" smtClean="0"/>
+              <a:pPr/>
+              <a:t>25</a:t>
+            </a:fld>
+            <a:endParaRPr lang="en-CA" altLang="zh-CN" dirty="0">
+              <a:ea typeface="宋体" panose="02010600030101010101" pitchFamily="2" charset="-122"/>
+            </a:endParaRPr>
+          </a:p>
+        </p:txBody>
+      </p:sp>
     </p:spTree>
   </p:cSld>
   <p:clrMapOvr>
@@ -22903,6 +23467,36 @@
           </a:p>
         </p:txBody>
       </p:sp>
+      <p:sp>
+        <p:nvSpPr>
+          <p:cNvPr id="2" name="幻灯片编号占位符 1"/>
+          <p:cNvSpPr>
+            <a:spLocks noGrp="1"/>
+          </p:cNvSpPr>
+          <p:nvPr>
+            <p:ph type="sldNum" sz="quarter" idx="10"/>
+          </p:nvPr>
+        </p:nvSpPr>
+        <p:spPr/>
+        <p:txBody>
+          <a:bodyPr/>
+          <a:lstStyle/>
+          <a:p>
+            <a:r>
+              <a:rPr lang="en-US" altLang="zh-CN" smtClean="0"/>
+              <a:t>Slide 11- </a:t>
+            </a:r>
+            <a:fld id="{0794D501-7533-430A-91E4-69528585A3EF}" type="slidenum">
+              <a:rPr lang="en-US" altLang="zh-CN" smtClean="0"/>
+              <a:pPr/>
+              <a:t>26</a:t>
+            </a:fld>
+            <a:endParaRPr lang="en-CA" altLang="zh-CN" dirty="0">
+              <a:ea typeface="宋体" panose="02010600030101010101" pitchFamily="2" charset="-122"/>
+            </a:endParaRPr>
+          </a:p>
+        </p:txBody>
+      </p:sp>
     </p:spTree>
   </p:cSld>
   <p:clrMapOvr>
@@ -23023,6 +23617,36 @@
           </a:p>
         </p:txBody>
       </p:sp>
+      <p:sp>
+        <p:nvSpPr>
+          <p:cNvPr id="2" name="幻灯片编号占位符 1"/>
+          <p:cNvSpPr>
+            <a:spLocks noGrp="1"/>
+          </p:cNvSpPr>
+          <p:nvPr>
+            <p:ph type="sldNum" sz="quarter" idx="10"/>
+          </p:nvPr>
+        </p:nvSpPr>
+        <p:spPr/>
+        <p:txBody>
+          <a:bodyPr/>
+          <a:lstStyle/>
+          <a:p>
+            <a:r>
+              <a:rPr lang="en-US" altLang="zh-CN" smtClean="0"/>
+              <a:t>Slide 11- </a:t>
+            </a:r>
+            <a:fld id="{0794D501-7533-430A-91E4-69528585A3EF}" type="slidenum">
+              <a:rPr lang="en-US" altLang="zh-CN" smtClean="0"/>
+              <a:pPr/>
+              <a:t>27</a:t>
+            </a:fld>
+            <a:endParaRPr lang="en-CA" altLang="zh-CN" dirty="0">
+              <a:ea typeface="宋体" panose="02010600030101010101" pitchFamily="2" charset="-122"/>
+            </a:endParaRPr>
+          </a:p>
+        </p:txBody>
+      </p:sp>
     </p:spTree>
   </p:cSld>
   <p:clrMapOvr>
@@ -23161,6 +23785,36 @@
           </a:p>
         </p:txBody>
       </p:sp>
+      <p:sp>
+        <p:nvSpPr>
+          <p:cNvPr id="2" name="幻灯片编号占位符 1"/>
+          <p:cNvSpPr>
+            <a:spLocks noGrp="1"/>
+          </p:cNvSpPr>
+          <p:nvPr>
+            <p:ph type="sldNum" sz="quarter" idx="10"/>
+          </p:nvPr>
+        </p:nvSpPr>
+        <p:spPr/>
+        <p:txBody>
+          <a:bodyPr/>
+          <a:lstStyle/>
+          <a:p>
+            <a:r>
+              <a:rPr lang="en-US" altLang="zh-CN" smtClean="0"/>
+              <a:t>Slide 11- </a:t>
+            </a:r>
+            <a:fld id="{0794D501-7533-430A-91E4-69528585A3EF}" type="slidenum">
+              <a:rPr lang="en-US" altLang="zh-CN" smtClean="0"/>
+              <a:pPr/>
+              <a:t>28</a:t>
+            </a:fld>
+            <a:endParaRPr lang="en-CA" altLang="zh-CN" dirty="0">
+              <a:ea typeface="宋体" panose="02010600030101010101" pitchFamily="2" charset="-122"/>
+            </a:endParaRPr>
+          </a:p>
+        </p:txBody>
+      </p:sp>
     </p:spTree>
   </p:cSld>
   <p:clrMapOvr>
@@ -23801,6 +24455,36 @@
           </a:p>
         </p:txBody>
       </p:sp>
+      <p:sp>
+        <p:nvSpPr>
+          <p:cNvPr id="4" name="幻灯片编号占位符 3"/>
+          <p:cNvSpPr>
+            <a:spLocks noGrp="1"/>
+          </p:cNvSpPr>
+          <p:nvPr>
+            <p:ph type="sldNum" sz="quarter" idx="10"/>
+          </p:nvPr>
+        </p:nvSpPr>
+        <p:spPr/>
+        <p:txBody>
+          <a:bodyPr/>
+          <a:lstStyle/>
+          <a:p>
+            <a:r>
+              <a:rPr lang="en-US" altLang="zh-CN" smtClean="0"/>
+              <a:t>Slide 11- </a:t>
+            </a:r>
+            <a:fld id="{0794D501-7533-430A-91E4-69528585A3EF}" type="slidenum">
+              <a:rPr lang="en-US" altLang="zh-CN" smtClean="0"/>
+              <a:pPr/>
+              <a:t>29</a:t>
+            </a:fld>
+            <a:endParaRPr lang="en-CA" altLang="zh-CN" dirty="0">
+              <a:ea typeface="宋体" panose="02010600030101010101" pitchFamily="2" charset="-122"/>
+            </a:endParaRPr>
+          </a:p>
+        </p:txBody>
+      </p:sp>
     </p:spTree>
   </p:cSld>
   <p:clrMapOvr>
@@ -24523,6 +25207,36 @@
           <a:lstStyle/>
           <a:p>
             <a:endParaRPr lang="zh-CN" altLang="en-US" sz="1800"/>
+          </a:p>
+        </p:txBody>
+      </p:sp>
+      <p:sp>
+        <p:nvSpPr>
+          <p:cNvPr id="3" name="幻灯片编号占位符 2"/>
+          <p:cNvSpPr>
+            <a:spLocks noGrp="1"/>
+          </p:cNvSpPr>
+          <p:nvPr>
+            <p:ph type="sldNum" sz="quarter" idx="10"/>
+          </p:nvPr>
+        </p:nvSpPr>
+        <p:spPr/>
+        <p:txBody>
+          <a:bodyPr/>
+          <a:lstStyle/>
+          <a:p>
+            <a:r>
+              <a:rPr lang="en-US" altLang="zh-CN" smtClean="0"/>
+              <a:t>Slide 11- </a:t>
+            </a:r>
+            <a:fld id="{0794D501-7533-430A-91E4-69528585A3EF}" type="slidenum">
+              <a:rPr lang="en-US" altLang="zh-CN" smtClean="0"/>
+              <a:pPr/>
+              <a:t>3</a:t>
+            </a:fld>
+            <a:endParaRPr lang="en-CA" altLang="zh-CN" dirty="0">
+              <a:ea typeface="宋体" panose="02010600030101010101" pitchFamily="2" charset="-122"/>
+            </a:endParaRPr>
           </a:p>
         </p:txBody>
       </p:sp>
@@ -24988,6 +25702,36 @@
           </a:p>
         </p:txBody>
       </p:sp>
+      <p:sp>
+        <p:nvSpPr>
+          <p:cNvPr id="2" name="幻灯片编号占位符 1"/>
+          <p:cNvSpPr>
+            <a:spLocks noGrp="1"/>
+          </p:cNvSpPr>
+          <p:nvPr>
+            <p:ph type="sldNum" sz="quarter" idx="10"/>
+          </p:nvPr>
+        </p:nvSpPr>
+        <p:spPr/>
+        <p:txBody>
+          <a:bodyPr/>
+          <a:lstStyle/>
+          <a:p>
+            <a:r>
+              <a:rPr lang="en-US" altLang="zh-CN" smtClean="0"/>
+              <a:t>Slide 11- </a:t>
+            </a:r>
+            <a:fld id="{0794D501-7533-430A-91E4-69528585A3EF}" type="slidenum">
+              <a:rPr lang="en-US" altLang="zh-CN" smtClean="0"/>
+              <a:pPr/>
+              <a:t>30</a:t>
+            </a:fld>
+            <a:endParaRPr lang="en-CA" altLang="zh-CN" dirty="0">
+              <a:ea typeface="宋体" panose="02010600030101010101" pitchFamily="2" charset="-122"/>
+            </a:endParaRPr>
+          </a:p>
+        </p:txBody>
+      </p:sp>
     </p:spTree>
   </p:cSld>
   <p:clrMapOvr>
@@ -25275,6 +26019,36 @@
           </a:p>
         </p:txBody>
       </p:sp>
+      <p:sp>
+        <p:nvSpPr>
+          <p:cNvPr id="2" name="幻灯片编号占位符 1"/>
+          <p:cNvSpPr>
+            <a:spLocks noGrp="1"/>
+          </p:cNvSpPr>
+          <p:nvPr>
+            <p:ph type="sldNum" sz="quarter" idx="10"/>
+          </p:nvPr>
+        </p:nvSpPr>
+        <p:spPr/>
+        <p:txBody>
+          <a:bodyPr/>
+          <a:lstStyle/>
+          <a:p>
+            <a:r>
+              <a:rPr lang="en-US" altLang="zh-CN" smtClean="0"/>
+              <a:t>Slide 11- </a:t>
+            </a:r>
+            <a:fld id="{0794D501-7533-430A-91E4-69528585A3EF}" type="slidenum">
+              <a:rPr lang="en-US" altLang="zh-CN" smtClean="0"/>
+              <a:pPr/>
+              <a:t>31</a:t>
+            </a:fld>
+            <a:endParaRPr lang="en-CA" altLang="zh-CN" dirty="0">
+              <a:ea typeface="宋体" panose="02010600030101010101" pitchFamily="2" charset="-122"/>
+            </a:endParaRPr>
+          </a:p>
+        </p:txBody>
+      </p:sp>
     </p:spTree>
   </p:cSld>
   <p:clrMapOvr>
@@ -25403,6 +26177,36 @@
           </a:p>
         </p:txBody>
       </p:sp>
+      <p:sp>
+        <p:nvSpPr>
+          <p:cNvPr id="2" name="幻灯片编号占位符 1"/>
+          <p:cNvSpPr>
+            <a:spLocks noGrp="1"/>
+          </p:cNvSpPr>
+          <p:nvPr>
+            <p:ph type="sldNum" sz="quarter" idx="10"/>
+          </p:nvPr>
+        </p:nvSpPr>
+        <p:spPr/>
+        <p:txBody>
+          <a:bodyPr/>
+          <a:lstStyle/>
+          <a:p>
+            <a:r>
+              <a:rPr lang="en-US" altLang="zh-CN" smtClean="0"/>
+              <a:t>Slide 11- </a:t>
+            </a:r>
+            <a:fld id="{0794D501-7533-430A-91E4-69528585A3EF}" type="slidenum">
+              <a:rPr lang="en-US" altLang="zh-CN" smtClean="0"/>
+              <a:pPr/>
+              <a:t>32</a:t>
+            </a:fld>
+            <a:endParaRPr lang="en-CA" altLang="zh-CN" dirty="0">
+              <a:ea typeface="宋体" panose="02010600030101010101" pitchFamily="2" charset="-122"/>
+            </a:endParaRPr>
+          </a:p>
+        </p:txBody>
+      </p:sp>
     </p:spTree>
   </p:cSld>
   <p:clrMapOvr>
@@ -25678,6 +26482,36 @@
           </a:p>
         </p:txBody>
       </p:sp>
+      <p:sp>
+        <p:nvSpPr>
+          <p:cNvPr id="2" name="幻灯片编号占位符 1"/>
+          <p:cNvSpPr>
+            <a:spLocks noGrp="1"/>
+          </p:cNvSpPr>
+          <p:nvPr>
+            <p:ph type="sldNum" sz="quarter" idx="10"/>
+          </p:nvPr>
+        </p:nvSpPr>
+        <p:spPr/>
+        <p:txBody>
+          <a:bodyPr/>
+          <a:lstStyle/>
+          <a:p>
+            <a:r>
+              <a:rPr lang="en-US" altLang="zh-CN" smtClean="0"/>
+              <a:t>Slide 11- </a:t>
+            </a:r>
+            <a:fld id="{0794D501-7533-430A-91E4-69528585A3EF}" type="slidenum">
+              <a:rPr lang="en-US" altLang="zh-CN" smtClean="0"/>
+              <a:pPr/>
+              <a:t>33</a:t>
+            </a:fld>
+            <a:endParaRPr lang="en-CA" altLang="zh-CN" dirty="0">
+              <a:ea typeface="宋体" panose="02010600030101010101" pitchFamily="2" charset="-122"/>
+            </a:endParaRPr>
+          </a:p>
+        </p:txBody>
+      </p:sp>
     </p:spTree>
   </p:cSld>
   <p:clrMapOvr>
@@ -25904,6 +26738,36 @@
           </a:p>
         </p:txBody>
       </p:sp>
+      <p:sp>
+        <p:nvSpPr>
+          <p:cNvPr id="2" name="幻灯片编号占位符 1"/>
+          <p:cNvSpPr>
+            <a:spLocks noGrp="1"/>
+          </p:cNvSpPr>
+          <p:nvPr>
+            <p:ph type="sldNum" sz="quarter" idx="10"/>
+          </p:nvPr>
+        </p:nvSpPr>
+        <p:spPr/>
+        <p:txBody>
+          <a:bodyPr/>
+          <a:lstStyle/>
+          <a:p>
+            <a:r>
+              <a:rPr lang="en-US" altLang="zh-CN" smtClean="0"/>
+              <a:t>Slide 11- </a:t>
+            </a:r>
+            <a:fld id="{0794D501-7533-430A-91E4-69528585A3EF}" type="slidenum">
+              <a:rPr lang="en-US" altLang="zh-CN" smtClean="0"/>
+              <a:pPr/>
+              <a:t>34</a:t>
+            </a:fld>
+            <a:endParaRPr lang="en-CA" altLang="zh-CN" dirty="0">
+              <a:ea typeface="宋体" panose="02010600030101010101" pitchFamily="2" charset="-122"/>
+            </a:endParaRPr>
+          </a:p>
+        </p:txBody>
+      </p:sp>
     </p:spTree>
   </p:cSld>
   <p:clrMapOvr>
@@ -26169,6 +27033,36 @@
           </a:p>
         </p:txBody>
       </p:sp>
+      <p:sp>
+        <p:nvSpPr>
+          <p:cNvPr id="2" name="幻灯片编号占位符 1"/>
+          <p:cNvSpPr>
+            <a:spLocks noGrp="1"/>
+          </p:cNvSpPr>
+          <p:nvPr>
+            <p:ph type="sldNum" sz="quarter" idx="10"/>
+          </p:nvPr>
+        </p:nvSpPr>
+        <p:spPr/>
+        <p:txBody>
+          <a:bodyPr/>
+          <a:lstStyle/>
+          <a:p>
+            <a:r>
+              <a:rPr lang="en-US" altLang="zh-CN" smtClean="0"/>
+              <a:t>Slide 11- </a:t>
+            </a:r>
+            <a:fld id="{0794D501-7533-430A-91E4-69528585A3EF}" type="slidenum">
+              <a:rPr lang="en-US" altLang="zh-CN" smtClean="0"/>
+              <a:pPr/>
+              <a:t>35</a:t>
+            </a:fld>
+            <a:endParaRPr lang="en-CA" altLang="zh-CN" dirty="0">
+              <a:ea typeface="宋体" panose="02010600030101010101" pitchFamily="2" charset="-122"/>
+            </a:endParaRPr>
+          </a:p>
+        </p:txBody>
+      </p:sp>
     </p:spTree>
   </p:cSld>
   <p:clrMapOvr>
@@ -26426,6 +27320,36 @@
               <a:rPr lang="en-US" altLang="zh-CN" sz="2400" dirty="0"/>
               <a:t>declaration and definition</a:t>
             </a:r>
+          </a:p>
+        </p:txBody>
+      </p:sp>
+      <p:sp>
+        <p:nvSpPr>
+          <p:cNvPr id="2" name="幻灯片编号占位符 1"/>
+          <p:cNvSpPr>
+            <a:spLocks noGrp="1"/>
+          </p:cNvSpPr>
+          <p:nvPr>
+            <p:ph type="sldNum" sz="quarter" idx="10"/>
+          </p:nvPr>
+        </p:nvSpPr>
+        <p:spPr/>
+        <p:txBody>
+          <a:bodyPr/>
+          <a:lstStyle/>
+          <a:p>
+            <a:r>
+              <a:rPr lang="en-US" altLang="zh-CN" smtClean="0"/>
+              <a:t>Slide 11- </a:t>
+            </a:r>
+            <a:fld id="{0794D501-7533-430A-91E4-69528585A3EF}" type="slidenum">
+              <a:rPr lang="en-US" altLang="zh-CN" smtClean="0"/>
+              <a:pPr/>
+              <a:t>36</a:t>
+            </a:fld>
+            <a:endParaRPr lang="en-CA" altLang="zh-CN" dirty="0">
+              <a:ea typeface="宋体" panose="02010600030101010101" pitchFamily="2" charset="-122"/>
+            </a:endParaRPr>
           </a:p>
         </p:txBody>
       </p:sp>
@@ -26681,6 +27605,36 @@
           </a:p>
         </p:txBody>
       </p:sp>
+      <p:sp>
+        <p:nvSpPr>
+          <p:cNvPr id="2" name="幻灯片编号占位符 1"/>
+          <p:cNvSpPr>
+            <a:spLocks noGrp="1"/>
+          </p:cNvSpPr>
+          <p:nvPr>
+            <p:ph type="sldNum" sz="quarter" idx="10"/>
+          </p:nvPr>
+        </p:nvSpPr>
+        <p:spPr/>
+        <p:txBody>
+          <a:bodyPr/>
+          <a:lstStyle/>
+          <a:p>
+            <a:r>
+              <a:rPr lang="en-US" altLang="zh-CN" smtClean="0"/>
+              <a:t>Slide 11- </a:t>
+            </a:r>
+            <a:fld id="{0794D501-7533-430A-91E4-69528585A3EF}" type="slidenum">
+              <a:rPr lang="en-US" altLang="zh-CN" smtClean="0"/>
+              <a:pPr/>
+              <a:t>37</a:t>
+            </a:fld>
+            <a:endParaRPr lang="en-CA" altLang="zh-CN" dirty="0">
+              <a:ea typeface="宋体" panose="02010600030101010101" pitchFamily="2" charset="-122"/>
+            </a:endParaRPr>
+          </a:p>
+        </p:txBody>
+      </p:sp>
     </p:spTree>
   </p:cSld>
   <p:clrMapOvr>
@@ -26943,6 +27897,36 @@
           </a:p>
         </p:txBody>
       </p:sp>
+      <p:sp>
+        <p:nvSpPr>
+          <p:cNvPr id="2" name="幻灯片编号占位符 1"/>
+          <p:cNvSpPr>
+            <a:spLocks noGrp="1"/>
+          </p:cNvSpPr>
+          <p:nvPr>
+            <p:ph type="sldNum" sz="quarter" idx="10"/>
+          </p:nvPr>
+        </p:nvSpPr>
+        <p:spPr/>
+        <p:txBody>
+          <a:bodyPr/>
+          <a:lstStyle/>
+          <a:p>
+            <a:r>
+              <a:rPr lang="en-US" altLang="zh-CN" smtClean="0"/>
+              <a:t>Slide 11- </a:t>
+            </a:r>
+            <a:fld id="{0794D501-7533-430A-91E4-69528585A3EF}" type="slidenum">
+              <a:rPr lang="en-US" altLang="zh-CN" smtClean="0"/>
+              <a:pPr/>
+              <a:t>38</a:t>
+            </a:fld>
+            <a:endParaRPr lang="en-CA" altLang="zh-CN" dirty="0">
+              <a:ea typeface="宋体" panose="02010600030101010101" pitchFamily="2" charset="-122"/>
+            </a:endParaRPr>
+          </a:p>
+        </p:txBody>
+      </p:sp>
     </p:spTree>
   </p:cSld>
   <p:clrMapOvr>
@@ -27096,6 +28080,36 @@
           </a:p>
         </p:txBody>
       </p:sp>
+      <p:sp>
+        <p:nvSpPr>
+          <p:cNvPr id="4" name="幻灯片编号占位符 3"/>
+          <p:cNvSpPr>
+            <a:spLocks noGrp="1"/>
+          </p:cNvSpPr>
+          <p:nvPr>
+            <p:ph type="sldNum" sz="quarter" idx="10"/>
+          </p:nvPr>
+        </p:nvSpPr>
+        <p:spPr/>
+        <p:txBody>
+          <a:bodyPr/>
+          <a:lstStyle/>
+          <a:p>
+            <a:r>
+              <a:rPr lang="en-US" altLang="zh-CN" smtClean="0"/>
+              <a:t>Slide 11- </a:t>
+            </a:r>
+            <a:fld id="{0794D501-7533-430A-91E4-69528585A3EF}" type="slidenum">
+              <a:rPr lang="en-US" altLang="zh-CN" smtClean="0"/>
+              <a:pPr/>
+              <a:t>39</a:t>
+            </a:fld>
+            <a:endParaRPr lang="en-CA" altLang="zh-CN" dirty="0">
+              <a:ea typeface="宋体" panose="02010600030101010101" pitchFamily="2" charset="-122"/>
+            </a:endParaRPr>
+          </a:p>
+        </p:txBody>
+      </p:sp>
     </p:spTree>
     <p:extLst>
       <p:ext uri="{BB962C8B-B14F-4D97-AF65-F5344CB8AC3E}">
@@ -27298,6 +28312,36 @@
               </a:rPr>
               <a:t>Classes and Dynamic Arrays</a:t>
             </a:r>
+          </a:p>
+        </p:txBody>
+      </p:sp>
+      <p:sp>
+        <p:nvSpPr>
+          <p:cNvPr id="2" name="幻灯片编号占位符 1"/>
+          <p:cNvSpPr>
+            <a:spLocks noGrp="1"/>
+          </p:cNvSpPr>
+          <p:nvPr>
+            <p:ph type="sldNum" sz="quarter" idx="10"/>
+          </p:nvPr>
+        </p:nvSpPr>
+        <p:spPr/>
+        <p:txBody>
+          <a:bodyPr/>
+          <a:lstStyle/>
+          <a:p>
+            <a:r>
+              <a:rPr lang="en-US" altLang="zh-CN" smtClean="0"/>
+              <a:t>Slide 11- </a:t>
+            </a:r>
+            <a:fld id="{0794D501-7533-430A-91E4-69528585A3EF}" type="slidenum">
+              <a:rPr lang="en-US" altLang="zh-CN" smtClean="0"/>
+              <a:pPr/>
+              <a:t>4</a:t>
+            </a:fld>
+            <a:endParaRPr lang="en-CA" altLang="zh-CN" dirty="0">
+              <a:ea typeface="宋体" panose="02010600030101010101" pitchFamily="2" charset="-122"/>
+            </a:endParaRPr>
           </a:p>
         </p:txBody>
       </p:sp>
@@ -27783,6 +28827,36 @@
           <a:lstStyle/>
           <a:p>
             <a:endParaRPr lang="zh-CN" altLang="en-US"/>
+          </a:p>
+        </p:txBody>
+      </p:sp>
+      <p:sp>
+        <p:nvSpPr>
+          <p:cNvPr id="2" name="幻灯片编号占位符 1"/>
+          <p:cNvSpPr>
+            <a:spLocks noGrp="1"/>
+          </p:cNvSpPr>
+          <p:nvPr>
+            <p:ph type="sldNum" sz="quarter" idx="10"/>
+          </p:nvPr>
+        </p:nvSpPr>
+        <p:spPr/>
+        <p:txBody>
+          <a:bodyPr/>
+          <a:lstStyle/>
+          <a:p>
+            <a:r>
+              <a:rPr lang="en-US" altLang="zh-CN" smtClean="0"/>
+              <a:t>Slide 11- </a:t>
+            </a:r>
+            <a:fld id="{0794D501-7533-430A-91E4-69528585A3EF}" type="slidenum">
+              <a:rPr lang="en-US" altLang="zh-CN" smtClean="0"/>
+              <a:pPr/>
+              <a:t>41</a:t>
+            </a:fld>
+            <a:endParaRPr lang="en-CA" altLang="zh-CN" dirty="0">
+              <a:ea typeface="宋体" panose="02010600030101010101" pitchFamily="2" charset="-122"/>
+            </a:endParaRPr>
           </a:p>
         </p:txBody>
       </p:sp>
@@ -27968,6 +29042,36 @@
           </a:p>
         </p:txBody>
       </p:sp>
+      <p:sp>
+        <p:nvSpPr>
+          <p:cNvPr id="2" name="幻灯片编号占位符 1"/>
+          <p:cNvSpPr>
+            <a:spLocks noGrp="1"/>
+          </p:cNvSpPr>
+          <p:nvPr>
+            <p:ph type="sldNum" sz="quarter" idx="10"/>
+          </p:nvPr>
+        </p:nvSpPr>
+        <p:spPr/>
+        <p:txBody>
+          <a:bodyPr/>
+          <a:lstStyle/>
+          <a:p>
+            <a:r>
+              <a:rPr lang="en-US" altLang="zh-CN" smtClean="0"/>
+              <a:t>Slide 11- </a:t>
+            </a:r>
+            <a:fld id="{0794D501-7533-430A-91E4-69528585A3EF}" type="slidenum">
+              <a:rPr lang="en-US" altLang="zh-CN" smtClean="0"/>
+              <a:pPr/>
+              <a:t>42</a:t>
+            </a:fld>
+            <a:endParaRPr lang="en-CA" altLang="zh-CN" dirty="0">
+              <a:ea typeface="宋体" panose="02010600030101010101" pitchFamily="2" charset="-122"/>
+            </a:endParaRPr>
+          </a:p>
+        </p:txBody>
+      </p:sp>
     </p:spTree>
   </p:cSld>
   <p:clrMapOvr>
@@ -28122,6 +29226,36 @@
           </a:p>
         </p:txBody>
       </p:sp>
+      <p:sp>
+        <p:nvSpPr>
+          <p:cNvPr id="2" name="幻灯片编号占位符 1"/>
+          <p:cNvSpPr>
+            <a:spLocks noGrp="1"/>
+          </p:cNvSpPr>
+          <p:nvPr>
+            <p:ph type="sldNum" sz="quarter" idx="10"/>
+          </p:nvPr>
+        </p:nvSpPr>
+        <p:spPr/>
+        <p:txBody>
+          <a:bodyPr/>
+          <a:lstStyle/>
+          <a:p>
+            <a:r>
+              <a:rPr lang="en-US" altLang="zh-CN" smtClean="0"/>
+              <a:t>Slide 11- </a:t>
+            </a:r>
+            <a:fld id="{0794D501-7533-430A-91E4-69528585A3EF}" type="slidenum">
+              <a:rPr lang="en-US" altLang="zh-CN" smtClean="0"/>
+              <a:pPr/>
+              <a:t>43</a:t>
+            </a:fld>
+            <a:endParaRPr lang="en-CA" altLang="zh-CN" dirty="0">
+              <a:ea typeface="宋体" panose="02010600030101010101" pitchFamily="2" charset="-122"/>
+            </a:endParaRPr>
+          </a:p>
+        </p:txBody>
+      </p:sp>
     </p:spTree>
   </p:cSld>
   <p:clrMapOvr>
@@ -28271,6 +29405,36 @@
           </a:p>
         </p:txBody>
       </p:sp>
+      <p:sp>
+        <p:nvSpPr>
+          <p:cNvPr id="2" name="幻灯片编号占位符 1"/>
+          <p:cNvSpPr>
+            <a:spLocks noGrp="1"/>
+          </p:cNvSpPr>
+          <p:nvPr>
+            <p:ph type="sldNum" sz="quarter" idx="10"/>
+          </p:nvPr>
+        </p:nvSpPr>
+        <p:spPr/>
+        <p:txBody>
+          <a:bodyPr/>
+          <a:lstStyle/>
+          <a:p>
+            <a:r>
+              <a:rPr lang="en-US" altLang="zh-CN" smtClean="0"/>
+              <a:t>Slide 11- </a:t>
+            </a:r>
+            <a:fld id="{0794D501-7533-430A-91E4-69528585A3EF}" type="slidenum">
+              <a:rPr lang="en-US" altLang="zh-CN" smtClean="0"/>
+              <a:pPr/>
+              <a:t>44</a:t>
+            </a:fld>
+            <a:endParaRPr lang="en-CA" altLang="zh-CN" dirty="0">
+              <a:ea typeface="宋体" panose="02010600030101010101" pitchFamily="2" charset="-122"/>
+            </a:endParaRPr>
+          </a:p>
+        </p:txBody>
+      </p:sp>
     </p:spTree>
   </p:cSld>
   <p:clrMapOvr>
@@ -28629,6 +29793,36 @@
           </a:p>
         </p:txBody>
       </p:sp>
+      <p:sp>
+        <p:nvSpPr>
+          <p:cNvPr id="4" name="幻灯片编号占位符 3"/>
+          <p:cNvSpPr>
+            <a:spLocks noGrp="1"/>
+          </p:cNvSpPr>
+          <p:nvPr>
+            <p:ph type="sldNum" sz="quarter" idx="10"/>
+          </p:nvPr>
+        </p:nvSpPr>
+        <p:spPr/>
+        <p:txBody>
+          <a:bodyPr/>
+          <a:lstStyle/>
+          <a:p>
+            <a:r>
+              <a:rPr lang="en-US" altLang="zh-CN" smtClean="0"/>
+              <a:t>Slide 11- </a:t>
+            </a:r>
+            <a:fld id="{0794D501-7533-430A-91E4-69528585A3EF}" type="slidenum">
+              <a:rPr lang="en-US" altLang="zh-CN" smtClean="0"/>
+              <a:pPr/>
+              <a:t>45</a:t>
+            </a:fld>
+            <a:endParaRPr lang="en-CA" altLang="zh-CN" dirty="0">
+              <a:ea typeface="宋体" panose="02010600030101010101" pitchFamily="2" charset="-122"/>
+            </a:endParaRPr>
+          </a:p>
+        </p:txBody>
+      </p:sp>
     </p:spTree>
     <p:extLst>
       <p:ext uri="{BB962C8B-B14F-4D97-AF65-F5344CB8AC3E}">
@@ -28797,6 +29991,36 @@
               <a:rPr lang="en-US" altLang="zh-CN" sz="2400" dirty="0"/>
               <a:t>., ::, *, and ? cannot be overloaded</a:t>
             </a:r>
+          </a:p>
+        </p:txBody>
+      </p:sp>
+      <p:sp>
+        <p:nvSpPr>
+          <p:cNvPr id="2" name="幻灯片编号占位符 1"/>
+          <p:cNvSpPr>
+            <a:spLocks noGrp="1"/>
+          </p:cNvSpPr>
+          <p:nvPr>
+            <p:ph type="sldNum" sz="quarter" idx="10"/>
+          </p:nvPr>
+        </p:nvSpPr>
+        <p:spPr/>
+        <p:txBody>
+          <a:bodyPr/>
+          <a:lstStyle/>
+          <a:p>
+            <a:r>
+              <a:rPr lang="en-US" altLang="zh-CN" smtClean="0"/>
+              <a:t>Slide 11- </a:t>
+            </a:r>
+            <a:fld id="{0794D501-7533-430A-91E4-69528585A3EF}" type="slidenum">
+              <a:rPr lang="en-US" altLang="zh-CN" smtClean="0"/>
+              <a:pPr/>
+              <a:t>46</a:t>
+            </a:fld>
+            <a:endParaRPr lang="en-CA" altLang="zh-CN" dirty="0">
+              <a:ea typeface="宋体" panose="02010600030101010101" pitchFamily="2" charset="-122"/>
+            </a:endParaRPr>
           </a:p>
         </p:txBody>
       </p:sp>
@@ -29084,6 +30308,36 @@
               <a:rPr lang="en-US" altLang="zh-CN"/>
               <a:t>Overloading Operators</a:t>
             </a:r>
+          </a:p>
+        </p:txBody>
+      </p:sp>
+      <p:sp>
+        <p:nvSpPr>
+          <p:cNvPr id="2" name="幻灯片编号占位符 1"/>
+          <p:cNvSpPr>
+            <a:spLocks noGrp="1"/>
+          </p:cNvSpPr>
+          <p:nvPr>
+            <p:ph type="sldNum" sz="quarter" idx="10"/>
+          </p:nvPr>
+        </p:nvSpPr>
+        <p:spPr/>
+        <p:txBody>
+          <a:bodyPr/>
+          <a:lstStyle/>
+          <a:p>
+            <a:r>
+              <a:rPr lang="en-US" altLang="zh-CN" smtClean="0"/>
+              <a:t>Slide 11- </a:t>
+            </a:r>
+            <a:fld id="{0794D501-7533-430A-91E4-69528585A3EF}" type="slidenum">
+              <a:rPr lang="en-US" altLang="zh-CN" smtClean="0"/>
+              <a:pPr/>
+              <a:t>47</a:t>
+            </a:fld>
+            <a:endParaRPr lang="en-CA" altLang="zh-CN" dirty="0">
+              <a:ea typeface="宋体" panose="02010600030101010101" pitchFamily="2" charset="-122"/>
+            </a:endParaRPr>
           </a:p>
         </p:txBody>
       </p:sp>
@@ -29430,6 +30684,36 @@
           </a:p>
         </p:txBody>
       </p:sp>
+      <p:sp>
+        <p:nvSpPr>
+          <p:cNvPr id="2" name="幻灯片编号占位符 1"/>
+          <p:cNvSpPr>
+            <a:spLocks noGrp="1"/>
+          </p:cNvSpPr>
+          <p:nvPr>
+            <p:ph type="sldNum" sz="quarter" idx="10"/>
+          </p:nvPr>
+        </p:nvSpPr>
+        <p:spPr/>
+        <p:txBody>
+          <a:bodyPr/>
+          <a:lstStyle/>
+          <a:p>
+            <a:r>
+              <a:rPr lang="en-US" altLang="zh-CN" smtClean="0"/>
+              <a:t>Slide 11- </a:t>
+            </a:r>
+            <a:fld id="{0794D501-7533-430A-91E4-69528585A3EF}" type="slidenum">
+              <a:rPr lang="en-US" altLang="zh-CN" smtClean="0"/>
+              <a:pPr/>
+              <a:t>48</a:t>
+            </a:fld>
+            <a:endParaRPr lang="en-CA" altLang="zh-CN" dirty="0">
+              <a:ea typeface="宋体" panose="02010600030101010101" pitchFamily="2" charset="-122"/>
+            </a:endParaRPr>
+          </a:p>
+        </p:txBody>
+      </p:sp>
     </p:spTree>
   </p:cSld>
   <p:clrMapOvr>
@@ -29747,6 +31031,36 @@
           <a:lstStyle/>
           <a:p>
             <a:endParaRPr lang="zh-CN" altLang="en-US"/>
+          </a:p>
+        </p:txBody>
+      </p:sp>
+      <p:sp>
+        <p:nvSpPr>
+          <p:cNvPr id="2" name="幻灯片编号占位符 1"/>
+          <p:cNvSpPr>
+            <a:spLocks noGrp="1"/>
+          </p:cNvSpPr>
+          <p:nvPr>
+            <p:ph type="sldNum" sz="quarter" idx="10"/>
+          </p:nvPr>
+        </p:nvSpPr>
+        <p:spPr/>
+        <p:txBody>
+          <a:bodyPr/>
+          <a:lstStyle/>
+          <a:p>
+            <a:r>
+              <a:rPr lang="en-US" altLang="zh-CN" smtClean="0"/>
+              <a:t>Slide 11- </a:t>
+            </a:r>
+            <a:fld id="{0794D501-7533-430A-91E4-69528585A3EF}" type="slidenum">
+              <a:rPr lang="en-US" altLang="zh-CN" smtClean="0"/>
+              <a:pPr/>
+              <a:t>5</a:t>
+            </a:fld>
+            <a:endParaRPr lang="en-CA" altLang="zh-CN" dirty="0">
+              <a:ea typeface="宋体" panose="02010600030101010101" pitchFamily="2" charset="-122"/>
+            </a:endParaRPr>
           </a:p>
         </p:txBody>
       </p:sp>
@@ -33028,6 +34342,36 @@
           </a:p>
         </p:txBody>
       </p:sp>
+      <p:sp>
+        <p:nvSpPr>
+          <p:cNvPr id="2" name="幻灯片编号占位符 1"/>
+          <p:cNvSpPr>
+            <a:spLocks noGrp="1"/>
+          </p:cNvSpPr>
+          <p:nvPr>
+            <p:ph type="sldNum" sz="quarter" idx="10"/>
+          </p:nvPr>
+        </p:nvSpPr>
+        <p:spPr/>
+        <p:txBody>
+          <a:bodyPr/>
+          <a:lstStyle/>
+          <a:p>
+            <a:r>
+              <a:rPr lang="en-US" altLang="zh-CN" smtClean="0"/>
+              <a:t>Slide 11- </a:t>
+            </a:r>
+            <a:fld id="{0794D501-7533-430A-91E4-69528585A3EF}" type="slidenum">
+              <a:rPr lang="en-US" altLang="zh-CN" smtClean="0"/>
+              <a:pPr/>
+              <a:t>6</a:t>
+            </a:fld>
+            <a:endParaRPr lang="en-CA" altLang="zh-CN" dirty="0">
+              <a:ea typeface="宋体" panose="02010600030101010101" pitchFamily="2" charset="-122"/>
+            </a:endParaRPr>
+          </a:p>
+        </p:txBody>
+      </p:sp>
     </p:spTree>
   </p:cSld>
   <p:clrMapOvr>
@@ -34164,6 +35508,36 @@
           <a:lstStyle/>
           <a:p>
             <a:endParaRPr lang="zh-CN" altLang="en-US"/>
+          </a:p>
+        </p:txBody>
+      </p:sp>
+      <p:sp>
+        <p:nvSpPr>
+          <p:cNvPr id="2" name="幻灯片编号占位符 1"/>
+          <p:cNvSpPr>
+            <a:spLocks noGrp="1"/>
+          </p:cNvSpPr>
+          <p:nvPr>
+            <p:ph type="sldNum" sz="quarter" idx="10"/>
+          </p:nvPr>
+        </p:nvSpPr>
+        <p:spPr/>
+        <p:txBody>
+          <a:bodyPr/>
+          <a:lstStyle/>
+          <a:p>
+            <a:r>
+              <a:rPr lang="en-US" altLang="zh-CN" smtClean="0"/>
+              <a:t>Slide 11- </a:t>
+            </a:r>
+            <a:fld id="{0794D501-7533-430A-91E4-69528585A3EF}" type="slidenum">
+              <a:rPr lang="en-US" altLang="zh-CN" smtClean="0"/>
+              <a:pPr/>
+              <a:t>64</a:t>
+            </a:fld>
+            <a:endParaRPr lang="en-CA" altLang="zh-CN" dirty="0">
+              <a:ea typeface="宋体" panose="02010600030101010101" pitchFamily="2" charset="-122"/>
+            </a:endParaRPr>
           </a:p>
         </p:txBody>
       </p:sp>
@@ -36215,6 +37589,36 @@
           </a:p>
         </p:txBody>
       </p:sp>
+      <p:sp>
+        <p:nvSpPr>
+          <p:cNvPr id="2" name="幻灯片编号占位符 1"/>
+          <p:cNvSpPr>
+            <a:spLocks noGrp="1"/>
+          </p:cNvSpPr>
+          <p:nvPr>
+            <p:ph type="sldNum" sz="quarter" idx="10"/>
+          </p:nvPr>
+        </p:nvSpPr>
+        <p:spPr/>
+        <p:txBody>
+          <a:bodyPr/>
+          <a:lstStyle/>
+          <a:p>
+            <a:r>
+              <a:rPr lang="en-US" altLang="zh-CN" smtClean="0"/>
+              <a:t>Slide 11- </a:t>
+            </a:r>
+            <a:fld id="{0794D501-7533-430A-91E4-69528585A3EF}" type="slidenum">
+              <a:rPr lang="en-US" altLang="zh-CN" smtClean="0"/>
+              <a:pPr/>
+              <a:t>7</a:t>
+            </a:fld>
+            <a:endParaRPr lang="en-CA" altLang="zh-CN" dirty="0">
+              <a:ea typeface="宋体" panose="02010600030101010101" pitchFamily="2" charset="-122"/>
+            </a:endParaRPr>
+          </a:p>
+        </p:txBody>
+      </p:sp>
     </p:spTree>
   </p:cSld>
   <p:clrMapOvr>
@@ -38224,6 +39628,36 @@
           </a:p>
         </p:txBody>
       </p:sp>
+      <p:sp>
+        <p:nvSpPr>
+          <p:cNvPr id="2" name="幻灯片编号占位符 1"/>
+          <p:cNvSpPr>
+            <a:spLocks noGrp="1"/>
+          </p:cNvSpPr>
+          <p:nvPr>
+            <p:ph type="sldNum" sz="quarter" idx="10"/>
+          </p:nvPr>
+        </p:nvSpPr>
+        <p:spPr/>
+        <p:txBody>
+          <a:bodyPr/>
+          <a:lstStyle/>
+          <a:p>
+            <a:r>
+              <a:rPr lang="en-US" altLang="zh-CN" smtClean="0"/>
+              <a:t>Slide 11- </a:t>
+            </a:r>
+            <a:fld id="{0794D501-7533-430A-91E4-69528585A3EF}" type="slidenum">
+              <a:rPr lang="en-US" altLang="zh-CN" smtClean="0"/>
+              <a:pPr/>
+              <a:t>78</a:t>
+            </a:fld>
+            <a:endParaRPr lang="en-CA" altLang="zh-CN" dirty="0">
+              <a:ea typeface="宋体" panose="02010600030101010101" pitchFamily="2" charset="-122"/>
+            </a:endParaRPr>
+          </a:p>
+        </p:txBody>
+      </p:sp>
     </p:spTree>
     <p:extLst>
       <p:ext uri="{BB962C8B-B14F-4D97-AF65-F5344CB8AC3E}">
@@ -38646,6 +40080,36 @@
               <a:solidFill>
                 <a:srgbClr val="0000FF"/>
               </a:solidFill>
+              <a:ea typeface="宋体" panose="02010600030101010101" pitchFamily="2" charset="-122"/>
+            </a:endParaRPr>
+          </a:p>
+        </p:txBody>
+      </p:sp>
+      <p:sp>
+        <p:nvSpPr>
+          <p:cNvPr id="4" name="幻灯片编号占位符 3"/>
+          <p:cNvSpPr>
+            <a:spLocks noGrp="1"/>
+          </p:cNvSpPr>
+          <p:nvPr>
+            <p:ph type="sldNum" sz="quarter" idx="10"/>
+          </p:nvPr>
+        </p:nvSpPr>
+        <p:spPr/>
+        <p:txBody>
+          <a:bodyPr/>
+          <a:lstStyle/>
+          <a:p>
+            <a:r>
+              <a:rPr lang="en-US" altLang="zh-CN" smtClean="0"/>
+              <a:t>Slide 11- </a:t>
+            </a:r>
+            <a:fld id="{0794D501-7533-430A-91E4-69528585A3EF}" type="slidenum">
+              <a:rPr lang="en-US" altLang="zh-CN" smtClean="0"/>
+              <a:pPr/>
+              <a:t>8</a:t>
+            </a:fld>
+            <a:endParaRPr lang="en-CA" altLang="zh-CN" dirty="0">
               <a:ea typeface="宋体" panose="02010600030101010101" pitchFamily="2" charset="-122"/>
             </a:endParaRPr>
           </a:p>
@@ -42142,6 +43606,36 @@
               <a:t>DayOfYear</a:t>
             </a:r>
             <a:endParaRPr lang="en-US" altLang="zh-CN" dirty="0"/>
+          </a:p>
+        </p:txBody>
+      </p:sp>
+      <p:sp>
+        <p:nvSpPr>
+          <p:cNvPr id="2" name="幻灯片编号占位符 1"/>
+          <p:cNvSpPr>
+            <a:spLocks noGrp="1"/>
+          </p:cNvSpPr>
+          <p:nvPr>
+            <p:ph type="sldNum" sz="quarter" idx="10"/>
+          </p:nvPr>
+        </p:nvSpPr>
+        <p:spPr/>
+        <p:txBody>
+          <a:bodyPr/>
+          <a:lstStyle/>
+          <a:p>
+            <a:r>
+              <a:rPr lang="en-US" altLang="zh-CN" smtClean="0"/>
+              <a:t>Slide 11- </a:t>
+            </a:r>
+            <a:fld id="{0794D501-7533-430A-91E4-69528585A3EF}" type="slidenum">
+              <a:rPr lang="en-US" altLang="zh-CN" smtClean="0"/>
+              <a:pPr/>
+              <a:t>9</a:t>
+            </a:fld>
+            <a:endParaRPr lang="en-CA" altLang="zh-CN" dirty="0">
+              <a:ea typeface="宋体" panose="02010600030101010101" pitchFamily="2" charset="-122"/>
+            </a:endParaRPr>
           </a:p>
         </p:txBody>
       </p:sp>
